--- a/thesis/ukapp2/wqu_isc/sofware_design/Lesson 3 - Java.pptx
+++ b/thesis/ukapp2/wqu_isc/sofware_design/Lesson 3 - Java.pptx
@@ -346,7 +346,7 @@
           <a:p>
             <a:fld id="{CD13FC2D-BEDB-45BE-AF82-649A39BEFF71}" type="datetimeFigureOut">
               <a:rPr lang="en-GB" smtClean="0"/>
-              <a:t>13/10/2020</a:t>
+              <a:t>14/10/2020</a:t>
             </a:fld>
             <a:endParaRPr lang="en-GB"/>
           </a:p>
@@ -554,7 +554,7 @@
           <a:p>
             <a:fld id="{CD13FC2D-BEDB-45BE-AF82-649A39BEFF71}" type="datetimeFigureOut">
               <a:rPr lang="en-GB" smtClean="0"/>
-              <a:t>13/10/2020</a:t>
+              <a:t>14/10/2020</a:t>
             </a:fld>
             <a:endParaRPr lang="en-GB"/>
           </a:p>
@@ -810,7 +810,7 @@
           <a:p>
             <a:fld id="{CD13FC2D-BEDB-45BE-AF82-649A39BEFF71}" type="datetimeFigureOut">
               <a:rPr lang="en-GB" smtClean="0"/>
-              <a:t>13/10/2020</a:t>
+              <a:t>14/10/2020</a:t>
             </a:fld>
             <a:endParaRPr lang="en-GB"/>
           </a:p>
@@ -980,7 +980,7 @@
           <a:p>
             <a:fld id="{CD13FC2D-BEDB-45BE-AF82-649A39BEFF71}" type="datetimeFigureOut">
               <a:rPr lang="en-GB" smtClean="0"/>
-              <a:t>13/10/2020</a:t>
+              <a:t>14/10/2020</a:t>
             </a:fld>
             <a:endParaRPr lang="en-GB"/>
           </a:p>
@@ -1323,7 +1323,7 @@
           <a:p>
             <a:fld id="{CD13FC2D-BEDB-45BE-AF82-649A39BEFF71}" type="datetimeFigureOut">
               <a:rPr lang="en-GB" smtClean="0"/>
-              <a:t>13/10/2020</a:t>
+              <a:t>14/10/2020</a:t>
             </a:fld>
             <a:endParaRPr lang="en-GB"/>
           </a:p>
@@ -1598,7 +1598,7 @@
           <a:p>
             <a:fld id="{CD13FC2D-BEDB-45BE-AF82-649A39BEFF71}" type="datetimeFigureOut">
               <a:rPr lang="en-GB" smtClean="0"/>
-              <a:t>13/10/2020</a:t>
+              <a:t>14/10/2020</a:t>
             </a:fld>
             <a:endParaRPr lang="en-GB"/>
           </a:p>
@@ -1977,7 +1977,7 @@
           <a:p>
             <a:fld id="{CD13FC2D-BEDB-45BE-AF82-649A39BEFF71}" type="datetimeFigureOut">
               <a:rPr lang="en-GB" smtClean="0"/>
-              <a:t>13/10/2020</a:t>
+              <a:t>14/10/2020</a:t>
             </a:fld>
             <a:endParaRPr lang="en-GB"/>
           </a:p>
@@ -2095,7 +2095,7 @@
           <a:p>
             <a:fld id="{CD13FC2D-BEDB-45BE-AF82-649A39BEFF71}" type="datetimeFigureOut">
               <a:rPr lang="en-GB" smtClean="0"/>
-              <a:t>13/10/2020</a:t>
+              <a:t>14/10/2020</a:t>
             </a:fld>
             <a:endParaRPr lang="en-GB"/>
           </a:p>
@@ -2266,7 +2266,7 @@
           <a:p>
             <a:fld id="{CD13FC2D-BEDB-45BE-AF82-649A39BEFF71}" type="datetimeFigureOut">
               <a:rPr lang="en-GB" smtClean="0"/>
-              <a:t>13/10/2020</a:t>
+              <a:t>14/10/2020</a:t>
             </a:fld>
             <a:endParaRPr lang="en-GB"/>
           </a:p>
@@ -2620,7 +2620,7 @@
           <a:p>
             <a:fld id="{CD13FC2D-BEDB-45BE-AF82-649A39BEFF71}" type="datetimeFigureOut">
               <a:rPr lang="en-GB" smtClean="0"/>
-              <a:t>13/10/2020</a:t>
+              <a:t>14/10/2020</a:t>
             </a:fld>
             <a:endParaRPr lang="en-GB"/>
           </a:p>
@@ -3002,7 +3002,7 @@
           <a:p>
             <a:fld id="{CD13FC2D-BEDB-45BE-AF82-649A39BEFF71}" type="datetimeFigureOut">
               <a:rPr lang="en-GB" smtClean="0"/>
-              <a:t>13/10/2020</a:t>
+              <a:t>14/10/2020</a:t>
             </a:fld>
             <a:endParaRPr lang="en-GB"/>
           </a:p>
@@ -3289,7 +3289,7 @@
           <a:p>
             <a:fld id="{CD13FC2D-BEDB-45BE-AF82-649A39BEFF71}" type="datetimeFigureOut">
               <a:rPr lang="en-GB" smtClean="0"/>
-              <a:t>13/10/2020</a:t>
+              <a:t>14/10/2020</a:t>
             </a:fld>
             <a:endParaRPr lang="en-GB"/>
           </a:p>
@@ -4015,7 +4015,7 @@
         </p:nvSpPr>
         <p:spPr>
           <a:xfrm>
-            <a:off x="822960" y="1845734"/>
+            <a:off x="822960" y="1750484"/>
             <a:ext cx="4853940" cy="4459816"/>
           </a:xfrm>
         </p:spPr>
@@ -4140,11 +4140,7 @@
             </a:r>
             <a:r>
               <a:rPr lang="en-US" sz="2400" dirty="0" smtClean="0"/>
-              <a:t>Class </a:t>
-            </a:r>
-            <a:r>
-              <a:rPr lang="en-US" sz="2400" dirty="0" smtClean="0"/>
-              <a:t>diagrams</a:t>
+              <a:t>Class diagrams</a:t>
             </a:r>
           </a:p>
           <a:p>
@@ -4225,7 +4221,28 @@
             </a:pPr>
             <a:r>
               <a:rPr lang="en-US" sz="2400" dirty="0" smtClean="0"/>
-              <a:t> this pointer</a:t>
+              <a:t> this </a:t>
+            </a:r>
+            <a:r>
+              <a:rPr lang="en-US" sz="2400" dirty="0" smtClean="0"/>
+              <a:t>pointer</a:t>
+            </a:r>
+          </a:p>
+          <a:p>
+            <a:pPr>
+              <a:spcBef>
+                <a:spcPts val="0"/>
+              </a:spcBef>
+              <a:buFont typeface="Wingdings" panose="05000000000000000000" pitchFamily="2" charset="2"/>
+              <a:buChar char="v"/>
+            </a:pPr>
+            <a:r>
+              <a:rPr lang="en-US" sz="2400" dirty="0"/>
+              <a:t> </a:t>
+            </a:r>
+            <a:r>
+              <a:rPr lang="en-US" sz="2400" dirty="0" smtClean="0"/>
+              <a:t>String class</a:t>
             </a:r>
             <a:endParaRPr lang="en-GB" sz="2400" dirty="0"/>
           </a:p>
@@ -6047,21 +6064,6 @@
 </file>
 
 <file path=customXml/item1.xml><?xml version="1.0" encoding="utf-8"?>
-<?mso-contentType ?>
-<FormTemplates xmlns="http://schemas.microsoft.com/sharepoint/v3/contenttype/forms">
-  <Display>DocumentLibraryForm</Display>
-  <Edit>DocumentLibraryForm</Edit>
-  <New>DocumentLibraryForm</New>
-</FormTemplates>
-</file>
-
-<file path=customXml/item2.xml><?xml version="1.0" encoding="utf-8"?>
-<p:properties xmlns:p="http://schemas.microsoft.com/office/2006/metadata/properties" xmlns:xsi="http://www.w3.org/2001/XMLSchema-instance" xmlns:pc="http://schemas.microsoft.com/office/infopath/2007/PartnerControls">
-  <documentManagement/>
-</p:properties>
-</file>
-
-<file path=customXml/item3.xml><?xml version="1.0" encoding="utf-8"?>
 <ct:contentTypeSchema xmlns:ct="http://schemas.microsoft.com/office/2006/metadata/contentType" xmlns:ma="http://schemas.microsoft.com/office/2006/metadata/properties/metaAttributes" ct:_="" ma:_="" ma:contentTypeName="Document" ma:contentTypeID="0x010100062A1965C0ED8D4B93D90EC9097FB304" ma:contentTypeVersion="13" ma:contentTypeDescription="Create a new document." ma:contentTypeScope="" ma:versionID="ad8c00255a362f38b965062bb6973433">
   <xsd:schema xmlns:xsd="http://www.w3.org/2001/XMLSchema" xmlns:xs="http://www.w3.org/2001/XMLSchema" xmlns:p="http://schemas.microsoft.com/office/2006/metadata/properties" xmlns:ns3="cab83b3b-4db3-4a13-8dd4-e60be6d87cf5" xmlns:ns4="c2e86655-d7ed-4420-bc92-1b9547829f54" targetNamespace="http://schemas.microsoft.com/office/2006/metadata/properties" ma:root="true" ma:fieldsID="d47f86c9060cacabc5fb99b2dd628c7d" ns3:_="" ns4:_="">
     <xsd:import namespace="cab83b3b-4db3-4a13-8dd4-e60be6d87cf5"/>
@@ -6284,10 +6286,36 @@
 </ct:contentTypeSchema>
 </file>
 
+<file path=customXml/item2.xml><?xml version="1.0" encoding="utf-8"?>
+<p:properties xmlns:p="http://schemas.microsoft.com/office/2006/metadata/properties" xmlns:xsi="http://www.w3.org/2001/XMLSchema-instance" xmlns:pc="http://schemas.microsoft.com/office/infopath/2007/PartnerControls">
+  <documentManagement/>
+</p:properties>
+</file>
+
+<file path=customXml/item3.xml><?xml version="1.0" encoding="utf-8"?>
+<?mso-contentType ?>
+<FormTemplates xmlns="http://schemas.microsoft.com/sharepoint/v3/contenttype/forms">
+  <Display>DocumentLibraryForm</Display>
+  <Edit>DocumentLibraryForm</Edit>
+  <New>DocumentLibraryForm</New>
+</FormTemplates>
+</file>
+
 <file path=customXml/itemProps1.xml><?xml version="1.0" encoding="utf-8"?>
-<ds:datastoreItem xmlns:ds="http://schemas.openxmlformats.org/officeDocument/2006/customXml" ds:itemID="{07A05CC1-FF68-453F-AE9C-352B80151440}">
+<ds:datastoreItem xmlns:ds="http://schemas.openxmlformats.org/officeDocument/2006/customXml" ds:itemID="{03233C07-2685-44F7-9601-FF64EA49BA1B}">
   <ds:schemaRefs>
-    <ds:schemaRef ds:uri="http://schemas.microsoft.com/sharepoint/v3/contenttype/forms"/>
+    <ds:schemaRef ds:uri="http://schemas.microsoft.com/office/2006/metadata/contentType"/>
+    <ds:schemaRef ds:uri="http://schemas.microsoft.com/office/2006/metadata/properties/metaAttributes"/>
+    <ds:schemaRef ds:uri="http://www.w3.org/2001/XMLSchema"/>
+    <ds:schemaRef ds:uri="http://schemas.microsoft.com/office/2006/metadata/properties"/>
+    <ds:schemaRef ds:uri="cab83b3b-4db3-4a13-8dd4-e60be6d87cf5"/>
+    <ds:schemaRef ds:uri="c2e86655-d7ed-4420-bc92-1b9547829f54"/>
+    <ds:schemaRef ds:uri="http://schemas.microsoft.com/office/2006/documentManagement/types"/>
+    <ds:schemaRef ds:uri="http://schemas.microsoft.com/office/infopath/2007/PartnerControls"/>
+    <ds:schemaRef ds:uri="http://schemas.openxmlformats.org/package/2006/metadata/core-properties"/>
+    <ds:schemaRef ds:uri="http://purl.org/dc/elements/1.1/"/>
+    <ds:schemaRef ds:uri="http://purl.org/dc/terms/"/>
+    <ds:schemaRef ds:uri="http://schemas.microsoft.com/internal/obd"/>
   </ds:schemaRefs>
 </ds:datastoreItem>
 </file>
@@ -6310,20 +6338,9 @@
 </file>
 
 <file path=customXml/itemProps3.xml><?xml version="1.0" encoding="utf-8"?>
-<ds:datastoreItem xmlns:ds="http://schemas.openxmlformats.org/officeDocument/2006/customXml" ds:itemID="{03233C07-2685-44F7-9601-FF64EA49BA1B}">
+<ds:datastoreItem xmlns:ds="http://schemas.openxmlformats.org/officeDocument/2006/customXml" ds:itemID="{07A05CC1-FF68-453F-AE9C-352B80151440}">
   <ds:schemaRefs>
-    <ds:schemaRef ds:uri="http://schemas.microsoft.com/office/2006/metadata/contentType"/>
-    <ds:schemaRef ds:uri="http://schemas.microsoft.com/office/2006/metadata/properties/metaAttributes"/>
-    <ds:schemaRef ds:uri="http://www.w3.org/2001/XMLSchema"/>
-    <ds:schemaRef ds:uri="http://schemas.microsoft.com/office/2006/metadata/properties"/>
-    <ds:schemaRef ds:uri="cab83b3b-4db3-4a13-8dd4-e60be6d87cf5"/>
-    <ds:schemaRef ds:uri="c2e86655-d7ed-4420-bc92-1b9547829f54"/>
-    <ds:schemaRef ds:uri="http://schemas.microsoft.com/office/2006/documentManagement/types"/>
-    <ds:schemaRef ds:uri="http://schemas.microsoft.com/office/infopath/2007/PartnerControls"/>
-    <ds:schemaRef ds:uri="http://schemas.openxmlformats.org/package/2006/metadata/core-properties"/>
-    <ds:schemaRef ds:uri="http://purl.org/dc/elements/1.1/"/>
-    <ds:schemaRef ds:uri="http://purl.org/dc/terms/"/>
-    <ds:schemaRef ds:uri="http://schemas.microsoft.com/internal/obd"/>
+    <ds:schemaRef ds:uri="http://schemas.microsoft.com/sharepoint/v3/contenttype/forms"/>
   </ds:schemaRefs>
 </ds:datastoreItem>
 </file>
--- a/thesis/ukapp2/wqu_isc/sofware_design/Lesson 3 - Java.pptx
+++ b/thesis/ukapp2/wqu_isc/sofware_design/Lesson 3 - Java.pptx
@@ -4,16 +4,25 @@
   <p:sldMasterIdLst>
     <p:sldMasterId id="2147483672" r:id="rId4"/>
   </p:sldMasterIdLst>
+  <p:notesMasterIdLst>
+    <p:notesMasterId r:id="rId20"/>
+  </p:notesMasterIdLst>
   <p:sldIdLst>
     <p:sldId id="256" r:id="rId5"/>
     <p:sldId id="272" r:id="rId6"/>
     <p:sldId id="258" r:id="rId7"/>
     <p:sldId id="259" r:id="rId8"/>
-    <p:sldId id="260" r:id="rId9"/>
-    <p:sldId id="262" r:id="rId10"/>
-    <p:sldId id="264" r:id="rId11"/>
-    <p:sldId id="265" r:id="rId12"/>
-    <p:sldId id="266" r:id="rId13"/>
+    <p:sldId id="266" r:id="rId9"/>
+    <p:sldId id="260" r:id="rId10"/>
+    <p:sldId id="262" r:id="rId11"/>
+    <p:sldId id="264" r:id="rId12"/>
+    <p:sldId id="275" r:id="rId13"/>
+    <p:sldId id="273" r:id="rId14"/>
+    <p:sldId id="274" r:id="rId15"/>
+    <p:sldId id="265" r:id="rId16"/>
+    <p:sldId id="276" r:id="rId17"/>
+    <p:sldId id="277" r:id="rId18"/>
+    <p:sldId id="278" r:id="rId19"/>
   </p:sldIdLst>
   <p:sldSz cx="9144000" cy="6858000" type="screen4x3"/>
   <p:notesSz cx="6858000" cy="9144000"/>
@@ -120,6 +129,2088 @@
 </p:presentation>
 </file>
 
+<file path=ppt/notesMasters/notesMaster1.xml><?xml version="1.0" encoding="utf-8"?>
+<p:notesMaster xmlns:a="http://schemas.openxmlformats.org/drawingml/2006/main" xmlns:r="http://schemas.openxmlformats.org/officeDocument/2006/relationships" xmlns:p="http://schemas.openxmlformats.org/presentationml/2006/main">
+  <p:cSld>
+    <p:bg>
+      <p:bgRef idx="1001">
+        <a:schemeClr val="bg1"/>
+      </p:bgRef>
+    </p:bg>
+    <p:spTree>
+      <p:nvGrpSpPr>
+        <p:cNvPr id="1" name=""/>
+        <p:cNvGrpSpPr/>
+        <p:nvPr/>
+      </p:nvGrpSpPr>
+      <p:grpSpPr>
+        <a:xfrm>
+          <a:off x="0" y="0"/>
+          <a:ext cx="0" cy="0"/>
+          <a:chOff x="0" y="0"/>
+          <a:chExt cx="0" cy="0"/>
+        </a:xfrm>
+      </p:grpSpPr>
+      <p:sp>
+        <p:nvSpPr>
+          <p:cNvPr id="2" name="Header Placeholder 1"/>
+          <p:cNvSpPr>
+            <a:spLocks noGrp="1"/>
+          </p:cNvSpPr>
+          <p:nvPr>
+            <p:ph type="hdr" sz="quarter"/>
+          </p:nvPr>
+        </p:nvSpPr>
+        <p:spPr>
+          <a:xfrm>
+            <a:off x="0" y="0"/>
+            <a:ext cx="2971800" cy="458788"/>
+          </a:xfrm>
+          <a:prstGeom prst="rect">
+            <a:avLst/>
+          </a:prstGeom>
+        </p:spPr>
+        <p:txBody>
+          <a:bodyPr vert="horz" lIns="91440" tIns="45720" rIns="91440" bIns="45720" rtlCol="0"/>
+          <a:lstStyle>
+            <a:lvl1pPr algn="l">
+              <a:defRPr sz="1200"/>
+            </a:lvl1pPr>
+          </a:lstStyle>
+          <a:p>
+            <a:endParaRPr lang="en-GB"/>
+          </a:p>
+        </p:txBody>
+      </p:sp>
+      <p:sp>
+        <p:nvSpPr>
+          <p:cNvPr id="3" name="Date Placeholder 2"/>
+          <p:cNvSpPr>
+            <a:spLocks noGrp="1"/>
+          </p:cNvSpPr>
+          <p:nvPr>
+            <p:ph type="dt" idx="1"/>
+          </p:nvPr>
+        </p:nvSpPr>
+        <p:spPr>
+          <a:xfrm>
+            <a:off x="3884613" y="0"/>
+            <a:ext cx="2971800" cy="458788"/>
+          </a:xfrm>
+          <a:prstGeom prst="rect">
+            <a:avLst/>
+          </a:prstGeom>
+        </p:spPr>
+        <p:txBody>
+          <a:bodyPr vert="horz" lIns="91440" tIns="45720" rIns="91440" bIns="45720" rtlCol="0"/>
+          <a:lstStyle>
+            <a:lvl1pPr algn="r">
+              <a:defRPr sz="1200"/>
+            </a:lvl1pPr>
+          </a:lstStyle>
+          <a:p>
+            <a:fld id="{2D17C26A-2D19-4E2A-9B61-80C5B9CBF214}" type="datetimeFigureOut">
+              <a:rPr lang="en-GB" smtClean="0"/>
+              <a:t>15/10/2020</a:t>
+            </a:fld>
+            <a:endParaRPr lang="en-GB"/>
+          </a:p>
+        </p:txBody>
+      </p:sp>
+      <p:sp>
+        <p:nvSpPr>
+          <p:cNvPr id="4" name="Slide Image Placeholder 3"/>
+          <p:cNvSpPr>
+            <a:spLocks noGrp="1" noRot="1" noChangeAspect="1"/>
+          </p:cNvSpPr>
+          <p:nvPr>
+            <p:ph type="sldImg" idx="2"/>
+          </p:nvPr>
+        </p:nvSpPr>
+        <p:spPr>
+          <a:xfrm>
+            <a:off x="1371600" y="1143000"/>
+            <a:ext cx="4114800" cy="3086100"/>
+          </a:xfrm>
+          <a:prstGeom prst="rect">
+            <a:avLst/>
+          </a:prstGeom>
+          <a:noFill/>
+          <a:ln w="12700">
+            <a:solidFill>
+              <a:prstClr val="black"/>
+            </a:solidFill>
+          </a:ln>
+        </p:spPr>
+        <p:txBody>
+          <a:bodyPr vert="horz" lIns="91440" tIns="45720" rIns="91440" bIns="45720" rtlCol="0" anchor="ctr"/>
+          <a:lstStyle/>
+          <a:p>
+            <a:endParaRPr lang="en-GB"/>
+          </a:p>
+        </p:txBody>
+      </p:sp>
+      <p:sp>
+        <p:nvSpPr>
+          <p:cNvPr id="5" name="Notes Placeholder 4"/>
+          <p:cNvSpPr>
+            <a:spLocks noGrp="1"/>
+          </p:cNvSpPr>
+          <p:nvPr>
+            <p:ph type="body" sz="quarter" idx="3"/>
+          </p:nvPr>
+        </p:nvSpPr>
+        <p:spPr>
+          <a:xfrm>
+            <a:off x="685800" y="4400550"/>
+            <a:ext cx="5486400" cy="3600450"/>
+          </a:xfrm>
+          <a:prstGeom prst="rect">
+            <a:avLst/>
+          </a:prstGeom>
+        </p:spPr>
+        <p:txBody>
+          <a:bodyPr vert="horz" lIns="91440" tIns="45720" rIns="91440" bIns="45720" rtlCol="0"/>
+          <a:lstStyle/>
+          <a:p>
+            <a:pPr lvl="0"/>
+            <a:r>
+              <a:rPr lang="en-US"/>
+              <a:t>Click to edit Master text styles</a:t>
+            </a:r>
+          </a:p>
+          <a:p>
+            <a:pPr lvl="1"/>
+            <a:r>
+              <a:rPr lang="en-US"/>
+              <a:t>Second level</a:t>
+            </a:r>
+          </a:p>
+          <a:p>
+            <a:pPr lvl="2"/>
+            <a:r>
+              <a:rPr lang="en-US"/>
+              <a:t>Third level</a:t>
+            </a:r>
+          </a:p>
+          <a:p>
+            <a:pPr lvl="3"/>
+            <a:r>
+              <a:rPr lang="en-US"/>
+              <a:t>Fourth level</a:t>
+            </a:r>
+          </a:p>
+          <a:p>
+            <a:pPr lvl="4"/>
+            <a:r>
+              <a:rPr lang="en-US"/>
+              <a:t>Fifth level</a:t>
+            </a:r>
+            <a:endParaRPr lang="en-GB"/>
+          </a:p>
+        </p:txBody>
+      </p:sp>
+      <p:sp>
+        <p:nvSpPr>
+          <p:cNvPr id="6" name="Footer Placeholder 5"/>
+          <p:cNvSpPr>
+            <a:spLocks noGrp="1"/>
+          </p:cNvSpPr>
+          <p:nvPr>
+            <p:ph type="ftr" sz="quarter" idx="4"/>
+          </p:nvPr>
+        </p:nvSpPr>
+        <p:spPr>
+          <a:xfrm>
+            <a:off x="0" y="8685213"/>
+            <a:ext cx="2971800" cy="458787"/>
+          </a:xfrm>
+          <a:prstGeom prst="rect">
+            <a:avLst/>
+          </a:prstGeom>
+        </p:spPr>
+        <p:txBody>
+          <a:bodyPr vert="horz" lIns="91440" tIns="45720" rIns="91440" bIns="45720" rtlCol="0" anchor="b"/>
+          <a:lstStyle>
+            <a:lvl1pPr algn="l">
+              <a:defRPr sz="1200"/>
+            </a:lvl1pPr>
+          </a:lstStyle>
+          <a:p>
+            <a:endParaRPr lang="en-GB"/>
+          </a:p>
+        </p:txBody>
+      </p:sp>
+      <p:sp>
+        <p:nvSpPr>
+          <p:cNvPr id="7" name="Slide Number Placeholder 6"/>
+          <p:cNvSpPr>
+            <a:spLocks noGrp="1"/>
+          </p:cNvSpPr>
+          <p:nvPr>
+            <p:ph type="sldNum" sz="quarter" idx="5"/>
+          </p:nvPr>
+        </p:nvSpPr>
+        <p:spPr>
+          <a:xfrm>
+            <a:off x="3884613" y="8685213"/>
+            <a:ext cx="2971800" cy="458787"/>
+          </a:xfrm>
+          <a:prstGeom prst="rect">
+            <a:avLst/>
+          </a:prstGeom>
+        </p:spPr>
+        <p:txBody>
+          <a:bodyPr vert="horz" lIns="91440" tIns="45720" rIns="91440" bIns="45720" rtlCol="0" anchor="b"/>
+          <a:lstStyle>
+            <a:lvl1pPr algn="r">
+              <a:defRPr sz="1200"/>
+            </a:lvl1pPr>
+          </a:lstStyle>
+          <a:p>
+            <a:fld id="{9BCB3323-FCCE-4DFE-BD34-96AD5764A1C6}" type="slidenum">
+              <a:rPr lang="en-GB" smtClean="0"/>
+              <a:t>‹#›</a:t>
+            </a:fld>
+            <a:endParaRPr lang="en-GB"/>
+          </a:p>
+        </p:txBody>
+      </p:sp>
+    </p:spTree>
+    <p:extLst>
+      <p:ext uri="{BB962C8B-B14F-4D97-AF65-F5344CB8AC3E}">
+        <p14:creationId xmlns:p14="http://schemas.microsoft.com/office/powerpoint/2010/main" val="2897675470"/>
+      </p:ext>
+    </p:extLst>
+  </p:cSld>
+  <p:clrMap bg1="lt1" tx1="dk1" bg2="lt2" tx2="dk2" accent1="accent1" accent2="accent2" accent3="accent3" accent4="accent4" accent5="accent5" accent6="accent6" hlink="hlink" folHlink="folHlink"/>
+  <p:notesStyle>
+    <a:lvl1pPr marL="0" algn="l" defTabSz="914400" rtl="0" eaLnBrk="1" latinLnBrk="0" hangingPunct="1">
+      <a:defRPr sz="1200" kern="1200">
+        <a:solidFill>
+          <a:schemeClr val="tx1"/>
+        </a:solidFill>
+        <a:latin typeface="+mn-lt"/>
+        <a:ea typeface="+mn-ea"/>
+        <a:cs typeface="+mn-cs"/>
+      </a:defRPr>
+    </a:lvl1pPr>
+    <a:lvl2pPr marL="457200" algn="l" defTabSz="914400" rtl="0" eaLnBrk="1" latinLnBrk="0" hangingPunct="1">
+      <a:defRPr sz="1200" kern="1200">
+        <a:solidFill>
+          <a:schemeClr val="tx1"/>
+        </a:solidFill>
+        <a:latin typeface="+mn-lt"/>
+        <a:ea typeface="+mn-ea"/>
+        <a:cs typeface="+mn-cs"/>
+      </a:defRPr>
+    </a:lvl2pPr>
+    <a:lvl3pPr marL="914400" algn="l" defTabSz="914400" rtl="0" eaLnBrk="1" latinLnBrk="0" hangingPunct="1">
+      <a:defRPr sz="1200" kern="1200">
+        <a:solidFill>
+          <a:schemeClr val="tx1"/>
+        </a:solidFill>
+        <a:latin typeface="+mn-lt"/>
+        <a:ea typeface="+mn-ea"/>
+        <a:cs typeface="+mn-cs"/>
+      </a:defRPr>
+    </a:lvl3pPr>
+    <a:lvl4pPr marL="1371600" algn="l" defTabSz="914400" rtl="0" eaLnBrk="1" latinLnBrk="0" hangingPunct="1">
+      <a:defRPr sz="1200" kern="1200">
+        <a:solidFill>
+          <a:schemeClr val="tx1"/>
+        </a:solidFill>
+        <a:latin typeface="+mn-lt"/>
+        <a:ea typeface="+mn-ea"/>
+        <a:cs typeface="+mn-cs"/>
+      </a:defRPr>
+    </a:lvl4pPr>
+    <a:lvl5pPr marL="1828800" algn="l" defTabSz="914400" rtl="0" eaLnBrk="1" latinLnBrk="0" hangingPunct="1">
+      <a:defRPr sz="1200" kern="1200">
+        <a:solidFill>
+          <a:schemeClr val="tx1"/>
+        </a:solidFill>
+        <a:latin typeface="+mn-lt"/>
+        <a:ea typeface="+mn-ea"/>
+        <a:cs typeface="+mn-cs"/>
+      </a:defRPr>
+    </a:lvl5pPr>
+    <a:lvl6pPr marL="2286000" algn="l" defTabSz="914400" rtl="0" eaLnBrk="1" latinLnBrk="0" hangingPunct="1">
+      <a:defRPr sz="1200" kern="1200">
+        <a:solidFill>
+          <a:schemeClr val="tx1"/>
+        </a:solidFill>
+        <a:latin typeface="+mn-lt"/>
+        <a:ea typeface="+mn-ea"/>
+        <a:cs typeface="+mn-cs"/>
+      </a:defRPr>
+    </a:lvl6pPr>
+    <a:lvl7pPr marL="2743200" algn="l" defTabSz="914400" rtl="0" eaLnBrk="1" latinLnBrk="0" hangingPunct="1">
+      <a:defRPr sz="1200" kern="1200">
+        <a:solidFill>
+          <a:schemeClr val="tx1"/>
+        </a:solidFill>
+        <a:latin typeface="+mn-lt"/>
+        <a:ea typeface="+mn-ea"/>
+        <a:cs typeface="+mn-cs"/>
+      </a:defRPr>
+    </a:lvl7pPr>
+    <a:lvl8pPr marL="3200400" algn="l" defTabSz="914400" rtl="0" eaLnBrk="1" latinLnBrk="0" hangingPunct="1">
+      <a:defRPr sz="1200" kern="1200">
+        <a:solidFill>
+          <a:schemeClr val="tx1"/>
+        </a:solidFill>
+        <a:latin typeface="+mn-lt"/>
+        <a:ea typeface="+mn-ea"/>
+        <a:cs typeface="+mn-cs"/>
+      </a:defRPr>
+    </a:lvl8pPr>
+    <a:lvl9pPr marL="3657600" algn="l" defTabSz="914400" rtl="0" eaLnBrk="1" latinLnBrk="0" hangingPunct="1">
+      <a:defRPr sz="1200" kern="1200">
+        <a:solidFill>
+          <a:schemeClr val="tx1"/>
+        </a:solidFill>
+        <a:latin typeface="+mn-lt"/>
+        <a:ea typeface="+mn-ea"/>
+        <a:cs typeface="+mn-cs"/>
+      </a:defRPr>
+    </a:lvl9pPr>
+  </p:notesStyle>
+</p:notesMaster>
+</file>
+
+<file path=ppt/notesSlides/notesSlide1.xml><?xml version="1.0" encoding="utf-8"?>
+<p:notes xmlns:a="http://schemas.openxmlformats.org/drawingml/2006/main" xmlns:r="http://schemas.openxmlformats.org/officeDocument/2006/relationships" xmlns:p="http://schemas.openxmlformats.org/presentationml/2006/main">
+  <p:cSld>
+    <p:spTree>
+      <p:nvGrpSpPr>
+        <p:cNvPr id="1" name=""/>
+        <p:cNvGrpSpPr/>
+        <p:nvPr/>
+      </p:nvGrpSpPr>
+      <p:grpSpPr>
+        <a:xfrm>
+          <a:off x="0" y="0"/>
+          <a:ext cx="0" cy="0"/>
+          <a:chOff x="0" y="0"/>
+          <a:chExt cx="0" cy="0"/>
+        </a:xfrm>
+      </p:grpSpPr>
+      <p:sp>
+        <p:nvSpPr>
+          <p:cNvPr id="2" name="Slide Image Placeholder 1"/>
+          <p:cNvSpPr>
+            <a:spLocks noGrp="1" noRot="1" noChangeAspect="1"/>
+          </p:cNvSpPr>
+          <p:nvPr>
+            <p:ph type="sldImg"/>
+          </p:nvPr>
+        </p:nvSpPr>
+        <p:spPr/>
+      </p:sp>
+      <p:sp>
+        <p:nvSpPr>
+          <p:cNvPr id="3" name="Notes Placeholder 2"/>
+          <p:cNvSpPr>
+            <a:spLocks noGrp="1"/>
+          </p:cNvSpPr>
+          <p:nvPr>
+            <p:ph type="body" idx="1"/>
+          </p:nvPr>
+        </p:nvSpPr>
+        <p:spPr/>
+        <p:txBody>
+          <a:bodyPr/>
+          <a:lstStyle/>
+          <a:p>
+            <a:pPr algn="l">
+              <a:spcBef>
+                <a:spcPts val="0"/>
+              </a:spcBef>
+              <a:spcAft>
+                <a:spcPts val="0"/>
+              </a:spcAft>
+              <a:buFont typeface="Arial" panose="020B0604020202020204" pitchFamily="34" charset="0"/>
+              <a:buChar char="•"/>
+            </a:pPr>
+            <a:r>
+              <a:rPr lang="en-US" sz="1200" b="0" i="0" dirty="0">
+                <a:solidFill>
+                  <a:srgbClr val="000000"/>
+                </a:solidFill>
+                <a:effectLst/>
+                <a:latin typeface="Courier New" panose="02070309020205020404" pitchFamily="49" charset="0"/>
+              </a:rPr>
+              <a:t>s1.equals(s2)</a:t>
+            </a:r>
+            <a:r>
+              <a:rPr lang="en-US" sz="1200" b="0" i="0" dirty="0">
+                <a:solidFill>
+                  <a:srgbClr val="000000"/>
+                </a:solidFill>
+                <a:effectLst/>
+                <a:latin typeface="Times New Roman" panose="02020603050405020304" pitchFamily="18" charset="0"/>
+              </a:rPr>
+              <a:t> is a function that returns a </a:t>
+            </a:r>
+            <a:r>
+              <a:rPr lang="en-US" sz="1200" b="0" i="0" dirty="0" err="1">
+                <a:solidFill>
+                  <a:srgbClr val="0050C0"/>
+                </a:solidFill>
+                <a:effectLst/>
+                <a:latin typeface="Times New Roman" panose="02020603050405020304" pitchFamily="18" charset="0"/>
+              </a:rPr>
+              <a:t>boolean</a:t>
+            </a:r>
+            <a:r>
+              <a:rPr lang="en-US" sz="1200" b="0" i="0" dirty="0">
+                <a:solidFill>
+                  <a:srgbClr val="000000"/>
+                </a:solidFill>
+                <a:effectLst/>
+                <a:latin typeface="Times New Roman" panose="02020603050405020304" pitchFamily="18" charset="0"/>
+              </a:rPr>
+              <a:t> value. It returns </a:t>
+            </a:r>
+            <a:r>
+              <a:rPr lang="en-US" sz="1200" b="0" i="0" dirty="0">
+                <a:solidFill>
+                  <a:srgbClr val="000000"/>
+                </a:solidFill>
+                <a:effectLst/>
+                <a:latin typeface="Courier New" panose="02070309020205020404" pitchFamily="49" charset="0"/>
+              </a:rPr>
+              <a:t>true</a:t>
+            </a:r>
+            <a:r>
+              <a:rPr lang="en-US" sz="1200" b="0" i="0" dirty="0">
+                <a:solidFill>
+                  <a:srgbClr val="000000"/>
+                </a:solidFill>
+                <a:effectLst/>
+                <a:latin typeface="Times New Roman" panose="02020603050405020304" pitchFamily="18" charset="0"/>
+              </a:rPr>
+              <a:t> if </a:t>
+            </a:r>
+            <a:r>
+              <a:rPr lang="en-US" sz="1200" b="0" i="0" dirty="0">
+                <a:solidFill>
+                  <a:srgbClr val="000000"/>
+                </a:solidFill>
+                <a:effectLst/>
+                <a:latin typeface="Courier New" panose="02070309020205020404" pitchFamily="49" charset="0"/>
+              </a:rPr>
+              <a:t>s1</a:t>
+            </a:r>
+            <a:r>
+              <a:rPr lang="en-US" sz="1200" b="0" i="0" dirty="0">
+                <a:solidFill>
+                  <a:srgbClr val="000000"/>
+                </a:solidFill>
+                <a:effectLst/>
+                <a:latin typeface="Times New Roman" panose="02020603050405020304" pitchFamily="18" charset="0"/>
+              </a:rPr>
+              <a:t> consists of exactly the same sequence of characters as </a:t>
+            </a:r>
+            <a:r>
+              <a:rPr lang="en-US" sz="1200" b="0" i="0" dirty="0">
+                <a:solidFill>
+                  <a:srgbClr val="000000"/>
+                </a:solidFill>
+                <a:effectLst/>
+                <a:latin typeface="Courier New" panose="02070309020205020404" pitchFamily="49" charset="0"/>
+              </a:rPr>
+              <a:t>s2</a:t>
+            </a:r>
+            <a:r>
+              <a:rPr lang="en-US" sz="1200" b="0" i="0" dirty="0">
+                <a:solidFill>
+                  <a:srgbClr val="000000"/>
+                </a:solidFill>
+                <a:effectLst/>
+                <a:latin typeface="Times New Roman" panose="02020603050405020304" pitchFamily="18" charset="0"/>
+              </a:rPr>
+              <a:t>, and returns </a:t>
+            </a:r>
+            <a:r>
+              <a:rPr lang="en-US" sz="1200" b="0" i="0" dirty="0">
+                <a:solidFill>
+                  <a:srgbClr val="000000"/>
+                </a:solidFill>
+                <a:effectLst/>
+                <a:latin typeface="Courier New" panose="02070309020205020404" pitchFamily="49" charset="0"/>
+              </a:rPr>
+              <a:t>false</a:t>
+            </a:r>
+            <a:r>
+              <a:rPr lang="en-US" sz="1200" b="0" i="0" dirty="0">
+                <a:solidFill>
+                  <a:srgbClr val="000000"/>
+                </a:solidFill>
+                <a:effectLst/>
+                <a:latin typeface="Times New Roman" panose="02020603050405020304" pitchFamily="18" charset="0"/>
+              </a:rPr>
+              <a:t> otherwise.</a:t>
+            </a:r>
+          </a:p>
+          <a:p>
+            <a:pPr algn="l">
+              <a:spcBef>
+                <a:spcPts val="0"/>
+              </a:spcBef>
+              <a:spcAft>
+                <a:spcPts val="0"/>
+              </a:spcAft>
+              <a:buFont typeface="Arial" panose="020B0604020202020204" pitchFamily="34" charset="0"/>
+              <a:buChar char="•"/>
+            </a:pPr>
+            <a:r>
+              <a:rPr lang="en-US" sz="1200" b="0" i="0" dirty="0">
+                <a:solidFill>
+                  <a:srgbClr val="000000"/>
+                </a:solidFill>
+                <a:effectLst/>
+                <a:latin typeface="Courier New" panose="02070309020205020404" pitchFamily="49" charset="0"/>
+              </a:rPr>
+              <a:t>s1.equalsIgnoreCase(s2)</a:t>
+            </a:r>
+            <a:r>
+              <a:rPr lang="en-US" sz="1200" b="0" i="0" dirty="0">
+                <a:solidFill>
+                  <a:srgbClr val="000000"/>
+                </a:solidFill>
+                <a:effectLst/>
+                <a:latin typeface="Times New Roman" panose="02020603050405020304" pitchFamily="18" charset="0"/>
+              </a:rPr>
+              <a:t> is another </a:t>
+            </a:r>
+            <a:r>
+              <a:rPr lang="en-US" sz="1200" b="0" i="0" dirty="0" err="1">
+                <a:solidFill>
+                  <a:srgbClr val="000000"/>
+                </a:solidFill>
+                <a:effectLst/>
+                <a:latin typeface="Times New Roman" panose="02020603050405020304" pitchFamily="18" charset="0"/>
+              </a:rPr>
+              <a:t>boolean</a:t>
+            </a:r>
+            <a:r>
+              <a:rPr lang="en-US" sz="1200" b="0" i="0" dirty="0">
+                <a:solidFill>
+                  <a:srgbClr val="000000"/>
+                </a:solidFill>
+                <a:effectLst/>
+                <a:latin typeface="Times New Roman" panose="02020603050405020304" pitchFamily="18" charset="0"/>
+              </a:rPr>
+              <a:t>-valued function that checks whether </a:t>
+            </a:r>
+            <a:r>
+              <a:rPr lang="en-US" sz="1200" b="0" i="0" dirty="0">
+                <a:solidFill>
+                  <a:srgbClr val="000000"/>
+                </a:solidFill>
+                <a:effectLst/>
+                <a:latin typeface="Courier New" panose="02070309020205020404" pitchFamily="49" charset="0"/>
+              </a:rPr>
+              <a:t>s1</a:t>
+            </a:r>
+            <a:r>
+              <a:rPr lang="en-US" sz="1200" b="0" i="0" dirty="0">
+                <a:solidFill>
+                  <a:srgbClr val="000000"/>
+                </a:solidFill>
+                <a:effectLst/>
+                <a:latin typeface="Times New Roman" panose="02020603050405020304" pitchFamily="18" charset="0"/>
+              </a:rPr>
+              <a:t> is the same string as </a:t>
+            </a:r>
+            <a:r>
+              <a:rPr lang="en-US" sz="1200" b="0" i="0" dirty="0">
+                <a:solidFill>
+                  <a:srgbClr val="000000"/>
+                </a:solidFill>
+                <a:effectLst/>
+                <a:latin typeface="Courier New" panose="02070309020205020404" pitchFamily="49" charset="0"/>
+              </a:rPr>
+              <a:t>s2</a:t>
+            </a:r>
+            <a:r>
+              <a:rPr lang="en-US" sz="1200" b="0" i="0" dirty="0">
+                <a:solidFill>
+                  <a:srgbClr val="000000"/>
+                </a:solidFill>
+                <a:effectLst/>
+                <a:latin typeface="Times New Roman" panose="02020603050405020304" pitchFamily="18" charset="0"/>
+              </a:rPr>
+              <a:t>, but this function considers upper and lower case letters to be equivalent. Thus, if </a:t>
+            </a:r>
+            <a:r>
+              <a:rPr lang="en-US" sz="1200" b="0" i="0" dirty="0">
+                <a:solidFill>
+                  <a:srgbClr val="000000"/>
+                </a:solidFill>
+                <a:effectLst/>
+                <a:latin typeface="Courier New" panose="02070309020205020404" pitchFamily="49" charset="0"/>
+              </a:rPr>
+              <a:t>s1</a:t>
+            </a:r>
+            <a:r>
+              <a:rPr lang="en-US" sz="1200" b="0" i="0" dirty="0">
+                <a:solidFill>
+                  <a:srgbClr val="000000"/>
+                </a:solidFill>
+                <a:effectLst/>
+                <a:latin typeface="Times New Roman" panose="02020603050405020304" pitchFamily="18" charset="0"/>
+              </a:rPr>
+              <a:t> is "cat", then </a:t>
+            </a:r>
+            <a:r>
+              <a:rPr lang="en-US" sz="1200" b="0" i="0" dirty="0">
+                <a:solidFill>
+                  <a:srgbClr val="000000"/>
+                </a:solidFill>
+                <a:effectLst/>
+                <a:latin typeface="Courier New" panose="02070309020205020404" pitchFamily="49" charset="0"/>
+              </a:rPr>
+              <a:t>s1.equals("Cat")</a:t>
+            </a:r>
+            <a:r>
+              <a:rPr lang="en-US" sz="1200" b="0" i="0" dirty="0">
+                <a:solidFill>
+                  <a:srgbClr val="000000"/>
+                </a:solidFill>
+                <a:effectLst/>
+                <a:latin typeface="Times New Roman" panose="02020603050405020304" pitchFamily="18" charset="0"/>
+              </a:rPr>
+              <a:t> is </a:t>
+            </a:r>
+            <a:r>
+              <a:rPr lang="en-US" sz="1200" b="0" i="0" dirty="0">
+                <a:solidFill>
+                  <a:srgbClr val="000000"/>
+                </a:solidFill>
+                <a:effectLst/>
+                <a:latin typeface="Courier New" panose="02070309020205020404" pitchFamily="49" charset="0"/>
+              </a:rPr>
+              <a:t>false</a:t>
+            </a:r>
+            <a:r>
+              <a:rPr lang="en-US" sz="1200" b="0" i="0" dirty="0">
+                <a:solidFill>
+                  <a:srgbClr val="000000"/>
+                </a:solidFill>
+                <a:effectLst/>
+                <a:latin typeface="Times New Roman" panose="02020603050405020304" pitchFamily="18" charset="0"/>
+              </a:rPr>
+              <a:t>, while </a:t>
+            </a:r>
+            <a:r>
+              <a:rPr lang="en-US" sz="1200" b="0" i="0" dirty="0">
+                <a:solidFill>
+                  <a:srgbClr val="000000"/>
+                </a:solidFill>
+                <a:effectLst/>
+                <a:latin typeface="Courier New" panose="02070309020205020404" pitchFamily="49" charset="0"/>
+              </a:rPr>
+              <a:t>s1.equalsIgnoreCase("Cat")</a:t>
+            </a:r>
+            <a:r>
+              <a:rPr lang="en-US" sz="1200" b="0" i="0" dirty="0">
+                <a:solidFill>
+                  <a:srgbClr val="000000"/>
+                </a:solidFill>
+                <a:effectLst/>
+                <a:latin typeface="Times New Roman" panose="02020603050405020304" pitchFamily="18" charset="0"/>
+              </a:rPr>
+              <a:t> is </a:t>
+            </a:r>
+            <a:r>
+              <a:rPr lang="en-US" sz="1200" b="0" i="0" dirty="0">
+                <a:solidFill>
+                  <a:srgbClr val="000000"/>
+                </a:solidFill>
+                <a:effectLst/>
+                <a:latin typeface="Courier New" panose="02070309020205020404" pitchFamily="49" charset="0"/>
+              </a:rPr>
+              <a:t>true</a:t>
+            </a:r>
+            <a:r>
+              <a:rPr lang="en-US" sz="1200" b="0" i="0" dirty="0">
+                <a:solidFill>
+                  <a:srgbClr val="000000"/>
+                </a:solidFill>
+                <a:effectLst/>
+                <a:latin typeface="Times New Roman" panose="02020603050405020304" pitchFamily="18" charset="0"/>
+              </a:rPr>
+              <a:t>.</a:t>
+            </a:r>
+          </a:p>
+          <a:p>
+            <a:pPr algn="l">
+              <a:spcBef>
+                <a:spcPts val="0"/>
+              </a:spcBef>
+              <a:spcAft>
+                <a:spcPts val="0"/>
+              </a:spcAft>
+              <a:buFont typeface="Arial" panose="020B0604020202020204" pitchFamily="34" charset="0"/>
+              <a:buChar char="•"/>
+            </a:pPr>
+            <a:r>
+              <a:rPr lang="en-US" sz="1200" b="0" i="0" dirty="0">
+                <a:solidFill>
+                  <a:srgbClr val="000000"/>
+                </a:solidFill>
+                <a:effectLst/>
+                <a:latin typeface="Courier New" panose="02070309020205020404" pitchFamily="49" charset="0"/>
+              </a:rPr>
+              <a:t>s1.length()</a:t>
+            </a:r>
+            <a:r>
+              <a:rPr lang="en-US" sz="1200" b="0" i="0" dirty="0">
+                <a:solidFill>
+                  <a:srgbClr val="000000"/>
+                </a:solidFill>
+                <a:effectLst/>
+                <a:latin typeface="Times New Roman" panose="02020603050405020304" pitchFamily="18" charset="0"/>
+              </a:rPr>
+              <a:t>, as mentioned above, is an integer-valued function that gives the number of characters in </a:t>
+            </a:r>
+            <a:r>
+              <a:rPr lang="en-US" sz="1200" b="0" i="0" dirty="0">
+                <a:solidFill>
+                  <a:srgbClr val="000000"/>
+                </a:solidFill>
+                <a:effectLst/>
+                <a:latin typeface="Courier New" panose="02070309020205020404" pitchFamily="49" charset="0"/>
+              </a:rPr>
+              <a:t>s1</a:t>
+            </a:r>
+            <a:r>
+              <a:rPr lang="en-US" sz="1200" b="0" i="0" dirty="0">
+                <a:solidFill>
+                  <a:srgbClr val="000000"/>
+                </a:solidFill>
+                <a:effectLst/>
+                <a:latin typeface="Times New Roman" panose="02020603050405020304" pitchFamily="18" charset="0"/>
+              </a:rPr>
+              <a:t>.</a:t>
+            </a:r>
+          </a:p>
+          <a:p>
+            <a:pPr algn="l">
+              <a:spcBef>
+                <a:spcPts val="0"/>
+              </a:spcBef>
+              <a:spcAft>
+                <a:spcPts val="0"/>
+              </a:spcAft>
+              <a:buFont typeface="Arial" panose="020B0604020202020204" pitchFamily="34" charset="0"/>
+              <a:buChar char="•"/>
+            </a:pPr>
+            <a:r>
+              <a:rPr lang="en-US" sz="1200" b="0" i="0" dirty="0">
+                <a:solidFill>
+                  <a:srgbClr val="000000"/>
+                </a:solidFill>
+                <a:effectLst/>
+                <a:latin typeface="Courier New" panose="02070309020205020404" pitchFamily="49" charset="0"/>
+              </a:rPr>
+              <a:t>s1.charAt(N)</a:t>
+            </a:r>
+            <a:r>
+              <a:rPr lang="en-US" sz="1200" b="0" i="0" dirty="0">
+                <a:solidFill>
+                  <a:srgbClr val="000000"/>
+                </a:solidFill>
+                <a:effectLst/>
+                <a:latin typeface="Times New Roman" panose="02020603050405020304" pitchFamily="18" charset="0"/>
+              </a:rPr>
+              <a:t>, where </a:t>
+            </a:r>
+            <a:r>
+              <a:rPr lang="en-US" sz="1200" b="0" i="0" dirty="0">
+                <a:solidFill>
+                  <a:srgbClr val="000000"/>
+                </a:solidFill>
+                <a:effectLst/>
+                <a:latin typeface="Courier New" panose="02070309020205020404" pitchFamily="49" charset="0"/>
+              </a:rPr>
+              <a:t>N</a:t>
+            </a:r>
+            <a:r>
+              <a:rPr lang="en-US" sz="1200" b="0" i="0" dirty="0">
+                <a:solidFill>
+                  <a:srgbClr val="000000"/>
+                </a:solidFill>
+                <a:effectLst/>
+                <a:latin typeface="Times New Roman" panose="02020603050405020304" pitchFamily="18" charset="0"/>
+              </a:rPr>
+              <a:t> is an integer, returns a value of type </a:t>
+            </a:r>
+            <a:r>
+              <a:rPr lang="en-US" sz="1200" b="0" i="0" dirty="0">
+                <a:solidFill>
+                  <a:srgbClr val="0050C0"/>
+                </a:solidFill>
+                <a:effectLst/>
+                <a:latin typeface="Times New Roman" panose="02020603050405020304" pitchFamily="18" charset="0"/>
+              </a:rPr>
+              <a:t>char</a:t>
+            </a:r>
+            <a:r>
+              <a:rPr lang="en-US" sz="1200" b="0" i="0" dirty="0">
+                <a:solidFill>
+                  <a:srgbClr val="000000"/>
+                </a:solidFill>
+                <a:effectLst/>
+                <a:latin typeface="Times New Roman" panose="02020603050405020304" pitchFamily="18" charset="0"/>
+              </a:rPr>
+              <a:t>. It returns the Nth character in the string. Positions are numbered starting with 0, so </a:t>
+            </a:r>
+            <a:r>
+              <a:rPr lang="en-US" sz="1200" b="0" i="0" dirty="0">
+                <a:solidFill>
+                  <a:srgbClr val="000000"/>
+                </a:solidFill>
+                <a:effectLst/>
+                <a:latin typeface="Courier New" panose="02070309020205020404" pitchFamily="49" charset="0"/>
+              </a:rPr>
+              <a:t>s1.charAt(0)</a:t>
+            </a:r>
+            <a:r>
+              <a:rPr lang="en-US" sz="1200" b="0" i="0" dirty="0">
+                <a:solidFill>
+                  <a:srgbClr val="000000"/>
+                </a:solidFill>
+                <a:effectLst/>
+                <a:latin typeface="Times New Roman" panose="02020603050405020304" pitchFamily="18" charset="0"/>
+              </a:rPr>
+              <a:t> is actually the first character, </a:t>
+            </a:r>
+            <a:r>
+              <a:rPr lang="en-US" sz="1200" b="0" i="0" dirty="0">
+                <a:solidFill>
+                  <a:srgbClr val="000000"/>
+                </a:solidFill>
+                <a:effectLst/>
+                <a:latin typeface="Courier New" panose="02070309020205020404" pitchFamily="49" charset="0"/>
+              </a:rPr>
+              <a:t>s1.charAt(1)</a:t>
+            </a:r>
+            <a:r>
+              <a:rPr lang="en-US" sz="1200" b="0" i="0" dirty="0">
+                <a:solidFill>
+                  <a:srgbClr val="000000"/>
+                </a:solidFill>
+                <a:effectLst/>
+                <a:latin typeface="Times New Roman" panose="02020603050405020304" pitchFamily="18" charset="0"/>
+              </a:rPr>
+              <a:t> is the second, and so on. The final position is </a:t>
+            </a:r>
+            <a:r>
+              <a:rPr lang="en-US" sz="1200" b="0" i="0" dirty="0">
+                <a:solidFill>
+                  <a:srgbClr val="000000"/>
+                </a:solidFill>
+                <a:effectLst/>
+                <a:latin typeface="Courier New" panose="02070309020205020404" pitchFamily="49" charset="0"/>
+              </a:rPr>
+              <a:t>s1.length() - 1</a:t>
+            </a:r>
+            <a:r>
+              <a:rPr lang="en-US" sz="1200" b="0" i="0" dirty="0">
+                <a:solidFill>
+                  <a:srgbClr val="000000"/>
+                </a:solidFill>
+                <a:effectLst/>
+                <a:latin typeface="Times New Roman" panose="02020603050405020304" pitchFamily="18" charset="0"/>
+              </a:rPr>
+              <a:t>. For example, the value of </a:t>
+            </a:r>
+            <a:r>
+              <a:rPr lang="en-US" sz="1200" b="0" i="0" dirty="0">
+                <a:solidFill>
+                  <a:srgbClr val="000000"/>
+                </a:solidFill>
+                <a:effectLst/>
+                <a:latin typeface="Courier New" panose="02070309020205020404" pitchFamily="49" charset="0"/>
+              </a:rPr>
+              <a:t>"cat".</a:t>
+            </a:r>
+            <a:r>
+              <a:rPr lang="en-US" sz="1200" b="0" i="0" dirty="0" err="1">
+                <a:solidFill>
+                  <a:srgbClr val="000000"/>
+                </a:solidFill>
+                <a:effectLst/>
+                <a:latin typeface="Courier New" panose="02070309020205020404" pitchFamily="49" charset="0"/>
+              </a:rPr>
+              <a:t>charAt</a:t>
+            </a:r>
+            <a:r>
+              <a:rPr lang="en-US" sz="1200" b="0" i="0" dirty="0">
+                <a:solidFill>
+                  <a:srgbClr val="000000"/>
+                </a:solidFill>
+                <a:effectLst/>
+                <a:latin typeface="Courier New" panose="02070309020205020404" pitchFamily="49" charset="0"/>
+              </a:rPr>
+              <a:t>(1)</a:t>
+            </a:r>
+            <a:r>
+              <a:rPr lang="en-US" sz="1200" b="0" i="0" dirty="0">
+                <a:solidFill>
+                  <a:srgbClr val="000000"/>
+                </a:solidFill>
+                <a:effectLst/>
+                <a:latin typeface="Times New Roman" panose="02020603050405020304" pitchFamily="18" charset="0"/>
+              </a:rPr>
+              <a:t> is 'a'. An error occurs if the value of the parameter is less than zero or is greater than or equal to </a:t>
+            </a:r>
+            <a:r>
+              <a:rPr lang="en-US" sz="1200" b="0" i="0" dirty="0">
+                <a:solidFill>
+                  <a:srgbClr val="000000"/>
+                </a:solidFill>
+                <a:effectLst/>
+                <a:latin typeface="Courier New" panose="02070309020205020404" pitchFamily="49" charset="0"/>
+              </a:rPr>
+              <a:t>s1.length()</a:t>
+            </a:r>
+            <a:r>
+              <a:rPr lang="en-US" sz="1200" b="0" i="0" dirty="0">
+                <a:solidFill>
+                  <a:srgbClr val="000000"/>
+                </a:solidFill>
+                <a:effectLst/>
+                <a:latin typeface="Times New Roman" panose="02020603050405020304" pitchFamily="18" charset="0"/>
+              </a:rPr>
+              <a:t>.</a:t>
+            </a:r>
+          </a:p>
+          <a:p>
+            <a:pPr algn="l">
+              <a:spcBef>
+                <a:spcPts val="0"/>
+              </a:spcBef>
+              <a:spcAft>
+                <a:spcPts val="0"/>
+              </a:spcAft>
+              <a:buFont typeface="Arial" panose="020B0604020202020204" pitchFamily="34" charset="0"/>
+              <a:buChar char="•"/>
+            </a:pPr>
+            <a:r>
+              <a:rPr lang="en-US" sz="1200" b="0" i="0" dirty="0">
+                <a:solidFill>
+                  <a:srgbClr val="000000"/>
+                </a:solidFill>
+                <a:effectLst/>
+                <a:latin typeface="Courier New" panose="02070309020205020404" pitchFamily="49" charset="0"/>
+              </a:rPr>
+              <a:t>s1.substring(N,M)</a:t>
+            </a:r>
+            <a:r>
+              <a:rPr lang="en-US" sz="1200" b="0" i="0" dirty="0">
+                <a:solidFill>
+                  <a:srgbClr val="000000"/>
+                </a:solidFill>
+                <a:effectLst/>
+                <a:latin typeface="Times New Roman" panose="02020603050405020304" pitchFamily="18" charset="0"/>
+              </a:rPr>
+              <a:t>, where </a:t>
+            </a:r>
+            <a:r>
+              <a:rPr lang="en-US" sz="1200" b="0" i="0" dirty="0">
+                <a:solidFill>
+                  <a:srgbClr val="000000"/>
+                </a:solidFill>
+                <a:effectLst/>
+                <a:latin typeface="Courier New" panose="02070309020205020404" pitchFamily="49" charset="0"/>
+              </a:rPr>
+              <a:t>N</a:t>
+            </a:r>
+            <a:r>
+              <a:rPr lang="en-US" sz="1200" b="0" i="0" dirty="0">
+                <a:solidFill>
+                  <a:srgbClr val="000000"/>
+                </a:solidFill>
+                <a:effectLst/>
+                <a:latin typeface="Times New Roman" panose="02020603050405020304" pitchFamily="18" charset="0"/>
+              </a:rPr>
+              <a:t> and </a:t>
+            </a:r>
+            <a:r>
+              <a:rPr lang="en-US" sz="1200" b="0" i="0" dirty="0">
+                <a:solidFill>
+                  <a:srgbClr val="000000"/>
+                </a:solidFill>
+                <a:effectLst/>
+                <a:latin typeface="Courier New" panose="02070309020205020404" pitchFamily="49" charset="0"/>
+              </a:rPr>
+              <a:t>M</a:t>
+            </a:r>
+            <a:r>
+              <a:rPr lang="en-US" sz="1200" b="0" i="0" dirty="0">
+                <a:solidFill>
+                  <a:srgbClr val="000000"/>
+                </a:solidFill>
+                <a:effectLst/>
+                <a:latin typeface="Times New Roman" panose="02020603050405020304" pitchFamily="18" charset="0"/>
+              </a:rPr>
+              <a:t> are integers, returns a value of type </a:t>
+            </a:r>
+            <a:r>
+              <a:rPr lang="en-US" sz="1200" b="0" i="1" dirty="0">
+                <a:solidFill>
+                  <a:srgbClr val="0050C0"/>
+                </a:solidFill>
+                <a:effectLst/>
+                <a:latin typeface="Times New Roman" panose="02020603050405020304" pitchFamily="18" charset="0"/>
+              </a:rPr>
+              <a:t>String</a:t>
+            </a:r>
+            <a:r>
+              <a:rPr lang="en-US" sz="1200" b="0" i="0" dirty="0">
+                <a:solidFill>
+                  <a:srgbClr val="000000"/>
+                </a:solidFill>
+                <a:effectLst/>
+                <a:latin typeface="Times New Roman" panose="02020603050405020304" pitchFamily="18" charset="0"/>
+              </a:rPr>
+              <a:t>. The returned value consists of the characters of </a:t>
+            </a:r>
+            <a:r>
+              <a:rPr lang="en-US" sz="1200" b="0" i="0" dirty="0">
+                <a:solidFill>
+                  <a:srgbClr val="000000"/>
+                </a:solidFill>
+                <a:effectLst/>
+                <a:latin typeface="Courier New" panose="02070309020205020404" pitchFamily="49" charset="0"/>
+              </a:rPr>
+              <a:t>s1</a:t>
+            </a:r>
+            <a:r>
+              <a:rPr lang="en-US" sz="1200" b="0" i="0" dirty="0">
+                <a:solidFill>
+                  <a:srgbClr val="000000"/>
+                </a:solidFill>
+                <a:effectLst/>
+                <a:latin typeface="Times New Roman" panose="02020603050405020304" pitchFamily="18" charset="0"/>
+              </a:rPr>
+              <a:t> in positions </a:t>
+            </a:r>
+            <a:r>
+              <a:rPr lang="en-US" sz="1200" b="0" i="0" dirty="0">
+                <a:solidFill>
+                  <a:srgbClr val="000000"/>
+                </a:solidFill>
+                <a:effectLst/>
+                <a:latin typeface="Courier New" panose="02070309020205020404" pitchFamily="49" charset="0"/>
+              </a:rPr>
+              <a:t>N</a:t>
+            </a:r>
+            <a:r>
+              <a:rPr lang="en-US" sz="1200" b="0" i="0" dirty="0">
+                <a:solidFill>
+                  <a:srgbClr val="000000"/>
+                </a:solidFill>
+                <a:effectLst/>
+                <a:latin typeface="Times New Roman" panose="02020603050405020304" pitchFamily="18" charset="0"/>
+              </a:rPr>
+              <a:t>, </a:t>
+            </a:r>
+            <a:r>
+              <a:rPr lang="en-US" sz="1200" b="0" i="0" dirty="0">
+                <a:solidFill>
+                  <a:srgbClr val="000000"/>
+                </a:solidFill>
+                <a:effectLst/>
+                <a:latin typeface="Courier New" panose="02070309020205020404" pitchFamily="49" charset="0"/>
+              </a:rPr>
+              <a:t>N+1</a:t>
+            </a:r>
+            <a:r>
+              <a:rPr lang="en-US" sz="1200" b="0" i="0" dirty="0">
+                <a:solidFill>
+                  <a:srgbClr val="000000"/>
+                </a:solidFill>
+                <a:effectLst/>
+                <a:latin typeface="Times New Roman" panose="02020603050405020304" pitchFamily="18" charset="0"/>
+              </a:rPr>
+              <a:t>,..., </a:t>
+            </a:r>
+            <a:r>
+              <a:rPr lang="en-US" sz="1200" b="0" i="0" dirty="0">
+                <a:solidFill>
+                  <a:srgbClr val="000000"/>
+                </a:solidFill>
+                <a:effectLst/>
+                <a:latin typeface="Courier New" panose="02070309020205020404" pitchFamily="49" charset="0"/>
+              </a:rPr>
+              <a:t>M-1</a:t>
+            </a:r>
+            <a:r>
+              <a:rPr lang="en-US" sz="1200" b="0" i="0" dirty="0">
+                <a:solidFill>
+                  <a:srgbClr val="000000"/>
+                </a:solidFill>
+                <a:effectLst/>
+                <a:latin typeface="Times New Roman" panose="02020603050405020304" pitchFamily="18" charset="0"/>
+              </a:rPr>
+              <a:t>. Note that the character in position </a:t>
+            </a:r>
+            <a:r>
+              <a:rPr lang="en-US" sz="1200" b="0" i="0" dirty="0">
+                <a:solidFill>
+                  <a:srgbClr val="000000"/>
+                </a:solidFill>
+                <a:effectLst/>
+                <a:latin typeface="Courier New" panose="02070309020205020404" pitchFamily="49" charset="0"/>
+              </a:rPr>
+              <a:t>M</a:t>
+            </a:r>
+            <a:r>
+              <a:rPr lang="en-US" sz="1200" b="0" i="0" dirty="0">
+                <a:solidFill>
+                  <a:srgbClr val="000000"/>
+                </a:solidFill>
+                <a:effectLst/>
+                <a:latin typeface="Times New Roman" panose="02020603050405020304" pitchFamily="18" charset="0"/>
+              </a:rPr>
+              <a:t> is not included. The returned value is called a substring of </a:t>
+            </a:r>
+            <a:r>
+              <a:rPr lang="en-US" sz="1200" b="0" i="0" dirty="0">
+                <a:solidFill>
+                  <a:srgbClr val="000000"/>
+                </a:solidFill>
+                <a:effectLst/>
+                <a:latin typeface="Courier New" panose="02070309020205020404" pitchFamily="49" charset="0"/>
+              </a:rPr>
+              <a:t>s1</a:t>
+            </a:r>
+            <a:r>
+              <a:rPr lang="en-US" sz="1200" b="0" i="0" dirty="0">
+                <a:solidFill>
+                  <a:srgbClr val="000000"/>
+                </a:solidFill>
+                <a:effectLst/>
+                <a:latin typeface="Times New Roman" panose="02020603050405020304" pitchFamily="18" charset="0"/>
+              </a:rPr>
+              <a:t>. The subroutine </a:t>
+            </a:r>
+            <a:r>
+              <a:rPr lang="en-US" sz="1200" b="0" i="0" dirty="0">
+                <a:solidFill>
+                  <a:srgbClr val="000000"/>
+                </a:solidFill>
+                <a:effectLst/>
+                <a:latin typeface="Courier New" panose="02070309020205020404" pitchFamily="49" charset="0"/>
+              </a:rPr>
+              <a:t>s1.substring(N)</a:t>
+            </a:r>
+            <a:r>
+              <a:rPr lang="en-US" sz="1200" b="0" i="0" dirty="0">
+                <a:solidFill>
+                  <a:srgbClr val="000000"/>
+                </a:solidFill>
+                <a:effectLst/>
+                <a:latin typeface="Times New Roman" panose="02020603050405020304" pitchFamily="18" charset="0"/>
+              </a:rPr>
+              <a:t> returns the substring of </a:t>
+            </a:r>
+            <a:r>
+              <a:rPr lang="en-US" sz="1200" b="0" i="0" dirty="0">
+                <a:solidFill>
+                  <a:srgbClr val="000000"/>
+                </a:solidFill>
+                <a:effectLst/>
+                <a:latin typeface="Courier New" panose="02070309020205020404" pitchFamily="49" charset="0"/>
+              </a:rPr>
+              <a:t>s1</a:t>
+            </a:r>
+            <a:r>
+              <a:rPr lang="en-US" sz="1200" b="0" i="0" dirty="0">
+                <a:solidFill>
+                  <a:srgbClr val="000000"/>
+                </a:solidFill>
+                <a:effectLst/>
+                <a:latin typeface="Times New Roman" panose="02020603050405020304" pitchFamily="18" charset="0"/>
+              </a:rPr>
+              <a:t> consisting of characters starting at position </a:t>
+            </a:r>
+            <a:r>
+              <a:rPr lang="en-US" sz="1200" b="0" i="0" dirty="0">
+                <a:solidFill>
+                  <a:srgbClr val="000000"/>
+                </a:solidFill>
+                <a:effectLst/>
+                <a:latin typeface="Courier New" panose="02070309020205020404" pitchFamily="49" charset="0"/>
+              </a:rPr>
+              <a:t>N</a:t>
+            </a:r>
+            <a:r>
+              <a:rPr lang="en-US" sz="1200" b="0" i="0" dirty="0">
+                <a:solidFill>
+                  <a:srgbClr val="000000"/>
+                </a:solidFill>
+                <a:effectLst/>
+                <a:latin typeface="Times New Roman" panose="02020603050405020304" pitchFamily="18" charset="0"/>
+              </a:rPr>
+              <a:t> up until the end of the string.</a:t>
+            </a:r>
+          </a:p>
+          <a:p>
+            <a:pPr algn="l">
+              <a:spcBef>
+                <a:spcPts val="0"/>
+              </a:spcBef>
+              <a:spcAft>
+                <a:spcPts val="0"/>
+              </a:spcAft>
+              <a:buFont typeface="Arial" panose="020B0604020202020204" pitchFamily="34" charset="0"/>
+              <a:buChar char="•"/>
+            </a:pPr>
+            <a:r>
+              <a:rPr lang="en-US" sz="1200" b="0" i="0" dirty="0">
+                <a:solidFill>
+                  <a:srgbClr val="000000"/>
+                </a:solidFill>
+                <a:effectLst/>
+                <a:latin typeface="Courier New" panose="02070309020205020404" pitchFamily="49" charset="0"/>
+              </a:rPr>
+              <a:t>s1.indexOf(s2)</a:t>
+            </a:r>
+            <a:r>
+              <a:rPr lang="en-US" sz="1200" b="0" i="0" dirty="0">
+                <a:solidFill>
+                  <a:srgbClr val="000000"/>
+                </a:solidFill>
+                <a:effectLst/>
+                <a:latin typeface="Times New Roman" panose="02020603050405020304" pitchFamily="18" charset="0"/>
+              </a:rPr>
+              <a:t> returns an integer. If </a:t>
+            </a:r>
+            <a:r>
+              <a:rPr lang="en-US" sz="1200" b="0" i="0" dirty="0">
+                <a:solidFill>
+                  <a:srgbClr val="000000"/>
+                </a:solidFill>
+                <a:effectLst/>
+                <a:latin typeface="Courier New" panose="02070309020205020404" pitchFamily="49" charset="0"/>
+              </a:rPr>
+              <a:t>s2</a:t>
+            </a:r>
+            <a:r>
+              <a:rPr lang="en-US" sz="1200" b="0" i="0" dirty="0">
+                <a:solidFill>
+                  <a:srgbClr val="000000"/>
+                </a:solidFill>
+                <a:effectLst/>
+                <a:latin typeface="Times New Roman" panose="02020603050405020304" pitchFamily="18" charset="0"/>
+              </a:rPr>
+              <a:t> occurs as a substring of </a:t>
+            </a:r>
+            <a:r>
+              <a:rPr lang="en-US" sz="1200" b="0" i="0" dirty="0">
+                <a:solidFill>
+                  <a:srgbClr val="000000"/>
+                </a:solidFill>
+                <a:effectLst/>
+                <a:latin typeface="Courier New" panose="02070309020205020404" pitchFamily="49" charset="0"/>
+              </a:rPr>
+              <a:t>s1</a:t>
+            </a:r>
+            <a:r>
+              <a:rPr lang="en-US" sz="1200" b="0" i="0" dirty="0">
+                <a:solidFill>
+                  <a:srgbClr val="000000"/>
+                </a:solidFill>
+                <a:effectLst/>
+                <a:latin typeface="Times New Roman" panose="02020603050405020304" pitchFamily="18" charset="0"/>
+              </a:rPr>
+              <a:t>, then the returned value is the starting position of that substring. Otherwise, the returned value is -1. You can also use </a:t>
+            </a:r>
+            <a:r>
+              <a:rPr lang="en-US" sz="1200" b="0" i="0" dirty="0">
+                <a:solidFill>
+                  <a:srgbClr val="000000"/>
+                </a:solidFill>
+                <a:effectLst/>
+                <a:latin typeface="Courier New" panose="02070309020205020404" pitchFamily="49" charset="0"/>
+              </a:rPr>
+              <a:t>s1.indexOf(</a:t>
+            </a:r>
+            <a:r>
+              <a:rPr lang="en-US" sz="1200" b="0" i="0" dirty="0" err="1">
+                <a:solidFill>
+                  <a:srgbClr val="000000"/>
+                </a:solidFill>
+                <a:effectLst/>
+                <a:latin typeface="Courier New" panose="02070309020205020404" pitchFamily="49" charset="0"/>
+              </a:rPr>
+              <a:t>ch</a:t>
+            </a:r>
+            <a:r>
+              <a:rPr lang="en-US" sz="1200" b="0" i="0" dirty="0">
+                <a:solidFill>
+                  <a:srgbClr val="000000"/>
+                </a:solidFill>
+                <a:effectLst/>
+                <a:latin typeface="Courier New" panose="02070309020205020404" pitchFamily="49" charset="0"/>
+              </a:rPr>
+              <a:t>)</a:t>
+            </a:r>
+            <a:r>
+              <a:rPr lang="en-US" sz="1200" b="0" i="0" dirty="0">
+                <a:solidFill>
+                  <a:srgbClr val="000000"/>
+                </a:solidFill>
+                <a:effectLst/>
+                <a:latin typeface="Times New Roman" panose="02020603050405020304" pitchFamily="18" charset="0"/>
+              </a:rPr>
+              <a:t> to search for a </a:t>
+            </a:r>
+            <a:r>
+              <a:rPr lang="en-US" sz="1200" b="0" i="0" dirty="0">
+                <a:solidFill>
+                  <a:srgbClr val="0050C0"/>
+                </a:solidFill>
+                <a:effectLst/>
+                <a:latin typeface="Times New Roman" panose="02020603050405020304" pitchFamily="18" charset="0"/>
+              </a:rPr>
+              <a:t>char</a:t>
+            </a:r>
+            <a:r>
+              <a:rPr lang="en-US" sz="1200" b="0" i="0" dirty="0">
+                <a:solidFill>
+                  <a:srgbClr val="000000"/>
+                </a:solidFill>
+                <a:effectLst/>
+                <a:latin typeface="Times New Roman" panose="02020603050405020304" pitchFamily="18" charset="0"/>
+              </a:rPr>
+              <a:t>, </a:t>
+            </a:r>
+            <a:r>
+              <a:rPr lang="en-US" sz="1200" b="0" i="0" dirty="0" err="1">
+                <a:solidFill>
+                  <a:srgbClr val="000000"/>
+                </a:solidFill>
+                <a:effectLst/>
+                <a:latin typeface="Courier New" panose="02070309020205020404" pitchFamily="49" charset="0"/>
+              </a:rPr>
+              <a:t>ch</a:t>
+            </a:r>
+            <a:r>
+              <a:rPr lang="en-US" sz="1200" b="0" i="0" dirty="0">
+                <a:solidFill>
+                  <a:srgbClr val="000000"/>
+                </a:solidFill>
+                <a:effectLst/>
+                <a:latin typeface="Times New Roman" panose="02020603050405020304" pitchFamily="18" charset="0"/>
+              </a:rPr>
+              <a:t>, in </a:t>
+            </a:r>
+            <a:r>
+              <a:rPr lang="en-US" sz="1200" b="0" i="0" dirty="0">
+                <a:solidFill>
+                  <a:srgbClr val="000000"/>
+                </a:solidFill>
+                <a:effectLst/>
+                <a:latin typeface="Courier New" panose="02070309020205020404" pitchFamily="49" charset="0"/>
+              </a:rPr>
+              <a:t>s1</a:t>
+            </a:r>
+            <a:r>
+              <a:rPr lang="en-US" sz="1200" b="0" i="0" dirty="0">
+                <a:solidFill>
+                  <a:srgbClr val="000000"/>
+                </a:solidFill>
+                <a:effectLst/>
+                <a:latin typeface="Times New Roman" panose="02020603050405020304" pitchFamily="18" charset="0"/>
+              </a:rPr>
+              <a:t>. To find the first occurrence of </a:t>
+            </a:r>
+            <a:r>
+              <a:rPr lang="en-US" sz="1200" b="0" i="0" dirty="0">
+                <a:solidFill>
+                  <a:srgbClr val="000000"/>
+                </a:solidFill>
+                <a:effectLst/>
+                <a:latin typeface="Courier New" panose="02070309020205020404" pitchFamily="49" charset="0"/>
+              </a:rPr>
+              <a:t>x</a:t>
+            </a:r>
+            <a:r>
+              <a:rPr lang="en-US" sz="1200" b="0" i="0" dirty="0">
+                <a:solidFill>
+                  <a:srgbClr val="000000"/>
+                </a:solidFill>
+                <a:effectLst/>
+                <a:latin typeface="Times New Roman" panose="02020603050405020304" pitchFamily="18" charset="0"/>
+              </a:rPr>
+              <a:t> at or after position </a:t>
+            </a:r>
+            <a:r>
+              <a:rPr lang="en-US" sz="1200" b="0" i="0" dirty="0">
+                <a:solidFill>
+                  <a:srgbClr val="000000"/>
+                </a:solidFill>
+                <a:effectLst/>
+                <a:latin typeface="Courier New" panose="02070309020205020404" pitchFamily="49" charset="0"/>
+              </a:rPr>
+              <a:t>N</a:t>
+            </a:r>
+            <a:r>
+              <a:rPr lang="en-US" sz="1200" b="0" i="0" dirty="0">
+                <a:solidFill>
+                  <a:srgbClr val="000000"/>
+                </a:solidFill>
+                <a:effectLst/>
+                <a:latin typeface="Times New Roman" panose="02020603050405020304" pitchFamily="18" charset="0"/>
+              </a:rPr>
+              <a:t>, you can use </a:t>
+            </a:r>
+            <a:r>
+              <a:rPr lang="en-US" sz="1200" b="0" i="0" dirty="0">
+                <a:solidFill>
+                  <a:srgbClr val="000000"/>
+                </a:solidFill>
+                <a:effectLst/>
+                <a:latin typeface="Courier New" panose="02070309020205020404" pitchFamily="49" charset="0"/>
+              </a:rPr>
+              <a:t>s1.indexOf(</a:t>
+            </a:r>
+            <a:r>
+              <a:rPr lang="en-US" sz="1200" b="0" i="0" dirty="0" err="1">
+                <a:solidFill>
+                  <a:srgbClr val="000000"/>
+                </a:solidFill>
+                <a:effectLst/>
+                <a:latin typeface="Courier New" panose="02070309020205020404" pitchFamily="49" charset="0"/>
+              </a:rPr>
+              <a:t>x,N</a:t>
+            </a:r>
+            <a:r>
+              <a:rPr lang="en-US" sz="1200" b="0" i="0" dirty="0">
+                <a:solidFill>
+                  <a:srgbClr val="000000"/>
+                </a:solidFill>
+                <a:effectLst/>
+                <a:latin typeface="Courier New" panose="02070309020205020404" pitchFamily="49" charset="0"/>
+              </a:rPr>
+              <a:t>)</a:t>
+            </a:r>
+            <a:r>
+              <a:rPr lang="en-US" sz="1200" b="0" i="0" dirty="0">
+                <a:solidFill>
+                  <a:srgbClr val="000000"/>
+                </a:solidFill>
+                <a:effectLst/>
+                <a:latin typeface="Times New Roman" panose="02020603050405020304" pitchFamily="18" charset="0"/>
+              </a:rPr>
+              <a:t>. To find the last occurrence of </a:t>
+            </a:r>
+            <a:r>
+              <a:rPr lang="en-US" sz="1200" b="0" i="0" dirty="0">
+                <a:solidFill>
+                  <a:srgbClr val="000000"/>
+                </a:solidFill>
+                <a:effectLst/>
+                <a:latin typeface="Courier New" panose="02070309020205020404" pitchFamily="49" charset="0"/>
+              </a:rPr>
+              <a:t>x</a:t>
+            </a:r>
+            <a:r>
+              <a:rPr lang="en-US" sz="1200" b="0" i="0" dirty="0">
+                <a:solidFill>
+                  <a:srgbClr val="000000"/>
+                </a:solidFill>
+                <a:effectLst/>
+                <a:latin typeface="Times New Roman" panose="02020603050405020304" pitchFamily="18" charset="0"/>
+              </a:rPr>
+              <a:t> in </a:t>
+            </a:r>
+            <a:r>
+              <a:rPr lang="en-US" sz="1200" b="0" i="0" dirty="0">
+                <a:solidFill>
+                  <a:srgbClr val="000000"/>
+                </a:solidFill>
+                <a:effectLst/>
+                <a:latin typeface="Courier New" panose="02070309020205020404" pitchFamily="49" charset="0"/>
+              </a:rPr>
+              <a:t>s1</a:t>
+            </a:r>
+            <a:r>
+              <a:rPr lang="en-US" sz="1200" b="0" i="0" dirty="0">
+                <a:solidFill>
+                  <a:srgbClr val="000000"/>
+                </a:solidFill>
+                <a:effectLst/>
+                <a:latin typeface="Times New Roman" panose="02020603050405020304" pitchFamily="18" charset="0"/>
+              </a:rPr>
+              <a:t>, use </a:t>
+            </a:r>
+            <a:r>
+              <a:rPr lang="en-US" sz="1200" b="0" i="0" dirty="0">
+                <a:solidFill>
+                  <a:srgbClr val="000000"/>
+                </a:solidFill>
+                <a:effectLst/>
+                <a:latin typeface="Courier New" panose="02070309020205020404" pitchFamily="49" charset="0"/>
+              </a:rPr>
+              <a:t>s1.lastIndexOf(x)</a:t>
+            </a:r>
+            <a:r>
+              <a:rPr lang="en-US" sz="1200" b="0" i="0" dirty="0">
+                <a:solidFill>
+                  <a:srgbClr val="000000"/>
+                </a:solidFill>
+                <a:effectLst/>
+                <a:latin typeface="Times New Roman" panose="02020603050405020304" pitchFamily="18" charset="0"/>
+              </a:rPr>
+              <a:t>.</a:t>
+            </a:r>
+          </a:p>
+          <a:p>
+            <a:pPr algn="l">
+              <a:spcBef>
+                <a:spcPts val="0"/>
+              </a:spcBef>
+              <a:spcAft>
+                <a:spcPts val="0"/>
+              </a:spcAft>
+              <a:buFont typeface="Arial" panose="020B0604020202020204" pitchFamily="34" charset="0"/>
+              <a:buChar char="•"/>
+            </a:pPr>
+            <a:r>
+              <a:rPr lang="en-US" sz="1200" b="0" i="0" dirty="0">
+                <a:solidFill>
+                  <a:srgbClr val="000000"/>
+                </a:solidFill>
+                <a:effectLst/>
+                <a:latin typeface="Courier New" panose="02070309020205020404" pitchFamily="49" charset="0"/>
+              </a:rPr>
+              <a:t>s1.compareTo(s2)</a:t>
+            </a:r>
+            <a:r>
+              <a:rPr lang="en-US" sz="1200" b="0" i="0" dirty="0">
+                <a:solidFill>
+                  <a:srgbClr val="000000"/>
+                </a:solidFill>
+                <a:effectLst/>
+                <a:latin typeface="Times New Roman" panose="02020603050405020304" pitchFamily="18" charset="0"/>
+              </a:rPr>
+              <a:t> is an integer-valued function that compares the two strings. If the strings are equal, the value returned is zero. If </a:t>
+            </a:r>
+            <a:r>
+              <a:rPr lang="en-US" sz="1200" b="0" i="0" dirty="0">
+                <a:solidFill>
+                  <a:srgbClr val="000000"/>
+                </a:solidFill>
+                <a:effectLst/>
+                <a:latin typeface="Courier New" panose="02070309020205020404" pitchFamily="49" charset="0"/>
+              </a:rPr>
+              <a:t>s1</a:t>
+            </a:r>
+            <a:r>
+              <a:rPr lang="en-US" sz="1200" b="0" i="0" dirty="0">
+                <a:solidFill>
+                  <a:srgbClr val="000000"/>
+                </a:solidFill>
+                <a:effectLst/>
+                <a:latin typeface="Times New Roman" panose="02020603050405020304" pitchFamily="18" charset="0"/>
+              </a:rPr>
+              <a:t> is less than </a:t>
+            </a:r>
+            <a:r>
+              <a:rPr lang="en-US" sz="1200" b="0" i="0" dirty="0">
+                <a:solidFill>
+                  <a:srgbClr val="000000"/>
+                </a:solidFill>
+                <a:effectLst/>
+                <a:latin typeface="Courier New" panose="02070309020205020404" pitchFamily="49" charset="0"/>
+              </a:rPr>
+              <a:t>s2</a:t>
+            </a:r>
+            <a:r>
+              <a:rPr lang="en-US" sz="1200" b="0" i="0" dirty="0">
+                <a:solidFill>
+                  <a:srgbClr val="000000"/>
+                </a:solidFill>
+                <a:effectLst/>
+                <a:latin typeface="Times New Roman" panose="02020603050405020304" pitchFamily="18" charset="0"/>
+              </a:rPr>
+              <a:t>, the value returned is a number less than zero, and if </a:t>
+            </a:r>
+            <a:r>
+              <a:rPr lang="en-US" sz="1200" b="0" i="0" dirty="0">
+                <a:solidFill>
+                  <a:srgbClr val="000000"/>
+                </a:solidFill>
+                <a:effectLst/>
+                <a:latin typeface="Courier New" panose="02070309020205020404" pitchFamily="49" charset="0"/>
+              </a:rPr>
+              <a:t>s1</a:t>
+            </a:r>
+            <a:r>
+              <a:rPr lang="en-US" sz="1200" b="0" i="0" dirty="0">
+                <a:solidFill>
+                  <a:srgbClr val="000000"/>
+                </a:solidFill>
+                <a:effectLst/>
+                <a:latin typeface="Times New Roman" panose="02020603050405020304" pitchFamily="18" charset="0"/>
+              </a:rPr>
+              <a:t> is greater than </a:t>
+            </a:r>
+            <a:r>
+              <a:rPr lang="en-US" sz="1200" b="0" i="0" dirty="0">
+                <a:solidFill>
+                  <a:srgbClr val="000000"/>
+                </a:solidFill>
+                <a:effectLst/>
+                <a:latin typeface="Courier New" panose="02070309020205020404" pitchFamily="49" charset="0"/>
+              </a:rPr>
+              <a:t>s2</a:t>
+            </a:r>
+            <a:r>
+              <a:rPr lang="en-US" sz="1200" b="0" i="0" dirty="0">
+                <a:solidFill>
+                  <a:srgbClr val="000000"/>
+                </a:solidFill>
+                <a:effectLst/>
+                <a:latin typeface="Times New Roman" panose="02020603050405020304" pitchFamily="18" charset="0"/>
+              </a:rPr>
+              <a:t>, the value returned is some number greater than zero. There is also a function </a:t>
+            </a:r>
+            <a:r>
+              <a:rPr lang="en-US" sz="1200" b="0" i="0" dirty="0">
+                <a:solidFill>
+                  <a:srgbClr val="000000"/>
+                </a:solidFill>
+                <a:effectLst/>
+                <a:latin typeface="Courier New" panose="02070309020205020404" pitchFamily="49" charset="0"/>
+              </a:rPr>
+              <a:t>s1.compareToIgnoreCase(s2)</a:t>
+            </a:r>
+            <a:r>
+              <a:rPr lang="en-US" sz="1200" b="0" i="0" dirty="0">
+                <a:solidFill>
+                  <a:srgbClr val="000000"/>
+                </a:solidFill>
+                <a:effectLst/>
+                <a:latin typeface="Times New Roman" panose="02020603050405020304" pitchFamily="18" charset="0"/>
+              </a:rPr>
+              <a:t>. (If both of the strings consist entirely of lower case letters, or if they consist entirely of upper case letters, then "less than" and "greater than" refer to alphabetical order. Otherwise, the ordering is more complicated.)</a:t>
+            </a:r>
+          </a:p>
+          <a:p>
+            <a:pPr algn="l">
+              <a:spcBef>
+                <a:spcPts val="0"/>
+              </a:spcBef>
+              <a:spcAft>
+                <a:spcPts val="0"/>
+              </a:spcAft>
+              <a:buFont typeface="Arial" panose="020B0604020202020204" pitchFamily="34" charset="0"/>
+              <a:buChar char="•"/>
+            </a:pPr>
+            <a:r>
+              <a:rPr lang="en-US" sz="1200" b="0" i="0" dirty="0">
+                <a:solidFill>
+                  <a:srgbClr val="000000"/>
+                </a:solidFill>
+                <a:effectLst/>
+                <a:latin typeface="Courier New" panose="02070309020205020404" pitchFamily="49" charset="0"/>
+              </a:rPr>
+              <a:t>s1.toUpperCase()</a:t>
+            </a:r>
+            <a:r>
+              <a:rPr lang="en-US" sz="1200" b="0" i="0" dirty="0">
+                <a:solidFill>
+                  <a:srgbClr val="000000"/>
+                </a:solidFill>
+                <a:effectLst/>
+                <a:latin typeface="Times New Roman" panose="02020603050405020304" pitchFamily="18" charset="0"/>
+              </a:rPr>
+              <a:t> is a </a:t>
+            </a:r>
+            <a:r>
+              <a:rPr lang="en-US" sz="1200" b="0" i="1" dirty="0">
+                <a:solidFill>
+                  <a:srgbClr val="0050C0"/>
+                </a:solidFill>
+                <a:effectLst/>
+                <a:latin typeface="Times New Roman" panose="02020603050405020304" pitchFamily="18" charset="0"/>
+              </a:rPr>
+              <a:t>String</a:t>
+            </a:r>
+            <a:r>
+              <a:rPr lang="en-US" sz="1200" b="0" i="0" dirty="0">
+                <a:solidFill>
+                  <a:srgbClr val="000000"/>
+                </a:solidFill>
+                <a:effectLst/>
+                <a:latin typeface="Times New Roman" panose="02020603050405020304" pitchFamily="18" charset="0"/>
+              </a:rPr>
+              <a:t>-valued function that returns a new string that is equal to </a:t>
+            </a:r>
+            <a:r>
+              <a:rPr lang="en-US" sz="1200" b="0" i="0" dirty="0">
+                <a:solidFill>
+                  <a:srgbClr val="000000"/>
+                </a:solidFill>
+                <a:effectLst/>
+                <a:latin typeface="Courier New" panose="02070309020205020404" pitchFamily="49" charset="0"/>
+              </a:rPr>
+              <a:t>s1</a:t>
+            </a:r>
+            <a:r>
+              <a:rPr lang="en-US" sz="1200" b="0" i="0" dirty="0">
+                <a:solidFill>
+                  <a:srgbClr val="000000"/>
+                </a:solidFill>
+                <a:effectLst/>
+                <a:latin typeface="Times New Roman" panose="02020603050405020304" pitchFamily="18" charset="0"/>
+              </a:rPr>
+              <a:t>, except that any lower case letters in </a:t>
+            </a:r>
+            <a:r>
+              <a:rPr lang="en-US" sz="1200" b="0" i="0" dirty="0">
+                <a:solidFill>
+                  <a:srgbClr val="000000"/>
+                </a:solidFill>
+                <a:effectLst/>
+                <a:latin typeface="Courier New" panose="02070309020205020404" pitchFamily="49" charset="0"/>
+              </a:rPr>
+              <a:t>s1</a:t>
+            </a:r>
+            <a:r>
+              <a:rPr lang="en-US" sz="1200" b="0" i="0" dirty="0">
+                <a:solidFill>
+                  <a:srgbClr val="000000"/>
+                </a:solidFill>
+                <a:effectLst/>
+                <a:latin typeface="Times New Roman" panose="02020603050405020304" pitchFamily="18" charset="0"/>
+              </a:rPr>
+              <a:t> have been converted to upper case. For example, </a:t>
+            </a:r>
+            <a:r>
+              <a:rPr lang="en-US" sz="1200" b="0" i="0" dirty="0">
+                <a:solidFill>
+                  <a:srgbClr val="000000"/>
+                </a:solidFill>
+                <a:effectLst/>
+                <a:latin typeface="Courier New" panose="02070309020205020404" pitchFamily="49" charset="0"/>
+              </a:rPr>
+              <a:t>"Cat".</a:t>
+            </a:r>
+            <a:r>
+              <a:rPr lang="en-US" sz="1200" b="0" i="0" dirty="0" err="1">
+                <a:solidFill>
+                  <a:srgbClr val="000000"/>
+                </a:solidFill>
+                <a:effectLst/>
+                <a:latin typeface="Courier New" panose="02070309020205020404" pitchFamily="49" charset="0"/>
+              </a:rPr>
+              <a:t>toUpperCase</a:t>
+            </a:r>
+            <a:r>
+              <a:rPr lang="en-US" sz="1200" b="0" i="0" dirty="0">
+                <a:solidFill>
+                  <a:srgbClr val="000000"/>
+                </a:solidFill>
+                <a:effectLst/>
+                <a:latin typeface="Courier New" panose="02070309020205020404" pitchFamily="49" charset="0"/>
+              </a:rPr>
+              <a:t>()</a:t>
+            </a:r>
+            <a:r>
+              <a:rPr lang="en-US" sz="1200" b="0" i="0" dirty="0">
+                <a:solidFill>
+                  <a:srgbClr val="000000"/>
+                </a:solidFill>
+                <a:effectLst/>
+                <a:latin typeface="Times New Roman" panose="02020603050405020304" pitchFamily="18" charset="0"/>
+              </a:rPr>
+              <a:t> is the string </a:t>
+            </a:r>
+            <a:r>
+              <a:rPr lang="en-US" sz="1200" b="0" i="0" dirty="0">
+                <a:solidFill>
+                  <a:srgbClr val="000000"/>
+                </a:solidFill>
+                <a:effectLst/>
+                <a:latin typeface="Courier New" panose="02070309020205020404" pitchFamily="49" charset="0"/>
+              </a:rPr>
+              <a:t>"CAT"</a:t>
+            </a:r>
+            <a:r>
+              <a:rPr lang="en-US" sz="1200" b="0" i="0" dirty="0">
+                <a:solidFill>
+                  <a:srgbClr val="000000"/>
+                </a:solidFill>
+                <a:effectLst/>
+                <a:latin typeface="Times New Roman" panose="02020603050405020304" pitchFamily="18" charset="0"/>
+              </a:rPr>
+              <a:t>. There is also a function </a:t>
+            </a:r>
+            <a:r>
+              <a:rPr lang="en-US" sz="1200" b="0" i="0" dirty="0">
+                <a:solidFill>
+                  <a:srgbClr val="000000"/>
+                </a:solidFill>
+                <a:effectLst/>
+                <a:latin typeface="Courier New" panose="02070309020205020404" pitchFamily="49" charset="0"/>
+              </a:rPr>
+              <a:t>s1.toLowerCase()</a:t>
+            </a:r>
+            <a:r>
+              <a:rPr lang="en-US" sz="1200" b="0" i="0" dirty="0">
+                <a:solidFill>
+                  <a:srgbClr val="000000"/>
+                </a:solidFill>
+                <a:effectLst/>
+                <a:latin typeface="Times New Roman" panose="02020603050405020304" pitchFamily="18" charset="0"/>
+              </a:rPr>
+              <a:t>.</a:t>
+            </a:r>
+          </a:p>
+          <a:p>
+            <a:pPr algn="l">
+              <a:spcBef>
+                <a:spcPts val="0"/>
+              </a:spcBef>
+              <a:spcAft>
+                <a:spcPts val="0"/>
+              </a:spcAft>
+              <a:buFont typeface="Arial" panose="020B0604020202020204" pitchFamily="34" charset="0"/>
+              <a:buChar char="•"/>
+            </a:pPr>
+            <a:r>
+              <a:rPr lang="en-US" sz="1200" b="0" i="0" dirty="0">
+                <a:solidFill>
+                  <a:srgbClr val="000000"/>
+                </a:solidFill>
+                <a:effectLst/>
+                <a:latin typeface="Courier New" panose="02070309020205020404" pitchFamily="49" charset="0"/>
+              </a:rPr>
+              <a:t>s1.trim()</a:t>
+            </a:r>
+            <a:r>
+              <a:rPr lang="en-US" sz="1200" b="0" i="0" dirty="0">
+                <a:solidFill>
+                  <a:srgbClr val="000000"/>
+                </a:solidFill>
+                <a:effectLst/>
+                <a:latin typeface="Times New Roman" panose="02020603050405020304" pitchFamily="18" charset="0"/>
+              </a:rPr>
+              <a:t> is a </a:t>
+            </a:r>
+            <a:r>
+              <a:rPr lang="en-US" sz="1200" b="0" i="1" dirty="0">
+                <a:solidFill>
+                  <a:srgbClr val="0050C0"/>
+                </a:solidFill>
+                <a:effectLst/>
+                <a:latin typeface="Times New Roman" panose="02020603050405020304" pitchFamily="18" charset="0"/>
+              </a:rPr>
+              <a:t>String</a:t>
+            </a:r>
+            <a:r>
+              <a:rPr lang="en-US" sz="1200" b="0" i="0" dirty="0">
+                <a:solidFill>
+                  <a:srgbClr val="000000"/>
+                </a:solidFill>
+                <a:effectLst/>
+                <a:latin typeface="Times New Roman" panose="02020603050405020304" pitchFamily="18" charset="0"/>
+              </a:rPr>
+              <a:t>-valued function that returns a new string that is equal to </a:t>
+            </a:r>
+            <a:r>
+              <a:rPr lang="en-US" sz="1200" b="0" i="0" dirty="0">
+                <a:solidFill>
+                  <a:srgbClr val="000000"/>
+                </a:solidFill>
+                <a:effectLst/>
+                <a:latin typeface="Courier New" panose="02070309020205020404" pitchFamily="49" charset="0"/>
+              </a:rPr>
+              <a:t>s1</a:t>
+            </a:r>
+            <a:r>
+              <a:rPr lang="en-US" sz="1200" b="0" i="0" dirty="0">
+                <a:solidFill>
+                  <a:srgbClr val="000000"/>
+                </a:solidFill>
+                <a:effectLst/>
+                <a:latin typeface="Times New Roman" panose="02020603050405020304" pitchFamily="18" charset="0"/>
+              </a:rPr>
+              <a:t> except that any non-printing characters such as spaces and tabs have been trimmed from the beginning and from the end of the string. Thus, if </a:t>
+            </a:r>
+            <a:r>
+              <a:rPr lang="en-US" sz="1200" b="0" i="0" dirty="0">
+                <a:solidFill>
+                  <a:srgbClr val="000000"/>
+                </a:solidFill>
+                <a:effectLst/>
+                <a:latin typeface="Courier New" panose="02070309020205020404" pitchFamily="49" charset="0"/>
+              </a:rPr>
+              <a:t>s1</a:t>
+            </a:r>
+            <a:r>
+              <a:rPr lang="en-US" sz="1200" b="0" i="0" dirty="0">
+                <a:solidFill>
+                  <a:srgbClr val="000000"/>
+                </a:solidFill>
+                <a:effectLst/>
+                <a:latin typeface="Times New Roman" panose="02020603050405020304" pitchFamily="18" charset="0"/>
+              </a:rPr>
+              <a:t> has the value </a:t>
+            </a:r>
+            <a:r>
+              <a:rPr lang="en-US" sz="1200" b="0" i="0" dirty="0">
+                <a:solidFill>
+                  <a:srgbClr val="000000"/>
+                </a:solidFill>
+                <a:effectLst/>
+                <a:latin typeface="Courier New" panose="02070309020205020404" pitchFamily="49" charset="0"/>
+              </a:rPr>
+              <a:t>"</a:t>
+            </a:r>
+            <a:r>
+              <a:rPr lang="en-US" sz="1200" b="0" i="0" dirty="0" err="1">
+                <a:solidFill>
+                  <a:srgbClr val="000000"/>
+                </a:solidFill>
+                <a:effectLst/>
+                <a:latin typeface="Courier New" panose="02070309020205020404" pitchFamily="49" charset="0"/>
+              </a:rPr>
+              <a:t>fred</a:t>
+            </a:r>
+            <a:r>
+              <a:rPr lang="en-US" sz="1200" b="0" i="0" dirty="0">
+                <a:solidFill>
+                  <a:srgbClr val="000000"/>
+                </a:solidFill>
+                <a:effectLst/>
+                <a:latin typeface="Courier New" panose="02070309020205020404" pitchFamily="49" charset="0"/>
+              </a:rPr>
+              <a:t>  "</a:t>
+            </a:r>
+            <a:r>
+              <a:rPr lang="en-US" sz="1200" b="0" i="0" dirty="0">
+                <a:solidFill>
+                  <a:srgbClr val="000000"/>
+                </a:solidFill>
+                <a:effectLst/>
+                <a:latin typeface="Times New Roman" panose="02020603050405020304" pitchFamily="18" charset="0"/>
+              </a:rPr>
+              <a:t>, then </a:t>
+            </a:r>
+            <a:r>
+              <a:rPr lang="en-US" sz="1200" b="0" i="0" dirty="0">
+                <a:solidFill>
+                  <a:srgbClr val="000000"/>
+                </a:solidFill>
+                <a:effectLst/>
+                <a:latin typeface="Courier New" panose="02070309020205020404" pitchFamily="49" charset="0"/>
+              </a:rPr>
+              <a:t>s1.trim()</a:t>
+            </a:r>
+            <a:r>
+              <a:rPr lang="en-US" sz="1200" b="0" i="0" dirty="0">
+                <a:solidFill>
+                  <a:srgbClr val="000000"/>
+                </a:solidFill>
+                <a:effectLst/>
+                <a:latin typeface="Times New Roman" panose="02020603050405020304" pitchFamily="18" charset="0"/>
+              </a:rPr>
+              <a:t> is the string </a:t>
+            </a:r>
+            <a:r>
+              <a:rPr lang="en-US" sz="1200" b="0" i="0" dirty="0">
+                <a:solidFill>
+                  <a:srgbClr val="000000"/>
+                </a:solidFill>
+                <a:effectLst/>
+                <a:latin typeface="Courier New" panose="02070309020205020404" pitchFamily="49" charset="0"/>
+              </a:rPr>
+              <a:t>"</a:t>
+            </a:r>
+            <a:r>
+              <a:rPr lang="en-US" sz="1200" b="0" i="0" dirty="0" err="1">
+                <a:solidFill>
+                  <a:srgbClr val="000000"/>
+                </a:solidFill>
+                <a:effectLst/>
+                <a:latin typeface="Courier New" panose="02070309020205020404" pitchFamily="49" charset="0"/>
+              </a:rPr>
+              <a:t>fred</a:t>
+            </a:r>
+            <a:r>
+              <a:rPr lang="en-US" sz="1200" b="0" i="0" dirty="0">
+                <a:solidFill>
+                  <a:srgbClr val="000000"/>
+                </a:solidFill>
+                <a:effectLst/>
+                <a:latin typeface="Courier New" panose="02070309020205020404" pitchFamily="49" charset="0"/>
+              </a:rPr>
+              <a:t>"</a:t>
+            </a:r>
+            <a:r>
+              <a:rPr lang="en-US" sz="1200" b="0" i="0" dirty="0">
+                <a:solidFill>
+                  <a:srgbClr val="000000"/>
+                </a:solidFill>
+                <a:effectLst/>
+                <a:latin typeface="Times New Roman" panose="02020603050405020304" pitchFamily="18" charset="0"/>
+              </a:rPr>
+              <a:t>, with the spaces at the end removed.</a:t>
+            </a:r>
+          </a:p>
+          <a:p>
+            <a:endParaRPr lang="en-GB" dirty="0"/>
+          </a:p>
+        </p:txBody>
+      </p:sp>
+      <p:sp>
+        <p:nvSpPr>
+          <p:cNvPr id="4" name="Slide Number Placeholder 3"/>
+          <p:cNvSpPr>
+            <a:spLocks noGrp="1"/>
+          </p:cNvSpPr>
+          <p:nvPr>
+            <p:ph type="sldNum" sz="quarter" idx="5"/>
+          </p:nvPr>
+        </p:nvSpPr>
+        <p:spPr/>
+        <p:txBody>
+          <a:bodyPr/>
+          <a:lstStyle/>
+          <a:p>
+            <a:fld id="{9BCB3323-FCCE-4DFE-BD34-96AD5764A1C6}" type="slidenum">
+              <a:rPr lang="en-GB" smtClean="0"/>
+              <a:t>14</a:t>
+            </a:fld>
+            <a:endParaRPr lang="en-GB"/>
+          </a:p>
+        </p:txBody>
+      </p:sp>
+    </p:spTree>
+    <p:extLst>
+      <p:ext uri="{BB962C8B-B14F-4D97-AF65-F5344CB8AC3E}">
+        <p14:creationId xmlns:p14="http://schemas.microsoft.com/office/powerpoint/2010/main" val="832490227"/>
+      </p:ext>
+    </p:extLst>
+  </p:cSld>
+  <p:clrMapOvr>
+    <a:masterClrMapping/>
+  </p:clrMapOvr>
+</p:notes>
+</file>
+
 <file path=ppt/slideLayouts/slideLayout1.xml><?xml version="1.0" encoding="utf-8"?>
 <p:sldLayout xmlns:a="http://schemas.openxmlformats.org/drawingml/2006/main" xmlns:r="http://schemas.openxmlformats.org/officeDocument/2006/relationships" xmlns:p="http://schemas.openxmlformats.org/presentationml/2006/main" showMasterSp="0" type="title" preserve="1">
   <p:cSld name="Title Slide">
@@ -346,7 +2437,7 @@
           <a:p>
             <a:fld id="{CD13FC2D-BEDB-45BE-AF82-649A39BEFF71}" type="datetimeFigureOut">
               <a:rPr lang="en-GB" smtClean="0"/>
-              <a:t>14/10/2020</a:t>
+              <a:t>15/10/2020</a:t>
             </a:fld>
             <a:endParaRPr lang="en-GB"/>
           </a:p>
@@ -554,7 +2645,7 @@
           <a:p>
             <a:fld id="{CD13FC2D-BEDB-45BE-AF82-649A39BEFF71}" type="datetimeFigureOut">
               <a:rPr lang="en-GB" smtClean="0"/>
-              <a:t>14/10/2020</a:t>
+              <a:t>15/10/2020</a:t>
             </a:fld>
             <a:endParaRPr lang="en-GB"/>
           </a:p>
@@ -810,7 +2901,7 @@
           <a:p>
             <a:fld id="{CD13FC2D-BEDB-45BE-AF82-649A39BEFF71}" type="datetimeFigureOut">
               <a:rPr lang="en-GB" smtClean="0"/>
-              <a:t>14/10/2020</a:t>
+              <a:t>15/10/2020</a:t>
             </a:fld>
             <a:endParaRPr lang="en-GB"/>
           </a:p>
@@ -980,7 +3071,7 @@
           <a:p>
             <a:fld id="{CD13FC2D-BEDB-45BE-AF82-649A39BEFF71}" type="datetimeFigureOut">
               <a:rPr lang="en-GB" smtClean="0"/>
-              <a:t>14/10/2020</a:t>
+              <a:t>15/10/2020</a:t>
             </a:fld>
             <a:endParaRPr lang="en-GB"/>
           </a:p>
@@ -1323,7 +3414,7 @@
           <a:p>
             <a:fld id="{CD13FC2D-BEDB-45BE-AF82-649A39BEFF71}" type="datetimeFigureOut">
               <a:rPr lang="en-GB" smtClean="0"/>
-              <a:t>14/10/2020</a:t>
+              <a:t>15/10/2020</a:t>
             </a:fld>
             <a:endParaRPr lang="en-GB"/>
           </a:p>
@@ -1598,7 +3689,7 @@
           <a:p>
             <a:fld id="{CD13FC2D-BEDB-45BE-AF82-649A39BEFF71}" type="datetimeFigureOut">
               <a:rPr lang="en-GB" smtClean="0"/>
-              <a:t>14/10/2020</a:t>
+              <a:t>15/10/2020</a:t>
             </a:fld>
             <a:endParaRPr lang="en-GB"/>
           </a:p>
@@ -1977,7 +4068,7 @@
           <a:p>
             <a:fld id="{CD13FC2D-BEDB-45BE-AF82-649A39BEFF71}" type="datetimeFigureOut">
               <a:rPr lang="en-GB" smtClean="0"/>
-              <a:t>14/10/2020</a:t>
+              <a:t>15/10/2020</a:t>
             </a:fld>
             <a:endParaRPr lang="en-GB"/>
           </a:p>
@@ -2095,7 +4186,7 @@
           <a:p>
             <a:fld id="{CD13FC2D-BEDB-45BE-AF82-649A39BEFF71}" type="datetimeFigureOut">
               <a:rPr lang="en-GB" smtClean="0"/>
-              <a:t>14/10/2020</a:t>
+              <a:t>15/10/2020</a:t>
             </a:fld>
             <a:endParaRPr lang="en-GB"/>
           </a:p>
@@ -2266,7 +4357,7 @@
           <a:p>
             <a:fld id="{CD13FC2D-BEDB-45BE-AF82-649A39BEFF71}" type="datetimeFigureOut">
               <a:rPr lang="en-GB" smtClean="0"/>
-              <a:t>14/10/2020</a:t>
+              <a:t>15/10/2020</a:t>
             </a:fld>
             <a:endParaRPr lang="en-GB"/>
           </a:p>
@@ -2620,7 +4711,7 @@
           <a:p>
             <a:fld id="{CD13FC2D-BEDB-45BE-AF82-649A39BEFF71}" type="datetimeFigureOut">
               <a:rPr lang="en-GB" smtClean="0"/>
-              <a:t>14/10/2020</a:t>
+              <a:t>15/10/2020</a:t>
             </a:fld>
             <a:endParaRPr lang="en-GB"/>
           </a:p>
@@ -3002,7 +5093,7 @@
           <a:p>
             <a:fld id="{CD13FC2D-BEDB-45BE-AF82-649A39BEFF71}" type="datetimeFigureOut">
               <a:rPr lang="en-GB" smtClean="0"/>
-              <a:t>14/10/2020</a:t>
+              <a:t>15/10/2020</a:t>
             </a:fld>
             <a:endParaRPr lang="en-GB"/>
           </a:p>
@@ -3289,7 +5380,7 @@
           <a:p>
             <a:fld id="{CD13FC2D-BEDB-45BE-AF82-649A39BEFF71}" type="datetimeFigureOut">
               <a:rPr lang="en-GB" smtClean="0"/>
-              <a:t>14/10/2020</a:t>
+              <a:t>15/10/2020</a:t>
             </a:fld>
             <a:endParaRPr lang="en-GB"/>
           </a:p>
@@ -3875,7 +5966,7 @@
           <a:lstStyle/>
           <a:p>
             <a:r>
-              <a:rPr lang="en-GB" dirty="0" smtClean="0"/>
+              <a:rPr lang="en-GB" dirty="0"/>
               <a:t>An Introduction to object-orientation and the java programming language</a:t>
             </a:r>
           </a:p>
@@ -3942,6 +6033,1498 @@
     <p:extLst>
       <p:ext uri="{BB962C8B-B14F-4D97-AF65-F5344CB8AC3E}">
         <p14:creationId xmlns:p14="http://schemas.microsoft.com/office/powerpoint/2010/main" val="4209893728"/>
+      </p:ext>
+    </p:extLst>
+  </p:cSld>
+  <p:clrMapOvr>
+    <a:masterClrMapping/>
+  </p:clrMapOvr>
+</p:sld>
+</file>
+
+<file path=ppt/slides/slide10.xml><?xml version="1.0" encoding="utf-8"?>
+<p:sld xmlns:a="http://schemas.openxmlformats.org/drawingml/2006/main" xmlns:r="http://schemas.openxmlformats.org/officeDocument/2006/relationships" xmlns:p="http://schemas.openxmlformats.org/presentationml/2006/main">
+  <p:cSld>
+    <p:spTree>
+      <p:nvGrpSpPr>
+        <p:cNvPr id="1" name=""/>
+        <p:cNvGrpSpPr/>
+        <p:nvPr/>
+      </p:nvGrpSpPr>
+      <p:grpSpPr>
+        <a:xfrm>
+          <a:off x="0" y="0"/>
+          <a:ext cx="0" cy="0"/>
+          <a:chOff x="0" y="0"/>
+          <a:chExt cx="0" cy="0"/>
+        </a:xfrm>
+      </p:grpSpPr>
+      <p:sp>
+        <p:nvSpPr>
+          <p:cNvPr id="2" name="Title 1">
+            <a:extLst>
+              <a:ext uri="{FF2B5EF4-FFF2-40B4-BE49-F238E27FC236}">
+                <a16:creationId xmlns:a16="http://schemas.microsoft.com/office/drawing/2014/main" id="{D0F371AF-0F3D-4C75-BDB9-A4F068365D54}"/>
+              </a:ext>
+            </a:extLst>
+          </p:cNvPr>
+          <p:cNvSpPr>
+            <a:spLocks noGrp="1"/>
+          </p:cNvSpPr>
+          <p:nvPr>
+            <p:ph type="title"/>
+          </p:nvPr>
+        </p:nvSpPr>
+        <p:spPr/>
+        <p:txBody>
+          <a:bodyPr/>
+          <a:lstStyle/>
+          <a:p>
+            <a:r>
+              <a:rPr lang="en-GB" dirty="0"/>
+              <a:t>Loan Calculator Example</a:t>
+            </a:r>
+          </a:p>
+        </p:txBody>
+      </p:sp>
+      <mc:AlternateContent xmlns:mc="http://schemas.openxmlformats.org/markup-compatibility/2006">
+        <mc:Choice xmlns:a14="http://schemas.microsoft.com/office/drawing/2010/main" Requires="a14">
+          <p:sp>
+            <p:nvSpPr>
+              <p:cNvPr id="5" name="Content Placeholder 4">
+                <a:extLst>
+                  <a:ext uri="{FF2B5EF4-FFF2-40B4-BE49-F238E27FC236}">
+                    <a16:creationId xmlns:a16="http://schemas.microsoft.com/office/drawing/2014/main" id="{A5CFBA2D-8DEA-426C-B621-98A5C8538BE4}"/>
+                  </a:ext>
+                </a:extLst>
+              </p:cNvPr>
+              <p:cNvSpPr>
+                <a:spLocks noGrp="1"/>
+              </p:cNvSpPr>
+              <p:nvPr>
+                <p:ph idx="1"/>
+              </p:nvPr>
+            </p:nvSpPr>
+            <p:spPr/>
+            <p:txBody>
+              <a:bodyPr/>
+              <a:lstStyle/>
+              <a:p>
+                <a:pPr>
+                  <a:buFont typeface="Wingdings" panose="05000000000000000000" pitchFamily="2" charset="2"/>
+                  <a:buChar char="v"/>
+                </a:pPr>
+                <a:r>
+                  <a:rPr lang="en-GB" dirty="0"/>
+                  <a:t> Given the initial loan amount, an annual interest rate,  and number of years,</a:t>
+                </a:r>
+              </a:p>
+              <a:p>
+                <a:pPr>
+                  <a:buFont typeface="Wingdings" panose="05000000000000000000" pitchFamily="2" charset="2"/>
+                  <a:buChar char="v"/>
+                </a:pPr>
+                <a:r>
+                  <a:rPr lang="en-GB" dirty="0"/>
+                  <a:t>We can amortize (get monthly payments) using the following formula</a:t>
+                </a:r>
+              </a:p>
+              <a:p>
+                <a:pPr>
+                  <a:buFont typeface="Wingdings" panose="05000000000000000000" pitchFamily="2" charset="2"/>
+                  <a:buChar char="v"/>
+                </a:pPr>
+                <a:r>
+                  <a:rPr lang="en-GB" dirty="0"/>
+                  <a:t> P=A/D, where P is the monthly payment, A is the initial amount and</a:t>
+                </a:r>
+              </a:p>
+              <a:p>
+                <a:pPr>
+                  <a:buFont typeface="Wingdings" panose="05000000000000000000" pitchFamily="2" charset="2"/>
+                  <a:buChar char="v"/>
+                </a:pPr>
+                <a:r>
+                  <a:rPr lang="en-GB" dirty="0"/>
+                  <a:t> Discount Factor, D is</a:t>
+                </a:r>
+              </a:p>
+              <a:p>
+                <a:pPr>
+                  <a:buFont typeface="Wingdings" panose="05000000000000000000" pitchFamily="2" charset="2"/>
+                  <a:buChar char="v"/>
+                </a:pPr>
+                <a14:m>
+                  <m:oMath xmlns:m="http://schemas.openxmlformats.org/officeDocument/2006/math">
+                    <m:r>
+                      <a:rPr lang="en-GB" b="0" i="1" smtClean="0">
+                        <a:latin typeface="Cambria Math" panose="02040503050406030204" pitchFamily="18" charset="0"/>
+                      </a:rPr>
+                      <m:t>𝐷</m:t>
+                    </m:r>
+                    <m:r>
+                      <a:rPr lang="en-GB" b="0" i="1" smtClean="0">
+                        <a:latin typeface="Cambria Math" panose="02040503050406030204" pitchFamily="18" charset="0"/>
+                      </a:rPr>
+                      <m:t>=</m:t>
+                    </m:r>
+                    <m:f>
+                      <m:fPr>
+                        <m:ctrlPr>
+                          <a:rPr lang="pt-BR" i="1" smtClean="0">
+                            <a:latin typeface="Cambria Math" panose="02040503050406030204" pitchFamily="18" charset="0"/>
+                          </a:rPr>
+                        </m:ctrlPr>
+                      </m:fPr>
+                      <m:num>
+                        <m:d>
+                          <m:dPr>
+                            <m:begChr m:val="["/>
+                            <m:endChr m:val="]"/>
+                            <m:ctrlPr>
+                              <a:rPr lang="en-GB" b="0" i="1" smtClean="0">
+                                <a:latin typeface="Cambria Math" panose="02040503050406030204" pitchFamily="18" charset="0"/>
+                              </a:rPr>
+                            </m:ctrlPr>
+                          </m:dPr>
+                          <m:e>
+                            <m:d>
+                              <m:dPr>
+                                <m:ctrlPr>
+                                  <a:rPr lang="en-GB" b="0" i="1" smtClean="0">
+                                    <a:latin typeface="Cambria Math" panose="02040503050406030204" pitchFamily="18" charset="0"/>
+                                  </a:rPr>
+                                </m:ctrlPr>
+                              </m:dPr>
+                              <m:e>
+                                <m:r>
+                                  <a:rPr lang="en-GB" b="0" i="1" smtClean="0">
+                                    <a:latin typeface="Cambria Math" panose="02040503050406030204" pitchFamily="18" charset="0"/>
+                                  </a:rPr>
+                                  <m:t>1+</m:t>
+                                </m:r>
+                                <m:r>
+                                  <a:rPr lang="en-GB" b="0" i="1" smtClean="0">
+                                    <a:latin typeface="Cambria Math" panose="02040503050406030204" pitchFamily="18" charset="0"/>
+                                  </a:rPr>
+                                  <m:t>𝑟</m:t>
+                                </m:r>
+                              </m:e>
+                            </m:d>
+                            <m:r>
+                              <a:rPr lang="en-GB" b="0" i="1" smtClean="0">
+                                <a:latin typeface="Cambria Math" panose="02040503050406030204" pitchFamily="18" charset="0"/>
+                              </a:rPr>
+                              <m:t>×</m:t>
+                            </m:r>
+                            <m:r>
+                              <a:rPr lang="en-GB" b="0" i="1" smtClean="0">
+                                <a:latin typeface="Cambria Math" panose="02040503050406030204" pitchFamily="18" charset="0"/>
+                              </a:rPr>
+                              <m:t>𝑛</m:t>
+                            </m:r>
+                          </m:e>
+                        </m:d>
+                        <m:r>
+                          <a:rPr lang="en-GB" b="0" i="1" smtClean="0">
+                            <a:latin typeface="Cambria Math" panose="02040503050406030204" pitchFamily="18" charset="0"/>
+                          </a:rPr>
+                          <m:t>−1</m:t>
+                        </m:r>
+                      </m:num>
+                      <m:den>
+                        <m:r>
+                          <a:rPr lang="en-GB" b="0" i="1" smtClean="0">
+                            <a:latin typeface="Cambria Math" panose="02040503050406030204" pitchFamily="18" charset="0"/>
+                          </a:rPr>
+                          <m:t>𝑟</m:t>
+                        </m:r>
+                        <m:r>
+                          <a:rPr lang="en-GB" b="0" i="1" smtClean="0">
+                            <a:latin typeface="Cambria Math" panose="02040503050406030204" pitchFamily="18" charset="0"/>
+                          </a:rPr>
+                          <m:t>×</m:t>
+                        </m:r>
+                        <m:d>
+                          <m:dPr>
+                            <m:ctrlPr>
+                              <a:rPr lang="en-GB" b="0" i="1" smtClean="0">
+                                <a:latin typeface="Cambria Math" panose="02040503050406030204" pitchFamily="18" charset="0"/>
+                              </a:rPr>
+                            </m:ctrlPr>
+                          </m:dPr>
+                          <m:e>
+                            <m:r>
+                              <a:rPr lang="en-GB" b="0" i="1" smtClean="0">
+                                <a:latin typeface="Cambria Math" panose="02040503050406030204" pitchFamily="18" charset="0"/>
+                              </a:rPr>
+                              <m:t>1+</m:t>
+                            </m:r>
+                            <m:r>
+                              <a:rPr lang="en-GB" b="0" i="1" smtClean="0">
+                                <a:latin typeface="Cambria Math" panose="02040503050406030204" pitchFamily="18" charset="0"/>
+                              </a:rPr>
+                              <m:t>𝑟</m:t>
+                            </m:r>
+                          </m:e>
+                        </m:d>
+                        <m:r>
+                          <a:rPr lang="en-GB" b="0" i="1" smtClean="0">
+                            <a:latin typeface="Cambria Math" panose="02040503050406030204" pitchFamily="18" charset="0"/>
+                          </a:rPr>
+                          <m:t>×</m:t>
+                        </m:r>
+                        <m:r>
+                          <a:rPr lang="en-GB" b="0" i="1" smtClean="0">
+                            <a:latin typeface="Cambria Math" panose="02040503050406030204" pitchFamily="18" charset="0"/>
+                          </a:rPr>
+                          <m:t>𝑛</m:t>
+                        </m:r>
+                      </m:den>
+                    </m:f>
+                  </m:oMath>
+                </a14:m>
+                <a:endParaRPr lang="en-GB" dirty="0"/>
+              </a:p>
+            </p:txBody>
+          </p:sp>
+        </mc:Choice>
+        <mc:Fallback>
+          <p:sp>
+            <p:nvSpPr>
+              <p:cNvPr id="5" name="Content Placeholder 4">
+                <a:extLst>
+                  <a:ext uri="{FF2B5EF4-FFF2-40B4-BE49-F238E27FC236}">
+                    <a16:creationId xmlns:a16="http://schemas.microsoft.com/office/drawing/2014/main" id="{A5CFBA2D-8DEA-426C-B621-98A5C8538BE4}"/>
+                  </a:ext>
+                </a:extLst>
+              </p:cNvPr>
+              <p:cNvSpPr>
+                <a:spLocks noGrp="1" noRot="1" noChangeAspect="1" noMove="1" noResize="1" noEditPoints="1" noAdjustHandles="1" noChangeArrowheads="1" noChangeShapeType="1" noTextEdit="1"/>
+              </p:cNvSpPr>
+              <p:nvPr>
+                <p:ph idx="1"/>
+              </p:nvPr>
+            </p:nvSpPr>
+            <p:spPr>
+              <a:blipFill>
+                <a:blip r:embed="rId2"/>
+                <a:stretch>
+                  <a:fillRect l="-1939" t="-1667" r="-1535"/>
+                </a:stretch>
+              </a:blipFill>
+            </p:spPr>
+            <p:txBody>
+              <a:bodyPr/>
+              <a:lstStyle/>
+              <a:p>
+                <a:r>
+                  <a:rPr lang="en-GB">
+                    <a:noFill/>
+                  </a:rPr>
+                  <a:t> </a:t>
+                </a:r>
+              </a:p>
+            </p:txBody>
+          </p:sp>
+        </mc:Fallback>
+      </mc:AlternateContent>
+    </p:spTree>
+    <p:extLst>
+      <p:ext uri="{BB962C8B-B14F-4D97-AF65-F5344CB8AC3E}">
+        <p14:creationId xmlns:p14="http://schemas.microsoft.com/office/powerpoint/2010/main" val="3953652816"/>
+      </p:ext>
+    </p:extLst>
+  </p:cSld>
+  <p:clrMapOvr>
+    <a:masterClrMapping/>
+  </p:clrMapOvr>
+</p:sld>
+</file>
+
+<file path=ppt/slides/slide11.xml><?xml version="1.0" encoding="utf-8"?>
+<p:sld xmlns:a="http://schemas.openxmlformats.org/drawingml/2006/main" xmlns:r="http://schemas.openxmlformats.org/officeDocument/2006/relationships" xmlns:p="http://schemas.openxmlformats.org/presentationml/2006/main">
+  <p:cSld>
+    <p:spTree>
+      <p:nvGrpSpPr>
+        <p:cNvPr id="1" name=""/>
+        <p:cNvGrpSpPr/>
+        <p:nvPr/>
+      </p:nvGrpSpPr>
+      <p:grpSpPr>
+        <a:xfrm>
+          <a:off x="0" y="0"/>
+          <a:ext cx="0" cy="0"/>
+          <a:chOff x="0" y="0"/>
+          <a:chExt cx="0" cy="0"/>
+        </a:xfrm>
+      </p:grpSpPr>
+      <p:sp>
+        <p:nvSpPr>
+          <p:cNvPr id="2" name="Title 1">
+            <a:extLst>
+              <a:ext uri="{FF2B5EF4-FFF2-40B4-BE49-F238E27FC236}">
+                <a16:creationId xmlns:a16="http://schemas.microsoft.com/office/drawing/2014/main" id="{D0F371AF-0F3D-4C75-BDB9-A4F068365D54}"/>
+              </a:ext>
+            </a:extLst>
+          </p:cNvPr>
+          <p:cNvSpPr>
+            <a:spLocks noGrp="1"/>
+          </p:cNvSpPr>
+          <p:nvPr>
+            <p:ph type="title"/>
+          </p:nvPr>
+        </p:nvSpPr>
+        <p:spPr/>
+        <p:txBody>
+          <a:bodyPr/>
+          <a:lstStyle/>
+          <a:p>
+            <a:r>
+              <a:rPr lang="en-GB" dirty="0"/>
+              <a:t>Loan Calculator Class diagram</a:t>
+            </a:r>
+          </a:p>
+        </p:txBody>
+      </p:sp>
+      <p:pic>
+        <p:nvPicPr>
+          <p:cNvPr id="11" name="Picture 10" descr="Table&#10;&#10;Description automatically generated">
+            <a:extLst>
+              <a:ext uri="{FF2B5EF4-FFF2-40B4-BE49-F238E27FC236}">
+                <a16:creationId xmlns:a16="http://schemas.microsoft.com/office/drawing/2014/main" id="{B38EF2BD-C06C-4AC6-A381-4D19010B3A5D}"/>
+              </a:ext>
+            </a:extLst>
+          </p:cNvPr>
+          <p:cNvPicPr>
+            <a:picLocks noChangeAspect="1"/>
+          </p:cNvPicPr>
+          <p:nvPr/>
+        </p:nvPicPr>
+        <p:blipFill>
+          <a:blip r:embed="rId2">
+            <a:extLst>
+              <a:ext uri="{28A0092B-C50C-407E-A947-70E740481C1C}">
+                <a14:useLocalDpi xmlns:a14="http://schemas.microsoft.com/office/drawing/2010/main" val="0"/>
+              </a:ext>
+            </a:extLst>
+          </a:blip>
+          <a:stretch>
+            <a:fillRect/>
+          </a:stretch>
+        </p:blipFill>
+        <p:spPr>
+          <a:xfrm>
+            <a:off x="424206" y="2327241"/>
+            <a:ext cx="2887793" cy="3013349"/>
+          </a:xfrm>
+          <a:prstGeom prst="rect">
+            <a:avLst/>
+          </a:prstGeom>
+        </p:spPr>
+      </p:pic>
+    </p:spTree>
+    <p:extLst>
+      <p:ext uri="{BB962C8B-B14F-4D97-AF65-F5344CB8AC3E}">
+        <p14:creationId xmlns:p14="http://schemas.microsoft.com/office/powerpoint/2010/main" val="2033516061"/>
+      </p:ext>
+    </p:extLst>
+  </p:cSld>
+  <p:clrMapOvr>
+    <a:masterClrMapping/>
+  </p:clrMapOvr>
+</p:sld>
+</file>
+
+<file path=ppt/slides/slide12.xml><?xml version="1.0" encoding="utf-8"?>
+<p:sld xmlns:a="http://schemas.openxmlformats.org/drawingml/2006/main" xmlns:r="http://schemas.openxmlformats.org/officeDocument/2006/relationships" xmlns:p="http://schemas.openxmlformats.org/presentationml/2006/main">
+  <p:cSld>
+    <p:spTree>
+      <p:nvGrpSpPr>
+        <p:cNvPr id="1" name=""/>
+        <p:cNvGrpSpPr/>
+        <p:nvPr/>
+      </p:nvGrpSpPr>
+      <p:grpSpPr>
+        <a:xfrm>
+          <a:off x="0" y="0"/>
+          <a:ext cx="0" cy="0"/>
+          <a:chOff x="0" y="0"/>
+          <a:chExt cx="0" cy="0"/>
+        </a:xfrm>
+      </p:grpSpPr>
+      <p:sp>
+        <p:nvSpPr>
+          <p:cNvPr id="2" name="Title 1">
+            <a:extLst>
+              <a:ext uri="{FF2B5EF4-FFF2-40B4-BE49-F238E27FC236}">
+                <a16:creationId xmlns:a16="http://schemas.microsoft.com/office/drawing/2014/main" id="{039A1D65-6877-4E0D-AAED-136EB4DA660C}"/>
+              </a:ext>
+            </a:extLst>
+          </p:cNvPr>
+          <p:cNvSpPr>
+            <a:spLocks noGrp="1"/>
+          </p:cNvSpPr>
+          <p:nvPr>
+            <p:ph type="title"/>
+          </p:nvPr>
+        </p:nvSpPr>
+        <p:spPr/>
+        <p:txBody>
+          <a:bodyPr/>
+          <a:lstStyle/>
+          <a:p>
+            <a:r>
+              <a:rPr lang="en-GB" dirty="0"/>
+              <a:t>Inheritance Example</a:t>
+            </a:r>
+          </a:p>
+        </p:txBody>
+      </p:sp>
+      <p:pic>
+        <p:nvPicPr>
+          <p:cNvPr id="4" name="Content Placeholder 3">
+            <a:extLst>
+              <a:ext uri="{FF2B5EF4-FFF2-40B4-BE49-F238E27FC236}">
+                <a16:creationId xmlns:a16="http://schemas.microsoft.com/office/drawing/2014/main" id="{BE171412-B5F4-461C-AFB9-44BF743CA717}"/>
+              </a:ext>
+            </a:extLst>
+          </p:cNvPr>
+          <p:cNvPicPr>
+            <a:picLocks noGrp="1" noChangeAspect="1"/>
+          </p:cNvPicPr>
+          <p:nvPr>
+            <p:ph idx="1"/>
+          </p:nvPr>
+        </p:nvPicPr>
+        <p:blipFill>
+          <a:blip r:embed="rId2"/>
+          <a:stretch>
+            <a:fillRect/>
+          </a:stretch>
+        </p:blipFill>
+        <p:spPr>
+          <a:xfrm>
+            <a:off x="1274618" y="1828937"/>
+            <a:ext cx="5874328" cy="2996415"/>
+          </a:xfrm>
+          <a:prstGeom prst="rect">
+            <a:avLst/>
+          </a:prstGeom>
+        </p:spPr>
+      </p:pic>
+      <p:sp>
+        <p:nvSpPr>
+          <p:cNvPr id="5" name="TextBox 4">
+            <a:extLst>
+              <a:ext uri="{FF2B5EF4-FFF2-40B4-BE49-F238E27FC236}">
+                <a16:creationId xmlns:a16="http://schemas.microsoft.com/office/drawing/2014/main" id="{0313F0B1-4FAD-4465-95FB-8B718016DA91}"/>
+              </a:ext>
+            </a:extLst>
+          </p:cNvPr>
+          <p:cNvSpPr txBox="1"/>
+          <p:nvPr/>
+        </p:nvSpPr>
+        <p:spPr>
+          <a:xfrm>
+            <a:off x="1095087" y="5070764"/>
+            <a:ext cx="7543800" cy="923330"/>
+          </a:xfrm>
+          <a:prstGeom prst="rect">
+            <a:avLst/>
+          </a:prstGeom>
+          <a:noFill/>
+        </p:spPr>
+        <p:txBody>
+          <a:bodyPr wrap="square" rtlCol="0">
+            <a:spAutoFit/>
+          </a:bodyPr>
+          <a:lstStyle/>
+          <a:p>
+            <a:r>
+              <a:rPr lang="en-GB" dirty="0"/>
+              <a:t>Animal is the super class. Duck, Fish, and Zebra are subclasses and they inherit all the members from the superclass.  The subclasses also have their own attributes and methods. </a:t>
+            </a:r>
+          </a:p>
+        </p:txBody>
+      </p:sp>
+    </p:spTree>
+    <p:extLst>
+      <p:ext uri="{BB962C8B-B14F-4D97-AF65-F5344CB8AC3E}">
+        <p14:creationId xmlns:p14="http://schemas.microsoft.com/office/powerpoint/2010/main" val="383230086"/>
+      </p:ext>
+    </p:extLst>
+  </p:cSld>
+  <p:clrMapOvr>
+    <a:masterClrMapping/>
+  </p:clrMapOvr>
+</p:sld>
+</file>
+
+<file path=ppt/slides/slide13.xml><?xml version="1.0" encoding="utf-8"?>
+<p:sld xmlns:a="http://schemas.openxmlformats.org/drawingml/2006/main" xmlns:r="http://schemas.openxmlformats.org/officeDocument/2006/relationships" xmlns:p="http://schemas.openxmlformats.org/presentationml/2006/main">
+  <p:cSld>
+    <p:spTree>
+      <p:nvGrpSpPr>
+        <p:cNvPr id="1" name=""/>
+        <p:cNvGrpSpPr/>
+        <p:nvPr/>
+      </p:nvGrpSpPr>
+      <p:grpSpPr>
+        <a:xfrm>
+          <a:off x="0" y="0"/>
+          <a:ext cx="0" cy="0"/>
+          <a:chOff x="0" y="0"/>
+          <a:chExt cx="0" cy="0"/>
+        </a:xfrm>
+      </p:grpSpPr>
+      <p:sp>
+        <p:nvSpPr>
+          <p:cNvPr id="2" name="Title 1">
+            <a:extLst>
+              <a:ext uri="{FF2B5EF4-FFF2-40B4-BE49-F238E27FC236}">
+                <a16:creationId xmlns:a16="http://schemas.microsoft.com/office/drawing/2014/main" id="{039A1D65-6877-4E0D-AAED-136EB4DA660C}"/>
+              </a:ext>
+            </a:extLst>
+          </p:cNvPr>
+          <p:cNvSpPr>
+            <a:spLocks noGrp="1"/>
+          </p:cNvSpPr>
+          <p:nvPr>
+            <p:ph type="title"/>
+          </p:nvPr>
+        </p:nvSpPr>
+        <p:spPr/>
+        <p:txBody>
+          <a:bodyPr/>
+          <a:lstStyle/>
+          <a:p>
+            <a:r>
+              <a:rPr lang="en-GB" dirty="0"/>
+              <a:t>The String Class</a:t>
+            </a:r>
+          </a:p>
+        </p:txBody>
+      </p:sp>
+      <p:sp>
+        <p:nvSpPr>
+          <p:cNvPr id="6" name="Content Placeholder 5">
+            <a:extLst>
+              <a:ext uri="{FF2B5EF4-FFF2-40B4-BE49-F238E27FC236}">
+                <a16:creationId xmlns:a16="http://schemas.microsoft.com/office/drawing/2014/main" id="{259D237C-119D-40AE-B6D7-EF69AA195BEB}"/>
+              </a:ext>
+            </a:extLst>
+          </p:cNvPr>
+          <p:cNvSpPr>
+            <a:spLocks noGrp="1"/>
+          </p:cNvSpPr>
+          <p:nvPr>
+            <p:ph idx="1"/>
+          </p:nvPr>
+        </p:nvSpPr>
+        <p:spPr>
+          <a:xfrm>
+            <a:off x="822959" y="1845734"/>
+            <a:ext cx="7543801" cy="3942324"/>
+          </a:xfrm>
+        </p:spPr>
+        <p:txBody>
+          <a:bodyPr>
+            <a:normAutofit lnSpcReduction="10000"/>
+          </a:bodyPr>
+          <a:lstStyle/>
+          <a:p>
+            <a:pPr>
+              <a:buFont typeface="Wingdings" panose="05000000000000000000" pitchFamily="2" charset="2"/>
+              <a:buChar char="v"/>
+            </a:pPr>
+            <a:r>
+              <a:rPr lang="en-GB" dirty="0"/>
+              <a:t> Although string literals are the same in C++ and Java, </a:t>
+            </a:r>
+          </a:p>
+          <a:p>
+            <a:pPr>
+              <a:buFont typeface="Wingdings" panose="05000000000000000000" pitchFamily="2" charset="2"/>
+              <a:buChar char="v"/>
+            </a:pPr>
+            <a:r>
+              <a:rPr lang="en-GB" dirty="0"/>
+              <a:t> There are two types of string variables in C++, the character array and the string object in the standard namespace.</a:t>
+            </a:r>
+          </a:p>
+          <a:p>
+            <a:pPr>
+              <a:buFont typeface="Wingdings" panose="05000000000000000000" pitchFamily="2" charset="2"/>
+              <a:buChar char="v"/>
+            </a:pPr>
+            <a:r>
+              <a:rPr lang="en-GB" dirty="0"/>
+              <a:t> In Java the string variable is represented as a String object in the Java System package.</a:t>
+            </a:r>
+          </a:p>
+          <a:p>
+            <a:pPr>
+              <a:buFont typeface="Wingdings" panose="05000000000000000000" pitchFamily="2" charset="2"/>
+              <a:buChar char="v"/>
+            </a:pPr>
+            <a:r>
+              <a:rPr lang="en-GB" dirty="0"/>
+              <a:t> Declaring and assigning a value to a string object.</a:t>
+            </a:r>
+          </a:p>
+          <a:p>
+            <a:pPr marL="0" indent="0" algn="ctr">
+              <a:buNone/>
+            </a:pPr>
+            <a:r>
+              <a:rPr lang="en-GB" dirty="0"/>
+              <a:t>String s;</a:t>
+            </a:r>
+          </a:p>
+          <a:p>
+            <a:pPr marL="0" indent="0" algn="ctr">
+              <a:buNone/>
+            </a:pPr>
+            <a:r>
+              <a:rPr lang="en-GB" dirty="0"/>
+              <a:t>s = “hello world!”</a:t>
+            </a:r>
+          </a:p>
+          <a:p>
+            <a:pPr>
+              <a:buFont typeface="Wingdings" panose="05000000000000000000" pitchFamily="2" charset="2"/>
+              <a:buChar char="v"/>
+            </a:pPr>
+            <a:r>
+              <a:rPr lang="en-GB" dirty="0"/>
+              <a:t> Declaring a string object using the constructor</a:t>
+            </a:r>
+          </a:p>
+          <a:p>
+            <a:pPr marL="0" indent="0" algn="ctr">
+              <a:buNone/>
+            </a:pPr>
+            <a:r>
+              <a:rPr lang="en-GB" dirty="0"/>
+              <a:t>String s = new String(“Hello world”);</a:t>
+            </a:r>
+          </a:p>
+        </p:txBody>
+      </p:sp>
+    </p:spTree>
+    <p:extLst>
+      <p:ext uri="{BB962C8B-B14F-4D97-AF65-F5344CB8AC3E}">
+        <p14:creationId xmlns:p14="http://schemas.microsoft.com/office/powerpoint/2010/main" val="2940469731"/>
+      </p:ext>
+    </p:extLst>
+  </p:cSld>
+  <p:clrMapOvr>
+    <a:masterClrMapping/>
+  </p:clrMapOvr>
+</p:sld>
+</file>
+
+<file path=ppt/slides/slide14.xml><?xml version="1.0" encoding="utf-8"?>
+<p:sld xmlns:a="http://schemas.openxmlformats.org/drawingml/2006/main" xmlns:r="http://schemas.openxmlformats.org/officeDocument/2006/relationships" xmlns:p="http://schemas.openxmlformats.org/presentationml/2006/main">
+  <p:cSld>
+    <p:spTree>
+      <p:nvGrpSpPr>
+        <p:cNvPr id="1" name=""/>
+        <p:cNvGrpSpPr/>
+        <p:nvPr/>
+      </p:nvGrpSpPr>
+      <p:grpSpPr>
+        <a:xfrm>
+          <a:off x="0" y="0"/>
+          <a:ext cx="0" cy="0"/>
+          <a:chOff x="0" y="0"/>
+          <a:chExt cx="0" cy="0"/>
+        </a:xfrm>
+      </p:grpSpPr>
+      <p:sp>
+        <p:nvSpPr>
+          <p:cNvPr id="2" name="Title 1">
+            <a:extLst>
+              <a:ext uri="{FF2B5EF4-FFF2-40B4-BE49-F238E27FC236}">
+                <a16:creationId xmlns:a16="http://schemas.microsoft.com/office/drawing/2014/main" id="{039A1D65-6877-4E0D-AAED-136EB4DA660C}"/>
+              </a:ext>
+            </a:extLst>
+          </p:cNvPr>
+          <p:cNvSpPr>
+            <a:spLocks noGrp="1"/>
+          </p:cNvSpPr>
+          <p:nvPr>
+            <p:ph type="title"/>
+          </p:nvPr>
+        </p:nvSpPr>
+        <p:spPr>
+          <a:xfrm>
+            <a:off x="822960" y="578833"/>
+            <a:ext cx="7543800" cy="1174550"/>
+          </a:xfrm>
+        </p:spPr>
+        <p:txBody>
+          <a:bodyPr>
+            <a:normAutofit/>
+          </a:bodyPr>
+          <a:lstStyle/>
+          <a:p>
+            <a:r>
+              <a:rPr lang="en-GB" dirty="0"/>
+              <a:t>String methods (operations)</a:t>
+            </a:r>
+          </a:p>
+        </p:txBody>
+      </p:sp>
+      <p:sp>
+        <p:nvSpPr>
+          <p:cNvPr id="6" name="Content Placeholder 5">
+            <a:extLst>
+              <a:ext uri="{FF2B5EF4-FFF2-40B4-BE49-F238E27FC236}">
+                <a16:creationId xmlns:a16="http://schemas.microsoft.com/office/drawing/2014/main" id="{259D237C-119D-40AE-B6D7-EF69AA195BEB}"/>
+              </a:ext>
+            </a:extLst>
+          </p:cNvPr>
+          <p:cNvSpPr>
+            <a:spLocks noGrp="1"/>
+          </p:cNvSpPr>
+          <p:nvPr>
+            <p:ph idx="1"/>
+          </p:nvPr>
+        </p:nvSpPr>
+        <p:spPr>
+          <a:xfrm>
+            <a:off x="822959" y="1819374"/>
+            <a:ext cx="7543801" cy="4336330"/>
+          </a:xfrm>
+        </p:spPr>
+        <p:txBody>
+          <a:bodyPr>
+            <a:normAutofit/>
+          </a:bodyPr>
+          <a:lstStyle/>
+          <a:p>
+            <a:pPr algn="l">
+              <a:spcBef>
+                <a:spcPts val="0"/>
+              </a:spcBef>
+              <a:spcAft>
+                <a:spcPts val="1200"/>
+              </a:spcAft>
+              <a:buFont typeface="Arial" panose="020B0604020202020204" pitchFamily="34" charset="0"/>
+              <a:buChar char="•"/>
+            </a:pPr>
+            <a:r>
+              <a:rPr lang="en-US" sz="1800" b="0" i="0" dirty="0">
+                <a:solidFill>
+                  <a:srgbClr val="000000"/>
+                </a:solidFill>
+                <a:effectLst/>
+                <a:latin typeface="Courier New" panose="02070309020205020404" pitchFamily="49" charset="0"/>
+              </a:rPr>
+              <a:t>s1.equals(s2)</a:t>
+            </a:r>
+            <a:endParaRPr lang="en-US" sz="1800" b="0" i="0" dirty="0">
+              <a:solidFill>
+                <a:srgbClr val="000000"/>
+              </a:solidFill>
+              <a:effectLst/>
+              <a:latin typeface="Times New Roman" panose="02020603050405020304" pitchFamily="18" charset="0"/>
+            </a:endParaRPr>
+          </a:p>
+          <a:p>
+            <a:pPr algn="l">
+              <a:spcBef>
+                <a:spcPts val="0"/>
+              </a:spcBef>
+              <a:spcAft>
+                <a:spcPts val="1200"/>
+              </a:spcAft>
+              <a:buFont typeface="Arial" panose="020B0604020202020204" pitchFamily="34" charset="0"/>
+              <a:buChar char="•"/>
+            </a:pPr>
+            <a:r>
+              <a:rPr lang="en-US" sz="1800" b="0" i="0" dirty="0">
+                <a:solidFill>
+                  <a:srgbClr val="000000"/>
+                </a:solidFill>
+                <a:effectLst/>
+                <a:latin typeface="Courier New" panose="02070309020205020404" pitchFamily="49" charset="0"/>
+              </a:rPr>
+              <a:t>s1.equalsIgnoreCase(s2)</a:t>
+            </a:r>
+            <a:r>
+              <a:rPr lang="en-US" sz="1800" b="0" i="0" dirty="0">
+                <a:solidFill>
+                  <a:srgbClr val="000000"/>
+                </a:solidFill>
+                <a:effectLst/>
+                <a:latin typeface="Times New Roman" panose="02020603050405020304" pitchFamily="18" charset="0"/>
+              </a:rPr>
+              <a:t> </a:t>
+            </a:r>
+          </a:p>
+          <a:p>
+            <a:pPr algn="l">
+              <a:spcBef>
+                <a:spcPts val="0"/>
+              </a:spcBef>
+              <a:spcAft>
+                <a:spcPts val="1200"/>
+              </a:spcAft>
+              <a:buFont typeface="Arial" panose="020B0604020202020204" pitchFamily="34" charset="0"/>
+              <a:buChar char="•"/>
+            </a:pPr>
+            <a:r>
+              <a:rPr lang="en-US" sz="1800" b="0" i="0" dirty="0">
+                <a:solidFill>
+                  <a:srgbClr val="000000"/>
+                </a:solidFill>
+                <a:effectLst/>
+                <a:latin typeface="Courier New" panose="02070309020205020404" pitchFamily="49" charset="0"/>
+              </a:rPr>
+              <a:t>s1.length()</a:t>
+            </a:r>
+            <a:endParaRPr lang="en-US" sz="1800" b="0" i="0" dirty="0">
+              <a:solidFill>
+                <a:srgbClr val="000000"/>
+              </a:solidFill>
+              <a:effectLst/>
+              <a:latin typeface="Times New Roman" panose="02020603050405020304" pitchFamily="18" charset="0"/>
+            </a:endParaRPr>
+          </a:p>
+          <a:p>
+            <a:pPr algn="l">
+              <a:spcBef>
+                <a:spcPts val="0"/>
+              </a:spcBef>
+              <a:spcAft>
+                <a:spcPts val="1200"/>
+              </a:spcAft>
+              <a:buFont typeface="Arial" panose="020B0604020202020204" pitchFamily="34" charset="0"/>
+              <a:buChar char="•"/>
+            </a:pPr>
+            <a:r>
+              <a:rPr lang="en-US" sz="1800" b="0" i="0" dirty="0">
+                <a:solidFill>
+                  <a:srgbClr val="000000"/>
+                </a:solidFill>
+                <a:effectLst/>
+                <a:latin typeface="Courier New" panose="02070309020205020404" pitchFamily="49" charset="0"/>
+              </a:rPr>
+              <a:t>s1.charAt(N)</a:t>
+            </a:r>
+            <a:endParaRPr lang="en-US" sz="1800" b="0" i="0" dirty="0">
+              <a:solidFill>
+                <a:srgbClr val="000000"/>
+              </a:solidFill>
+              <a:effectLst/>
+              <a:latin typeface="Times New Roman" panose="02020603050405020304" pitchFamily="18" charset="0"/>
+            </a:endParaRPr>
+          </a:p>
+          <a:p>
+            <a:pPr algn="l">
+              <a:spcBef>
+                <a:spcPts val="0"/>
+              </a:spcBef>
+              <a:spcAft>
+                <a:spcPts val="1200"/>
+              </a:spcAft>
+              <a:buFont typeface="Arial" panose="020B0604020202020204" pitchFamily="34" charset="0"/>
+              <a:buChar char="•"/>
+            </a:pPr>
+            <a:r>
+              <a:rPr lang="en-US" sz="1800" b="0" i="0" dirty="0">
+                <a:solidFill>
+                  <a:srgbClr val="000000"/>
+                </a:solidFill>
+                <a:effectLst/>
+                <a:latin typeface="Courier New" panose="02070309020205020404" pitchFamily="49" charset="0"/>
+              </a:rPr>
+              <a:t>s1.substring(N,M)</a:t>
+            </a:r>
+            <a:endParaRPr lang="en-US" sz="1800" b="0" i="0" dirty="0">
+              <a:solidFill>
+                <a:srgbClr val="000000"/>
+              </a:solidFill>
+              <a:effectLst/>
+              <a:latin typeface="Times New Roman" panose="02020603050405020304" pitchFamily="18" charset="0"/>
+            </a:endParaRPr>
+          </a:p>
+          <a:p>
+            <a:pPr algn="l">
+              <a:spcBef>
+                <a:spcPts val="0"/>
+              </a:spcBef>
+              <a:spcAft>
+                <a:spcPts val="1200"/>
+              </a:spcAft>
+              <a:buFont typeface="Arial" panose="020B0604020202020204" pitchFamily="34" charset="0"/>
+              <a:buChar char="•"/>
+            </a:pPr>
+            <a:r>
+              <a:rPr lang="en-US" sz="1800" b="0" i="0" dirty="0">
+                <a:solidFill>
+                  <a:srgbClr val="000000"/>
+                </a:solidFill>
+                <a:effectLst/>
+                <a:latin typeface="Courier New" panose="02070309020205020404" pitchFamily="49" charset="0"/>
+              </a:rPr>
+              <a:t>s1.indexOf(s2)</a:t>
+            </a:r>
+            <a:r>
+              <a:rPr lang="en-US" sz="1800" b="0" i="0" dirty="0">
+                <a:solidFill>
+                  <a:srgbClr val="000000"/>
+                </a:solidFill>
+                <a:effectLst/>
+                <a:latin typeface="Times New Roman" panose="02020603050405020304" pitchFamily="18" charset="0"/>
+              </a:rPr>
+              <a:t> </a:t>
+            </a:r>
+          </a:p>
+          <a:p>
+            <a:pPr algn="l">
+              <a:spcBef>
+                <a:spcPts val="0"/>
+              </a:spcBef>
+              <a:spcAft>
+                <a:spcPts val="1200"/>
+              </a:spcAft>
+              <a:buFont typeface="Arial" panose="020B0604020202020204" pitchFamily="34" charset="0"/>
+              <a:buChar char="•"/>
+            </a:pPr>
+            <a:r>
+              <a:rPr lang="en-US" sz="1800" b="0" i="0" dirty="0">
+                <a:solidFill>
+                  <a:srgbClr val="000000"/>
+                </a:solidFill>
+                <a:effectLst/>
+                <a:latin typeface="Courier New" panose="02070309020205020404" pitchFamily="49" charset="0"/>
+              </a:rPr>
+              <a:t>s1.compareTo(s2)</a:t>
+            </a:r>
+            <a:r>
+              <a:rPr lang="en-US" sz="1800" b="0" i="0" dirty="0">
+                <a:solidFill>
+                  <a:srgbClr val="000000"/>
+                </a:solidFill>
+                <a:effectLst/>
+                <a:latin typeface="Times New Roman" panose="02020603050405020304" pitchFamily="18" charset="0"/>
+              </a:rPr>
+              <a:t> </a:t>
+            </a:r>
+          </a:p>
+          <a:p>
+            <a:pPr algn="l">
+              <a:spcBef>
+                <a:spcPts val="0"/>
+              </a:spcBef>
+              <a:spcAft>
+                <a:spcPts val="1200"/>
+              </a:spcAft>
+              <a:buFont typeface="Arial" panose="020B0604020202020204" pitchFamily="34" charset="0"/>
+              <a:buChar char="•"/>
+            </a:pPr>
+            <a:r>
+              <a:rPr lang="en-US" sz="1800" b="0" i="0" dirty="0">
+                <a:solidFill>
+                  <a:srgbClr val="000000"/>
+                </a:solidFill>
+                <a:effectLst/>
+                <a:latin typeface="Courier New" panose="02070309020205020404" pitchFamily="49" charset="0"/>
+              </a:rPr>
+              <a:t>s1.toUpperCase()</a:t>
+            </a:r>
+            <a:r>
+              <a:rPr lang="en-US" sz="1800" b="0" i="0" dirty="0">
+                <a:solidFill>
+                  <a:srgbClr val="000000"/>
+                </a:solidFill>
+                <a:effectLst/>
+                <a:latin typeface="Times New Roman" panose="02020603050405020304" pitchFamily="18" charset="0"/>
+              </a:rPr>
+              <a:t> </a:t>
+            </a:r>
+          </a:p>
+          <a:p>
+            <a:pPr algn="l">
+              <a:spcBef>
+                <a:spcPts val="0"/>
+              </a:spcBef>
+              <a:spcAft>
+                <a:spcPts val="1200"/>
+              </a:spcAft>
+              <a:buFont typeface="Arial" panose="020B0604020202020204" pitchFamily="34" charset="0"/>
+              <a:buChar char="•"/>
+            </a:pPr>
+            <a:r>
+              <a:rPr lang="en-US" sz="1800" b="0" i="0" dirty="0">
+                <a:solidFill>
+                  <a:srgbClr val="000000"/>
+                </a:solidFill>
+                <a:effectLst/>
+                <a:latin typeface="Courier New" panose="02070309020205020404" pitchFamily="49" charset="0"/>
+              </a:rPr>
+              <a:t>s1.toLowerCase()</a:t>
+            </a:r>
+            <a:r>
+              <a:rPr lang="en-US" sz="1800" b="0" i="0" dirty="0">
+                <a:solidFill>
+                  <a:srgbClr val="000000"/>
+                </a:solidFill>
+                <a:effectLst/>
+                <a:latin typeface="Times New Roman" panose="02020603050405020304" pitchFamily="18" charset="0"/>
+              </a:rPr>
+              <a:t>.</a:t>
+            </a:r>
+          </a:p>
+          <a:p>
+            <a:pPr algn="l">
+              <a:spcBef>
+                <a:spcPts val="0"/>
+              </a:spcBef>
+              <a:spcAft>
+                <a:spcPts val="1200"/>
+              </a:spcAft>
+              <a:buFont typeface="Arial" panose="020B0604020202020204" pitchFamily="34" charset="0"/>
+              <a:buChar char="•"/>
+            </a:pPr>
+            <a:r>
+              <a:rPr lang="en-US" sz="1800" b="0" i="0" dirty="0">
+                <a:solidFill>
+                  <a:srgbClr val="000000"/>
+                </a:solidFill>
+                <a:effectLst/>
+                <a:latin typeface="Courier New" panose="02070309020205020404" pitchFamily="49" charset="0"/>
+              </a:rPr>
+              <a:t>s1.trim()</a:t>
+            </a:r>
+            <a:r>
+              <a:rPr lang="en-US" sz="1800" b="0" i="0" dirty="0">
+                <a:solidFill>
+                  <a:srgbClr val="000000"/>
+                </a:solidFill>
+                <a:effectLst/>
+                <a:latin typeface="Times New Roman" panose="02020603050405020304" pitchFamily="18" charset="0"/>
+              </a:rPr>
+              <a:t> </a:t>
+            </a:r>
+          </a:p>
+        </p:txBody>
+      </p:sp>
+    </p:spTree>
+    <p:extLst>
+      <p:ext uri="{BB962C8B-B14F-4D97-AF65-F5344CB8AC3E}">
+        <p14:creationId xmlns:p14="http://schemas.microsoft.com/office/powerpoint/2010/main" val="1458420049"/>
+      </p:ext>
+    </p:extLst>
+  </p:cSld>
+  <p:clrMapOvr>
+    <a:masterClrMapping/>
+  </p:clrMapOvr>
+</p:sld>
+</file>
+
+<file path=ppt/slides/slide15.xml><?xml version="1.0" encoding="utf-8"?>
+<p:sld xmlns:a="http://schemas.openxmlformats.org/drawingml/2006/main" xmlns:r="http://schemas.openxmlformats.org/officeDocument/2006/relationships" xmlns:p="http://schemas.openxmlformats.org/presentationml/2006/main">
+  <p:cSld>
+    <p:spTree>
+      <p:nvGrpSpPr>
+        <p:cNvPr id="1" name=""/>
+        <p:cNvGrpSpPr/>
+        <p:nvPr/>
+      </p:nvGrpSpPr>
+      <p:grpSpPr>
+        <a:xfrm>
+          <a:off x="0" y="0"/>
+          <a:ext cx="0" cy="0"/>
+          <a:chOff x="0" y="0"/>
+          <a:chExt cx="0" cy="0"/>
+        </a:xfrm>
+      </p:grpSpPr>
+      <p:sp>
+        <p:nvSpPr>
+          <p:cNvPr id="2" name="Title 1">
+            <a:extLst>
+              <a:ext uri="{FF2B5EF4-FFF2-40B4-BE49-F238E27FC236}">
+                <a16:creationId xmlns:a16="http://schemas.microsoft.com/office/drawing/2014/main" id="{039A1D65-6877-4E0D-AAED-136EB4DA660C}"/>
+              </a:ext>
+            </a:extLst>
+          </p:cNvPr>
+          <p:cNvSpPr>
+            <a:spLocks noGrp="1"/>
+          </p:cNvSpPr>
+          <p:nvPr>
+            <p:ph type="title"/>
+          </p:nvPr>
+        </p:nvSpPr>
+        <p:spPr>
+          <a:xfrm>
+            <a:off x="606144" y="135773"/>
+            <a:ext cx="7543800" cy="646650"/>
+          </a:xfrm>
+        </p:spPr>
+        <p:txBody>
+          <a:bodyPr>
+            <a:normAutofit fontScale="90000"/>
+          </a:bodyPr>
+          <a:lstStyle/>
+          <a:p>
+            <a:r>
+              <a:rPr lang="en-GB" dirty="0"/>
+              <a:t>Exercises</a:t>
+            </a:r>
+          </a:p>
+        </p:txBody>
+      </p:sp>
+      <mc:AlternateContent xmlns:mc="http://schemas.openxmlformats.org/markup-compatibility/2006">
+        <mc:Choice xmlns:a14="http://schemas.microsoft.com/office/drawing/2010/main" Requires="a14">
+          <p:sp>
+            <p:nvSpPr>
+              <p:cNvPr id="6" name="Content Placeholder 5">
+                <a:extLst>
+                  <a:ext uri="{FF2B5EF4-FFF2-40B4-BE49-F238E27FC236}">
+                    <a16:creationId xmlns:a16="http://schemas.microsoft.com/office/drawing/2014/main" id="{259D237C-119D-40AE-B6D7-EF69AA195BEB}"/>
+                  </a:ext>
+                </a:extLst>
+              </p:cNvPr>
+              <p:cNvSpPr>
+                <a:spLocks noGrp="1"/>
+              </p:cNvSpPr>
+              <p:nvPr>
+                <p:ph idx="1"/>
+              </p:nvPr>
+            </p:nvSpPr>
+            <p:spPr>
+              <a:xfrm>
+                <a:off x="822959" y="742797"/>
+                <a:ext cx="7543801" cy="5582587"/>
+              </a:xfrm>
+            </p:spPr>
+            <p:txBody>
+              <a:bodyPr>
+                <a:normAutofit lnSpcReduction="10000"/>
+              </a:bodyPr>
+              <a:lstStyle/>
+              <a:p>
+                <a:pPr marL="457200" indent="-457200">
+                  <a:buFont typeface="+mj-lt"/>
+                  <a:buAutoNum type="arabicPeriod"/>
+                </a:pPr>
+                <a:r>
+                  <a:rPr lang="en-GB" dirty="0"/>
+                  <a:t>Write a Loan Calculator class given the initial loan amount, an annual interest rate,  and number of years, amortization can be realised using the following formula P=A/D, where P is the monthly payment, A is the initial amount and Discount Factor, D is</a:t>
+                </a:r>
+              </a:p>
+              <a:p>
+                <a:pPr marL="0" indent="0">
+                  <a:buNone/>
+                </a:pPr>
+                <a14:m>
+                  <m:oMathPara xmlns:m="http://schemas.openxmlformats.org/officeDocument/2006/math">
+                    <m:oMathParaPr>
+                      <m:jc m:val="centerGroup"/>
+                    </m:oMathParaPr>
+                    <m:oMath xmlns:m="http://schemas.openxmlformats.org/officeDocument/2006/math">
+                      <m:r>
+                        <a:rPr lang="en-GB" b="0" i="1" smtClean="0">
+                          <a:latin typeface="Cambria Math" panose="02040503050406030204" pitchFamily="18" charset="0"/>
+                        </a:rPr>
+                        <m:t>𝐷</m:t>
+                      </m:r>
+                      <m:r>
+                        <a:rPr lang="en-GB" b="0" i="1" smtClean="0">
+                          <a:latin typeface="Cambria Math" panose="02040503050406030204" pitchFamily="18" charset="0"/>
+                        </a:rPr>
+                        <m:t>=</m:t>
+                      </m:r>
+                      <m:f>
+                        <m:fPr>
+                          <m:ctrlPr>
+                            <a:rPr lang="pt-BR" i="1" smtClean="0">
+                              <a:latin typeface="Cambria Math" panose="02040503050406030204" pitchFamily="18" charset="0"/>
+                            </a:rPr>
+                          </m:ctrlPr>
+                        </m:fPr>
+                        <m:num>
+                          <m:d>
+                            <m:dPr>
+                              <m:begChr m:val="["/>
+                              <m:endChr m:val="]"/>
+                              <m:ctrlPr>
+                                <a:rPr lang="en-GB" b="0" i="1" smtClean="0">
+                                  <a:latin typeface="Cambria Math" panose="02040503050406030204" pitchFamily="18" charset="0"/>
+                                </a:rPr>
+                              </m:ctrlPr>
+                            </m:dPr>
+                            <m:e>
+                              <m:d>
+                                <m:dPr>
+                                  <m:ctrlPr>
+                                    <a:rPr lang="en-GB" b="0" i="1" smtClean="0">
+                                      <a:latin typeface="Cambria Math" panose="02040503050406030204" pitchFamily="18" charset="0"/>
+                                    </a:rPr>
+                                  </m:ctrlPr>
+                                </m:dPr>
+                                <m:e>
+                                  <m:r>
+                                    <a:rPr lang="en-GB" b="0" i="1" smtClean="0">
+                                      <a:latin typeface="Cambria Math" panose="02040503050406030204" pitchFamily="18" charset="0"/>
+                                    </a:rPr>
+                                    <m:t>1+</m:t>
+                                  </m:r>
+                                  <m:r>
+                                    <a:rPr lang="en-GB" b="0" i="1" smtClean="0">
+                                      <a:latin typeface="Cambria Math" panose="02040503050406030204" pitchFamily="18" charset="0"/>
+                                    </a:rPr>
+                                    <m:t>𝑟</m:t>
+                                  </m:r>
+                                </m:e>
+                              </m:d>
+                              <m:r>
+                                <a:rPr lang="en-GB" b="0" i="1" smtClean="0">
+                                  <a:latin typeface="Cambria Math" panose="02040503050406030204" pitchFamily="18" charset="0"/>
+                                </a:rPr>
+                                <m:t>×</m:t>
+                              </m:r>
+                              <m:r>
+                                <a:rPr lang="en-GB" b="0" i="1" smtClean="0">
+                                  <a:latin typeface="Cambria Math" panose="02040503050406030204" pitchFamily="18" charset="0"/>
+                                </a:rPr>
+                                <m:t>𝑛</m:t>
+                              </m:r>
+                            </m:e>
+                          </m:d>
+                          <m:r>
+                            <a:rPr lang="en-GB" b="0" i="1" smtClean="0">
+                              <a:latin typeface="Cambria Math" panose="02040503050406030204" pitchFamily="18" charset="0"/>
+                            </a:rPr>
+                            <m:t>−1</m:t>
+                          </m:r>
+                        </m:num>
+                        <m:den>
+                          <m:r>
+                            <a:rPr lang="en-GB" b="0" i="1" smtClean="0">
+                              <a:latin typeface="Cambria Math" panose="02040503050406030204" pitchFamily="18" charset="0"/>
+                            </a:rPr>
+                            <m:t>𝑟</m:t>
+                          </m:r>
+                          <m:r>
+                            <a:rPr lang="en-GB" b="0" i="1" smtClean="0">
+                              <a:latin typeface="Cambria Math" panose="02040503050406030204" pitchFamily="18" charset="0"/>
+                            </a:rPr>
+                            <m:t>×</m:t>
+                          </m:r>
+                          <m:d>
+                            <m:dPr>
+                              <m:ctrlPr>
+                                <a:rPr lang="en-GB" b="0" i="1" smtClean="0">
+                                  <a:latin typeface="Cambria Math" panose="02040503050406030204" pitchFamily="18" charset="0"/>
+                                </a:rPr>
+                              </m:ctrlPr>
+                            </m:dPr>
+                            <m:e>
+                              <m:r>
+                                <a:rPr lang="en-GB" b="0" i="1" smtClean="0">
+                                  <a:latin typeface="Cambria Math" panose="02040503050406030204" pitchFamily="18" charset="0"/>
+                                </a:rPr>
+                                <m:t>1+</m:t>
+                              </m:r>
+                              <m:r>
+                                <a:rPr lang="en-GB" b="0" i="1" smtClean="0">
+                                  <a:latin typeface="Cambria Math" panose="02040503050406030204" pitchFamily="18" charset="0"/>
+                                </a:rPr>
+                                <m:t>𝑟</m:t>
+                              </m:r>
+                            </m:e>
+                          </m:d>
+                          <m:r>
+                            <a:rPr lang="en-GB" b="0" i="1" smtClean="0">
+                              <a:latin typeface="Cambria Math" panose="02040503050406030204" pitchFamily="18" charset="0"/>
+                            </a:rPr>
+                            <m:t>×</m:t>
+                          </m:r>
+                          <m:r>
+                            <a:rPr lang="en-GB" b="0" i="1" smtClean="0">
+                              <a:latin typeface="Cambria Math" panose="02040503050406030204" pitchFamily="18" charset="0"/>
+                            </a:rPr>
+                            <m:t>𝑛</m:t>
+                          </m:r>
+                        </m:den>
+                      </m:f>
+                    </m:oMath>
+                  </m:oMathPara>
+                </a14:m>
+                <a:endParaRPr lang="en-GB" dirty="0"/>
+              </a:p>
+              <a:p>
+                <a:pPr marL="457200" indent="-457200">
+                  <a:buFont typeface="+mj-lt"/>
+                  <a:buAutoNum type="arabicPeriod" startAt="2"/>
+                </a:pPr>
+                <a:r>
+                  <a:rPr lang="en-GB" dirty="0"/>
+                  <a:t>Implement the following class diagram in Java</a:t>
+                </a:r>
+              </a:p>
+              <a:p>
+                <a:pPr marL="457200" indent="-457200">
+                  <a:buFont typeface="+mj-lt"/>
+                  <a:buAutoNum type="arabicPeriod" startAt="2"/>
+                </a:pPr>
+                <a:endParaRPr lang="en-GB" dirty="0"/>
+              </a:p>
+              <a:p>
+                <a:pPr marL="457200" indent="-457200">
+                  <a:buFont typeface="+mj-lt"/>
+                  <a:buAutoNum type="arabicPeriod" startAt="2"/>
+                </a:pPr>
+                <a:endParaRPr lang="en-GB" dirty="0"/>
+              </a:p>
+              <a:p>
+                <a:pPr marL="457200" indent="-457200">
+                  <a:buFont typeface="+mj-lt"/>
+                  <a:buAutoNum type="arabicPeriod" startAt="2"/>
+                </a:pPr>
+                <a:endParaRPr lang="en-GB" dirty="0"/>
+              </a:p>
+              <a:p>
+                <a:pPr marL="457200" indent="-457200">
+                  <a:buFont typeface="+mj-lt"/>
+                  <a:buAutoNum type="arabicPeriod" startAt="2"/>
+                </a:pPr>
+                <a:endParaRPr lang="en-GB" dirty="0"/>
+              </a:p>
+              <a:p>
+                <a:pPr marL="457200" indent="-457200">
+                  <a:buFont typeface="+mj-lt"/>
+                  <a:buAutoNum type="arabicPeriod" startAt="2"/>
+                </a:pPr>
+                <a:endParaRPr lang="en-GB" dirty="0"/>
+              </a:p>
+              <a:p>
+                <a:pPr marL="457200" indent="-457200">
+                  <a:buFont typeface="+mj-lt"/>
+                  <a:buAutoNum type="arabicPeriod" startAt="2"/>
+                </a:pPr>
+                <a:r>
+                  <a:rPr lang="en-GB" dirty="0"/>
+                  <a:t>Write a program that can reverse the string “Hello World”.</a:t>
+                </a:r>
+              </a:p>
+              <a:p>
+                <a:pPr marL="457200" indent="-457200">
+                  <a:buFont typeface="+mj-lt"/>
+                  <a:buAutoNum type="arabicPeriod" startAt="2"/>
+                </a:pPr>
+                <a:r>
+                  <a:rPr lang="en-GB" dirty="0"/>
+                  <a:t>Write a program given the string “The quick brown fox jumped over the lazy dog” can count the number of spaces contained within the string.</a:t>
+                </a:r>
+              </a:p>
+              <a:p>
+                <a:pPr marL="457200" indent="-457200">
+                  <a:buFont typeface="+mj-lt"/>
+                  <a:buAutoNum type="arabicPeriod" startAt="2"/>
+                </a:pPr>
+                <a:endParaRPr lang="en-GB" dirty="0"/>
+              </a:p>
+              <a:p>
+                <a:pPr marL="457200" indent="-457200">
+                  <a:buFont typeface="+mj-lt"/>
+                  <a:buAutoNum type="arabicPeriod" startAt="2"/>
+                </a:pPr>
+                <a:endParaRPr lang="en-GB" dirty="0"/>
+              </a:p>
+              <a:p>
+                <a:pPr marL="457200" indent="-457200">
+                  <a:buFont typeface="+mj-lt"/>
+                  <a:buAutoNum type="arabicPeriod" startAt="2"/>
+                </a:pPr>
+                <a:endParaRPr lang="en-GB" dirty="0"/>
+              </a:p>
+            </p:txBody>
+          </p:sp>
+        </mc:Choice>
+        <mc:Fallback>
+          <p:sp>
+            <p:nvSpPr>
+              <p:cNvPr id="6" name="Content Placeholder 5">
+                <a:extLst>
+                  <a:ext uri="{FF2B5EF4-FFF2-40B4-BE49-F238E27FC236}">
+                    <a16:creationId xmlns:a16="http://schemas.microsoft.com/office/drawing/2014/main" id="{259D237C-119D-40AE-B6D7-EF69AA195BEB}"/>
+                  </a:ext>
+                </a:extLst>
+              </p:cNvPr>
+              <p:cNvSpPr>
+                <a:spLocks noGrp="1" noRot="1" noChangeAspect="1" noMove="1" noResize="1" noEditPoints="1" noAdjustHandles="1" noChangeArrowheads="1" noChangeShapeType="1" noTextEdit="1"/>
+              </p:cNvSpPr>
+              <p:nvPr>
+                <p:ph idx="1"/>
+              </p:nvPr>
+            </p:nvSpPr>
+            <p:spPr>
+              <a:xfrm>
+                <a:off x="822959" y="742797"/>
+                <a:ext cx="7543801" cy="5582587"/>
+              </a:xfrm>
+              <a:blipFill>
+                <a:blip r:embed="rId2"/>
+                <a:stretch>
+                  <a:fillRect l="-2100" t="-1747" r="-1050" b="-983"/>
+                </a:stretch>
+              </a:blipFill>
+            </p:spPr>
+            <p:txBody>
+              <a:bodyPr/>
+              <a:lstStyle/>
+              <a:p>
+                <a:r>
+                  <a:rPr lang="en-GB">
+                    <a:noFill/>
+                  </a:rPr>
+                  <a:t> </a:t>
+                </a:r>
+              </a:p>
+            </p:txBody>
+          </p:sp>
+        </mc:Fallback>
+      </mc:AlternateContent>
+      <p:pic>
+        <p:nvPicPr>
+          <p:cNvPr id="4" name="Content Placeholder 3">
+            <a:extLst>
+              <a:ext uri="{FF2B5EF4-FFF2-40B4-BE49-F238E27FC236}">
+                <a16:creationId xmlns:a16="http://schemas.microsoft.com/office/drawing/2014/main" id="{3156B725-F348-46CD-B4EF-F14FC2C0302A}"/>
+              </a:ext>
+            </a:extLst>
+          </p:cNvPr>
+          <p:cNvPicPr>
+            <a:picLocks noChangeAspect="1"/>
+          </p:cNvPicPr>
+          <p:nvPr/>
+        </p:nvPicPr>
+        <p:blipFill rotWithShape="1">
+          <a:blip r:embed="rId3"/>
+          <a:srcRect l="5904" t="17929" r="3429" b="9398"/>
+          <a:stretch/>
+        </p:blipFill>
+        <p:spPr>
+          <a:xfrm>
+            <a:off x="1960775" y="2828039"/>
+            <a:ext cx="5326145" cy="2177593"/>
+          </a:xfrm>
+          <a:prstGeom prst="rect">
+            <a:avLst/>
+          </a:prstGeom>
+        </p:spPr>
+      </p:pic>
+    </p:spTree>
+    <p:extLst>
+      <p:ext uri="{BB962C8B-B14F-4D97-AF65-F5344CB8AC3E}">
+        <p14:creationId xmlns:p14="http://schemas.microsoft.com/office/powerpoint/2010/main" val="233957256"/>
       </p:ext>
     </p:extLst>
   </p:cSld>
@@ -3990,10 +7573,9 @@
           <a:lstStyle/>
           <a:p>
             <a:r>
-              <a:rPr lang="en-GB" dirty="0" smtClean="0"/>
+              <a:rPr lang="en-GB" dirty="0"/>
               <a:t>Outline</a:t>
             </a:r>
-            <a:endParaRPr lang="en-GB" dirty="0"/>
           </a:p>
         </p:txBody>
       </p:sp>
@@ -4037,7 +7619,7 @@
               <a:t> </a:t>
             </a:r>
             <a:r>
-              <a:rPr lang="en-US" sz="2400" dirty="0" smtClean="0"/>
+              <a:rPr lang="en-US" sz="2400" dirty="0"/>
               <a:t>Object Oriented programming</a:t>
             </a:r>
           </a:p>
@@ -4051,11 +7633,7 @@
             </a:pPr>
             <a:r>
               <a:rPr lang="en-US" sz="2400" dirty="0"/>
-              <a:t> </a:t>
-            </a:r>
-            <a:r>
-              <a:rPr lang="en-US" sz="2400" dirty="0" smtClean="0"/>
-              <a:t>Abstraction</a:t>
+              <a:t> Abstraction</a:t>
             </a:r>
           </a:p>
           <a:p>
@@ -4068,11 +7646,7 @@
             </a:pPr>
             <a:r>
               <a:rPr lang="en-US" sz="2400" dirty="0"/>
-              <a:t> </a:t>
-            </a:r>
-            <a:r>
-              <a:rPr lang="en-US" sz="2400" dirty="0" smtClean="0"/>
-              <a:t>Encapsulation</a:t>
+              <a:t> Encapsulation</a:t>
             </a:r>
           </a:p>
           <a:p>
@@ -4085,11 +7659,7 @@
             </a:pPr>
             <a:r>
               <a:rPr lang="en-US" sz="2400" dirty="0"/>
-              <a:t> </a:t>
-            </a:r>
-            <a:r>
-              <a:rPr lang="en-US" sz="2400" dirty="0" smtClean="0"/>
-              <a:t>Inheritance</a:t>
+              <a:t> Inheritance</a:t>
             </a:r>
           </a:p>
           <a:p>
@@ -4102,11 +7672,7 @@
             </a:pPr>
             <a:r>
               <a:rPr lang="en-US" sz="2400" dirty="0"/>
-              <a:t> </a:t>
-            </a:r>
-            <a:r>
-              <a:rPr lang="en-US" sz="2400" dirty="0" smtClean="0"/>
-              <a:t>Polymorphism</a:t>
+              <a:t> Polymorphism</a:t>
             </a:r>
           </a:p>
           <a:p>
@@ -4119,11 +7685,7 @@
             </a:pPr>
             <a:r>
               <a:rPr lang="en-US" sz="2400" dirty="0"/>
-              <a:t> </a:t>
-            </a:r>
-            <a:r>
-              <a:rPr lang="en-US" sz="2400" dirty="0" smtClean="0"/>
-              <a:t>OOP keywords</a:t>
+              <a:t> OOP keywords</a:t>
             </a:r>
           </a:p>
           <a:p>
@@ -4136,11 +7698,7 @@
             </a:pPr>
             <a:r>
               <a:rPr lang="en-US" sz="2400" dirty="0"/>
-              <a:t> </a:t>
-            </a:r>
-            <a:r>
-              <a:rPr lang="en-US" sz="2400" dirty="0" smtClean="0"/>
-              <a:t>Class diagrams</a:t>
+              <a:t> Class diagrams</a:t>
             </a:r>
           </a:p>
           <a:p>
@@ -4153,11 +7711,7 @@
             </a:pPr>
             <a:r>
               <a:rPr lang="en-US" sz="2400" dirty="0"/>
-              <a:t> </a:t>
-            </a:r>
-            <a:r>
-              <a:rPr lang="en-US" sz="2400" dirty="0" smtClean="0"/>
-              <a:t>Class example</a:t>
+              <a:t> Class example</a:t>
             </a:r>
           </a:p>
           <a:p>
@@ -4170,11 +7724,7 @@
             </a:pPr>
             <a:r>
               <a:rPr lang="en-US" sz="2400" dirty="0"/>
-              <a:t> </a:t>
-            </a:r>
-            <a:r>
-              <a:rPr lang="en-US" sz="2400" dirty="0" smtClean="0"/>
-              <a:t>Class members</a:t>
+              <a:t> Class members</a:t>
             </a:r>
           </a:p>
           <a:p>
@@ -4187,11 +7737,7 @@
             </a:pPr>
             <a:r>
               <a:rPr lang="en-US" sz="2400" dirty="0"/>
-              <a:t> </a:t>
-            </a:r>
-            <a:r>
-              <a:rPr lang="en-US" sz="2400" dirty="0" smtClean="0"/>
-              <a:t>Object Instantiation</a:t>
+              <a:t> Object Instantiation</a:t>
             </a:r>
           </a:p>
           <a:p>
@@ -4204,11 +7750,7 @@
             </a:pPr>
             <a:r>
               <a:rPr lang="en-US" sz="2400" dirty="0"/>
-              <a:t> </a:t>
-            </a:r>
-            <a:r>
-              <a:rPr lang="en-US" sz="2400" dirty="0" smtClean="0"/>
-              <a:t>Constructors</a:t>
+              <a:t> Constructors</a:t>
             </a:r>
           </a:p>
           <a:p>
@@ -4220,12 +7762,8 @@
               <a:buChar char="v"/>
             </a:pPr>
             <a:r>
-              <a:rPr lang="en-US" sz="2400" dirty="0" smtClean="0"/>
-              <a:t> this </a:t>
-            </a:r>
-            <a:r>
-              <a:rPr lang="en-US" sz="2400" dirty="0" smtClean="0"/>
-              <a:t>pointer</a:t>
+              <a:rPr lang="en-US" sz="2400" dirty="0"/>
+              <a:t> this pointer</a:t>
             </a:r>
           </a:p>
           <a:p>
@@ -4238,11 +7776,7 @@
             </a:pPr>
             <a:r>
               <a:rPr lang="en-US" sz="2400" dirty="0"/>
-              <a:t> </a:t>
-            </a:r>
-            <a:r>
-              <a:rPr lang="en-US" sz="2400" dirty="0" smtClean="0"/>
-              <a:t>String class</a:t>
+              <a:t> String class</a:t>
             </a:r>
             <a:endParaRPr lang="en-GB" sz="2400" dirty="0"/>
           </a:p>
@@ -4598,6 +8132,79 @@
       </p:grpSpPr>
       <p:sp>
         <p:nvSpPr>
+          <p:cNvPr id="3" name="Content Placeholder 2">
+            <a:extLst>
+              <a:ext uri="{FF2B5EF4-FFF2-40B4-BE49-F238E27FC236}">
+                <a16:creationId xmlns:a16="http://schemas.microsoft.com/office/drawing/2014/main" id="{6C7F13ED-B066-4225-805E-0889FD78E024}"/>
+              </a:ext>
+            </a:extLst>
+          </p:cNvPr>
+          <p:cNvSpPr>
+            <a:spLocks noGrp="1"/>
+          </p:cNvSpPr>
+          <p:nvPr>
+            <p:ph idx="1"/>
+          </p:nvPr>
+        </p:nvSpPr>
+        <p:spPr/>
+        <p:txBody>
+          <a:bodyPr>
+            <a:normAutofit/>
+          </a:bodyPr>
+          <a:lstStyle/>
+          <a:p>
+            <a:pPr algn="ctr"/>
+            <a:endParaRPr lang="en-GB" sz="4800" dirty="0"/>
+          </a:p>
+          <a:p>
+            <a:pPr marL="0" indent="0" algn="ctr">
+              <a:buNone/>
+            </a:pPr>
+            <a:endParaRPr lang="en-GB" sz="4800" dirty="0"/>
+          </a:p>
+          <a:p>
+            <a:pPr marL="0" indent="0" algn="ctr">
+              <a:buNone/>
+            </a:pPr>
+            <a:r>
+              <a:rPr lang="en-GB" sz="4800" dirty="0"/>
+              <a:t>Any Questions?</a:t>
+            </a:r>
+          </a:p>
+        </p:txBody>
+      </p:sp>
+    </p:spTree>
+    <p:extLst>
+      <p:ext uri="{BB962C8B-B14F-4D97-AF65-F5344CB8AC3E}">
+        <p14:creationId xmlns:p14="http://schemas.microsoft.com/office/powerpoint/2010/main" val="1021398088"/>
+      </p:ext>
+    </p:extLst>
+  </p:cSld>
+  <p:clrMapOvr>
+    <a:masterClrMapping/>
+  </p:clrMapOvr>
+</p:sld>
+</file>
+
+<file path=ppt/slides/slide6.xml><?xml version="1.0" encoding="utf-8"?>
+<p:sld xmlns:a="http://schemas.openxmlformats.org/drawingml/2006/main" xmlns:r="http://schemas.openxmlformats.org/officeDocument/2006/relationships" xmlns:p="http://schemas.openxmlformats.org/presentationml/2006/main">
+  <p:cSld>
+    <p:spTree>
+      <p:nvGrpSpPr>
+        <p:cNvPr id="1" name=""/>
+        <p:cNvGrpSpPr/>
+        <p:nvPr/>
+      </p:nvGrpSpPr>
+      <p:grpSpPr>
+        <a:xfrm>
+          <a:off x="0" y="0"/>
+          <a:ext cx="0" cy="0"/>
+          <a:chOff x="0" y="0"/>
+          <a:chExt cx="0" cy="0"/>
+        </a:xfrm>
+      </p:grpSpPr>
+      <p:sp>
+        <p:nvSpPr>
           <p:cNvPr id="2" name="Title 1">
             <a:extLst>
               <a:ext uri="{FF2B5EF4-FFF2-40B4-BE49-F238E27FC236}">
@@ -4899,7 +8506,7 @@
 </p:sld>
 </file>
 
-<file path=ppt/slides/slide6.xml><?xml version="1.0" encoding="utf-8"?>
+<file path=ppt/slides/slide7.xml><?xml version="1.0" encoding="utf-8"?>
 <p:sld xmlns:a="http://schemas.openxmlformats.org/drawingml/2006/main" xmlns:r="http://schemas.openxmlformats.org/officeDocument/2006/relationships" xmlns:p="http://schemas.openxmlformats.org/presentationml/2006/main">
   <p:cSld>
     <p:spTree>
@@ -4938,10 +8545,9 @@
           <a:lstStyle/>
           <a:p>
             <a:r>
-              <a:rPr lang="en-GB" dirty="0" smtClean="0"/>
+              <a:rPr lang="en-GB" dirty="0"/>
               <a:t>Working with class diagrams</a:t>
             </a:r>
-            <a:endParaRPr lang="en-GB" dirty="0"/>
           </a:p>
         </p:txBody>
       </p:sp>
@@ -5045,7 +8651,7 @@
 </p:sld>
 </file>
 
-<file path=ppt/slides/slide7.xml><?xml version="1.0" encoding="utf-8"?>
+<file path=ppt/slides/slide8.xml><?xml version="1.0" encoding="utf-8"?>
 <p:sld xmlns:a="http://schemas.openxmlformats.org/drawingml/2006/main" xmlns:r="http://schemas.openxmlformats.org/officeDocument/2006/relationships" xmlns:p="http://schemas.openxmlformats.org/presentationml/2006/main">
   <p:cSld>
     <p:spTree>
@@ -5582,131 +9188,6 @@
 </p:sld>
 </file>
 
-<file path=ppt/slides/slide8.xml><?xml version="1.0" encoding="utf-8"?>
-<p:sld xmlns:a="http://schemas.openxmlformats.org/drawingml/2006/main" xmlns:r="http://schemas.openxmlformats.org/officeDocument/2006/relationships" xmlns:p="http://schemas.openxmlformats.org/presentationml/2006/main">
-  <p:cSld>
-    <p:spTree>
-      <p:nvGrpSpPr>
-        <p:cNvPr id="1" name=""/>
-        <p:cNvGrpSpPr/>
-        <p:nvPr/>
-      </p:nvGrpSpPr>
-      <p:grpSpPr>
-        <a:xfrm>
-          <a:off x="0" y="0"/>
-          <a:ext cx="0" cy="0"/>
-          <a:chOff x="0" y="0"/>
-          <a:chExt cx="0" cy="0"/>
-        </a:xfrm>
-      </p:grpSpPr>
-      <p:sp>
-        <p:nvSpPr>
-          <p:cNvPr id="2" name="Title 1">
-            <a:extLst>
-              <a:ext uri="{FF2B5EF4-FFF2-40B4-BE49-F238E27FC236}">
-                <a16:creationId xmlns:a16="http://schemas.microsoft.com/office/drawing/2014/main" id="{039A1D65-6877-4E0D-AAED-136EB4DA660C}"/>
-              </a:ext>
-            </a:extLst>
-          </p:cNvPr>
-          <p:cNvSpPr>
-            <a:spLocks noGrp="1"/>
-          </p:cNvSpPr>
-          <p:nvPr>
-            <p:ph type="title"/>
-          </p:nvPr>
-        </p:nvSpPr>
-        <p:spPr/>
-        <p:txBody>
-          <a:bodyPr/>
-          <a:lstStyle/>
-          <a:p>
-            <a:r>
-              <a:rPr lang="en-GB" dirty="0"/>
-              <a:t>Class Diagram – Example.</a:t>
-            </a:r>
-          </a:p>
-        </p:txBody>
-      </p:sp>
-      <p:pic>
-        <p:nvPicPr>
-          <p:cNvPr id="4" name="Content Placeholder 3">
-            <a:extLst>
-              <a:ext uri="{FF2B5EF4-FFF2-40B4-BE49-F238E27FC236}">
-                <a16:creationId xmlns:a16="http://schemas.microsoft.com/office/drawing/2014/main" id="{BE171412-B5F4-461C-AFB9-44BF743CA717}"/>
-              </a:ext>
-            </a:extLst>
-          </p:cNvPr>
-          <p:cNvPicPr>
-            <a:picLocks noGrp="1" noChangeAspect="1"/>
-          </p:cNvPicPr>
-          <p:nvPr>
-            <p:ph idx="1"/>
-          </p:nvPr>
-        </p:nvPicPr>
-        <p:blipFill>
-          <a:blip r:embed="rId2"/>
-          <a:stretch>
-            <a:fillRect/>
-          </a:stretch>
-        </p:blipFill>
-        <p:spPr>
-          <a:xfrm>
-            <a:off x="1274618" y="1828937"/>
-            <a:ext cx="5874328" cy="2996415"/>
-          </a:xfrm>
-          <a:prstGeom prst="rect">
-            <a:avLst/>
-          </a:prstGeom>
-        </p:spPr>
-      </p:pic>
-      <p:sp>
-        <p:nvSpPr>
-          <p:cNvPr id="5" name="TextBox 4">
-            <a:extLst>
-              <a:ext uri="{FF2B5EF4-FFF2-40B4-BE49-F238E27FC236}">
-                <a16:creationId xmlns:a16="http://schemas.microsoft.com/office/drawing/2014/main" id="{0313F0B1-4FAD-4465-95FB-8B718016DA91}"/>
-              </a:ext>
-            </a:extLst>
-          </p:cNvPr>
-          <p:cNvSpPr txBox="1"/>
-          <p:nvPr/>
-        </p:nvSpPr>
-        <p:spPr>
-          <a:xfrm>
-            <a:off x="1095087" y="5070764"/>
-            <a:ext cx="7543800" cy="923330"/>
-          </a:xfrm>
-          <a:prstGeom prst="rect">
-            <a:avLst/>
-          </a:prstGeom>
-          <a:noFill/>
-        </p:spPr>
-        <p:txBody>
-          <a:bodyPr wrap="square" rtlCol="0">
-            <a:spAutoFit/>
-          </a:bodyPr>
-          <a:lstStyle/>
-          <a:p>
-            <a:r>
-              <a:rPr lang="en-GB" dirty="0"/>
-              <a:t>Animal is the super class. Duck, Fish, and Zebra are subclasses and they inherit all the members from the superclass.  The subclasses also have their own attributes and methods. </a:t>
-            </a:r>
-          </a:p>
-        </p:txBody>
-      </p:sp>
-    </p:spTree>
-    <p:extLst>
-      <p:ext uri="{BB962C8B-B14F-4D97-AF65-F5344CB8AC3E}">
-        <p14:creationId xmlns:p14="http://schemas.microsoft.com/office/powerpoint/2010/main" val="383230086"/>
-      </p:ext>
-    </p:extLst>
-  </p:cSld>
-  <p:clrMapOvr>
-    <a:masterClrMapping/>
-  </p:clrMapOvr>
-</p:sld>
-</file>
-
 <file path=ppt/slides/slide9.xml><?xml version="1.0" encoding="utf-8"?>
 <p:sld xmlns:a="http://schemas.openxmlformats.org/drawingml/2006/main" xmlns:r="http://schemas.openxmlformats.org/officeDocument/2006/relationships" xmlns:p="http://schemas.openxmlformats.org/presentationml/2006/main">
   <p:cSld>
@@ -5770,7 +9251,7 @@
     </p:spTree>
     <p:extLst>
       <p:ext uri="{BB962C8B-B14F-4D97-AF65-F5344CB8AC3E}">
-        <p14:creationId xmlns:p14="http://schemas.microsoft.com/office/powerpoint/2010/main" val="1021398088"/>
+        <p14:creationId xmlns:p14="http://schemas.microsoft.com/office/powerpoint/2010/main" val="661286800"/>
       </p:ext>
     </p:extLst>
   </p:cSld>
@@ -6063,7 +9544,317 @@
 </a:theme>
 </file>
 
+<file path=ppt/theme/theme2.xml><?xml version="1.0" encoding="utf-8"?>
+<a:theme xmlns:a="http://schemas.openxmlformats.org/drawingml/2006/main" name="Office Theme">
+  <a:themeElements>
+    <a:clrScheme name="Office">
+      <a:dk1>
+        <a:sysClr val="windowText" lastClr="000000"/>
+      </a:dk1>
+      <a:lt1>
+        <a:sysClr val="window" lastClr="FFFFFF"/>
+      </a:lt1>
+      <a:dk2>
+        <a:srgbClr val="44546A"/>
+      </a:dk2>
+      <a:lt2>
+        <a:srgbClr val="E7E6E6"/>
+      </a:lt2>
+      <a:accent1>
+        <a:srgbClr val="4472C4"/>
+      </a:accent1>
+      <a:accent2>
+        <a:srgbClr val="ED7D31"/>
+      </a:accent2>
+      <a:accent3>
+        <a:srgbClr val="A5A5A5"/>
+      </a:accent3>
+      <a:accent4>
+        <a:srgbClr val="FFC000"/>
+      </a:accent4>
+      <a:accent5>
+        <a:srgbClr val="5B9BD5"/>
+      </a:accent5>
+      <a:accent6>
+        <a:srgbClr val="70AD47"/>
+      </a:accent6>
+      <a:hlink>
+        <a:srgbClr val="0563C1"/>
+      </a:hlink>
+      <a:folHlink>
+        <a:srgbClr val="954F72"/>
+      </a:folHlink>
+    </a:clrScheme>
+    <a:fontScheme name="Office">
+      <a:majorFont>
+        <a:latin typeface="Calibri Light" panose="020F0302020204030204"/>
+        <a:ea typeface=""/>
+        <a:cs typeface=""/>
+        <a:font script="Jpan" typeface="游ゴシック Light"/>
+        <a:font script="Hang" typeface="맑은 고딕"/>
+        <a:font script="Hans" typeface="等线 Light"/>
+        <a:font script="Hant" typeface="新細明體"/>
+        <a:font script="Arab" typeface="Times New Roman"/>
+        <a:font script="Hebr" typeface="Times New Roman"/>
+        <a:font script="Thai" typeface="Angsana New"/>
+        <a:font script="Ethi" typeface="Nyala"/>
+        <a:font script="Beng" typeface="Vrinda"/>
+        <a:font script="Gujr" typeface="Shruti"/>
+        <a:font script="Khmr" typeface="MoolBoran"/>
+        <a:font script="Knda" typeface="Tunga"/>
+        <a:font script="Guru" typeface="Raavi"/>
+        <a:font script="Cans" typeface="Euphemia"/>
+        <a:font script="Cher" typeface="Plantagenet Cherokee"/>
+        <a:font script="Yiii" typeface="Microsoft Yi Baiti"/>
+        <a:font script="Tibt" typeface="Microsoft Himalaya"/>
+        <a:font script="Thaa" typeface="MV Boli"/>
+        <a:font script="Deva" typeface="Mangal"/>
+        <a:font script="Telu" typeface="Gautami"/>
+        <a:font script="Taml" typeface="Latha"/>
+        <a:font script="Syrc" typeface="Estrangelo Edessa"/>
+        <a:font script="Orya" typeface="Kalinga"/>
+        <a:font script="Mlym" typeface="Kartika"/>
+        <a:font script="Laoo" typeface="DokChampa"/>
+        <a:font script="Sinh" typeface="Iskoola Pota"/>
+        <a:font script="Mong" typeface="Mongolian Baiti"/>
+        <a:font script="Viet" typeface="Times New Roman"/>
+        <a:font script="Uigh" typeface="Microsoft Uighur"/>
+        <a:font script="Geor" typeface="Sylfaen"/>
+        <a:font script="Armn" typeface="Arial"/>
+        <a:font script="Bugi" typeface="Leelawadee UI"/>
+        <a:font script="Bopo" typeface="Microsoft JhengHei"/>
+        <a:font script="Java" typeface="Javanese Text"/>
+        <a:font script="Lisu" typeface="Segoe UI"/>
+        <a:font script="Mymr" typeface="Myanmar Text"/>
+        <a:font script="Nkoo" typeface="Ebrima"/>
+        <a:font script="Olck" typeface="Nirmala UI"/>
+        <a:font script="Osma" typeface="Ebrima"/>
+        <a:font script="Phag" typeface="Phagspa"/>
+        <a:font script="Syrn" typeface="Estrangelo Edessa"/>
+        <a:font script="Syrj" typeface="Estrangelo Edessa"/>
+        <a:font script="Syre" typeface="Estrangelo Edessa"/>
+        <a:font script="Sora" typeface="Nirmala UI"/>
+        <a:font script="Tale" typeface="Microsoft Tai Le"/>
+        <a:font script="Talu" typeface="Microsoft New Tai Lue"/>
+        <a:font script="Tfng" typeface="Ebrima"/>
+      </a:majorFont>
+      <a:minorFont>
+        <a:latin typeface="Calibri" panose="020F0502020204030204"/>
+        <a:ea typeface=""/>
+        <a:cs typeface=""/>
+        <a:font script="Jpan" typeface="游ゴシック"/>
+        <a:font script="Hang" typeface="맑은 고딕"/>
+        <a:font script="Hans" typeface="等线"/>
+        <a:font script="Hant" typeface="新細明體"/>
+        <a:font script="Arab" typeface="Arial"/>
+        <a:font script="Hebr" typeface="Arial"/>
+        <a:font script="Thai" typeface="Cordia New"/>
+        <a:font script="Ethi" typeface="Nyala"/>
+        <a:font script="Beng" typeface="Vrinda"/>
+        <a:font script="Gujr" typeface="Shruti"/>
+        <a:font script="Khmr" typeface="DaunPenh"/>
+        <a:font script="Knda" typeface="Tunga"/>
+        <a:font script="Guru" typeface="Raavi"/>
+        <a:font script="Cans" typeface="Euphemia"/>
+        <a:font script="Cher" typeface="Plantagenet Cherokee"/>
+        <a:font script="Yiii" typeface="Microsoft Yi Baiti"/>
+        <a:font script="Tibt" typeface="Microsoft Himalaya"/>
+        <a:font script="Thaa" typeface="MV Boli"/>
+        <a:font script="Deva" typeface="Mangal"/>
+        <a:font script="Telu" typeface="Gautami"/>
+        <a:font script="Taml" typeface="Latha"/>
+        <a:font script="Syrc" typeface="Estrangelo Edessa"/>
+        <a:font script="Orya" typeface="Kalinga"/>
+        <a:font script="Mlym" typeface="Kartika"/>
+        <a:font script="Laoo" typeface="DokChampa"/>
+        <a:font script="Sinh" typeface="Iskoola Pota"/>
+        <a:font script="Mong" typeface="Mongolian Baiti"/>
+        <a:font script="Viet" typeface="Arial"/>
+        <a:font script="Uigh" typeface="Microsoft Uighur"/>
+        <a:font script="Geor" typeface="Sylfaen"/>
+        <a:font script="Armn" typeface="Arial"/>
+        <a:font script="Bugi" typeface="Leelawadee UI"/>
+        <a:font script="Bopo" typeface="Microsoft JhengHei"/>
+        <a:font script="Java" typeface="Javanese Text"/>
+        <a:font script="Lisu" typeface="Segoe UI"/>
+        <a:font script="Mymr" typeface="Myanmar Text"/>
+        <a:font script="Nkoo" typeface="Ebrima"/>
+        <a:font script="Olck" typeface="Nirmala UI"/>
+        <a:font script="Osma" typeface="Ebrima"/>
+        <a:font script="Phag" typeface="Phagspa"/>
+        <a:font script="Syrn" typeface="Estrangelo Edessa"/>
+        <a:font script="Syrj" typeface="Estrangelo Edessa"/>
+        <a:font script="Syre" typeface="Estrangelo Edessa"/>
+        <a:font script="Sora" typeface="Nirmala UI"/>
+        <a:font script="Tale" typeface="Microsoft Tai Le"/>
+        <a:font script="Talu" typeface="Microsoft New Tai Lue"/>
+        <a:font script="Tfng" typeface="Ebrima"/>
+      </a:minorFont>
+    </a:fontScheme>
+    <a:fmtScheme name="Office">
+      <a:fillStyleLst>
+        <a:solidFill>
+          <a:schemeClr val="phClr"/>
+        </a:solidFill>
+        <a:gradFill rotWithShape="1">
+          <a:gsLst>
+            <a:gs pos="0">
+              <a:schemeClr val="phClr">
+                <a:lumMod val="110000"/>
+                <a:satMod val="105000"/>
+                <a:tint val="67000"/>
+              </a:schemeClr>
+            </a:gs>
+            <a:gs pos="50000">
+              <a:schemeClr val="phClr">
+                <a:lumMod val="105000"/>
+                <a:satMod val="103000"/>
+                <a:tint val="73000"/>
+              </a:schemeClr>
+            </a:gs>
+            <a:gs pos="100000">
+              <a:schemeClr val="phClr">
+                <a:lumMod val="105000"/>
+                <a:satMod val="109000"/>
+                <a:tint val="81000"/>
+              </a:schemeClr>
+            </a:gs>
+          </a:gsLst>
+          <a:lin ang="5400000" scaled="0"/>
+        </a:gradFill>
+        <a:gradFill rotWithShape="1">
+          <a:gsLst>
+            <a:gs pos="0">
+              <a:schemeClr val="phClr">
+                <a:satMod val="103000"/>
+                <a:lumMod val="102000"/>
+                <a:tint val="94000"/>
+              </a:schemeClr>
+            </a:gs>
+            <a:gs pos="50000">
+              <a:schemeClr val="phClr">
+                <a:satMod val="110000"/>
+                <a:lumMod val="100000"/>
+                <a:shade val="100000"/>
+              </a:schemeClr>
+            </a:gs>
+            <a:gs pos="100000">
+              <a:schemeClr val="phClr">
+                <a:lumMod val="99000"/>
+                <a:satMod val="120000"/>
+                <a:shade val="78000"/>
+              </a:schemeClr>
+            </a:gs>
+          </a:gsLst>
+          <a:lin ang="5400000" scaled="0"/>
+        </a:gradFill>
+      </a:fillStyleLst>
+      <a:lnStyleLst>
+        <a:ln w="6350" cap="flat" cmpd="sng" algn="ctr">
+          <a:solidFill>
+            <a:schemeClr val="phClr"/>
+          </a:solidFill>
+          <a:prstDash val="solid"/>
+          <a:miter lim="800000"/>
+        </a:ln>
+        <a:ln w="12700" cap="flat" cmpd="sng" algn="ctr">
+          <a:solidFill>
+            <a:schemeClr val="phClr"/>
+          </a:solidFill>
+          <a:prstDash val="solid"/>
+          <a:miter lim="800000"/>
+        </a:ln>
+        <a:ln w="19050" cap="flat" cmpd="sng" algn="ctr">
+          <a:solidFill>
+            <a:schemeClr val="phClr"/>
+          </a:solidFill>
+          <a:prstDash val="solid"/>
+          <a:miter lim="800000"/>
+        </a:ln>
+      </a:lnStyleLst>
+      <a:effectStyleLst>
+        <a:effectStyle>
+          <a:effectLst/>
+        </a:effectStyle>
+        <a:effectStyle>
+          <a:effectLst/>
+        </a:effectStyle>
+        <a:effectStyle>
+          <a:effectLst>
+            <a:outerShdw blurRad="57150" dist="19050" dir="5400000" algn="ctr" rotWithShape="0">
+              <a:srgbClr val="000000">
+                <a:alpha val="63000"/>
+              </a:srgbClr>
+            </a:outerShdw>
+          </a:effectLst>
+        </a:effectStyle>
+      </a:effectStyleLst>
+      <a:bgFillStyleLst>
+        <a:solidFill>
+          <a:schemeClr val="phClr"/>
+        </a:solidFill>
+        <a:solidFill>
+          <a:schemeClr val="phClr">
+            <a:tint val="95000"/>
+            <a:satMod val="170000"/>
+          </a:schemeClr>
+        </a:solidFill>
+        <a:gradFill rotWithShape="1">
+          <a:gsLst>
+            <a:gs pos="0">
+              <a:schemeClr val="phClr">
+                <a:tint val="93000"/>
+                <a:satMod val="150000"/>
+                <a:shade val="98000"/>
+                <a:lumMod val="102000"/>
+              </a:schemeClr>
+            </a:gs>
+            <a:gs pos="50000">
+              <a:schemeClr val="phClr">
+                <a:tint val="98000"/>
+                <a:satMod val="130000"/>
+                <a:shade val="90000"/>
+                <a:lumMod val="103000"/>
+              </a:schemeClr>
+            </a:gs>
+            <a:gs pos="100000">
+              <a:schemeClr val="phClr">
+                <a:shade val="63000"/>
+                <a:satMod val="120000"/>
+              </a:schemeClr>
+            </a:gs>
+          </a:gsLst>
+          <a:lin ang="5400000" scaled="0"/>
+        </a:gradFill>
+      </a:bgFillStyleLst>
+    </a:fmtScheme>
+  </a:themeElements>
+  <a:objectDefaults/>
+  <a:extraClrSchemeLst/>
+  <a:extLst>
+    <a:ext uri="{05A4C25C-085E-4340-85A3-A5531E510DB2}">
+      <thm15:themeFamily xmlns:thm15="http://schemas.microsoft.com/office/thememl/2012/main" name="Office Theme" id="{62F939B6-93AF-4DB8-9C6B-D6C7DFDC589F}" vid="{4A3C46E8-61CC-4603-A589-7422A47A8E4A}"/>
+    </a:ext>
+  </a:extLst>
+</a:theme>
+</file>
+
 <file path=customXml/item1.xml><?xml version="1.0" encoding="utf-8"?>
+<?mso-contentType ?>
+<FormTemplates xmlns="http://schemas.microsoft.com/sharepoint/v3/contenttype/forms">
+  <Display>DocumentLibraryForm</Display>
+  <Edit>DocumentLibraryForm</Edit>
+  <New>DocumentLibraryForm</New>
+</FormTemplates>
+</file>
+
+<file path=customXml/item2.xml><?xml version="1.0" encoding="utf-8"?>
+<p:properties xmlns:p="http://schemas.microsoft.com/office/2006/metadata/properties" xmlns:xsi="http://www.w3.org/2001/XMLSchema-instance" xmlns:pc="http://schemas.microsoft.com/office/infopath/2007/PartnerControls">
+  <documentManagement/>
+</p:properties>
+</file>
+
+<file path=customXml/item3.xml><?xml version="1.0" encoding="utf-8"?>
 <ct:contentTypeSchema xmlns:ct="http://schemas.microsoft.com/office/2006/metadata/contentType" xmlns:ma="http://schemas.microsoft.com/office/2006/metadata/properties/metaAttributes" ct:_="" ma:_="" ma:contentTypeName="Document" ma:contentTypeID="0x010100062A1965C0ED8D4B93D90EC9097FB304" ma:contentTypeVersion="13" ma:contentTypeDescription="Create a new document." ma:contentTypeScope="" ma:versionID="ad8c00255a362f38b965062bb6973433">
   <xsd:schema xmlns:xsd="http://www.w3.org/2001/XMLSchema" xmlns:xs="http://www.w3.org/2001/XMLSchema" xmlns:p="http://schemas.microsoft.com/office/2006/metadata/properties" xmlns:ns3="cab83b3b-4db3-4a13-8dd4-e60be6d87cf5" xmlns:ns4="c2e86655-d7ed-4420-bc92-1b9547829f54" targetNamespace="http://schemas.microsoft.com/office/2006/metadata/properties" ma:root="true" ma:fieldsID="d47f86c9060cacabc5fb99b2dd628c7d" ns3:_="" ns4:_="">
     <xsd:import namespace="cab83b3b-4db3-4a13-8dd4-e60be6d87cf5"/>
@@ -6286,36 +10077,10 @@
 </ct:contentTypeSchema>
 </file>
 
-<file path=customXml/item2.xml><?xml version="1.0" encoding="utf-8"?>
-<p:properties xmlns:p="http://schemas.microsoft.com/office/2006/metadata/properties" xmlns:xsi="http://www.w3.org/2001/XMLSchema-instance" xmlns:pc="http://schemas.microsoft.com/office/infopath/2007/PartnerControls">
-  <documentManagement/>
-</p:properties>
-</file>
-
-<file path=customXml/item3.xml><?xml version="1.0" encoding="utf-8"?>
-<?mso-contentType ?>
-<FormTemplates xmlns="http://schemas.microsoft.com/sharepoint/v3/contenttype/forms">
-  <Display>DocumentLibraryForm</Display>
-  <Edit>DocumentLibraryForm</Edit>
-  <New>DocumentLibraryForm</New>
-</FormTemplates>
-</file>
-
 <file path=customXml/itemProps1.xml><?xml version="1.0" encoding="utf-8"?>
-<ds:datastoreItem xmlns:ds="http://schemas.openxmlformats.org/officeDocument/2006/customXml" ds:itemID="{03233C07-2685-44F7-9601-FF64EA49BA1B}">
+<ds:datastoreItem xmlns:ds="http://schemas.openxmlformats.org/officeDocument/2006/customXml" ds:itemID="{07A05CC1-FF68-453F-AE9C-352B80151440}">
   <ds:schemaRefs>
-    <ds:schemaRef ds:uri="http://schemas.microsoft.com/office/2006/metadata/contentType"/>
-    <ds:schemaRef ds:uri="http://schemas.microsoft.com/office/2006/metadata/properties/metaAttributes"/>
-    <ds:schemaRef ds:uri="http://www.w3.org/2001/XMLSchema"/>
-    <ds:schemaRef ds:uri="http://schemas.microsoft.com/office/2006/metadata/properties"/>
-    <ds:schemaRef ds:uri="cab83b3b-4db3-4a13-8dd4-e60be6d87cf5"/>
-    <ds:schemaRef ds:uri="c2e86655-d7ed-4420-bc92-1b9547829f54"/>
-    <ds:schemaRef ds:uri="http://schemas.microsoft.com/office/2006/documentManagement/types"/>
-    <ds:schemaRef ds:uri="http://schemas.microsoft.com/office/infopath/2007/PartnerControls"/>
-    <ds:schemaRef ds:uri="http://schemas.openxmlformats.org/package/2006/metadata/core-properties"/>
-    <ds:schemaRef ds:uri="http://purl.org/dc/elements/1.1/"/>
-    <ds:schemaRef ds:uri="http://purl.org/dc/terms/"/>
-    <ds:schemaRef ds:uri="http://schemas.microsoft.com/internal/obd"/>
+    <ds:schemaRef ds:uri="http://schemas.microsoft.com/sharepoint/v3/contenttype/forms"/>
   </ds:schemaRefs>
 </ds:datastoreItem>
 </file>
@@ -6338,9 +10103,20 @@
 </file>
 
 <file path=customXml/itemProps3.xml><?xml version="1.0" encoding="utf-8"?>
-<ds:datastoreItem xmlns:ds="http://schemas.openxmlformats.org/officeDocument/2006/customXml" ds:itemID="{07A05CC1-FF68-453F-AE9C-352B80151440}">
+<ds:datastoreItem xmlns:ds="http://schemas.openxmlformats.org/officeDocument/2006/customXml" ds:itemID="{03233C07-2685-44F7-9601-FF64EA49BA1B}">
   <ds:schemaRefs>
-    <ds:schemaRef ds:uri="http://schemas.microsoft.com/sharepoint/v3/contenttype/forms"/>
+    <ds:schemaRef ds:uri="http://schemas.microsoft.com/office/2006/metadata/contentType"/>
+    <ds:schemaRef ds:uri="http://schemas.microsoft.com/office/2006/metadata/properties/metaAttributes"/>
+    <ds:schemaRef ds:uri="http://www.w3.org/2001/XMLSchema"/>
+    <ds:schemaRef ds:uri="http://schemas.microsoft.com/office/2006/metadata/properties"/>
+    <ds:schemaRef ds:uri="cab83b3b-4db3-4a13-8dd4-e60be6d87cf5"/>
+    <ds:schemaRef ds:uri="c2e86655-d7ed-4420-bc92-1b9547829f54"/>
+    <ds:schemaRef ds:uri="http://schemas.microsoft.com/office/2006/documentManagement/types"/>
+    <ds:schemaRef ds:uri="http://schemas.microsoft.com/office/infopath/2007/PartnerControls"/>
+    <ds:schemaRef ds:uri="http://schemas.openxmlformats.org/package/2006/metadata/core-properties"/>
+    <ds:schemaRef ds:uri="http://purl.org/dc/elements/1.1/"/>
+    <ds:schemaRef ds:uri="http://purl.org/dc/terms/"/>
+    <ds:schemaRef ds:uri="http://schemas.microsoft.com/internal/obd"/>
   </ds:schemaRefs>
 </ds:datastoreItem>
 </file>
--- a/thesis/ukapp2/wqu_isc/sofware_design/Lesson 3 - Java.pptx
+++ b/thesis/ukapp2/wqu_isc/sofware_design/Lesson 3 - Java.pptx
@@ -211,7 +211,7 @@
           <a:p>
             <a:fld id="{2D17C26A-2D19-4E2A-9B61-80C5B9CBF214}" type="datetimeFigureOut">
               <a:rPr lang="en-GB" smtClean="0"/>
-              <a:t>15/10/2020</a:t>
+              <a:t>16/10/2020</a:t>
             </a:fld>
             <a:endParaRPr lang="en-GB"/>
           </a:p>
@@ -2437,7 +2437,7 @@
           <a:p>
             <a:fld id="{CD13FC2D-BEDB-45BE-AF82-649A39BEFF71}" type="datetimeFigureOut">
               <a:rPr lang="en-GB" smtClean="0"/>
-              <a:t>15/10/2020</a:t>
+              <a:t>16/10/2020</a:t>
             </a:fld>
             <a:endParaRPr lang="en-GB"/>
           </a:p>
@@ -2645,7 +2645,7 @@
           <a:p>
             <a:fld id="{CD13FC2D-BEDB-45BE-AF82-649A39BEFF71}" type="datetimeFigureOut">
               <a:rPr lang="en-GB" smtClean="0"/>
-              <a:t>15/10/2020</a:t>
+              <a:t>16/10/2020</a:t>
             </a:fld>
             <a:endParaRPr lang="en-GB"/>
           </a:p>
@@ -2901,7 +2901,7 @@
           <a:p>
             <a:fld id="{CD13FC2D-BEDB-45BE-AF82-649A39BEFF71}" type="datetimeFigureOut">
               <a:rPr lang="en-GB" smtClean="0"/>
-              <a:t>15/10/2020</a:t>
+              <a:t>16/10/2020</a:t>
             </a:fld>
             <a:endParaRPr lang="en-GB"/>
           </a:p>
@@ -3071,7 +3071,7 @@
           <a:p>
             <a:fld id="{CD13FC2D-BEDB-45BE-AF82-649A39BEFF71}" type="datetimeFigureOut">
               <a:rPr lang="en-GB" smtClean="0"/>
-              <a:t>15/10/2020</a:t>
+              <a:t>16/10/2020</a:t>
             </a:fld>
             <a:endParaRPr lang="en-GB"/>
           </a:p>
@@ -3414,7 +3414,7 @@
           <a:p>
             <a:fld id="{CD13FC2D-BEDB-45BE-AF82-649A39BEFF71}" type="datetimeFigureOut">
               <a:rPr lang="en-GB" smtClean="0"/>
-              <a:t>15/10/2020</a:t>
+              <a:t>16/10/2020</a:t>
             </a:fld>
             <a:endParaRPr lang="en-GB"/>
           </a:p>
@@ -3689,7 +3689,7 @@
           <a:p>
             <a:fld id="{CD13FC2D-BEDB-45BE-AF82-649A39BEFF71}" type="datetimeFigureOut">
               <a:rPr lang="en-GB" smtClean="0"/>
-              <a:t>15/10/2020</a:t>
+              <a:t>16/10/2020</a:t>
             </a:fld>
             <a:endParaRPr lang="en-GB"/>
           </a:p>
@@ -4068,7 +4068,7 @@
           <a:p>
             <a:fld id="{CD13FC2D-BEDB-45BE-AF82-649A39BEFF71}" type="datetimeFigureOut">
               <a:rPr lang="en-GB" smtClean="0"/>
-              <a:t>15/10/2020</a:t>
+              <a:t>16/10/2020</a:t>
             </a:fld>
             <a:endParaRPr lang="en-GB"/>
           </a:p>
@@ -4186,7 +4186,7 @@
           <a:p>
             <a:fld id="{CD13FC2D-BEDB-45BE-AF82-649A39BEFF71}" type="datetimeFigureOut">
               <a:rPr lang="en-GB" smtClean="0"/>
-              <a:t>15/10/2020</a:t>
+              <a:t>16/10/2020</a:t>
             </a:fld>
             <a:endParaRPr lang="en-GB"/>
           </a:p>
@@ -4357,7 +4357,7 @@
           <a:p>
             <a:fld id="{CD13FC2D-BEDB-45BE-AF82-649A39BEFF71}" type="datetimeFigureOut">
               <a:rPr lang="en-GB" smtClean="0"/>
-              <a:t>15/10/2020</a:t>
+              <a:t>16/10/2020</a:t>
             </a:fld>
             <a:endParaRPr lang="en-GB"/>
           </a:p>
@@ -4711,7 +4711,7 @@
           <a:p>
             <a:fld id="{CD13FC2D-BEDB-45BE-AF82-649A39BEFF71}" type="datetimeFigureOut">
               <a:rPr lang="en-GB" smtClean="0"/>
-              <a:t>15/10/2020</a:t>
+              <a:t>16/10/2020</a:t>
             </a:fld>
             <a:endParaRPr lang="en-GB"/>
           </a:p>
@@ -5093,7 +5093,7 @@
           <a:p>
             <a:fld id="{CD13FC2D-BEDB-45BE-AF82-649A39BEFF71}" type="datetimeFigureOut">
               <a:rPr lang="en-GB" smtClean="0"/>
-              <a:t>15/10/2020</a:t>
+              <a:t>16/10/2020</a:t>
             </a:fld>
             <a:endParaRPr lang="en-GB"/>
           </a:p>
@@ -5380,7 +5380,7 @@
           <a:p>
             <a:fld id="{CD13FC2D-BEDB-45BE-AF82-649A39BEFF71}" type="datetimeFigureOut">
               <a:rPr lang="en-GB" smtClean="0"/>
-              <a:t>15/10/2020</a:t>
+              <a:t>16/10/2020</a:t>
             </a:fld>
             <a:endParaRPr lang="en-GB"/>
           </a:p>
@@ -6188,6 +6188,79 @@
                             </m:ctrlPr>
                           </m:dPr>
                           <m:e>
+                            <m:sSup>
+                              <m:sSupPr>
+                                <m:ctrlPr>
+                                  <a:rPr lang="en-GB" b="0" i="1" smtClean="0">
+                                    <a:latin typeface="Cambria Math" panose="02040503050406030204" pitchFamily="18" charset="0"/>
+                                  </a:rPr>
+                                </m:ctrlPr>
+                              </m:sSupPr>
+                              <m:e>
+                                <m:d>
+                                  <m:dPr>
+                                    <m:ctrlPr>
+                                      <a:rPr lang="en-GB" b="0" i="1" smtClean="0">
+                                        <a:latin typeface="Cambria Math" panose="02040503050406030204" pitchFamily="18" charset="0"/>
+                                      </a:rPr>
+                                    </m:ctrlPr>
+                                  </m:dPr>
+                                  <m:e>
+                                    <m:r>
+                                      <a:rPr lang="en-GB" b="0" i="1" smtClean="0">
+                                        <a:latin typeface="Cambria Math" panose="02040503050406030204" pitchFamily="18" charset="0"/>
+                                      </a:rPr>
+                                      <m:t>1+</m:t>
+                                    </m:r>
+                                    <m:r>
+                                      <a:rPr lang="en-GB" b="0" i="1" smtClean="0">
+                                        <a:latin typeface="Cambria Math" panose="02040503050406030204" pitchFamily="18" charset="0"/>
+                                      </a:rPr>
+                                      <m:t>𝑟</m:t>
+                                    </m:r>
+                                  </m:e>
+                                </m:d>
+                              </m:e>
+                              <m:sup>
+                                <m:r>
+                                  <a:rPr lang="en-GB" b="0" i="1" smtClean="0">
+                                    <a:latin typeface="Cambria Math" panose="02040503050406030204" pitchFamily="18" charset="0"/>
+                                  </a:rPr>
+                                  <m:t>𝑛</m:t>
+                                </m:r>
+                              </m:sup>
+                            </m:sSup>
+                          </m:e>
+                        </m:d>
+                        <m:r>
+                          <a:rPr lang="en-GB" b="0" i="1" smtClean="0">
+                            <a:latin typeface="Cambria Math" panose="02040503050406030204" pitchFamily="18" charset="0"/>
+                          </a:rPr>
+                          <m:t>−1</m:t>
+                        </m:r>
+                      </m:num>
+                      <m:den>
+                        <m:r>
+                          <a:rPr lang="en-GB" b="0" i="1" smtClean="0">
+                            <a:latin typeface="Cambria Math" panose="02040503050406030204" pitchFamily="18" charset="0"/>
+                          </a:rPr>
+                          <m:t>𝑟</m:t>
+                        </m:r>
+                        <m:r>
+                          <a:rPr lang="en-GB" b="0" i="1" smtClean="0">
+                            <a:latin typeface="Cambria Math" panose="02040503050406030204" pitchFamily="18" charset="0"/>
+                          </a:rPr>
+                          <m:t>×</m:t>
+                        </m:r>
+                        <m:sSup>
+                          <m:sSupPr>
+                            <m:ctrlPr>
+                              <a:rPr lang="en-GB" b="0" i="1" smtClean="0">
+                                <a:latin typeface="Cambria Math" panose="02040503050406030204" pitchFamily="18" charset="0"/>
+                              </a:rPr>
+                            </m:ctrlPr>
+                          </m:sSupPr>
+                          <m:e>
                             <m:d>
                               <m:dPr>
                                 <m:ctrlPr>
@@ -6211,75 +6284,16 @@
                                 </m:r>
                               </m:e>
                             </m:d>
-                            <m:r>
-                              <a:rPr lang="en-GB" b="0" i="1" smtClean="0">
-                                <a:latin typeface="Cambria Math" panose="02040503050406030204" pitchFamily="18" charset="0"/>
-                              </a:rPr>
-                              <m:t>×</m:t>
-                            </m:r>
+                          </m:e>
+                          <m:sup>
                             <m:r>
                               <a:rPr lang="en-GB" b="0" i="1" smtClean="0">
                                 <a:latin typeface="Cambria Math" panose="02040503050406030204" pitchFamily="18" charset="0"/>
                               </a:rPr>
                               <m:t>𝑛</m:t>
                             </m:r>
-                          </m:e>
-                        </m:d>
-                        <m:r>
-                          <a:rPr lang="en-GB" b="0" i="1" smtClean="0">
-                            <a:latin typeface="Cambria Math" panose="02040503050406030204" pitchFamily="18" charset="0"/>
-                          </a:rPr>
-                          <m:t>−1</m:t>
-                        </m:r>
-                      </m:num>
-                      <m:den>
-                        <m:r>
-                          <a:rPr lang="en-GB" b="0" i="1" smtClean="0">
-                            <a:latin typeface="Cambria Math" panose="02040503050406030204" pitchFamily="18" charset="0"/>
-                          </a:rPr>
-                          <m:t>𝑟</m:t>
-                        </m:r>
-                        <m:r>
-                          <a:rPr lang="en-GB" b="0" i="1" smtClean="0">
-                            <a:latin typeface="Cambria Math" panose="02040503050406030204" pitchFamily="18" charset="0"/>
-                          </a:rPr>
-                          <m:t>×</m:t>
-                        </m:r>
-                        <m:d>
-                          <m:dPr>
-                            <m:ctrlPr>
-                              <a:rPr lang="en-GB" b="0" i="1" smtClean="0">
-                                <a:latin typeface="Cambria Math" panose="02040503050406030204" pitchFamily="18" charset="0"/>
-                              </a:rPr>
-                            </m:ctrlPr>
-                          </m:dPr>
-                          <m:e>
-                            <m:r>
-                              <a:rPr lang="en-GB" b="0" i="1" smtClean="0">
-                                <a:latin typeface="Cambria Math" panose="02040503050406030204" pitchFamily="18" charset="0"/>
-                              </a:rPr>
-                              <m:t>1+</m:t>
-                            </m:r>
-                            <m:r>
-                              <a:rPr lang="en-GB" b="0" i="1" smtClean="0">
-                                <a:latin typeface="Cambria Math" panose="02040503050406030204" pitchFamily="18" charset="0"/>
-                              </a:rPr>
-                              <m:t>𝑟</m:t>
-                            </m:r>
-                          </m:e>
-                        </m:d>
-                        <m:r>
-                          <a:rPr lang="en-GB" b="0" i="1" smtClean="0">
-                            <a:latin typeface="Cambria Math" panose="02040503050406030204" pitchFamily="18" charset="0"/>
-                          </a:rPr>
-                          <m:t>×</m:t>
-                        </m:r>
-                        <m:r>
-                          <a:rPr lang="en-GB" b="0" i="1" smtClean="0">
-                            <a:latin typeface="Cambria Math" panose="02040503050406030204" pitchFamily="18" charset="0"/>
-                          </a:rPr>
-                          <m:t>𝑛</m:t>
-                        </m:r>
+                          </m:sup>
+                        </m:sSup>
                       </m:den>
                     </m:f>
                   </m:oMath>
@@ -6415,7 +6429,7 @@
         </p:blipFill>
         <p:spPr>
           <a:xfrm>
-            <a:off x="424206" y="2327241"/>
+            <a:off x="188535" y="2327241"/>
             <a:ext cx="2887793" cy="3013349"/>
           </a:xfrm>
           <a:prstGeom prst="rect">
@@ -6423,6 +6437,1839 @@
           </a:prstGeom>
         </p:spPr>
       </p:pic>
+      <p:sp>
+        <p:nvSpPr>
+          <p:cNvPr id="7" name="Rectangle 1">
+            <a:extLst>
+              <a:ext uri="{FF2B5EF4-FFF2-40B4-BE49-F238E27FC236}">
+                <a16:creationId xmlns:a16="http://schemas.microsoft.com/office/drawing/2014/main" id="{CCF293EB-9D02-4486-B74C-5F949D817B43}"/>
+              </a:ext>
+            </a:extLst>
+          </p:cNvPr>
+          <p:cNvSpPr>
+            <a:spLocks noGrp="1" noChangeArrowheads="1"/>
+          </p:cNvSpPr>
+          <p:nvPr>
+            <p:ph sz="half" idx="2"/>
+          </p:nvPr>
+        </p:nvSpPr>
+        <p:spPr bwMode="auto">
+          <a:xfrm>
+            <a:off x="3311525" y="1891129"/>
+            <a:ext cx="5572359" cy="4247317"/>
+          </a:xfrm>
+          <a:prstGeom prst="rect">
+            <a:avLst/>
+          </a:prstGeom>
+          <a:solidFill>
+            <a:srgbClr val="2B2B2B"/>
+          </a:solidFill>
+          <a:ln>
+            <a:noFill/>
+          </a:ln>
+          <a:effectLst/>
+          <a:extLst>
+            <a:ext uri="{91240B29-F687-4F45-9708-019B960494DF}">
+              <a14:hiddenLine xmlns:a14="http://schemas.microsoft.com/office/drawing/2010/main" w="9525">
+                <a:solidFill>
+                  <a:schemeClr val="tx1"/>
+                </a:solidFill>
+                <a:miter lim="800000"/>
+                <a:headEnd/>
+                <a:tailEnd/>
+              </a14:hiddenLine>
+            </a:ext>
+            <a:ext uri="{AF507438-7753-43E0-B8FC-AC1667EBCBE1}">
+              <a14:hiddenEffects xmlns:a14="http://schemas.microsoft.com/office/drawing/2010/main">
+                <a:effectLst>
+                  <a:outerShdw dist="35921" dir="2700000" algn="ctr" rotWithShape="0">
+                    <a:schemeClr val="bg2"/>
+                  </a:outerShdw>
+                </a:effectLst>
+              </a14:hiddenEffects>
+            </a:ext>
+          </a:extLst>
+        </p:spPr>
+        <p:txBody>
+          <a:bodyPr vert="horz" wrap="none" lIns="91440" tIns="45720" rIns="91440" bIns="45720" numCol="1" anchor="ctr" anchorCtr="0" compatLnSpc="1">
+            <a:prstTxWarp prst="textNoShape">
+              <a:avLst/>
+            </a:prstTxWarp>
+            <a:spAutoFit/>
+          </a:bodyPr>
+          <a:lstStyle/>
+          <a:p>
+            <a:pPr marL="0" marR="0" lvl="0" indent="0" algn="l" defTabSz="914400" rtl="0" eaLnBrk="0" fontAlgn="base" latinLnBrk="0" hangingPunct="0">
+              <a:lnSpc>
+                <a:spcPct val="100000"/>
+              </a:lnSpc>
+              <a:spcBef>
+                <a:spcPct val="0"/>
+              </a:spcBef>
+              <a:spcAft>
+                <a:spcPct val="0"/>
+              </a:spcAft>
+              <a:buClrTx/>
+              <a:buSzTx/>
+              <a:buFontTx/>
+              <a:buNone/>
+              <a:tabLst/>
+            </a:pPr>
+            <a:r>
+              <a:rPr kumimoji="0" lang="en-US" altLang="en-US" sz="1000" b="0" i="0" u="none" strike="noStrike" cap="none" normalizeH="0" baseline="0">
+                <a:ln>
+                  <a:noFill/>
+                </a:ln>
+                <a:solidFill>
+                  <a:srgbClr val="CC7832"/>
+                </a:solidFill>
+                <a:effectLst/>
+                <a:latin typeface="JetBrains Mono"/>
+              </a:rPr>
+              <a:t>public class </a:t>
+            </a:r>
+            <a:r>
+              <a:rPr kumimoji="0" lang="en-US" altLang="en-US" sz="1000" b="0" i="0" u="none" strike="noStrike" cap="none" normalizeH="0" baseline="0">
+                <a:ln>
+                  <a:noFill/>
+                </a:ln>
+                <a:solidFill>
+                  <a:srgbClr val="A9B7C6"/>
+                </a:solidFill>
+                <a:effectLst/>
+                <a:latin typeface="JetBrains Mono"/>
+              </a:rPr>
+              <a:t>LoanCalc{</a:t>
+            </a:r>
+            <a:br>
+              <a:rPr kumimoji="0" lang="en-US" altLang="en-US" sz="1000" b="0" i="0" u="none" strike="noStrike" cap="none" normalizeH="0" baseline="0">
+                <a:ln>
+                  <a:noFill/>
+                </a:ln>
+                <a:solidFill>
+                  <a:srgbClr val="A9B7C6"/>
+                </a:solidFill>
+                <a:effectLst/>
+                <a:latin typeface="JetBrains Mono"/>
+              </a:rPr>
+            </a:br>
+            <a:br>
+              <a:rPr kumimoji="0" lang="en-US" altLang="en-US" sz="1000" b="0" i="0" u="none" strike="noStrike" cap="none" normalizeH="0" baseline="0">
+                <a:ln>
+                  <a:noFill/>
+                </a:ln>
+                <a:solidFill>
+                  <a:srgbClr val="A9B7C6"/>
+                </a:solidFill>
+                <a:effectLst/>
+                <a:latin typeface="JetBrains Mono"/>
+              </a:rPr>
+            </a:br>
+            <a:r>
+              <a:rPr kumimoji="0" lang="en-US" altLang="en-US" sz="1000" b="0" i="0" u="none" strike="noStrike" cap="none" normalizeH="0" baseline="0">
+                <a:ln>
+                  <a:noFill/>
+                </a:ln>
+                <a:solidFill>
+                  <a:srgbClr val="A9B7C6"/>
+                </a:solidFill>
+                <a:effectLst/>
+                <a:latin typeface="JetBrains Mono"/>
+              </a:rPr>
+              <a:t>    </a:t>
+            </a:r>
+            <a:r>
+              <a:rPr kumimoji="0" lang="en-US" altLang="en-US" sz="1000" b="0" i="0" u="none" strike="noStrike" cap="none" normalizeH="0" baseline="0">
+                <a:ln>
+                  <a:noFill/>
+                </a:ln>
+                <a:solidFill>
+                  <a:srgbClr val="CC7832"/>
+                </a:solidFill>
+                <a:effectLst/>
+                <a:latin typeface="JetBrains Mono"/>
+              </a:rPr>
+              <a:t>private int </a:t>
+            </a:r>
+            <a:r>
+              <a:rPr kumimoji="0" lang="en-US" altLang="en-US" sz="1000" b="0" i="0" u="none" strike="noStrike" cap="none" normalizeH="0" baseline="0">
+                <a:ln>
+                  <a:noFill/>
+                </a:ln>
+                <a:solidFill>
+                  <a:srgbClr val="A9B7C6"/>
+                </a:solidFill>
+                <a:effectLst/>
+                <a:latin typeface="JetBrains Mono"/>
+              </a:rPr>
+              <a:t>yrs</a:t>
+            </a:r>
+            <a:r>
+              <a:rPr kumimoji="0" lang="en-US" altLang="en-US" sz="1000" b="0" i="0" u="none" strike="noStrike" cap="none" normalizeH="0" baseline="0">
+                <a:ln>
+                  <a:noFill/>
+                </a:ln>
+                <a:solidFill>
+                  <a:srgbClr val="CC7832"/>
+                </a:solidFill>
+                <a:effectLst/>
+                <a:latin typeface="JetBrains Mono"/>
+              </a:rPr>
+              <a:t>;</a:t>
+            </a:r>
+            <a:br>
+              <a:rPr kumimoji="0" lang="en-US" altLang="en-US" sz="1000" b="0" i="0" u="none" strike="noStrike" cap="none" normalizeH="0" baseline="0">
+                <a:ln>
+                  <a:noFill/>
+                </a:ln>
+                <a:solidFill>
+                  <a:srgbClr val="CC7832"/>
+                </a:solidFill>
+                <a:effectLst/>
+                <a:latin typeface="JetBrains Mono"/>
+              </a:rPr>
+            </a:br>
+            <a:r>
+              <a:rPr kumimoji="0" lang="en-US" altLang="en-US" sz="1000" b="0" i="0" u="none" strike="noStrike" cap="none" normalizeH="0" baseline="0">
+                <a:ln>
+                  <a:noFill/>
+                </a:ln>
+                <a:solidFill>
+                  <a:srgbClr val="CC7832"/>
+                </a:solidFill>
+                <a:effectLst/>
+                <a:latin typeface="JetBrains Mono"/>
+              </a:rPr>
+              <a:t>    private double </a:t>
+            </a:r>
+            <a:r>
+              <a:rPr kumimoji="0" lang="en-US" altLang="en-US" sz="1000" b="0" i="0" u="none" strike="noStrike" cap="none" normalizeH="0" baseline="0">
+                <a:ln>
+                  <a:noFill/>
+                </a:ln>
+                <a:solidFill>
+                  <a:srgbClr val="A9B7C6"/>
+                </a:solidFill>
+                <a:effectLst/>
+                <a:latin typeface="JetBrains Mono"/>
+              </a:rPr>
+              <a:t>rate</a:t>
+            </a:r>
+            <a:r>
+              <a:rPr kumimoji="0" lang="en-US" altLang="en-US" sz="1000" b="0" i="0" u="none" strike="noStrike" cap="none" normalizeH="0" baseline="0">
+                <a:ln>
+                  <a:noFill/>
+                </a:ln>
+                <a:solidFill>
+                  <a:srgbClr val="CC7832"/>
+                </a:solidFill>
+                <a:effectLst/>
+                <a:latin typeface="JetBrains Mono"/>
+              </a:rPr>
+              <a:t>;</a:t>
+            </a:r>
+            <a:br>
+              <a:rPr kumimoji="0" lang="en-US" altLang="en-US" sz="1000" b="0" i="0" u="none" strike="noStrike" cap="none" normalizeH="0" baseline="0">
+                <a:ln>
+                  <a:noFill/>
+                </a:ln>
+                <a:solidFill>
+                  <a:srgbClr val="CC7832"/>
+                </a:solidFill>
+                <a:effectLst/>
+                <a:latin typeface="JetBrains Mono"/>
+              </a:rPr>
+            </a:br>
+            <a:r>
+              <a:rPr kumimoji="0" lang="en-US" altLang="en-US" sz="1000" b="0" i="0" u="none" strike="noStrike" cap="none" normalizeH="0" baseline="0">
+                <a:ln>
+                  <a:noFill/>
+                </a:ln>
+                <a:solidFill>
+                  <a:srgbClr val="CC7832"/>
+                </a:solidFill>
+                <a:effectLst/>
+                <a:latin typeface="JetBrains Mono"/>
+              </a:rPr>
+              <a:t>    private double </a:t>
+            </a:r>
+            <a:r>
+              <a:rPr kumimoji="0" lang="en-US" altLang="en-US" sz="1000" b="0" i="0" u="none" strike="noStrike" cap="none" normalizeH="0" baseline="0">
+                <a:ln>
+                  <a:noFill/>
+                </a:ln>
+                <a:solidFill>
+                  <a:srgbClr val="A9B7C6"/>
+                </a:solidFill>
+                <a:effectLst/>
+                <a:latin typeface="JetBrains Mono"/>
+              </a:rPr>
+              <a:t>amount</a:t>
+            </a:r>
+            <a:r>
+              <a:rPr kumimoji="0" lang="en-US" altLang="en-US" sz="1000" b="0" i="0" u="none" strike="noStrike" cap="none" normalizeH="0" baseline="0">
+                <a:ln>
+                  <a:noFill/>
+                </a:ln>
+                <a:solidFill>
+                  <a:srgbClr val="CC7832"/>
+                </a:solidFill>
+                <a:effectLst/>
+                <a:latin typeface="JetBrains Mono"/>
+              </a:rPr>
+              <a:t>;</a:t>
+            </a:r>
+            <a:br>
+              <a:rPr kumimoji="0" lang="en-US" altLang="en-US" sz="1000" b="0" i="0" u="none" strike="noStrike" cap="none" normalizeH="0" baseline="0">
+                <a:ln>
+                  <a:noFill/>
+                </a:ln>
+                <a:solidFill>
+                  <a:srgbClr val="CC7832"/>
+                </a:solidFill>
+                <a:effectLst/>
+                <a:latin typeface="JetBrains Mono"/>
+              </a:rPr>
+            </a:br>
+            <a:r>
+              <a:rPr kumimoji="0" lang="en-US" altLang="en-US" sz="1000" b="0" i="0" u="none" strike="noStrike" cap="none" normalizeH="0" baseline="0">
+                <a:ln>
+                  <a:noFill/>
+                </a:ln>
+                <a:solidFill>
+                  <a:srgbClr val="CC7832"/>
+                </a:solidFill>
+                <a:effectLst/>
+                <a:latin typeface="JetBrains Mono"/>
+              </a:rPr>
+              <a:t>    </a:t>
+            </a:r>
+            <a:br>
+              <a:rPr kumimoji="0" lang="en-US" altLang="en-US" sz="1000" b="0" i="0" u="none" strike="noStrike" cap="none" normalizeH="0" baseline="0">
+                <a:ln>
+                  <a:noFill/>
+                </a:ln>
+                <a:solidFill>
+                  <a:srgbClr val="CC7832"/>
+                </a:solidFill>
+                <a:effectLst/>
+                <a:latin typeface="JetBrains Mono"/>
+              </a:rPr>
+            </a:br>
+            <a:r>
+              <a:rPr kumimoji="0" lang="en-US" altLang="en-US" sz="1000" b="0" i="0" u="none" strike="noStrike" cap="none" normalizeH="0" baseline="0">
+                <a:ln>
+                  <a:noFill/>
+                </a:ln>
+                <a:solidFill>
+                  <a:srgbClr val="CC7832"/>
+                </a:solidFill>
+                <a:effectLst/>
+                <a:latin typeface="JetBrains Mono"/>
+              </a:rPr>
+              <a:t>    public </a:t>
+            </a:r>
+            <a:r>
+              <a:rPr kumimoji="0" lang="en-US" altLang="en-US" sz="1000" b="0" i="0" u="none" strike="noStrike" cap="none" normalizeH="0" baseline="0">
+                <a:ln>
+                  <a:noFill/>
+                </a:ln>
+                <a:solidFill>
+                  <a:srgbClr val="A9B7C6"/>
+                </a:solidFill>
+                <a:effectLst/>
+                <a:latin typeface="JetBrains Mono"/>
+              </a:rPr>
+              <a:t>LoanCalc(</a:t>
+            </a:r>
+            <a:r>
+              <a:rPr kumimoji="0" lang="en-US" altLang="en-US" sz="1000" b="0" i="0" u="none" strike="noStrike" cap="none" normalizeH="0" baseline="0">
+                <a:ln>
+                  <a:noFill/>
+                </a:ln>
+                <a:solidFill>
+                  <a:srgbClr val="CC7832"/>
+                </a:solidFill>
+                <a:effectLst/>
+                <a:latin typeface="JetBrains Mono"/>
+              </a:rPr>
+              <a:t>int </a:t>
+            </a:r>
+            <a:r>
+              <a:rPr kumimoji="0" lang="en-US" altLang="en-US" sz="1000" b="0" i="0" u="none" strike="noStrike" cap="none" normalizeH="0" baseline="0">
+                <a:ln>
+                  <a:noFill/>
+                </a:ln>
+                <a:solidFill>
+                  <a:srgbClr val="A9B7C6"/>
+                </a:solidFill>
+                <a:effectLst/>
+                <a:latin typeface="JetBrains Mono"/>
+              </a:rPr>
+              <a:t>y</a:t>
+            </a:r>
+            <a:r>
+              <a:rPr kumimoji="0" lang="en-US" altLang="en-US" sz="1000" b="0" i="0" u="none" strike="noStrike" cap="none" normalizeH="0" baseline="0">
+                <a:ln>
+                  <a:noFill/>
+                </a:ln>
+                <a:solidFill>
+                  <a:srgbClr val="CC7832"/>
+                </a:solidFill>
+                <a:effectLst/>
+                <a:latin typeface="JetBrains Mono"/>
+              </a:rPr>
+              <a:t>,double </a:t>
+            </a:r>
+            <a:r>
+              <a:rPr kumimoji="0" lang="en-US" altLang="en-US" sz="1000" b="0" i="0" u="none" strike="noStrike" cap="none" normalizeH="0" baseline="0">
+                <a:ln>
+                  <a:noFill/>
+                </a:ln>
+                <a:solidFill>
+                  <a:srgbClr val="A9B7C6"/>
+                </a:solidFill>
+                <a:effectLst/>
+                <a:latin typeface="JetBrains Mono"/>
+              </a:rPr>
+              <a:t>r</a:t>
+            </a:r>
+            <a:r>
+              <a:rPr kumimoji="0" lang="en-US" altLang="en-US" sz="1000" b="0" i="0" u="none" strike="noStrike" cap="none" normalizeH="0" baseline="0">
+                <a:ln>
+                  <a:noFill/>
+                </a:ln>
+                <a:solidFill>
+                  <a:srgbClr val="CC7832"/>
+                </a:solidFill>
+                <a:effectLst/>
+                <a:latin typeface="JetBrains Mono"/>
+              </a:rPr>
+              <a:t>, double </a:t>
+            </a:r>
+            <a:r>
+              <a:rPr kumimoji="0" lang="en-US" altLang="en-US" sz="1000" b="0" i="0" u="none" strike="noStrike" cap="none" normalizeH="0" baseline="0">
+                <a:ln>
+                  <a:noFill/>
+                </a:ln>
+                <a:solidFill>
+                  <a:srgbClr val="A9B7C6"/>
+                </a:solidFill>
+                <a:effectLst/>
+                <a:latin typeface="JetBrains Mono"/>
+              </a:rPr>
+              <a:t>a){</a:t>
+            </a:r>
+            <a:br>
+              <a:rPr kumimoji="0" lang="en-US" altLang="en-US" sz="1000" b="0" i="0" u="none" strike="noStrike" cap="none" normalizeH="0" baseline="0">
+                <a:ln>
+                  <a:noFill/>
+                </a:ln>
+                <a:solidFill>
+                  <a:srgbClr val="A9B7C6"/>
+                </a:solidFill>
+                <a:effectLst/>
+                <a:latin typeface="JetBrains Mono"/>
+              </a:rPr>
+            </a:br>
+            <a:r>
+              <a:rPr kumimoji="0" lang="en-US" altLang="en-US" sz="1000" b="0" i="0" u="none" strike="noStrike" cap="none" normalizeH="0" baseline="0">
+                <a:ln>
+                  <a:noFill/>
+                </a:ln>
+                <a:solidFill>
+                  <a:srgbClr val="A9B7C6"/>
+                </a:solidFill>
+                <a:effectLst/>
+                <a:latin typeface="JetBrains Mono"/>
+              </a:rPr>
+              <a:t>      </a:t>
+            </a:r>
+            <a:r>
+              <a:rPr kumimoji="0" lang="en-US" altLang="en-US" sz="1000" b="0" i="0" u="none" strike="noStrike" cap="none" normalizeH="0" baseline="0">
+                <a:ln>
+                  <a:noFill/>
+                </a:ln>
+                <a:solidFill>
+                  <a:srgbClr val="CC7832"/>
+                </a:solidFill>
+                <a:effectLst/>
+                <a:latin typeface="JetBrains Mono"/>
+              </a:rPr>
+              <a:t>this</a:t>
+            </a:r>
+            <a:r>
+              <a:rPr kumimoji="0" lang="en-US" altLang="en-US" sz="1000" b="0" i="0" u="none" strike="noStrike" cap="none" normalizeH="0" baseline="0">
+                <a:ln>
+                  <a:noFill/>
+                </a:ln>
+                <a:solidFill>
+                  <a:srgbClr val="A9B7C6"/>
+                </a:solidFill>
+                <a:effectLst/>
+                <a:latin typeface="JetBrains Mono"/>
+              </a:rPr>
+              <a:t>.rate=r</a:t>
+            </a:r>
+            <a:r>
+              <a:rPr kumimoji="0" lang="en-US" altLang="en-US" sz="1000" b="0" i="0" u="none" strike="noStrike" cap="none" normalizeH="0" baseline="0">
+                <a:ln>
+                  <a:noFill/>
+                </a:ln>
+                <a:solidFill>
+                  <a:srgbClr val="CC7832"/>
+                </a:solidFill>
+                <a:effectLst/>
+                <a:latin typeface="JetBrains Mono"/>
+              </a:rPr>
+              <a:t>;</a:t>
+            </a:r>
+            <a:br>
+              <a:rPr kumimoji="0" lang="en-US" altLang="en-US" sz="1000" b="0" i="0" u="none" strike="noStrike" cap="none" normalizeH="0" baseline="0">
+                <a:ln>
+                  <a:noFill/>
+                </a:ln>
+                <a:solidFill>
+                  <a:srgbClr val="CC7832"/>
+                </a:solidFill>
+                <a:effectLst/>
+                <a:latin typeface="JetBrains Mono"/>
+              </a:rPr>
+            </a:br>
+            <a:r>
+              <a:rPr kumimoji="0" lang="en-US" altLang="en-US" sz="1000" b="0" i="0" u="none" strike="noStrike" cap="none" normalizeH="0" baseline="0">
+                <a:ln>
+                  <a:noFill/>
+                </a:ln>
+                <a:solidFill>
+                  <a:srgbClr val="CC7832"/>
+                </a:solidFill>
+                <a:effectLst/>
+                <a:latin typeface="JetBrains Mono"/>
+              </a:rPr>
+              <a:t>      this</a:t>
+            </a:r>
+            <a:r>
+              <a:rPr kumimoji="0" lang="en-US" altLang="en-US" sz="1000" b="0" i="0" u="none" strike="noStrike" cap="none" normalizeH="0" baseline="0">
+                <a:ln>
+                  <a:noFill/>
+                </a:ln>
+                <a:solidFill>
+                  <a:srgbClr val="A9B7C6"/>
+                </a:solidFill>
+                <a:effectLst/>
+                <a:latin typeface="JetBrains Mono"/>
+              </a:rPr>
+              <a:t>.amount=a</a:t>
+            </a:r>
+            <a:r>
+              <a:rPr kumimoji="0" lang="en-US" altLang="en-US" sz="1000" b="0" i="0" u="none" strike="noStrike" cap="none" normalizeH="0" baseline="0">
+                <a:ln>
+                  <a:noFill/>
+                </a:ln>
+                <a:solidFill>
+                  <a:srgbClr val="CC7832"/>
+                </a:solidFill>
+                <a:effectLst/>
+                <a:latin typeface="JetBrains Mono"/>
+              </a:rPr>
+              <a:t>;</a:t>
+            </a:r>
+            <a:br>
+              <a:rPr kumimoji="0" lang="en-US" altLang="en-US" sz="1000" b="0" i="0" u="none" strike="noStrike" cap="none" normalizeH="0" baseline="0">
+                <a:ln>
+                  <a:noFill/>
+                </a:ln>
+                <a:solidFill>
+                  <a:srgbClr val="CC7832"/>
+                </a:solidFill>
+                <a:effectLst/>
+                <a:latin typeface="JetBrains Mono"/>
+              </a:rPr>
+            </a:br>
+            <a:r>
+              <a:rPr kumimoji="0" lang="en-US" altLang="en-US" sz="1000" b="0" i="0" u="none" strike="noStrike" cap="none" normalizeH="0" baseline="0">
+                <a:ln>
+                  <a:noFill/>
+                </a:ln>
+                <a:solidFill>
+                  <a:srgbClr val="CC7832"/>
+                </a:solidFill>
+                <a:effectLst/>
+                <a:latin typeface="JetBrains Mono"/>
+              </a:rPr>
+              <a:t>      this</a:t>
+            </a:r>
+            <a:r>
+              <a:rPr kumimoji="0" lang="en-US" altLang="en-US" sz="1000" b="0" i="0" u="none" strike="noStrike" cap="none" normalizeH="0" baseline="0">
+                <a:ln>
+                  <a:noFill/>
+                </a:ln>
+                <a:solidFill>
+                  <a:srgbClr val="A9B7C6"/>
+                </a:solidFill>
+                <a:effectLst/>
+                <a:latin typeface="JetBrains Mono"/>
+              </a:rPr>
+              <a:t>.yrs=y</a:t>
+            </a:r>
+            <a:r>
+              <a:rPr kumimoji="0" lang="en-US" altLang="en-US" sz="1000" b="0" i="0" u="none" strike="noStrike" cap="none" normalizeH="0" baseline="0">
+                <a:ln>
+                  <a:noFill/>
+                </a:ln>
+                <a:solidFill>
+                  <a:srgbClr val="CC7832"/>
+                </a:solidFill>
+                <a:effectLst/>
+                <a:latin typeface="JetBrains Mono"/>
+              </a:rPr>
+              <a:t>;</a:t>
+            </a:r>
+            <a:br>
+              <a:rPr kumimoji="0" lang="en-US" altLang="en-US" sz="1000" b="0" i="0" u="none" strike="noStrike" cap="none" normalizeH="0" baseline="0">
+                <a:ln>
+                  <a:noFill/>
+                </a:ln>
+                <a:solidFill>
+                  <a:srgbClr val="CC7832"/>
+                </a:solidFill>
+                <a:effectLst/>
+                <a:latin typeface="JetBrains Mono"/>
+              </a:rPr>
+            </a:br>
+            <a:r>
+              <a:rPr kumimoji="0" lang="en-US" altLang="en-US" sz="1000" b="0" i="0" u="none" strike="noStrike" cap="none" normalizeH="0" baseline="0">
+                <a:ln>
+                  <a:noFill/>
+                </a:ln>
+                <a:solidFill>
+                  <a:srgbClr val="CC7832"/>
+                </a:solidFill>
+                <a:effectLst/>
+                <a:latin typeface="JetBrains Mono"/>
+              </a:rPr>
+              <a:t>    </a:t>
+            </a:r>
+            <a:r>
+              <a:rPr kumimoji="0" lang="en-US" altLang="en-US" sz="1000" b="0" i="0" u="none" strike="noStrike" cap="none" normalizeH="0" baseline="0">
+                <a:ln>
+                  <a:noFill/>
+                </a:ln>
+                <a:solidFill>
+                  <a:srgbClr val="A9B7C6"/>
+                </a:solidFill>
+                <a:effectLst/>
+                <a:latin typeface="JetBrains Mono"/>
+              </a:rPr>
+              <a:t>}</a:t>
+            </a:r>
+            <a:br>
+              <a:rPr kumimoji="0" lang="en-US" altLang="en-US" sz="1000" b="0" i="0" u="none" strike="noStrike" cap="none" normalizeH="0" baseline="0">
+                <a:ln>
+                  <a:noFill/>
+                </a:ln>
+                <a:solidFill>
+                  <a:srgbClr val="A9B7C6"/>
+                </a:solidFill>
+                <a:effectLst/>
+                <a:latin typeface="JetBrains Mono"/>
+              </a:rPr>
+            </a:br>
+            <a:br>
+              <a:rPr kumimoji="0" lang="en-US" altLang="en-US" sz="1000" b="0" i="0" u="none" strike="noStrike" cap="none" normalizeH="0" baseline="0">
+                <a:ln>
+                  <a:noFill/>
+                </a:ln>
+                <a:solidFill>
+                  <a:srgbClr val="A9B7C6"/>
+                </a:solidFill>
+                <a:effectLst/>
+                <a:latin typeface="JetBrains Mono"/>
+              </a:rPr>
+            </a:br>
+            <a:r>
+              <a:rPr kumimoji="0" lang="en-US" altLang="en-US" sz="1000" b="0" i="0" u="none" strike="noStrike" cap="none" normalizeH="0" baseline="0">
+                <a:ln>
+                  <a:noFill/>
+                </a:ln>
+                <a:solidFill>
+                  <a:srgbClr val="A9B7C6"/>
+                </a:solidFill>
+                <a:effectLst/>
+                <a:latin typeface="JetBrains Mono"/>
+              </a:rPr>
+              <a:t>    </a:t>
+            </a:r>
+            <a:r>
+              <a:rPr kumimoji="0" lang="en-US" altLang="en-US" sz="1000" b="0" i="0" u="none" strike="noStrike" cap="none" normalizeH="0" baseline="0">
+                <a:ln>
+                  <a:noFill/>
+                </a:ln>
+                <a:solidFill>
+                  <a:srgbClr val="CC7832"/>
+                </a:solidFill>
+                <a:effectLst/>
+                <a:latin typeface="JetBrains Mono"/>
+              </a:rPr>
+              <a:t>public double </a:t>
+            </a:r>
+            <a:r>
+              <a:rPr kumimoji="0" lang="en-US" altLang="en-US" sz="1000" b="0" i="0" u="none" strike="noStrike" cap="none" normalizeH="0" baseline="0">
+                <a:ln>
+                  <a:noFill/>
+                </a:ln>
+                <a:solidFill>
+                  <a:srgbClr val="A9B7C6"/>
+                </a:solidFill>
+                <a:effectLst/>
+                <a:latin typeface="JetBrains Mono"/>
+              </a:rPr>
+              <a:t>ammortize() {</a:t>
+            </a:r>
+            <a:br>
+              <a:rPr kumimoji="0" lang="en-US" altLang="en-US" sz="1000" b="0" i="0" u="none" strike="noStrike" cap="none" normalizeH="0" baseline="0">
+                <a:ln>
+                  <a:noFill/>
+                </a:ln>
+                <a:solidFill>
+                  <a:srgbClr val="A9B7C6"/>
+                </a:solidFill>
+                <a:effectLst/>
+                <a:latin typeface="JetBrains Mono"/>
+              </a:rPr>
+            </a:br>
+            <a:r>
+              <a:rPr kumimoji="0" lang="en-US" altLang="en-US" sz="1000" b="0" i="0" u="none" strike="noStrike" cap="none" normalizeH="0" baseline="0">
+                <a:ln>
+                  <a:noFill/>
+                </a:ln>
+                <a:solidFill>
+                  <a:srgbClr val="A9B7C6"/>
+                </a:solidFill>
+                <a:effectLst/>
+                <a:latin typeface="JetBrains Mono"/>
+              </a:rPr>
+              <a:t>        </a:t>
+            </a:r>
+            <a:r>
+              <a:rPr kumimoji="0" lang="en-US" altLang="en-US" sz="1000" b="0" i="0" u="none" strike="noStrike" cap="none" normalizeH="0" baseline="0">
+                <a:ln>
+                  <a:noFill/>
+                </a:ln>
+                <a:solidFill>
+                  <a:srgbClr val="CC7832"/>
+                </a:solidFill>
+                <a:effectLst/>
+                <a:latin typeface="JetBrains Mono"/>
+              </a:rPr>
+              <a:t>double </a:t>
+            </a:r>
+            <a:r>
+              <a:rPr kumimoji="0" lang="en-US" altLang="en-US" sz="1000" b="0" i="0" u="none" strike="noStrike" cap="none" normalizeH="0" baseline="0">
+                <a:ln>
+                  <a:noFill/>
+                </a:ln>
+                <a:solidFill>
+                  <a:srgbClr val="A9B7C6"/>
+                </a:solidFill>
+                <a:effectLst/>
+                <a:latin typeface="JetBrains Mono"/>
+              </a:rPr>
+              <a:t>r=rate/(</a:t>
+            </a:r>
+            <a:r>
+              <a:rPr kumimoji="0" lang="en-US" altLang="en-US" sz="1000" b="0" i="0" u="none" strike="noStrike" cap="none" normalizeH="0" baseline="0">
+                <a:ln>
+                  <a:noFill/>
+                </a:ln>
+                <a:solidFill>
+                  <a:srgbClr val="6897BB"/>
+                </a:solidFill>
+                <a:effectLst/>
+                <a:latin typeface="JetBrains Mono"/>
+              </a:rPr>
+              <a:t>100</a:t>
+            </a:r>
+            <a:r>
+              <a:rPr kumimoji="0" lang="en-US" altLang="en-US" sz="1000" b="0" i="0" u="none" strike="noStrike" cap="none" normalizeH="0" baseline="0">
+                <a:ln>
+                  <a:noFill/>
+                </a:ln>
+                <a:solidFill>
+                  <a:srgbClr val="A9B7C6"/>
+                </a:solidFill>
+                <a:effectLst/>
+                <a:latin typeface="JetBrains Mono"/>
+              </a:rPr>
+              <a:t>*</a:t>
+            </a:r>
+            <a:r>
+              <a:rPr kumimoji="0" lang="en-US" altLang="en-US" sz="1000" b="0" i="0" u="none" strike="noStrike" cap="none" normalizeH="0" baseline="0">
+                <a:ln>
+                  <a:noFill/>
+                </a:ln>
+                <a:solidFill>
+                  <a:srgbClr val="6897BB"/>
+                </a:solidFill>
+                <a:effectLst/>
+                <a:latin typeface="JetBrains Mono"/>
+              </a:rPr>
+              <a:t>12</a:t>
+            </a:r>
+            <a:r>
+              <a:rPr kumimoji="0" lang="en-US" altLang="en-US" sz="1000" b="0" i="0" u="none" strike="noStrike" cap="none" normalizeH="0" baseline="0">
+                <a:ln>
+                  <a:noFill/>
+                </a:ln>
+                <a:solidFill>
+                  <a:srgbClr val="A9B7C6"/>
+                </a:solidFill>
+                <a:effectLst/>
+                <a:latin typeface="JetBrains Mono"/>
+              </a:rPr>
+              <a:t>)</a:t>
+            </a:r>
+            <a:r>
+              <a:rPr kumimoji="0" lang="en-US" altLang="en-US" sz="1000" b="0" i="0" u="none" strike="noStrike" cap="none" normalizeH="0" baseline="0">
+                <a:ln>
+                  <a:noFill/>
+                </a:ln>
+                <a:solidFill>
+                  <a:srgbClr val="CC7832"/>
+                </a:solidFill>
+                <a:effectLst/>
+                <a:latin typeface="JetBrains Mono"/>
+              </a:rPr>
+              <a:t>;</a:t>
+            </a:r>
+            <a:br>
+              <a:rPr kumimoji="0" lang="en-US" altLang="en-US" sz="1000" b="0" i="0" u="none" strike="noStrike" cap="none" normalizeH="0" baseline="0">
+                <a:ln>
+                  <a:noFill/>
+                </a:ln>
+                <a:solidFill>
+                  <a:srgbClr val="CC7832"/>
+                </a:solidFill>
+                <a:effectLst/>
+                <a:latin typeface="JetBrains Mono"/>
+              </a:rPr>
+            </a:br>
+            <a:r>
+              <a:rPr kumimoji="0" lang="en-US" altLang="en-US" sz="1000" b="0" i="0" u="none" strike="noStrike" cap="none" normalizeH="0" baseline="0">
+                <a:ln>
+                  <a:noFill/>
+                </a:ln>
+                <a:solidFill>
+                  <a:srgbClr val="CC7832"/>
+                </a:solidFill>
+                <a:effectLst/>
+                <a:latin typeface="JetBrains Mono"/>
+              </a:rPr>
+              <a:t>        double </a:t>
+            </a:r>
+            <a:r>
+              <a:rPr kumimoji="0" lang="en-US" altLang="en-US" sz="1000" b="0" i="0" u="none" strike="noStrike" cap="none" normalizeH="0" baseline="0">
+                <a:ln>
+                  <a:noFill/>
+                </a:ln>
+                <a:solidFill>
+                  <a:srgbClr val="A9B7C6"/>
+                </a:solidFill>
+                <a:effectLst/>
+                <a:latin typeface="JetBrains Mono"/>
+              </a:rPr>
+              <a:t>n=yrs*</a:t>
+            </a:r>
+            <a:r>
+              <a:rPr kumimoji="0" lang="en-US" altLang="en-US" sz="1000" b="0" i="0" u="none" strike="noStrike" cap="none" normalizeH="0" baseline="0">
+                <a:ln>
+                  <a:noFill/>
+                </a:ln>
+                <a:solidFill>
+                  <a:srgbClr val="6897BB"/>
+                </a:solidFill>
+                <a:effectLst/>
+                <a:latin typeface="JetBrains Mono"/>
+              </a:rPr>
+              <a:t>12</a:t>
+            </a:r>
+            <a:r>
+              <a:rPr kumimoji="0" lang="en-US" altLang="en-US" sz="1000" b="0" i="0" u="none" strike="noStrike" cap="none" normalizeH="0" baseline="0">
+                <a:ln>
+                  <a:noFill/>
+                </a:ln>
+                <a:solidFill>
+                  <a:srgbClr val="CC7832"/>
+                </a:solidFill>
+                <a:effectLst/>
+                <a:latin typeface="JetBrains Mono"/>
+              </a:rPr>
+              <a:t>;</a:t>
+            </a:r>
+            <a:br>
+              <a:rPr kumimoji="0" lang="en-US" altLang="en-US" sz="1000" b="0" i="0" u="none" strike="noStrike" cap="none" normalizeH="0" baseline="0">
+                <a:ln>
+                  <a:noFill/>
+                </a:ln>
+                <a:solidFill>
+                  <a:srgbClr val="CC7832"/>
+                </a:solidFill>
+                <a:effectLst/>
+                <a:latin typeface="JetBrains Mono"/>
+              </a:rPr>
+            </a:br>
+            <a:r>
+              <a:rPr kumimoji="0" lang="en-US" altLang="en-US" sz="1000" b="0" i="0" u="none" strike="noStrike" cap="none" normalizeH="0" baseline="0">
+                <a:ln>
+                  <a:noFill/>
+                </a:ln>
+                <a:solidFill>
+                  <a:srgbClr val="CC7832"/>
+                </a:solidFill>
+                <a:effectLst/>
+                <a:latin typeface="JetBrains Mono"/>
+              </a:rPr>
+              <a:t>        double </a:t>
+            </a:r>
+            <a:r>
+              <a:rPr kumimoji="0" lang="en-US" altLang="en-US" sz="1000" b="0" i="0" u="none" strike="noStrike" cap="none" normalizeH="0" baseline="0">
+                <a:ln>
+                  <a:noFill/>
+                </a:ln>
+                <a:solidFill>
+                  <a:srgbClr val="A9B7C6"/>
+                </a:solidFill>
+                <a:effectLst/>
+                <a:latin typeface="JetBrains Mono"/>
+              </a:rPr>
+              <a:t>a=amount</a:t>
+            </a:r>
+            <a:r>
+              <a:rPr kumimoji="0" lang="en-US" altLang="en-US" sz="1000" b="0" i="0" u="none" strike="noStrike" cap="none" normalizeH="0" baseline="0">
+                <a:ln>
+                  <a:noFill/>
+                </a:ln>
+                <a:solidFill>
+                  <a:srgbClr val="CC7832"/>
+                </a:solidFill>
+                <a:effectLst/>
+                <a:latin typeface="JetBrains Mono"/>
+              </a:rPr>
+              <a:t>;</a:t>
+            </a:r>
+            <a:br>
+              <a:rPr kumimoji="0" lang="en-US" altLang="en-US" sz="1000" b="0" i="0" u="none" strike="noStrike" cap="none" normalizeH="0" baseline="0">
+                <a:ln>
+                  <a:noFill/>
+                </a:ln>
+                <a:solidFill>
+                  <a:srgbClr val="CC7832"/>
+                </a:solidFill>
+                <a:effectLst/>
+                <a:latin typeface="JetBrains Mono"/>
+              </a:rPr>
+            </a:br>
+            <a:r>
+              <a:rPr kumimoji="0" lang="en-US" altLang="en-US" sz="1000" b="0" i="0" u="none" strike="noStrike" cap="none" normalizeH="0" baseline="0">
+                <a:ln>
+                  <a:noFill/>
+                </a:ln>
+                <a:solidFill>
+                  <a:srgbClr val="CC7832"/>
+                </a:solidFill>
+                <a:effectLst/>
+                <a:latin typeface="JetBrains Mono"/>
+              </a:rPr>
+              <a:t>        double </a:t>
+            </a:r>
+            <a:r>
+              <a:rPr kumimoji="0" lang="en-US" altLang="en-US" sz="1000" b="0" i="0" u="none" strike="noStrike" cap="none" normalizeH="0" baseline="0">
+                <a:ln>
+                  <a:noFill/>
+                </a:ln>
+                <a:solidFill>
+                  <a:srgbClr val="A9B7C6"/>
+                </a:solidFill>
+                <a:effectLst/>
+                <a:latin typeface="JetBrains Mono"/>
+              </a:rPr>
+              <a:t>d = (Math.pow((</a:t>
+            </a:r>
+            <a:r>
+              <a:rPr kumimoji="0" lang="en-US" altLang="en-US" sz="1000" b="0" i="0" u="none" strike="noStrike" cap="none" normalizeH="0" baseline="0">
+                <a:ln>
+                  <a:noFill/>
+                </a:ln>
+                <a:solidFill>
+                  <a:srgbClr val="6897BB"/>
+                </a:solidFill>
+                <a:effectLst/>
+                <a:latin typeface="JetBrains Mono"/>
+              </a:rPr>
+              <a:t>1 </a:t>
+            </a:r>
+            <a:r>
+              <a:rPr kumimoji="0" lang="en-US" altLang="en-US" sz="1000" b="0" i="0" u="none" strike="noStrike" cap="none" normalizeH="0" baseline="0">
+                <a:ln>
+                  <a:noFill/>
+                </a:ln>
+                <a:solidFill>
+                  <a:srgbClr val="A9B7C6"/>
+                </a:solidFill>
+                <a:effectLst/>
+                <a:latin typeface="JetBrains Mono"/>
+              </a:rPr>
+              <a:t>+ r)</a:t>
+            </a:r>
+            <a:r>
+              <a:rPr kumimoji="0" lang="en-US" altLang="en-US" sz="1000" b="0" i="0" u="none" strike="noStrike" cap="none" normalizeH="0" baseline="0">
+                <a:ln>
+                  <a:noFill/>
+                </a:ln>
+                <a:solidFill>
+                  <a:srgbClr val="CC7832"/>
+                </a:solidFill>
+                <a:effectLst/>
+                <a:latin typeface="JetBrains Mono"/>
+              </a:rPr>
+              <a:t>,</a:t>
+            </a:r>
+            <a:r>
+              <a:rPr kumimoji="0" lang="en-US" altLang="en-US" sz="1000" b="0" i="0" u="none" strike="noStrike" cap="none" normalizeH="0" baseline="0">
+                <a:ln>
+                  <a:noFill/>
+                </a:ln>
+                <a:solidFill>
+                  <a:srgbClr val="A9B7C6"/>
+                </a:solidFill>
+                <a:effectLst/>
+                <a:latin typeface="JetBrains Mono"/>
+              </a:rPr>
+              <a:t>n)- </a:t>
+            </a:r>
+            <a:r>
+              <a:rPr kumimoji="0" lang="en-US" altLang="en-US" sz="1000" b="0" i="0" u="none" strike="noStrike" cap="none" normalizeH="0" baseline="0">
+                <a:ln>
+                  <a:noFill/>
+                </a:ln>
+                <a:solidFill>
+                  <a:srgbClr val="6897BB"/>
+                </a:solidFill>
+                <a:effectLst/>
+                <a:latin typeface="JetBrains Mono"/>
+              </a:rPr>
+              <a:t>1</a:t>
+            </a:r>
+            <a:r>
+              <a:rPr kumimoji="0" lang="en-US" altLang="en-US" sz="1000" b="0" i="0" u="none" strike="noStrike" cap="none" normalizeH="0" baseline="0">
+                <a:ln>
+                  <a:noFill/>
+                </a:ln>
+                <a:solidFill>
+                  <a:srgbClr val="A9B7C6"/>
+                </a:solidFill>
+                <a:effectLst/>
+                <a:latin typeface="JetBrains Mono"/>
+              </a:rPr>
+              <a:t>)/ (r*Math.pow((</a:t>
+            </a:r>
+            <a:r>
+              <a:rPr kumimoji="0" lang="en-US" altLang="en-US" sz="1000" b="0" i="0" u="none" strike="noStrike" cap="none" normalizeH="0" baseline="0">
+                <a:ln>
+                  <a:noFill/>
+                </a:ln>
+                <a:solidFill>
+                  <a:srgbClr val="6897BB"/>
+                </a:solidFill>
+                <a:effectLst/>
+                <a:latin typeface="JetBrains Mono"/>
+              </a:rPr>
+              <a:t>1 </a:t>
+            </a:r>
+            <a:r>
+              <a:rPr kumimoji="0" lang="en-US" altLang="en-US" sz="1000" b="0" i="0" u="none" strike="noStrike" cap="none" normalizeH="0" baseline="0">
+                <a:ln>
+                  <a:noFill/>
+                </a:ln>
+                <a:solidFill>
+                  <a:srgbClr val="A9B7C6"/>
+                </a:solidFill>
+                <a:effectLst/>
+                <a:latin typeface="JetBrains Mono"/>
+              </a:rPr>
+              <a:t>+ r)</a:t>
+            </a:r>
+            <a:r>
+              <a:rPr kumimoji="0" lang="en-US" altLang="en-US" sz="1000" b="0" i="0" u="none" strike="noStrike" cap="none" normalizeH="0" baseline="0">
+                <a:ln>
+                  <a:noFill/>
+                </a:ln>
+                <a:solidFill>
+                  <a:srgbClr val="CC7832"/>
+                </a:solidFill>
+                <a:effectLst/>
+                <a:latin typeface="JetBrains Mono"/>
+              </a:rPr>
+              <a:t>,</a:t>
+            </a:r>
+            <a:r>
+              <a:rPr kumimoji="0" lang="en-US" altLang="en-US" sz="1000" b="0" i="0" u="none" strike="noStrike" cap="none" normalizeH="0" baseline="0">
+                <a:ln>
+                  <a:noFill/>
+                </a:ln>
+                <a:solidFill>
+                  <a:srgbClr val="A9B7C6"/>
+                </a:solidFill>
+                <a:effectLst/>
+                <a:latin typeface="JetBrains Mono"/>
+              </a:rPr>
+              <a:t>n))</a:t>
+            </a:r>
+            <a:r>
+              <a:rPr kumimoji="0" lang="en-US" altLang="en-US" sz="1000" b="0" i="0" u="none" strike="noStrike" cap="none" normalizeH="0" baseline="0">
+                <a:ln>
+                  <a:noFill/>
+                </a:ln>
+                <a:solidFill>
+                  <a:srgbClr val="CC7832"/>
+                </a:solidFill>
+                <a:effectLst/>
+                <a:latin typeface="JetBrains Mono"/>
+              </a:rPr>
+              <a:t>;</a:t>
+            </a:r>
+            <a:br>
+              <a:rPr kumimoji="0" lang="en-US" altLang="en-US" sz="1000" b="0" i="0" u="none" strike="noStrike" cap="none" normalizeH="0" baseline="0">
+                <a:ln>
+                  <a:noFill/>
+                </a:ln>
+                <a:solidFill>
+                  <a:srgbClr val="CC7832"/>
+                </a:solidFill>
+                <a:effectLst/>
+                <a:latin typeface="JetBrains Mono"/>
+              </a:rPr>
+            </a:br>
+            <a:r>
+              <a:rPr kumimoji="0" lang="en-US" altLang="en-US" sz="1000" b="0" i="0" u="none" strike="noStrike" cap="none" normalizeH="0" baseline="0">
+                <a:ln>
+                  <a:noFill/>
+                </a:ln>
+                <a:solidFill>
+                  <a:srgbClr val="CC7832"/>
+                </a:solidFill>
+                <a:effectLst/>
+                <a:latin typeface="JetBrains Mono"/>
+              </a:rPr>
+              <a:t>        return </a:t>
+            </a:r>
+            <a:r>
+              <a:rPr kumimoji="0" lang="en-US" altLang="en-US" sz="1000" b="0" i="0" u="none" strike="noStrike" cap="none" normalizeH="0" baseline="0">
+                <a:ln>
+                  <a:noFill/>
+                </a:ln>
+                <a:solidFill>
+                  <a:srgbClr val="A9B7C6"/>
+                </a:solidFill>
+                <a:effectLst/>
+                <a:latin typeface="JetBrains Mono"/>
+              </a:rPr>
+              <a:t>a/d </a:t>
+            </a:r>
+            <a:r>
+              <a:rPr kumimoji="0" lang="en-US" altLang="en-US" sz="1000" b="0" i="0" u="none" strike="noStrike" cap="none" normalizeH="0" baseline="0">
+                <a:ln>
+                  <a:noFill/>
+                </a:ln>
+                <a:solidFill>
+                  <a:srgbClr val="CC7832"/>
+                </a:solidFill>
+                <a:effectLst/>
+                <a:latin typeface="JetBrains Mono"/>
+              </a:rPr>
+              <a:t>;</a:t>
+            </a:r>
+            <a:br>
+              <a:rPr kumimoji="0" lang="en-US" altLang="en-US" sz="1000" b="0" i="0" u="none" strike="noStrike" cap="none" normalizeH="0" baseline="0">
+                <a:ln>
+                  <a:noFill/>
+                </a:ln>
+                <a:solidFill>
+                  <a:srgbClr val="CC7832"/>
+                </a:solidFill>
+                <a:effectLst/>
+                <a:latin typeface="JetBrains Mono"/>
+              </a:rPr>
+            </a:br>
+            <a:r>
+              <a:rPr kumimoji="0" lang="en-US" altLang="en-US" sz="1000" b="0" i="0" u="none" strike="noStrike" cap="none" normalizeH="0" baseline="0">
+                <a:ln>
+                  <a:noFill/>
+                </a:ln>
+                <a:solidFill>
+                  <a:srgbClr val="CC7832"/>
+                </a:solidFill>
+                <a:effectLst/>
+                <a:latin typeface="JetBrains Mono"/>
+              </a:rPr>
+              <a:t>    </a:t>
+            </a:r>
+            <a:r>
+              <a:rPr kumimoji="0" lang="en-US" altLang="en-US" sz="1000" b="0" i="0" u="none" strike="noStrike" cap="none" normalizeH="0" baseline="0">
+                <a:ln>
+                  <a:noFill/>
+                </a:ln>
+                <a:solidFill>
+                  <a:srgbClr val="A9B7C6"/>
+                </a:solidFill>
+                <a:effectLst/>
+                <a:latin typeface="JetBrains Mono"/>
+              </a:rPr>
+              <a:t>}</a:t>
+            </a:r>
+            <a:br>
+              <a:rPr kumimoji="0" lang="en-US" altLang="en-US" sz="1000" b="0" i="0" u="none" strike="noStrike" cap="none" normalizeH="0" baseline="0">
+                <a:ln>
+                  <a:noFill/>
+                </a:ln>
+                <a:solidFill>
+                  <a:srgbClr val="A9B7C6"/>
+                </a:solidFill>
+                <a:effectLst/>
+                <a:latin typeface="JetBrains Mono"/>
+              </a:rPr>
+            </a:br>
+            <a:br>
+              <a:rPr kumimoji="0" lang="en-US" altLang="en-US" sz="1000" b="0" i="0" u="none" strike="noStrike" cap="none" normalizeH="0" baseline="0">
+                <a:ln>
+                  <a:noFill/>
+                </a:ln>
+                <a:solidFill>
+                  <a:srgbClr val="A9B7C6"/>
+                </a:solidFill>
+                <a:effectLst/>
+                <a:latin typeface="JetBrains Mono"/>
+              </a:rPr>
+            </a:br>
+            <a:r>
+              <a:rPr kumimoji="0" lang="en-US" altLang="en-US" sz="1000" b="0" i="0" u="none" strike="noStrike" cap="none" normalizeH="0" baseline="0">
+                <a:ln>
+                  <a:noFill/>
+                </a:ln>
+                <a:solidFill>
+                  <a:srgbClr val="A9B7C6"/>
+                </a:solidFill>
+                <a:effectLst/>
+                <a:latin typeface="JetBrains Mono"/>
+              </a:rPr>
+              <a:t>    </a:t>
+            </a:r>
+            <a:r>
+              <a:rPr kumimoji="0" lang="en-US" altLang="en-US" sz="1000" b="0" i="0" u="none" strike="noStrike" cap="none" normalizeH="0" baseline="0">
+                <a:ln>
+                  <a:noFill/>
+                </a:ln>
+                <a:solidFill>
+                  <a:srgbClr val="CC7832"/>
+                </a:solidFill>
+                <a:effectLst/>
+                <a:latin typeface="JetBrains Mono"/>
+              </a:rPr>
+              <a:t>public static void </a:t>
+            </a:r>
+            <a:r>
+              <a:rPr kumimoji="0" lang="en-US" altLang="en-US" sz="1000" b="0" i="0" u="none" strike="noStrike" cap="none" normalizeH="0" baseline="0">
+                <a:ln>
+                  <a:noFill/>
+                </a:ln>
+                <a:solidFill>
+                  <a:srgbClr val="A9B7C6"/>
+                </a:solidFill>
+                <a:effectLst/>
+                <a:latin typeface="JetBrains Mono"/>
+              </a:rPr>
+              <a:t>main(String ar[]){</a:t>
+            </a:r>
+            <a:br>
+              <a:rPr kumimoji="0" lang="en-US" altLang="en-US" sz="1000" b="0" i="0" u="none" strike="noStrike" cap="none" normalizeH="0" baseline="0">
+                <a:ln>
+                  <a:noFill/>
+                </a:ln>
+                <a:solidFill>
+                  <a:srgbClr val="A9B7C6"/>
+                </a:solidFill>
+                <a:effectLst/>
+                <a:latin typeface="JetBrains Mono"/>
+              </a:rPr>
+            </a:br>
+            <a:r>
+              <a:rPr kumimoji="0" lang="en-US" altLang="en-US" sz="1000" b="0" i="0" u="none" strike="noStrike" cap="none" normalizeH="0" baseline="0">
+                <a:ln>
+                  <a:noFill/>
+                </a:ln>
+                <a:solidFill>
+                  <a:srgbClr val="A9B7C6"/>
+                </a:solidFill>
+                <a:effectLst/>
+                <a:latin typeface="JetBrains Mono"/>
+              </a:rPr>
+              <a:t>        </a:t>
+            </a:r>
+            <a:r>
+              <a:rPr kumimoji="0" lang="en-US" altLang="en-US" sz="1000" b="0" i="0" u="none" strike="noStrike" cap="none" normalizeH="0" baseline="0">
+                <a:ln>
+                  <a:noFill/>
+                </a:ln>
+                <a:solidFill>
+                  <a:srgbClr val="CC7832"/>
+                </a:solidFill>
+                <a:effectLst/>
+                <a:latin typeface="JetBrains Mono"/>
+              </a:rPr>
+              <a:t>int </a:t>
+            </a:r>
+            <a:r>
+              <a:rPr kumimoji="0" lang="en-US" altLang="en-US" sz="1000" b="0" i="0" u="none" strike="noStrike" cap="none" normalizeH="0" baseline="0">
+                <a:ln>
+                  <a:noFill/>
+                </a:ln>
+                <a:solidFill>
+                  <a:srgbClr val="A9B7C6"/>
+                </a:solidFill>
+                <a:effectLst/>
+                <a:latin typeface="JetBrains Mono"/>
+              </a:rPr>
+              <a:t>y=</a:t>
+            </a:r>
+            <a:r>
+              <a:rPr kumimoji="0" lang="en-US" altLang="en-US" sz="1000" b="0" i="0" u="none" strike="noStrike" cap="none" normalizeH="0" baseline="0">
+                <a:ln>
+                  <a:noFill/>
+                </a:ln>
+                <a:solidFill>
+                  <a:srgbClr val="6897BB"/>
+                </a:solidFill>
+                <a:effectLst/>
+                <a:latin typeface="JetBrains Mono"/>
+              </a:rPr>
+              <a:t>7</a:t>
+            </a:r>
+            <a:r>
+              <a:rPr kumimoji="0" lang="en-US" altLang="en-US" sz="1000" b="0" i="0" u="none" strike="noStrike" cap="none" normalizeH="0" baseline="0">
+                <a:ln>
+                  <a:noFill/>
+                </a:ln>
+                <a:solidFill>
+                  <a:srgbClr val="CC7832"/>
+                </a:solidFill>
+                <a:effectLst/>
+                <a:latin typeface="JetBrains Mono"/>
+              </a:rPr>
+              <a:t>;int </a:t>
+            </a:r>
+            <a:r>
+              <a:rPr kumimoji="0" lang="en-US" altLang="en-US" sz="1000" b="0" i="0" u="none" strike="noStrike" cap="none" normalizeH="0" baseline="0">
+                <a:ln>
+                  <a:noFill/>
+                </a:ln>
+                <a:solidFill>
+                  <a:srgbClr val="A9B7C6"/>
+                </a:solidFill>
+                <a:effectLst/>
+                <a:latin typeface="JetBrains Mono"/>
+              </a:rPr>
+              <a:t>r=</a:t>
+            </a:r>
+            <a:r>
+              <a:rPr kumimoji="0" lang="en-US" altLang="en-US" sz="1000" b="0" i="0" u="none" strike="noStrike" cap="none" normalizeH="0" baseline="0">
+                <a:ln>
+                  <a:noFill/>
+                </a:ln>
+                <a:solidFill>
+                  <a:srgbClr val="6897BB"/>
+                </a:solidFill>
+                <a:effectLst/>
+                <a:latin typeface="JetBrains Mono"/>
+              </a:rPr>
+              <a:t>3</a:t>
+            </a:r>
+            <a:r>
+              <a:rPr kumimoji="0" lang="en-US" altLang="en-US" sz="1000" b="0" i="0" u="none" strike="noStrike" cap="none" normalizeH="0" baseline="0">
+                <a:ln>
+                  <a:noFill/>
+                </a:ln>
+                <a:solidFill>
+                  <a:srgbClr val="CC7832"/>
+                </a:solidFill>
+                <a:effectLst/>
+                <a:latin typeface="JetBrains Mono"/>
+              </a:rPr>
+              <a:t>;double </a:t>
+            </a:r>
+            <a:r>
+              <a:rPr kumimoji="0" lang="en-US" altLang="en-US" sz="1000" b="0" i="0" u="none" strike="noStrike" cap="none" normalizeH="0" baseline="0">
+                <a:ln>
+                  <a:noFill/>
+                </a:ln>
+                <a:solidFill>
+                  <a:srgbClr val="A9B7C6"/>
+                </a:solidFill>
+                <a:effectLst/>
+                <a:latin typeface="JetBrains Mono"/>
+              </a:rPr>
+              <a:t>a=</a:t>
+            </a:r>
+            <a:r>
+              <a:rPr kumimoji="0" lang="en-US" altLang="en-US" sz="1000" b="0" i="0" u="none" strike="noStrike" cap="none" normalizeH="0" baseline="0">
+                <a:ln>
+                  <a:noFill/>
+                </a:ln>
+                <a:solidFill>
+                  <a:srgbClr val="6897BB"/>
+                </a:solidFill>
+                <a:effectLst/>
+                <a:latin typeface="JetBrains Mono"/>
+              </a:rPr>
+              <a:t>10000</a:t>
+            </a:r>
+            <a:r>
+              <a:rPr kumimoji="0" lang="en-US" altLang="en-US" sz="1000" b="0" i="0" u="none" strike="noStrike" cap="none" normalizeH="0" baseline="0">
+                <a:ln>
+                  <a:noFill/>
+                </a:ln>
+                <a:solidFill>
+                  <a:srgbClr val="CC7832"/>
+                </a:solidFill>
+                <a:effectLst/>
+                <a:latin typeface="JetBrains Mono"/>
+              </a:rPr>
+              <a:t>;</a:t>
+            </a:r>
+            <a:br>
+              <a:rPr kumimoji="0" lang="en-US" altLang="en-US" sz="1000" b="0" i="0" u="none" strike="noStrike" cap="none" normalizeH="0" baseline="0">
+                <a:ln>
+                  <a:noFill/>
+                </a:ln>
+                <a:solidFill>
+                  <a:srgbClr val="CC7832"/>
+                </a:solidFill>
+                <a:effectLst/>
+                <a:latin typeface="JetBrains Mono"/>
+              </a:rPr>
+            </a:br>
+            <a:r>
+              <a:rPr kumimoji="0" lang="en-US" altLang="en-US" sz="1000" b="0" i="0" u="none" strike="noStrike" cap="none" normalizeH="0" baseline="0">
+                <a:ln>
+                  <a:noFill/>
+                </a:ln>
+                <a:solidFill>
+                  <a:srgbClr val="CC7832"/>
+                </a:solidFill>
+                <a:effectLst/>
+                <a:latin typeface="JetBrains Mono"/>
+              </a:rPr>
+              <a:t>        </a:t>
+            </a:r>
+            <a:r>
+              <a:rPr kumimoji="0" lang="en-US" altLang="en-US" sz="1000" b="0" i="0" u="none" strike="noStrike" cap="none" normalizeH="0" baseline="0">
+                <a:ln>
+                  <a:noFill/>
+                </a:ln>
+                <a:solidFill>
+                  <a:srgbClr val="A9B7C6"/>
+                </a:solidFill>
+                <a:effectLst/>
+                <a:latin typeface="JetBrains Mono"/>
+              </a:rPr>
+              <a:t>LoanCalc carloan=</a:t>
+            </a:r>
+            <a:r>
+              <a:rPr kumimoji="0" lang="en-US" altLang="en-US" sz="1000" b="0" i="0" u="none" strike="noStrike" cap="none" normalizeH="0" baseline="0">
+                <a:ln>
+                  <a:noFill/>
+                </a:ln>
+                <a:solidFill>
+                  <a:srgbClr val="CC7832"/>
+                </a:solidFill>
+                <a:effectLst/>
+                <a:latin typeface="JetBrains Mono"/>
+              </a:rPr>
+              <a:t>new </a:t>
+            </a:r>
+            <a:r>
+              <a:rPr kumimoji="0" lang="en-US" altLang="en-US" sz="1000" b="0" i="0" u="none" strike="noStrike" cap="none" normalizeH="0" baseline="0">
+                <a:ln>
+                  <a:noFill/>
+                </a:ln>
+                <a:solidFill>
+                  <a:srgbClr val="A9B7C6"/>
+                </a:solidFill>
+                <a:effectLst/>
+                <a:latin typeface="JetBrains Mono"/>
+              </a:rPr>
+              <a:t>LoanCalc(y</a:t>
+            </a:r>
+            <a:r>
+              <a:rPr kumimoji="0" lang="en-US" altLang="en-US" sz="1000" b="0" i="0" u="none" strike="noStrike" cap="none" normalizeH="0" baseline="0">
+                <a:ln>
+                  <a:noFill/>
+                </a:ln>
+                <a:solidFill>
+                  <a:srgbClr val="CC7832"/>
+                </a:solidFill>
+                <a:effectLst/>
+                <a:latin typeface="JetBrains Mono"/>
+              </a:rPr>
+              <a:t>,</a:t>
+            </a:r>
+            <a:r>
+              <a:rPr kumimoji="0" lang="en-US" altLang="en-US" sz="1000" b="0" i="0" u="none" strike="noStrike" cap="none" normalizeH="0" baseline="0">
+                <a:ln>
+                  <a:noFill/>
+                </a:ln>
+                <a:solidFill>
+                  <a:srgbClr val="A9B7C6"/>
+                </a:solidFill>
+                <a:effectLst/>
+                <a:latin typeface="JetBrains Mono"/>
+              </a:rPr>
+              <a:t>r</a:t>
+            </a:r>
+            <a:r>
+              <a:rPr kumimoji="0" lang="en-US" altLang="en-US" sz="1000" b="0" i="0" u="none" strike="noStrike" cap="none" normalizeH="0" baseline="0">
+                <a:ln>
+                  <a:noFill/>
+                </a:ln>
+                <a:solidFill>
+                  <a:srgbClr val="CC7832"/>
+                </a:solidFill>
+                <a:effectLst/>
+                <a:latin typeface="JetBrains Mono"/>
+              </a:rPr>
+              <a:t>,</a:t>
+            </a:r>
+            <a:r>
+              <a:rPr kumimoji="0" lang="en-US" altLang="en-US" sz="1000" b="0" i="0" u="none" strike="noStrike" cap="none" normalizeH="0" baseline="0">
+                <a:ln>
+                  <a:noFill/>
+                </a:ln>
+                <a:solidFill>
+                  <a:srgbClr val="A9B7C6"/>
+                </a:solidFill>
+                <a:effectLst/>
+                <a:latin typeface="JetBrains Mono"/>
+              </a:rPr>
+              <a:t>a)</a:t>
+            </a:r>
+            <a:r>
+              <a:rPr kumimoji="0" lang="en-US" altLang="en-US" sz="1000" b="0" i="0" u="none" strike="noStrike" cap="none" normalizeH="0" baseline="0">
+                <a:ln>
+                  <a:noFill/>
+                </a:ln>
+                <a:solidFill>
+                  <a:srgbClr val="CC7832"/>
+                </a:solidFill>
+                <a:effectLst/>
+                <a:latin typeface="JetBrains Mono"/>
+              </a:rPr>
+              <a:t>;</a:t>
+            </a:r>
+            <a:br>
+              <a:rPr kumimoji="0" lang="en-US" altLang="en-US" sz="1000" b="0" i="0" u="none" strike="noStrike" cap="none" normalizeH="0" baseline="0">
+                <a:ln>
+                  <a:noFill/>
+                </a:ln>
+                <a:solidFill>
+                  <a:srgbClr val="CC7832"/>
+                </a:solidFill>
+                <a:effectLst/>
+                <a:latin typeface="JetBrains Mono"/>
+              </a:rPr>
+            </a:br>
+            <a:r>
+              <a:rPr kumimoji="0" lang="en-US" altLang="en-US" sz="1000" b="0" i="0" u="none" strike="noStrike" cap="none" normalizeH="0" baseline="0">
+                <a:ln>
+                  <a:noFill/>
+                </a:ln>
+                <a:solidFill>
+                  <a:srgbClr val="CC7832"/>
+                </a:solidFill>
+                <a:effectLst/>
+                <a:latin typeface="JetBrains Mono"/>
+              </a:rPr>
+              <a:t>        double </a:t>
+            </a:r>
+            <a:r>
+              <a:rPr kumimoji="0" lang="en-US" altLang="en-US" sz="1000" b="0" i="0" u="none" strike="noStrike" cap="none" normalizeH="0" baseline="0">
+                <a:ln>
+                  <a:noFill/>
+                </a:ln>
+                <a:solidFill>
+                  <a:srgbClr val="A9B7C6"/>
+                </a:solidFill>
+                <a:effectLst/>
+                <a:latin typeface="JetBrains Mono"/>
+              </a:rPr>
+              <a:t>p=carloan.ammortize()</a:t>
+            </a:r>
+            <a:r>
+              <a:rPr kumimoji="0" lang="en-US" altLang="en-US" sz="1000" b="0" i="0" u="none" strike="noStrike" cap="none" normalizeH="0" baseline="0">
+                <a:ln>
+                  <a:noFill/>
+                </a:ln>
+                <a:solidFill>
+                  <a:srgbClr val="CC7832"/>
+                </a:solidFill>
+                <a:effectLst/>
+                <a:latin typeface="JetBrains Mono"/>
+              </a:rPr>
+              <a:t>;</a:t>
+            </a:r>
+            <a:br>
+              <a:rPr kumimoji="0" lang="en-US" altLang="en-US" sz="1000" b="0" i="0" u="none" strike="noStrike" cap="none" normalizeH="0" baseline="0">
+                <a:ln>
+                  <a:noFill/>
+                </a:ln>
+                <a:solidFill>
+                  <a:srgbClr val="CC7832"/>
+                </a:solidFill>
+                <a:effectLst/>
+                <a:latin typeface="JetBrains Mono"/>
+              </a:rPr>
+            </a:br>
+            <a:r>
+              <a:rPr kumimoji="0" lang="en-US" altLang="en-US" sz="1000" b="0" i="0" u="none" strike="noStrike" cap="none" normalizeH="0" baseline="0">
+                <a:ln>
+                  <a:noFill/>
+                </a:ln>
+                <a:solidFill>
+                  <a:srgbClr val="CC7832"/>
+                </a:solidFill>
+                <a:effectLst/>
+                <a:latin typeface="JetBrains Mono"/>
+              </a:rPr>
+              <a:t>        </a:t>
+            </a:r>
+            <a:r>
+              <a:rPr kumimoji="0" lang="en-US" altLang="en-US" sz="1000" b="0" i="0" u="none" strike="noStrike" cap="none" normalizeH="0" baseline="0">
+                <a:ln>
+                  <a:noFill/>
+                </a:ln>
+                <a:solidFill>
+                  <a:srgbClr val="A9B7C6"/>
+                </a:solidFill>
+                <a:effectLst/>
+                <a:latin typeface="JetBrains Mono"/>
+              </a:rPr>
+              <a:t>System.out.println(String.format(</a:t>
+            </a:r>
+            <a:r>
+              <a:rPr kumimoji="0" lang="en-US" altLang="en-US" sz="1000" b="0" i="0" u="none" strike="noStrike" cap="none" normalizeH="0" baseline="0">
+                <a:ln>
+                  <a:noFill/>
+                </a:ln>
+                <a:solidFill>
+                  <a:srgbClr val="6A8759"/>
+                </a:solidFill>
+                <a:effectLst/>
+                <a:latin typeface="JetBrains Mono"/>
+              </a:rPr>
+              <a:t>"monthly paymets on %3.2f for %dyrs at %d%% is %3.2f"</a:t>
+            </a:r>
+            <a:r>
+              <a:rPr kumimoji="0" lang="en-US" altLang="en-US" sz="1000" b="0" i="0" u="none" strike="noStrike" cap="none" normalizeH="0" baseline="0">
+                <a:ln>
+                  <a:noFill/>
+                </a:ln>
+                <a:solidFill>
+                  <a:srgbClr val="CC7832"/>
+                </a:solidFill>
+                <a:effectLst/>
+                <a:latin typeface="JetBrains Mono"/>
+              </a:rPr>
+              <a:t>,</a:t>
+            </a:r>
+            <a:r>
+              <a:rPr kumimoji="0" lang="en-US" altLang="en-US" sz="1000" b="0" i="0" u="none" strike="noStrike" cap="none" normalizeH="0" baseline="0">
+                <a:ln>
+                  <a:noFill/>
+                </a:ln>
+                <a:solidFill>
+                  <a:srgbClr val="A9B7C6"/>
+                </a:solidFill>
+                <a:effectLst/>
+                <a:latin typeface="JetBrains Mono"/>
+              </a:rPr>
+              <a:t>a</a:t>
+            </a:r>
+            <a:r>
+              <a:rPr kumimoji="0" lang="en-US" altLang="en-US" sz="1000" b="0" i="0" u="none" strike="noStrike" cap="none" normalizeH="0" baseline="0">
+                <a:ln>
+                  <a:noFill/>
+                </a:ln>
+                <a:solidFill>
+                  <a:srgbClr val="CC7832"/>
+                </a:solidFill>
+                <a:effectLst/>
+                <a:latin typeface="JetBrains Mono"/>
+              </a:rPr>
+              <a:t>,</a:t>
+            </a:r>
+            <a:r>
+              <a:rPr kumimoji="0" lang="en-US" altLang="en-US" sz="1000" b="0" i="0" u="none" strike="noStrike" cap="none" normalizeH="0" baseline="0">
+                <a:ln>
+                  <a:noFill/>
+                </a:ln>
+                <a:solidFill>
+                  <a:srgbClr val="A9B7C6"/>
+                </a:solidFill>
+                <a:effectLst/>
+                <a:latin typeface="JetBrains Mono"/>
+              </a:rPr>
+              <a:t>y</a:t>
+            </a:r>
+            <a:r>
+              <a:rPr kumimoji="0" lang="en-US" altLang="en-US" sz="1000" b="0" i="0" u="none" strike="noStrike" cap="none" normalizeH="0" baseline="0">
+                <a:ln>
+                  <a:noFill/>
+                </a:ln>
+                <a:solidFill>
+                  <a:srgbClr val="CC7832"/>
+                </a:solidFill>
+                <a:effectLst/>
+                <a:latin typeface="JetBrains Mono"/>
+              </a:rPr>
+              <a:t>,</a:t>
+            </a:r>
+            <a:r>
+              <a:rPr kumimoji="0" lang="en-US" altLang="en-US" sz="1000" b="0" i="0" u="none" strike="noStrike" cap="none" normalizeH="0" baseline="0">
+                <a:ln>
+                  <a:noFill/>
+                </a:ln>
+                <a:solidFill>
+                  <a:srgbClr val="A9B7C6"/>
+                </a:solidFill>
+                <a:effectLst/>
+                <a:latin typeface="JetBrains Mono"/>
+              </a:rPr>
+              <a:t>r</a:t>
+            </a:r>
+            <a:r>
+              <a:rPr kumimoji="0" lang="en-US" altLang="en-US" sz="1000" b="0" i="0" u="none" strike="noStrike" cap="none" normalizeH="0" baseline="0">
+                <a:ln>
+                  <a:noFill/>
+                </a:ln>
+                <a:solidFill>
+                  <a:srgbClr val="CC7832"/>
+                </a:solidFill>
+                <a:effectLst/>
+                <a:latin typeface="JetBrains Mono"/>
+              </a:rPr>
+              <a:t>,</a:t>
+            </a:r>
+            <a:r>
+              <a:rPr kumimoji="0" lang="en-US" altLang="en-US" sz="1000" b="0" i="0" u="none" strike="noStrike" cap="none" normalizeH="0" baseline="0">
+                <a:ln>
+                  <a:noFill/>
+                </a:ln>
+                <a:solidFill>
+                  <a:srgbClr val="A9B7C6"/>
+                </a:solidFill>
+                <a:effectLst/>
+                <a:latin typeface="JetBrains Mono"/>
+              </a:rPr>
+              <a:t>p))</a:t>
+            </a:r>
+            <a:r>
+              <a:rPr kumimoji="0" lang="en-US" altLang="en-US" sz="1000" b="0" i="0" u="none" strike="noStrike" cap="none" normalizeH="0" baseline="0">
+                <a:ln>
+                  <a:noFill/>
+                </a:ln>
+                <a:solidFill>
+                  <a:srgbClr val="CC7832"/>
+                </a:solidFill>
+                <a:effectLst/>
+                <a:latin typeface="JetBrains Mono"/>
+              </a:rPr>
+              <a:t>;</a:t>
+            </a:r>
+            <a:br>
+              <a:rPr kumimoji="0" lang="en-US" altLang="en-US" sz="1000" b="0" i="0" u="none" strike="noStrike" cap="none" normalizeH="0" baseline="0">
+                <a:ln>
+                  <a:noFill/>
+                </a:ln>
+                <a:solidFill>
+                  <a:srgbClr val="CC7832"/>
+                </a:solidFill>
+                <a:effectLst/>
+                <a:latin typeface="JetBrains Mono"/>
+              </a:rPr>
+            </a:br>
+            <a:r>
+              <a:rPr kumimoji="0" lang="en-US" altLang="en-US" sz="1000" b="0" i="0" u="none" strike="noStrike" cap="none" normalizeH="0" baseline="0">
+                <a:ln>
+                  <a:noFill/>
+                </a:ln>
+                <a:solidFill>
+                  <a:srgbClr val="CC7832"/>
+                </a:solidFill>
+                <a:effectLst/>
+                <a:latin typeface="JetBrains Mono"/>
+              </a:rPr>
+              <a:t>    </a:t>
+            </a:r>
+            <a:r>
+              <a:rPr kumimoji="0" lang="en-US" altLang="en-US" sz="1000" b="0" i="0" u="none" strike="noStrike" cap="none" normalizeH="0" baseline="0">
+                <a:ln>
+                  <a:noFill/>
+                </a:ln>
+                <a:solidFill>
+                  <a:srgbClr val="A9B7C6"/>
+                </a:solidFill>
+                <a:effectLst/>
+                <a:latin typeface="JetBrains Mono"/>
+              </a:rPr>
+              <a:t>}</a:t>
+            </a:r>
+            <a:br>
+              <a:rPr kumimoji="0" lang="en-US" altLang="en-US" sz="1000" b="0" i="0" u="none" strike="noStrike" cap="none" normalizeH="0" baseline="0">
+                <a:ln>
+                  <a:noFill/>
+                </a:ln>
+                <a:solidFill>
+                  <a:srgbClr val="A9B7C6"/>
+                </a:solidFill>
+                <a:effectLst/>
+                <a:latin typeface="JetBrains Mono"/>
+              </a:rPr>
+            </a:br>
+            <a:r>
+              <a:rPr kumimoji="0" lang="en-US" altLang="en-US" sz="1000" b="0" i="0" u="none" strike="noStrike" cap="none" normalizeH="0" baseline="0">
+                <a:ln>
+                  <a:noFill/>
+                </a:ln>
+                <a:solidFill>
+                  <a:srgbClr val="A9B7C6"/>
+                </a:solidFill>
+                <a:effectLst/>
+                <a:latin typeface="JetBrains Mono"/>
+              </a:rPr>
+              <a:t>}</a:t>
+            </a:r>
+            <a:endParaRPr kumimoji="0" lang="en-US" altLang="en-US" b="0" i="0" u="none" strike="noStrike" cap="none" normalizeH="0" baseline="0">
+              <a:ln>
+                <a:noFill/>
+              </a:ln>
+              <a:solidFill>
+                <a:schemeClr val="tx1"/>
+              </a:solidFill>
+              <a:effectLst/>
+              <a:latin typeface="Arial" panose="020B0604020202020204" pitchFamily="34" charset="0"/>
+            </a:endParaRPr>
+          </a:p>
+        </p:txBody>
+      </p:sp>
     </p:spTree>
     <p:extLst>
       <p:ext uri="{BB962C8B-B14F-4D97-AF65-F5344CB8AC3E}">
@@ -7260,6 +9107,79 @@
                               </m:ctrlPr>
                             </m:dPr>
                             <m:e>
+                              <m:sSup>
+                                <m:sSupPr>
+                                  <m:ctrlPr>
+                                    <a:rPr lang="en-GB" b="0" i="1" smtClean="0">
+                                      <a:latin typeface="Cambria Math" panose="02040503050406030204" pitchFamily="18" charset="0"/>
+                                    </a:rPr>
+                                  </m:ctrlPr>
+                                </m:sSupPr>
+                                <m:e>
+                                  <m:d>
+                                    <m:dPr>
+                                      <m:ctrlPr>
+                                        <a:rPr lang="en-GB" b="0" i="1" smtClean="0">
+                                          <a:latin typeface="Cambria Math" panose="02040503050406030204" pitchFamily="18" charset="0"/>
+                                        </a:rPr>
+                                      </m:ctrlPr>
+                                    </m:dPr>
+                                    <m:e>
+                                      <m:r>
+                                        <a:rPr lang="en-GB" b="0" i="1" smtClean="0">
+                                          <a:latin typeface="Cambria Math" panose="02040503050406030204" pitchFamily="18" charset="0"/>
+                                        </a:rPr>
+                                        <m:t>1+</m:t>
+                                      </m:r>
+                                      <m:r>
+                                        <a:rPr lang="en-GB" b="0" i="1" smtClean="0">
+                                          <a:latin typeface="Cambria Math" panose="02040503050406030204" pitchFamily="18" charset="0"/>
+                                        </a:rPr>
+                                        <m:t>𝑟</m:t>
+                                      </m:r>
+                                    </m:e>
+                                  </m:d>
+                                </m:e>
+                                <m:sup>
+                                  <m:r>
+                                    <a:rPr lang="en-GB" b="0" i="1" smtClean="0">
+                                      <a:latin typeface="Cambria Math" panose="02040503050406030204" pitchFamily="18" charset="0"/>
+                                    </a:rPr>
+                                    <m:t>𝑛</m:t>
+                                  </m:r>
+                                </m:sup>
+                              </m:sSup>
+                            </m:e>
+                          </m:d>
+                          <m:r>
+                            <a:rPr lang="en-GB" b="0" i="1" smtClean="0">
+                              <a:latin typeface="Cambria Math" panose="02040503050406030204" pitchFamily="18" charset="0"/>
+                            </a:rPr>
+                            <m:t>−1</m:t>
+                          </m:r>
+                        </m:num>
+                        <m:den>
+                          <m:r>
+                            <a:rPr lang="en-GB" b="0" i="1" smtClean="0">
+                              <a:latin typeface="Cambria Math" panose="02040503050406030204" pitchFamily="18" charset="0"/>
+                            </a:rPr>
+                            <m:t>𝑟</m:t>
+                          </m:r>
+                          <m:r>
+                            <a:rPr lang="en-GB" b="0" i="1" smtClean="0">
+                              <a:latin typeface="Cambria Math" panose="02040503050406030204" pitchFamily="18" charset="0"/>
+                            </a:rPr>
+                            <m:t>×</m:t>
+                          </m:r>
+                          <m:sSup>
+                            <m:sSupPr>
+                              <m:ctrlPr>
+                                <a:rPr lang="en-GB" b="0" i="1" smtClean="0">
+                                  <a:latin typeface="Cambria Math" panose="02040503050406030204" pitchFamily="18" charset="0"/>
+                                </a:rPr>
+                              </m:ctrlPr>
+                            </m:sSupPr>
+                            <m:e>
                               <m:d>
                                 <m:dPr>
                                   <m:ctrlPr>
@@ -7283,75 +9203,16 @@
                                   </m:r>
                                 </m:e>
                               </m:d>
-                              <m:r>
-                                <a:rPr lang="en-GB" b="0" i="1" smtClean="0">
-                                  <a:latin typeface="Cambria Math" panose="02040503050406030204" pitchFamily="18" charset="0"/>
-                                </a:rPr>
-                                <m:t>×</m:t>
-                              </m:r>
+                            </m:e>
+                            <m:sup>
                               <m:r>
                                 <a:rPr lang="en-GB" b="0" i="1" smtClean="0">
                                   <a:latin typeface="Cambria Math" panose="02040503050406030204" pitchFamily="18" charset="0"/>
                                 </a:rPr>
                                 <m:t>𝑛</m:t>
                               </m:r>
-                            </m:e>
-                          </m:d>
-                          <m:r>
-                            <a:rPr lang="en-GB" b="0" i="1" smtClean="0">
-                              <a:latin typeface="Cambria Math" panose="02040503050406030204" pitchFamily="18" charset="0"/>
-                            </a:rPr>
-                            <m:t>−1</m:t>
-                          </m:r>
-                        </m:num>
-                        <m:den>
-                          <m:r>
-                            <a:rPr lang="en-GB" b="0" i="1" smtClean="0">
-                              <a:latin typeface="Cambria Math" panose="02040503050406030204" pitchFamily="18" charset="0"/>
-                            </a:rPr>
-                            <m:t>𝑟</m:t>
-                          </m:r>
-                          <m:r>
-                            <a:rPr lang="en-GB" b="0" i="1" smtClean="0">
-                              <a:latin typeface="Cambria Math" panose="02040503050406030204" pitchFamily="18" charset="0"/>
-                            </a:rPr>
-                            <m:t>×</m:t>
-                          </m:r>
-                          <m:d>
-                            <m:dPr>
-                              <m:ctrlPr>
-                                <a:rPr lang="en-GB" b="0" i="1" smtClean="0">
-                                  <a:latin typeface="Cambria Math" panose="02040503050406030204" pitchFamily="18" charset="0"/>
-                                </a:rPr>
-                              </m:ctrlPr>
-                            </m:dPr>
-                            <m:e>
-                              <m:r>
-                                <a:rPr lang="en-GB" b="0" i="1" smtClean="0">
-                                  <a:latin typeface="Cambria Math" panose="02040503050406030204" pitchFamily="18" charset="0"/>
-                                </a:rPr>
-                                <m:t>1+</m:t>
-                              </m:r>
-                              <m:r>
-                                <a:rPr lang="en-GB" b="0" i="1" smtClean="0">
-                                  <a:latin typeface="Cambria Math" panose="02040503050406030204" pitchFamily="18" charset="0"/>
-                                </a:rPr>
-                                <m:t>𝑟</m:t>
-                              </m:r>
-                            </m:e>
-                          </m:d>
-                          <m:r>
-                            <a:rPr lang="en-GB" b="0" i="1" smtClean="0">
-                              <a:latin typeface="Cambria Math" panose="02040503050406030204" pitchFamily="18" charset="0"/>
-                            </a:rPr>
-                            <m:t>×</m:t>
-                          </m:r>
-                          <m:r>
-                            <a:rPr lang="en-GB" b="0" i="1" smtClean="0">
-                              <a:latin typeface="Cambria Math" panose="02040503050406030204" pitchFamily="18" charset="0"/>
-                            </a:rPr>
-                            <m:t>𝑛</m:t>
-                          </m:r>
+                            </m:sup>
+                          </m:sSup>
                         </m:den>
                       </m:f>
                     </m:oMath>
@@ -9840,21 +11701,6 @@
 </file>
 
 <file path=customXml/item1.xml><?xml version="1.0" encoding="utf-8"?>
-<?mso-contentType ?>
-<FormTemplates xmlns="http://schemas.microsoft.com/sharepoint/v3/contenttype/forms">
-  <Display>DocumentLibraryForm</Display>
-  <Edit>DocumentLibraryForm</Edit>
-  <New>DocumentLibraryForm</New>
-</FormTemplates>
-</file>
-
-<file path=customXml/item2.xml><?xml version="1.0" encoding="utf-8"?>
-<p:properties xmlns:p="http://schemas.microsoft.com/office/2006/metadata/properties" xmlns:xsi="http://www.w3.org/2001/XMLSchema-instance" xmlns:pc="http://schemas.microsoft.com/office/infopath/2007/PartnerControls">
-  <documentManagement/>
-</p:properties>
-</file>
-
-<file path=customXml/item3.xml><?xml version="1.0" encoding="utf-8"?>
 <ct:contentTypeSchema xmlns:ct="http://schemas.microsoft.com/office/2006/metadata/contentType" xmlns:ma="http://schemas.microsoft.com/office/2006/metadata/properties/metaAttributes" ct:_="" ma:_="" ma:contentTypeName="Document" ma:contentTypeID="0x010100062A1965C0ED8D4B93D90EC9097FB304" ma:contentTypeVersion="13" ma:contentTypeDescription="Create a new document." ma:contentTypeScope="" ma:versionID="ad8c00255a362f38b965062bb6973433">
   <xsd:schema xmlns:xsd="http://www.w3.org/2001/XMLSchema" xmlns:xs="http://www.w3.org/2001/XMLSchema" xmlns:p="http://schemas.microsoft.com/office/2006/metadata/properties" xmlns:ns3="cab83b3b-4db3-4a13-8dd4-e60be6d87cf5" xmlns:ns4="c2e86655-d7ed-4420-bc92-1b9547829f54" targetNamespace="http://schemas.microsoft.com/office/2006/metadata/properties" ma:root="true" ma:fieldsID="d47f86c9060cacabc5fb99b2dd628c7d" ns3:_="" ns4:_="">
     <xsd:import namespace="cab83b3b-4db3-4a13-8dd4-e60be6d87cf5"/>
@@ -10077,10 +11923,36 @@
 </ct:contentTypeSchema>
 </file>
 
+<file path=customXml/item2.xml><?xml version="1.0" encoding="utf-8"?>
+<p:properties xmlns:p="http://schemas.microsoft.com/office/2006/metadata/properties" xmlns:xsi="http://www.w3.org/2001/XMLSchema-instance" xmlns:pc="http://schemas.microsoft.com/office/infopath/2007/PartnerControls">
+  <documentManagement/>
+</p:properties>
+</file>
+
+<file path=customXml/item3.xml><?xml version="1.0" encoding="utf-8"?>
+<?mso-contentType ?>
+<FormTemplates xmlns="http://schemas.microsoft.com/sharepoint/v3/contenttype/forms">
+  <Display>DocumentLibraryForm</Display>
+  <Edit>DocumentLibraryForm</Edit>
+  <New>DocumentLibraryForm</New>
+</FormTemplates>
+</file>
+
 <file path=customXml/itemProps1.xml><?xml version="1.0" encoding="utf-8"?>
-<ds:datastoreItem xmlns:ds="http://schemas.openxmlformats.org/officeDocument/2006/customXml" ds:itemID="{07A05CC1-FF68-453F-AE9C-352B80151440}">
+<ds:datastoreItem xmlns:ds="http://schemas.openxmlformats.org/officeDocument/2006/customXml" ds:itemID="{03233C07-2685-44F7-9601-FF64EA49BA1B}">
   <ds:schemaRefs>
-    <ds:schemaRef ds:uri="http://schemas.microsoft.com/sharepoint/v3/contenttype/forms"/>
+    <ds:schemaRef ds:uri="http://schemas.microsoft.com/office/2006/metadata/contentType"/>
+    <ds:schemaRef ds:uri="http://schemas.microsoft.com/office/2006/metadata/properties/metaAttributes"/>
+    <ds:schemaRef ds:uri="http://www.w3.org/2001/XMLSchema"/>
+    <ds:schemaRef ds:uri="http://schemas.microsoft.com/office/2006/metadata/properties"/>
+    <ds:schemaRef ds:uri="cab83b3b-4db3-4a13-8dd4-e60be6d87cf5"/>
+    <ds:schemaRef ds:uri="c2e86655-d7ed-4420-bc92-1b9547829f54"/>
+    <ds:schemaRef ds:uri="http://schemas.microsoft.com/office/2006/documentManagement/types"/>
+    <ds:schemaRef ds:uri="http://schemas.microsoft.com/office/infopath/2007/PartnerControls"/>
+    <ds:schemaRef ds:uri="http://schemas.openxmlformats.org/package/2006/metadata/core-properties"/>
+    <ds:schemaRef ds:uri="http://purl.org/dc/elements/1.1/"/>
+    <ds:schemaRef ds:uri="http://purl.org/dc/terms/"/>
+    <ds:schemaRef ds:uri="http://schemas.microsoft.com/internal/obd"/>
   </ds:schemaRefs>
 </ds:datastoreItem>
 </file>
@@ -10103,20 +11975,9 @@
 </file>
 
 <file path=customXml/itemProps3.xml><?xml version="1.0" encoding="utf-8"?>
-<ds:datastoreItem xmlns:ds="http://schemas.openxmlformats.org/officeDocument/2006/customXml" ds:itemID="{03233C07-2685-44F7-9601-FF64EA49BA1B}">
+<ds:datastoreItem xmlns:ds="http://schemas.openxmlformats.org/officeDocument/2006/customXml" ds:itemID="{07A05CC1-FF68-453F-AE9C-352B80151440}">
   <ds:schemaRefs>
-    <ds:schemaRef ds:uri="http://schemas.microsoft.com/office/2006/metadata/contentType"/>
-    <ds:schemaRef ds:uri="http://schemas.microsoft.com/office/2006/metadata/properties/metaAttributes"/>
-    <ds:schemaRef ds:uri="http://www.w3.org/2001/XMLSchema"/>
-    <ds:schemaRef ds:uri="http://schemas.microsoft.com/office/2006/metadata/properties"/>
-    <ds:schemaRef ds:uri="cab83b3b-4db3-4a13-8dd4-e60be6d87cf5"/>
-    <ds:schemaRef ds:uri="c2e86655-d7ed-4420-bc92-1b9547829f54"/>
-    <ds:schemaRef ds:uri="http://schemas.microsoft.com/office/2006/documentManagement/types"/>
-    <ds:schemaRef ds:uri="http://schemas.microsoft.com/office/infopath/2007/PartnerControls"/>
-    <ds:schemaRef ds:uri="http://schemas.openxmlformats.org/package/2006/metadata/core-properties"/>
-    <ds:schemaRef ds:uri="http://purl.org/dc/elements/1.1/"/>
-    <ds:schemaRef ds:uri="http://purl.org/dc/terms/"/>
-    <ds:schemaRef ds:uri="http://schemas.microsoft.com/internal/obd"/>
+    <ds:schemaRef ds:uri="http://schemas.microsoft.com/sharepoint/v3/contenttype/forms"/>
   </ds:schemaRefs>
 </ds:datastoreItem>
 </file>
--- a/thesis/ukapp2/wqu_isc/sofware_design/Lesson 3 - Java.pptx
+++ b/thesis/ukapp2/wqu_isc/sofware_design/Lesson 3 - Java.pptx
@@ -211,7 +211,7 @@
           <a:p>
             <a:fld id="{2D17C26A-2D19-4E2A-9B61-80C5B9CBF214}" type="datetimeFigureOut">
               <a:rPr lang="en-GB" smtClean="0"/>
-              <a:t>16/10/2020</a:t>
+              <a:t>17/10/2020</a:t>
             </a:fld>
             <a:endParaRPr lang="en-GB"/>
           </a:p>
@@ -2437,7 +2437,7 @@
           <a:p>
             <a:fld id="{CD13FC2D-BEDB-45BE-AF82-649A39BEFF71}" type="datetimeFigureOut">
               <a:rPr lang="en-GB" smtClean="0"/>
-              <a:t>16/10/2020</a:t>
+              <a:t>17/10/2020</a:t>
             </a:fld>
             <a:endParaRPr lang="en-GB"/>
           </a:p>
@@ -2645,7 +2645,7 @@
           <a:p>
             <a:fld id="{CD13FC2D-BEDB-45BE-AF82-649A39BEFF71}" type="datetimeFigureOut">
               <a:rPr lang="en-GB" smtClean="0"/>
-              <a:t>16/10/2020</a:t>
+              <a:t>17/10/2020</a:t>
             </a:fld>
             <a:endParaRPr lang="en-GB"/>
           </a:p>
@@ -2901,7 +2901,7 @@
           <a:p>
             <a:fld id="{CD13FC2D-BEDB-45BE-AF82-649A39BEFF71}" type="datetimeFigureOut">
               <a:rPr lang="en-GB" smtClean="0"/>
-              <a:t>16/10/2020</a:t>
+              <a:t>17/10/2020</a:t>
             </a:fld>
             <a:endParaRPr lang="en-GB"/>
           </a:p>
@@ -3071,7 +3071,7 @@
           <a:p>
             <a:fld id="{CD13FC2D-BEDB-45BE-AF82-649A39BEFF71}" type="datetimeFigureOut">
               <a:rPr lang="en-GB" smtClean="0"/>
-              <a:t>16/10/2020</a:t>
+              <a:t>17/10/2020</a:t>
             </a:fld>
             <a:endParaRPr lang="en-GB"/>
           </a:p>
@@ -3414,7 +3414,7 @@
           <a:p>
             <a:fld id="{CD13FC2D-BEDB-45BE-AF82-649A39BEFF71}" type="datetimeFigureOut">
               <a:rPr lang="en-GB" smtClean="0"/>
-              <a:t>16/10/2020</a:t>
+              <a:t>17/10/2020</a:t>
             </a:fld>
             <a:endParaRPr lang="en-GB"/>
           </a:p>
@@ -3689,7 +3689,7 @@
           <a:p>
             <a:fld id="{CD13FC2D-BEDB-45BE-AF82-649A39BEFF71}" type="datetimeFigureOut">
               <a:rPr lang="en-GB" smtClean="0"/>
-              <a:t>16/10/2020</a:t>
+              <a:t>17/10/2020</a:t>
             </a:fld>
             <a:endParaRPr lang="en-GB"/>
           </a:p>
@@ -4068,7 +4068,7 @@
           <a:p>
             <a:fld id="{CD13FC2D-BEDB-45BE-AF82-649A39BEFF71}" type="datetimeFigureOut">
               <a:rPr lang="en-GB" smtClean="0"/>
-              <a:t>16/10/2020</a:t>
+              <a:t>17/10/2020</a:t>
             </a:fld>
             <a:endParaRPr lang="en-GB"/>
           </a:p>
@@ -4186,7 +4186,7 @@
           <a:p>
             <a:fld id="{CD13FC2D-BEDB-45BE-AF82-649A39BEFF71}" type="datetimeFigureOut">
               <a:rPr lang="en-GB" smtClean="0"/>
-              <a:t>16/10/2020</a:t>
+              <a:t>17/10/2020</a:t>
             </a:fld>
             <a:endParaRPr lang="en-GB"/>
           </a:p>
@@ -4357,7 +4357,7 @@
           <a:p>
             <a:fld id="{CD13FC2D-BEDB-45BE-AF82-649A39BEFF71}" type="datetimeFigureOut">
               <a:rPr lang="en-GB" smtClean="0"/>
-              <a:t>16/10/2020</a:t>
+              <a:t>17/10/2020</a:t>
             </a:fld>
             <a:endParaRPr lang="en-GB"/>
           </a:p>
@@ -4711,7 +4711,7 @@
           <a:p>
             <a:fld id="{CD13FC2D-BEDB-45BE-AF82-649A39BEFF71}" type="datetimeFigureOut">
               <a:rPr lang="en-GB" smtClean="0"/>
-              <a:t>16/10/2020</a:t>
+              <a:t>17/10/2020</a:t>
             </a:fld>
             <a:endParaRPr lang="en-GB"/>
           </a:p>
@@ -5093,7 +5093,7 @@
           <a:p>
             <a:fld id="{CD13FC2D-BEDB-45BE-AF82-649A39BEFF71}" type="datetimeFigureOut">
               <a:rPr lang="en-GB" smtClean="0"/>
-              <a:t>16/10/2020</a:t>
+              <a:t>17/10/2020</a:t>
             </a:fld>
             <a:endParaRPr lang="en-GB"/>
           </a:p>
@@ -5380,7 +5380,7 @@
           <a:p>
             <a:fld id="{CD13FC2D-BEDB-45BE-AF82-649A39BEFF71}" type="datetimeFigureOut">
               <a:rPr lang="en-GB" smtClean="0"/>
-              <a:t>16/10/2020</a:t>
+              <a:t>17/10/2020</a:t>
             </a:fld>
             <a:endParaRPr lang="en-GB"/>
           </a:p>
@@ -6087,8 +6087,8 @@
           </a:p>
         </p:txBody>
       </p:sp>
-      <mc:AlternateContent xmlns:mc="http://schemas.openxmlformats.org/markup-compatibility/2006">
-        <mc:Choice xmlns:a14="http://schemas.microsoft.com/office/drawing/2010/main" Requires="a14">
+      <mc:AlternateContent xmlns:mc="http://schemas.openxmlformats.org/markup-compatibility/2006" xmlns:a14="http://schemas.microsoft.com/office/drawing/2010/main">
+        <mc:Choice Requires="a14">
           <p:sp>
             <p:nvSpPr>
               <p:cNvPr id="5" name="Content Placeholder 4">
@@ -6303,7 +6303,7 @@
             </p:txBody>
           </p:sp>
         </mc:Choice>
-        <mc:Fallback>
+        <mc:Fallback xmlns="">
           <p:sp>
             <p:nvSpPr>
               <p:cNvPr id="5" name="Content Placeholder 4">
@@ -8344,16 +8344,15 @@
             <p:ph idx="1"/>
           </p:nvPr>
         </p:nvPicPr>
-        <p:blipFill>
+        <p:blipFill rotWithShape="1">
           <a:blip r:embed="rId2"/>
-          <a:stretch>
-            <a:fillRect/>
-          </a:stretch>
+          <a:srcRect t="14292" b="1"/>
+          <a:stretch/>
         </p:blipFill>
         <p:spPr>
           <a:xfrm>
-            <a:off x="1274618" y="1828937"/>
-            <a:ext cx="5874328" cy="2996415"/>
+            <a:off x="822960" y="1787236"/>
+            <a:ext cx="7142968" cy="3334206"/>
           </a:xfrm>
           <a:prstGeom prst="rect">
             <a:avLst/>
@@ -9052,7 +9051,7 @@
             </p:spPr>
             <p:txBody>
               <a:bodyPr>
-                <a:normAutofit lnSpcReduction="10000"/>
+                <a:normAutofit fontScale="92500" lnSpcReduction="10000"/>
               </a:bodyPr>
               <a:lstStyle/>
               <a:p>
@@ -9227,13 +9226,12 @@
                 </a:pPr>
                 <a:r>
                   <a:rPr lang="en-GB" dirty="0"/>
-                  <a:t>Implement the following class diagram in Java</a:t>
+                  <a:t>Implement the following class diagram in Java, making any necessary adjustments</a:t>
                 </a:r>
               </a:p>
               <a:p>
-                <a:pPr marL="457200" indent="-457200">
-                  <a:buFont typeface="+mj-lt"/>
-                  <a:buAutoNum type="arabicPeriod" startAt="2"/>
+                <a:pPr marL="0" indent="0">
+                  <a:buNone/>
                 </a:pPr>
                 <a:endParaRPr lang="en-GB" dirty="0"/>
               </a:p>
@@ -9268,7 +9266,7 @@
               <a:p>
                 <a:pPr marL="457200" indent="-457200">
                   <a:buFont typeface="+mj-lt"/>
-                  <a:buAutoNum type="arabicPeriod" startAt="2"/>
+                  <a:buAutoNum type="arabicPeriod" startAt="3"/>
                 </a:pPr>
                 <a:r>
                   <a:rPr lang="en-GB" dirty="0"/>
@@ -9278,7 +9276,7 @@
               <a:p>
                 <a:pPr marL="457200" indent="-457200">
                   <a:buFont typeface="+mj-lt"/>
-                  <a:buAutoNum type="arabicPeriod" startAt="2"/>
+                  <a:buAutoNum type="arabicPeriod" startAt="3"/>
                 </a:pPr>
                 <a:r>
                   <a:rPr lang="en-GB" dirty="0"/>
@@ -9288,21 +9286,21 @@
               <a:p>
                 <a:pPr marL="457200" indent="-457200">
                   <a:buFont typeface="+mj-lt"/>
-                  <a:buAutoNum type="arabicPeriod" startAt="2"/>
+                  <a:buAutoNum type="arabicPeriod" startAt="3"/>
                 </a:pPr>
                 <a:endParaRPr lang="en-GB" dirty="0"/>
               </a:p>
               <a:p>
                 <a:pPr marL="457200" indent="-457200">
                   <a:buFont typeface="+mj-lt"/>
-                  <a:buAutoNum type="arabicPeriod" startAt="2"/>
+                  <a:buAutoNum type="arabicPeriod" startAt="3"/>
                 </a:pPr>
                 <a:endParaRPr lang="en-GB" dirty="0"/>
               </a:p>
               <a:p>
                 <a:pPr marL="457200" indent="-457200">
                   <a:buFont typeface="+mj-lt"/>
-                  <a:buAutoNum type="arabicPeriod" startAt="2"/>
+                  <a:buAutoNum type="arabicPeriod" startAt="3"/>
                 </a:pPr>
                 <a:endParaRPr lang="en-GB" dirty="0"/>
               </a:p>
@@ -9334,7 +9332,7 @@
               <a:blipFill>
                 <a:blip r:embed="rId2"/>
                 <a:stretch>
-                  <a:fillRect l="-2100" t="-1747" r="-1050" b="-983"/>
+                  <a:fillRect l="-2019" t="-1528" r="-1373"/>
                 </a:stretch>
               </a:blipFill>
             </p:spPr>
@@ -9374,8 +9372,8 @@
         </p:blipFill>
         <p:spPr>
           <a:xfrm>
-            <a:off x="1960775" y="2828039"/>
-            <a:ext cx="5326145" cy="2177593"/>
+            <a:off x="2139885" y="2901268"/>
+            <a:ext cx="5147035" cy="2104364"/>
           </a:xfrm>
           <a:prstGeom prst="rect">
             <a:avLst/>
@@ -9459,7 +9457,7 @@
         <p:spPr>
           <a:xfrm>
             <a:off x="822960" y="1750484"/>
-            <a:ext cx="4853940" cy="4459816"/>
+            <a:ext cx="7849700" cy="4459816"/>
           </a:xfrm>
         </p:spPr>
         <p:txBody>
@@ -9494,46 +9492,7 @@
             </a:pPr>
             <a:r>
               <a:rPr lang="en-US" sz="2400" dirty="0"/>
-              <a:t> Abstraction</a:t>
-            </a:r>
-          </a:p>
-          <a:p>
-            <a:pPr>
-              <a:spcBef>
-                <a:spcPts val="0"/>
-              </a:spcBef>
-              <a:buFont typeface="Wingdings" panose="05000000000000000000" pitchFamily="2" charset="2"/>
-              <a:buChar char="v"/>
-            </a:pPr>
-            <a:r>
-              <a:rPr lang="en-US" sz="2400" dirty="0"/>
-              <a:t> Encapsulation</a:t>
-            </a:r>
-          </a:p>
-          <a:p>
-            <a:pPr>
-              <a:spcBef>
-                <a:spcPts val="0"/>
-              </a:spcBef>
-              <a:buFont typeface="Wingdings" panose="05000000000000000000" pitchFamily="2" charset="2"/>
-              <a:buChar char="v"/>
-            </a:pPr>
-            <a:r>
-              <a:rPr lang="en-US" sz="2400" dirty="0"/>
-              <a:t> Inheritance</a:t>
-            </a:r>
-          </a:p>
-          <a:p>
-            <a:pPr>
-              <a:spcBef>
-                <a:spcPts val="0"/>
-              </a:spcBef>
-              <a:buFont typeface="Wingdings" panose="05000000000000000000" pitchFamily="2" charset="2"/>
-              <a:buChar char="v"/>
-            </a:pPr>
-            <a:r>
-              <a:rPr lang="en-US" sz="2400" dirty="0"/>
-              <a:t> Polymorphism</a:t>
+              <a:t> Abstraction, Encapsulation, Inheritance and polymorphism</a:t>
             </a:r>
           </a:p>
           <a:p>
@@ -11701,6 +11660,12 @@
 </file>
 
 <file path=customXml/item1.xml><?xml version="1.0" encoding="utf-8"?>
+<p:properties xmlns:p="http://schemas.microsoft.com/office/2006/metadata/properties" xmlns:xsi="http://www.w3.org/2001/XMLSchema-instance" xmlns:pc="http://schemas.microsoft.com/office/infopath/2007/PartnerControls">
+  <documentManagement/>
+</p:properties>
+</file>
+
+<file path=customXml/item2.xml><?xml version="1.0" encoding="utf-8"?>
 <ct:contentTypeSchema xmlns:ct="http://schemas.microsoft.com/office/2006/metadata/contentType" xmlns:ma="http://schemas.microsoft.com/office/2006/metadata/properties/metaAttributes" ct:_="" ma:_="" ma:contentTypeName="Document" ma:contentTypeID="0x010100062A1965C0ED8D4B93D90EC9097FB304" ma:contentTypeVersion="13" ma:contentTypeDescription="Create a new document." ma:contentTypeScope="" ma:versionID="ad8c00255a362f38b965062bb6973433">
   <xsd:schema xmlns:xsd="http://www.w3.org/2001/XMLSchema" xmlns:xs="http://www.w3.org/2001/XMLSchema" xmlns:p="http://schemas.microsoft.com/office/2006/metadata/properties" xmlns:ns3="cab83b3b-4db3-4a13-8dd4-e60be6d87cf5" xmlns:ns4="c2e86655-d7ed-4420-bc92-1b9547829f54" targetNamespace="http://schemas.microsoft.com/office/2006/metadata/properties" ma:root="true" ma:fieldsID="d47f86c9060cacabc5fb99b2dd628c7d" ns3:_="" ns4:_="">
     <xsd:import namespace="cab83b3b-4db3-4a13-8dd4-e60be6d87cf5"/>
@@ -11923,12 +11888,6 @@
 </ct:contentTypeSchema>
 </file>
 
-<file path=customXml/item2.xml><?xml version="1.0" encoding="utf-8"?>
-<p:properties xmlns:p="http://schemas.microsoft.com/office/2006/metadata/properties" xmlns:xsi="http://www.w3.org/2001/XMLSchema-instance" xmlns:pc="http://schemas.microsoft.com/office/infopath/2007/PartnerControls">
-  <documentManagement/>
-</p:properties>
-</file>
-
 <file path=customXml/item3.xml><?xml version="1.0" encoding="utf-8"?>
 <?mso-contentType ?>
 <FormTemplates xmlns="http://schemas.microsoft.com/sharepoint/v3/contenttype/forms">
@@ -11939,6 +11898,23 @@
 </file>
 
 <file path=customXml/itemProps1.xml><?xml version="1.0" encoding="utf-8"?>
+<ds:datastoreItem xmlns:ds="http://schemas.openxmlformats.org/officeDocument/2006/customXml" ds:itemID="{1B174DBE-1AD7-495B-B168-212A7EE723A6}">
+  <ds:schemaRefs>
+    <ds:schemaRef ds:uri="http://purl.org/dc/terms/"/>
+    <ds:schemaRef ds:uri="http://schemas.openxmlformats.org/package/2006/metadata/core-properties"/>
+    <ds:schemaRef ds:uri="c2e86655-d7ed-4420-bc92-1b9547829f54"/>
+    <ds:schemaRef ds:uri="http://schemas.microsoft.com/office/2006/documentManagement/types"/>
+    <ds:schemaRef ds:uri="cab83b3b-4db3-4a13-8dd4-e60be6d87cf5"/>
+    <ds:schemaRef ds:uri="http://purl.org/dc/elements/1.1/"/>
+    <ds:schemaRef ds:uri="http://schemas.microsoft.com/office/2006/metadata/properties"/>
+    <ds:schemaRef ds:uri="http://schemas.microsoft.com/office/infopath/2007/PartnerControls"/>
+    <ds:schemaRef ds:uri="http://www.w3.org/XML/1998/namespace"/>
+    <ds:schemaRef ds:uri="http://purl.org/dc/dcmitype/"/>
+  </ds:schemaRefs>
+</ds:datastoreItem>
+</file>
+
+<file path=customXml/itemProps2.xml><?xml version="1.0" encoding="utf-8"?>
 <ds:datastoreItem xmlns:ds="http://schemas.openxmlformats.org/officeDocument/2006/customXml" ds:itemID="{03233C07-2685-44F7-9601-FF64EA49BA1B}">
   <ds:schemaRefs>
     <ds:schemaRef ds:uri="http://schemas.microsoft.com/office/2006/metadata/contentType"/>
@@ -11957,23 +11933,6 @@
 </ds:datastoreItem>
 </file>
 
-<file path=customXml/itemProps2.xml><?xml version="1.0" encoding="utf-8"?>
-<ds:datastoreItem xmlns:ds="http://schemas.openxmlformats.org/officeDocument/2006/customXml" ds:itemID="{1B174DBE-1AD7-495B-B168-212A7EE723A6}">
-  <ds:schemaRefs>
-    <ds:schemaRef ds:uri="http://purl.org/dc/terms/"/>
-    <ds:schemaRef ds:uri="http://schemas.openxmlformats.org/package/2006/metadata/core-properties"/>
-    <ds:schemaRef ds:uri="c2e86655-d7ed-4420-bc92-1b9547829f54"/>
-    <ds:schemaRef ds:uri="http://schemas.microsoft.com/office/2006/documentManagement/types"/>
-    <ds:schemaRef ds:uri="cab83b3b-4db3-4a13-8dd4-e60be6d87cf5"/>
-    <ds:schemaRef ds:uri="http://purl.org/dc/elements/1.1/"/>
-    <ds:schemaRef ds:uri="http://schemas.microsoft.com/office/2006/metadata/properties"/>
-    <ds:schemaRef ds:uri="http://schemas.microsoft.com/office/infopath/2007/PartnerControls"/>
-    <ds:schemaRef ds:uri="http://www.w3.org/XML/1998/namespace"/>
-    <ds:schemaRef ds:uri="http://purl.org/dc/dcmitype/"/>
-  </ds:schemaRefs>
-</ds:datastoreItem>
-</file>
-
 <file path=customXml/itemProps3.xml><?xml version="1.0" encoding="utf-8"?>
 <ds:datastoreItem xmlns:ds="http://schemas.openxmlformats.org/officeDocument/2006/customXml" ds:itemID="{07A05CC1-FF68-453F-AE9C-352B80151440}">
   <ds:schemaRefs>

--- a/thesis/ukapp2/wqu_isc/sofware_design/Lesson 3 - Java.pptx
+++ b/thesis/ukapp2/wqu_isc/sofware_design/Lesson 3 - Java.pptx
@@ -211,7 +211,7 @@
           <a:p>
             <a:fld id="{2D17C26A-2D19-4E2A-9B61-80C5B9CBF214}" type="datetimeFigureOut">
               <a:rPr lang="en-GB" smtClean="0"/>
-              <a:t>17/10/2020</a:t>
+              <a:t>19/10/2020</a:t>
             </a:fld>
             <a:endParaRPr lang="en-GB"/>
           </a:p>
@@ -2437,7 +2437,7 @@
           <a:p>
             <a:fld id="{CD13FC2D-BEDB-45BE-AF82-649A39BEFF71}" type="datetimeFigureOut">
               <a:rPr lang="en-GB" smtClean="0"/>
-              <a:t>17/10/2020</a:t>
+              <a:t>19/10/2020</a:t>
             </a:fld>
             <a:endParaRPr lang="en-GB"/>
           </a:p>
@@ -2533,6 +2533,9 @@
   <p:clrMapOvr>
     <a:masterClrMapping/>
   </p:clrMapOvr>
+  <p:transition spd="slow">
+    <p:push dir="u"/>
+  </p:transition>
 </p:sldLayout>
 </file>
 
@@ -2645,7 +2648,7 @@
           <a:p>
             <a:fld id="{CD13FC2D-BEDB-45BE-AF82-649A39BEFF71}" type="datetimeFigureOut">
               <a:rPr lang="en-GB" smtClean="0"/>
-              <a:t>17/10/2020</a:t>
+              <a:t>19/10/2020</a:t>
             </a:fld>
             <a:endParaRPr lang="en-GB"/>
           </a:p>
@@ -2703,6 +2706,9 @@
   <p:clrMapOvr>
     <a:masterClrMapping/>
   </p:clrMapOvr>
+  <p:transition spd="slow">
+    <p:push dir="u"/>
+  </p:transition>
 </p:sldLayout>
 </file>
 
@@ -2901,7 +2907,7 @@
           <a:p>
             <a:fld id="{CD13FC2D-BEDB-45BE-AF82-649A39BEFF71}" type="datetimeFigureOut">
               <a:rPr lang="en-GB" smtClean="0"/>
-              <a:t>17/10/2020</a:t>
+              <a:t>19/10/2020</a:t>
             </a:fld>
             <a:endParaRPr lang="en-GB"/>
           </a:p>
@@ -2959,6 +2965,9 @@
   <p:clrMapOvr>
     <a:masterClrMapping/>
   </p:clrMapOvr>
+  <p:transition spd="slow">
+    <p:push dir="u"/>
+  </p:transition>
 </p:sldLayout>
 </file>
 
@@ -3071,7 +3080,7 @@
           <a:p>
             <a:fld id="{CD13FC2D-BEDB-45BE-AF82-649A39BEFF71}" type="datetimeFigureOut">
               <a:rPr lang="en-GB" smtClean="0"/>
-              <a:t>17/10/2020</a:t>
+              <a:t>19/10/2020</a:t>
             </a:fld>
             <a:endParaRPr lang="en-GB"/>
           </a:p>
@@ -3129,6 +3138,9 @@
   <p:clrMapOvr>
     <a:masterClrMapping/>
   </p:clrMapOvr>
+  <p:transition spd="slow">
+    <p:push dir="u"/>
+  </p:transition>
 </p:sldLayout>
 </file>
 
@@ -3414,7 +3426,7 @@
           <a:p>
             <a:fld id="{CD13FC2D-BEDB-45BE-AF82-649A39BEFF71}" type="datetimeFigureOut">
               <a:rPr lang="en-GB" smtClean="0"/>
-              <a:t>17/10/2020</a:t>
+              <a:t>19/10/2020</a:t>
             </a:fld>
             <a:endParaRPr lang="en-GB"/>
           </a:p>
@@ -3510,6 +3522,9 @@
   <p:clrMapOvr>
     <a:masterClrMapping/>
   </p:clrMapOvr>
+  <p:transition spd="slow">
+    <p:push dir="u"/>
+  </p:transition>
 </p:sldLayout>
 </file>
 
@@ -3689,7 +3704,7 @@
           <a:p>
             <a:fld id="{CD13FC2D-BEDB-45BE-AF82-649A39BEFF71}" type="datetimeFigureOut">
               <a:rPr lang="en-GB" smtClean="0"/>
-              <a:t>17/10/2020</a:t>
+              <a:t>19/10/2020</a:t>
             </a:fld>
             <a:endParaRPr lang="en-GB"/>
           </a:p>
@@ -3747,6 +3762,9 @@
   <p:clrMapOvr>
     <a:masterClrMapping/>
   </p:clrMapOvr>
+  <p:transition spd="slow">
+    <p:push dir="u"/>
+  </p:transition>
 </p:sldLayout>
 </file>
 
@@ -4068,7 +4086,7 @@
           <a:p>
             <a:fld id="{CD13FC2D-BEDB-45BE-AF82-649A39BEFF71}" type="datetimeFigureOut">
               <a:rPr lang="en-GB" smtClean="0"/>
-              <a:t>17/10/2020</a:t>
+              <a:t>19/10/2020</a:t>
             </a:fld>
             <a:endParaRPr lang="en-GB"/>
           </a:p>
@@ -4126,6 +4144,9 @@
   <p:clrMapOvr>
     <a:masterClrMapping/>
   </p:clrMapOvr>
+  <p:transition spd="slow">
+    <p:push dir="u"/>
+  </p:transition>
 </p:sldLayout>
 </file>
 
@@ -4186,7 +4207,7 @@
           <a:p>
             <a:fld id="{CD13FC2D-BEDB-45BE-AF82-649A39BEFF71}" type="datetimeFigureOut">
               <a:rPr lang="en-GB" smtClean="0"/>
-              <a:t>17/10/2020</a:t>
+              <a:t>19/10/2020</a:t>
             </a:fld>
             <a:endParaRPr lang="en-GB"/>
           </a:p>
@@ -4244,6 +4265,9 @@
   <p:clrMapOvr>
     <a:masterClrMapping/>
   </p:clrMapOvr>
+  <p:transition spd="slow">
+    <p:push dir="u"/>
+  </p:transition>
 </p:sldLayout>
 </file>
 
@@ -4357,7 +4381,7 @@
           <a:p>
             <a:fld id="{CD13FC2D-BEDB-45BE-AF82-649A39BEFF71}" type="datetimeFigureOut">
               <a:rPr lang="en-GB" smtClean="0"/>
-              <a:t>17/10/2020</a:t>
+              <a:t>19/10/2020</a:t>
             </a:fld>
             <a:endParaRPr lang="en-GB"/>
           </a:p>
@@ -4423,6 +4447,9 @@
   <p:clrMapOvr>
     <a:masterClrMapping/>
   </p:clrMapOvr>
+  <p:transition spd="slow">
+    <p:push dir="u"/>
+  </p:transition>
 </p:sldLayout>
 </file>
 
@@ -4711,7 +4738,7 @@
           <a:p>
             <a:fld id="{CD13FC2D-BEDB-45BE-AF82-649A39BEFF71}" type="datetimeFigureOut">
               <a:rPr lang="en-GB" smtClean="0"/>
-              <a:t>17/10/2020</a:t>
+              <a:t>19/10/2020</a:t>
             </a:fld>
             <a:endParaRPr lang="en-GB"/>
           </a:p>
@@ -4790,6 +4817,9 @@
   <p:clrMapOvr>
     <a:masterClrMapping/>
   </p:clrMapOvr>
+  <p:transition spd="slow">
+    <p:push dir="u"/>
+  </p:transition>
 </p:sldLayout>
 </file>
 
@@ -5093,7 +5123,7 @@
           <a:p>
             <a:fld id="{CD13FC2D-BEDB-45BE-AF82-649A39BEFF71}" type="datetimeFigureOut">
               <a:rPr lang="en-GB" smtClean="0"/>
-              <a:t>17/10/2020</a:t>
+              <a:t>19/10/2020</a:t>
             </a:fld>
             <a:endParaRPr lang="en-GB"/>
           </a:p>
@@ -5151,6 +5181,9 @@
   <p:clrMapOvr>
     <a:masterClrMapping/>
   </p:clrMapOvr>
+  <p:transition spd="slow">
+    <p:push dir="u"/>
+  </p:transition>
 </p:sldLayout>
 </file>
 
@@ -5380,7 +5413,7 @@
           <a:p>
             <a:fld id="{CD13FC2D-BEDB-45BE-AF82-649A39BEFF71}" type="datetimeFigureOut">
               <a:rPr lang="en-GB" smtClean="0"/>
-              <a:t>17/10/2020</a:t>
+              <a:t>19/10/2020</a:t>
             </a:fld>
             <a:endParaRPr lang="en-GB"/>
           </a:p>
@@ -5519,6 +5552,9 @@
     <p:sldLayoutId id="2147483682" r:id="rId10"/>
     <p:sldLayoutId id="2147483683" r:id="rId11"/>
   </p:sldLayoutIdLst>
+  <p:transition spd="slow">
+    <p:push dir="u"/>
+  </p:transition>
   <p:txStyles>
     <p:titleStyle>
       <a:lvl1pPr algn="l" defTabSz="914400" rtl="0" eaLnBrk="1" latinLnBrk="0" hangingPunct="1">
@@ -6039,6 +6075,9 @@
   <p:clrMapOvr>
     <a:masterClrMapping/>
   </p:clrMapOvr>
+  <p:transition spd="slow">
+    <p:push dir="u"/>
+  </p:transition>
 </p:sld>
 </file>
 
@@ -6353,6 +6392,347 @@
   <p:clrMapOvr>
     <a:masterClrMapping/>
   </p:clrMapOvr>
+  <p:transition spd="slow">
+    <p:push dir="u"/>
+  </p:transition>
+  <p:timing>
+    <p:tnLst>
+      <p:par>
+        <p:cTn id="1" dur="indefinite" restart="never" nodeType="tmRoot">
+          <p:childTnLst>
+            <p:seq concurrent="1" nextAc="seek">
+              <p:cTn id="2" dur="indefinite" nodeType="mainSeq">
+                <p:childTnLst>
+                  <p:par>
+                    <p:cTn id="3" fill="hold">
+                      <p:stCondLst>
+                        <p:cond delay="indefinite"/>
+                      </p:stCondLst>
+                      <p:childTnLst>
+                        <p:par>
+                          <p:cTn id="4" fill="hold">
+                            <p:stCondLst>
+                              <p:cond delay="0"/>
+                            </p:stCondLst>
+                            <p:childTnLst>
+                              <p:par>
+                                <p:cTn id="5" presetID="10" presetClass="entr" presetSubtype="0" fill="hold" grpId="0" nodeType="clickEffect">
+                                  <p:stCondLst>
+                                    <p:cond delay="0"/>
+                                  </p:stCondLst>
+                                  <p:childTnLst>
+                                    <p:set>
+                                      <p:cBhvr>
+                                        <p:cTn id="6" dur="1" fill="hold">
+                                          <p:stCondLst>
+                                            <p:cond delay="0"/>
+                                          </p:stCondLst>
+                                        </p:cTn>
+                                        <p:tgtEl>
+                                          <p:spTgt spid="5">
+                                            <p:txEl>
+                                              <p:pRg st="0" end="0"/>
+                                            </p:txEl>
+                                          </p:spTgt>
+                                        </p:tgtEl>
+                                        <p:attrNameLst>
+                                          <p:attrName>style.visibility</p:attrName>
+                                        </p:attrNameLst>
+                                      </p:cBhvr>
+                                      <p:to>
+                                        <p:strVal val="visible"/>
+                                      </p:to>
+                                    </p:set>
+                                    <p:animEffect transition="in" filter="fade">
+                                      <p:cBhvr>
+                                        <p:cTn id="7" dur="500"/>
+                                        <p:tgtEl>
+                                          <p:spTgt spid="5">
+                                            <p:txEl>
+                                              <p:pRg st="0" end="0"/>
+                                            </p:txEl>
+                                          </p:spTgt>
+                                        </p:tgtEl>
+                                      </p:cBhvr>
+                                    </p:animEffect>
+                                  </p:childTnLst>
+                                </p:cTn>
+                              </p:par>
+                            </p:childTnLst>
+                          </p:cTn>
+                        </p:par>
+                      </p:childTnLst>
+                    </p:cTn>
+                  </p:par>
+                  <p:par>
+                    <p:cTn id="8" fill="hold">
+                      <p:stCondLst>
+                        <p:cond delay="indefinite"/>
+                      </p:stCondLst>
+                      <p:childTnLst>
+                        <p:par>
+                          <p:cTn id="9" fill="hold">
+                            <p:stCondLst>
+                              <p:cond delay="0"/>
+                            </p:stCondLst>
+                            <p:childTnLst>
+                              <p:par>
+                                <p:cTn id="10" presetID="10" presetClass="entr" presetSubtype="0" fill="hold" grpId="0" nodeType="clickEffect">
+                                  <p:stCondLst>
+                                    <p:cond delay="0"/>
+                                  </p:stCondLst>
+                                  <p:childTnLst>
+                                    <p:set>
+                                      <p:cBhvr>
+                                        <p:cTn id="11" dur="1" fill="hold">
+                                          <p:stCondLst>
+                                            <p:cond delay="0"/>
+                                          </p:stCondLst>
+                                        </p:cTn>
+                                        <p:tgtEl>
+                                          <p:spTgt spid="5">
+                                            <p:txEl>
+                                              <p:pRg st="1" end="1"/>
+                                            </p:txEl>
+                                          </p:spTgt>
+                                        </p:tgtEl>
+                                        <p:attrNameLst>
+                                          <p:attrName>style.visibility</p:attrName>
+                                        </p:attrNameLst>
+                                      </p:cBhvr>
+                                      <p:to>
+                                        <p:strVal val="visible"/>
+                                      </p:to>
+                                    </p:set>
+                                    <p:animEffect transition="in" filter="fade">
+                                      <p:cBhvr>
+                                        <p:cTn id="12" dur="500"/>
+                                        <p:tgtEl>
+                                          <p:spTgt spid="5">
+                                            <p:txEl>
+                                              <p:pRg st="1" end="1"/>
+                                            </p:txEl>
+                                          </p:spTgt>
+                                        </p:tgtEl>
+                                      </p:cBhvr>
+                                    </p:animEffect>
+                                  </p:childTnLst>
+                                </p:cTn>
+                              </p:par>
+                            </p:childTnLst>
+                          </p:cTn>
+                        </p:par>
+                      </p:childTnLst>
+                    </p:cTn>
+                  </p:par>
+                  <p:par>
+                    <p:cTn id="13" fill="hold">
+                      <p:stCondLst>
+                        <p:cond delay="indefinite"/>
+                      </p:stCondLst>
+                      <p:childTnLst>
+                        <p:par>
+                          <p:cTn id="14" fill="hold">
+                            <p:stCondLst>
+                              <p:cond delay="0"/>
+                            </p:stCondLst>
+                            <p:childTnLst>
+                              <p:par>
+                                <p:cTn id="15" presetID="10" presetClass="entr" presetSubtype="0" fill="hold" grpId="0" nodeType="clickEffect">
+                                  <p:stCondLst>
+                                    <p:cond delay="0"/>
+                                  </p:stCondLst>
+                                  <p:childTnLst>
+                                    <p:set>
+                                      <p:cBhvr>
+                                        <p:cTn id="16" dur="1" fill="hold">
+                                          <p:stCondLst>
+                                            <p:cond delay="0"/>
+                                          </p:stCondLst>
+                                        </p:cTn>
+                                        <p:tgtEl>
+                                          <p:spTgt spid="5">
+                                            <p:txEl>
+                                              <p:pRg st="2" end="2"/>
+                                            </p:txEl>
+                                          </p:spTgt>
+                                        </p:tgtEl>
+                                        <p:attrNameLst>
+                                          <p:attrName>style.visibility</p:attrName>
+                                        </p:attrNameLst>
+                                      </p:cBhvr>
+                                      <p:to>
+                                        <p:strVal val="visible"/>
+                                      </p:to>
+                                    </p:set>
+                                    <p:animEffect transition="in" filter="fade">
+                                      <p:cBhvr>
+                                        <p:cTn id="17" dur="500"/>
+                                        <p:tgtEl>
+                                          <p:spTgt spid="5">
+                                            <p:txEl>
+                                              <p:pRg st="2" end="2"/>
+                                            </p:txEl>
+                                          </p:spTgt>
+                                        </p:tgtEl>
+                                      </p:cBhvr>
+                                    </p:animEffect>
+                                  </p:childTnLst>
+                                </p:cTn>
+                              </p:par>
+                            </p:childTnLst>
+                          </p:cTn>
+                        </p:par>
+                      </p:childTnLst>
+                    </p:cTn>
+                  </p:par>
+                  <p:par>
+                    <p:cTn id="18" fill="hold">
+                      <p:stCondLst>
+                        <p:cond delay="indefinite"/>
+                      </p:stCondLst>
+                      <p:childTnLst>
+                        <p:par>
+                          <p:cTn id="19" fill="hold">
+                            <p:stCondLst>
+                              <p:cond delay="0"/>
+                            </p:stCondLst>
+                            <p:childTnLst>
+                              <p:par>
+                                <p:cTn id="20" presetID="10" presetClass="entr" presetSubtype="0" fill="hold" grpId="0" nodeType="clickEffect">
+                                  <p:stCondLst>
+                                    <p:cond delay="0"/>
+                                  </p:stCondLst>
+                                  <p:childTnLst>
+                                    <p:set>
+                                      <p:cBhvr>
+                                        <p:cTn id="21" dur="1" fill="hold">
+                                          <p:stCondLst>
+                                            <p:cond delay="0"/>
+                                          </p:stCondLst>
+                                        </p:cTn>
+                                        <p:tgtEl>
+                                          <p:spTgt spid="5">
+                                            <p:txEl>
+                                              <p:pRg st="3" end="3"/>
+                                            </p:txEl>
+                                          </p:spTgt>
+                                        </p:tgtEl>
+                                        <p:attrNameLst>
+                                          <p:attrName>style.visibility</p:attrName>
+                                        </p:attrNameLst>
+                                      </p:cBhvr>
+                                      <p:to>
+                                        <p:strVal val="visible"/>
+                                      </p:to>
+                                    </p:set>
+                                    <p:animEffect transition="in" filter="fade">
+                                      <p:cBhvr>
+                                        <p:cTn id="22" dur="500"/>
+                                        <p:tgtEl>
+                                          <p:spTgt spid="5">
+                                            <p:txEl>
+                                              <p:pRg st="3" end="3"/>
+                                            </p:txEl>
+                                          </p:spTgt>
+                                        </p:tgtEl>
+                                      </p:cBhvr>
+                                    </p:animEffect>
+                                  </p:childTnLst>
+                                </p:cTn>
+                              </p:par>
+                            </p:childTnLst>
+                          </p:cTn>
+                        </p:par>
+                      </p:childTnLst>
+                    </p:cTn>
+                  </p:par>
+                  <p:par>
+                    <p:cTn id="23" fill="hold">
+                      <p:stCondLst>
+                        <p:cond delay="indefinite"/>
+                      </p:stCondLst>
+                      <p:childTnLst>
+                        <p:par>
+                          <p:cTn id="24" fill="hold">
+                            <p:stCondLst>
+                              <p:cond delay="0"/>
+                            </p:stCondLst>
+                            <p:childTnLst>
+                              <p:par>
+                                <p:cTn id="25" presetID="10" presetClass="entr" presetSubtype="0" fill="hold" grpId="0" nodeType="clickEffect">
+                                  <p:stCondLst>
+                                    <p:cond delay="0"/>
+                                  </p:stCondLst>
+                                  <p:childTnLst>
+                                    <p:set>
+                                      <p:cBhvr>
+                                        <p:cTn id="26" dur="1" fill="hold">
+                                          <p:stCondLst>
+                                            <p:cond delay="0"/>
+                                          </p:stCondLst>
+                                        </p:cTn>
+                                        <p:tgtEl>
+                                          <p:spTgt spid="5">
+                                            <p:txEl>
+                                              <p:pRg st="4" end="4"/>
+                                            </p:txEl>
+                                          </p:spTgt>
+                                        </p:tgtEl>
+                                        <p:attrNameLst>
+                                          <p:attrName>style.visibility</p:attrName>
+                                        </p:attrNameLst>
+                                      </p:cBhvr>
+                                      <p:to>
+                                        <p:strVal val="visible"/>
+                                      </p:to>
+                                    </p:set>
+                                    <p:animEffect transition="in" filter="fade">
+                                      <p:cBhvr>
+                                        <p:cTn id="27" dur="500"/>
+                                        <p:tgtEl>
+                                          <p:spTgt spid="5">
+                                            <p:txEl>
+                                              <p:pRg st="4" end="4"/>
+                                            </p:txEl>
+                                          </p:spTgt>
+                                        </p:tgtEl>
+                                      </p:cBhvr>
+                                    </p:animEffect>
+                                  </p:childTnLst>
+                                </p:cTn>
+                              </p:par>
+                            </p:childTnLst>
+                          </p:cTn>
+                        </p:par>
+                      </p:childTnLst>
+                    </p:cTn>
+                  </p:par>
+                </p:childTnLst>
+              </p:cTn>
+              <p:prevCondLst>
+                <p:cond evt="onPrev" delay="0">
+                  <p:tgtEl>
+                    <p:sldTgt/>
+                  </p:tgtEl>
+                </p:cond>
+              </p:prevCondLst>
+              <p:nextCondLst>
+                <p:cond evt="onNext" delay="0">
+                  <p:tgtEl>
+                    <p:sldTgt/>
+                  </p:tgtEl>
+                </p:cond>
+              </p:nextCondLst>
+            </p:seq>
+          </p:childTnLst>
+        </p:cTn>
+      </p:par>
+    </p:tnLst>
+    <p:bldLst>
+      <p:bldP spid="5" grpId="0" build="p"/>
+    </p:bldLst>
+  </p:timing>
 </p:sld>
 </file>
 
@@ -8280,6 +8660,9 @@
   <p:clrMapOvr>
     <a:masterClrMapping/>
   </p:clrMapOvr>
+  <p:transition spd="slow">
+    <p:push dir="u"/>
+  </p:transition>
 </p:sld>
 </file>
 
@@ -8404,6 +8787,9 @@
   <p:clrMapOvr>
     <a:masterClrMapping/>
   </p:clrMapOvr>
+  <p:transition spd="slow">
+    <p:push dir="u"/>
+  </p:transition>
 </p:sld>
 </file>
 
@@ -8568,6 +8954,866 @@
   <p:clrMapOvr>
     <a:masterClrMapping/>
   </p:clrMapOvr>
+  <p:transition spd="slow">
+    <p:push dir="u"/>
+  </p:transition>
+  <p:timing>
+    <p:tnLst>
+      <p:par>
+        <p:cTn id="1" dur="indefinite" restart="never" nodeType="tmRoot">
+          <p:childTnLst>
+            <p:seq concurrent="1" nextAc="seek">
+              <p:cTn id="2" dur="indefinite" nodeType="mainSeq">
+                <p:childTnLst>
+                  <p:par>
+                    <p:cTn id="3" fill="hold">
+                      <p:stCondLst>
+                        <p:cond delay="indefinite"/>
+                      </p:stCondLst>
+                      <p:childTnLst>
+                        <p:par>
+                          <p:cTn id="4" fill="hold">
+                            <p:stCondLst>
+                              <p:cond delay="0"/>
+                            </p:stCondLst>
+                            <p:childTnLst>
+                              <p:par>
+                                <p:cTn id="5" presetID="2" presetClass="entr" presetSubtype="4" fill="hold" grpId="0" nodeType="clickEffect">
+                                  <p:stCondLst>
+                                    <p:cond delay="0"/>
+                                  </p:stCondLst>
+                                  <p:childTnLst>
+                                    <p:set>
+                                      <p:cBhvr>
+                                        <p:cTn id="6" dur="1" fill="hold">
+                                          <p:stCondLst>
+                                            <p:cond delay="0"/>
+                                          </p:stCondLst>
+                                        </p:cTn>
+                                        <p:tgtEl>
+                                          <p:spTgt spid="6">
+                                            <p:txEl>
+                                              <p:pRg st="0" end="0"/>
+                                            </p:txEl>
+                                          </p:spTgt>
+                                        </p:tgtEl>
+                                        <p:attrNameLst>
+                                          <p:attrName>style.visibility</p:attrName>
+                                        </p:attrNameLst>
+                                      </p:cBhvr>
+                                      <p:to>
+                                        <p:strVal val="visible"/>
+                                      </p:to>
+                                    </p:set>
+                                    <p:anim calcmode="lin" valueType="num">
+                                      <p:cBhvr additive="base">
+                                        <p:cTn id="7" dur="500" fill="hold"/>
+                                        <p:tgtEl>
+                                          <p:spTgt spid="6">
+                                            <p:txEl>
+                                              <p:pRg st="0" end="0"/>
+                                            </p:txEl>
+                                          </p:spTgt>
+                                        </p:tgtEl>
+                                        <p:attrNameLst>
+                                          <p:attrName>ppt_x</p:attrName>
+                                        </p:attrNameLst>
+                                      </p:cBhvr>
+                                      <p:tavLst>
+                                        <p:tav tm="0">
+                                          <p:val>
+                                            <p:strVal val="#ppt_x"/>
+                                          </p:val>
+                                        </p:tav>
+                                        <p:tav tm="100000">
+                                          <p:val>
+                                            <p:strVal val="#ppt_x"/>
+                                          </p:val>
+                                        </p:tav>
+                                      </p:tavLst>
+                                    </p:anim>
+                                    <p:anim calcmode="lin" valueType="num">
+                                      <p:cBhvr additive="base">
+                                        <p:cTn id="8" dur="500" fill="hold"/>
+                                        <p:tgtEl>
+                                          <p:spTgt spid="6">
+                                            <p:txEl>
+                                              <p:pRg st="0" end="0"/>
+                                            </p:txEl>
+                                          </p:spTgt>
+                                        </p:tgtEl>
+                                        <p:attrNameLst>
+                                          <p:attrName>ppt_y</p:attrName>
+                                        </p:attrNameLst>
+                                      </p:cBhvr>
+                                      <p:tavLst>
+                                        <p:tav tm="0">
+                                          <p:val>
+                                            <p:strVal val="1+#ppt_h/2"/>
+                                          </p:val>
+                                        </p:tav>
+                                        <p:tav tm="100000">
+                                          <p:val>
+                                            <p:strVal val="#ppt_y"/>
+                                          </p:val>
+                                        </p:tav>
+                                      </p:tavLst>
+                                    </p:anim>
+                                  </p:childTnLst>
+                                </p:cTn>
+                              </p:par>
+                            </p:childTnLst>
+                          </p:cTn>
+                        </p:par>
+                      </p:childTnLst>
+                    </p:cTn>
+                  </p:par>
+                  <p:par>
+                    <p:cTn id="9" fill="hold">
+                      <p:stCondLst>
+                        <p:cond delay="indefinite"/>
+                      </p:stCondLst>
+                      <p:childTnLst>
+                        <p:par>
+                          <p:cTn id="10" fill="hold">
+                            <p:stCondLst>
+                              <p:cond delay="0"/>
+                            </p:stCondLst>
+                            <p:childTnLst>
+                              <p:par>
+                                <p:cTn id="11" presetID="2" presetClass="entr" presetSubtype="4" fill="hold" grpId="0" nodeType="clickEffect">
+                                  <p:stCondLst>
+                                    <p:cond delay="0"/>
+                                  </p:stCondLst>
+                                  <p:childTnLst>
+                                    <p:set>
+                                      <p:cBhvr>
+                                        <p:cTn id="12" dur="1" fill="hold">
+                                          <p:stCondLst>
+                                            <p:cond delay="0"/>
+                                          </p:stCondLst>
+                                        </p:cTn>
+                                        <p:tgtEl>
+                                          <p:spTgt spid="6">
+                                            <p:txEl>
+                                              <p:pRg st="1" end="1"/>
+                                            </p:txEl>
+                                          </p:spTgt>
+                                        </p:tgtEl>
+                                        <p:attrNameLst>
+                                          <p:attrName>style.visibility</p:attrName>
+                                        </p:attrNameLst>
+                                      </p:cBhvr>
+                                      <p:to>
+                                        <p:strVal val="visible"/>
+                                      </p:to>
+                                    </p:set>
+                                    <p:anim calcmode="lin" valueType="num">
+                                      <p:cBhvr additive="base">
+                                        <p:cTn id="13" dur="500" fill="hold"/>
+                                        <p:tgtEl>
+                                          <p:spTgt spid="6">
+                                            <p:txEl>
+                                              <p:pRg st="1" end="1"/>
+                                            </p:txEl>
+                                          </p:spTgt>
+                                        </p:tgtEl>
+                                        <p:attrNameLst>
+                                          <p:attrName>ppt_x</p:attrName>
+                                        </p:attrNameLst>
+                                      </p:cBhvr>
+                                      <p:tavLst>
+                                        <p:tav tm="0">
+                                          <p:val>
+                                            <p:strVal val="#ppt_x"/>
+                                          </p:val>
+                                        </p:tav>
+                                        <p:tav tm="100000">
+                                          <p:val>
+                                            <p:strVal val="#ppt_x"/>
+                                          </p:val>
+                                        </p:tav>
+                                      </p:tavLst>
+                                    </p:anim>
+                                    <p:anim calcmode="lin" valueType="num">
+                                      <p:cBhvr additive="base">
+                                        <p:cTn id="14" dur="500" fill="hold"/>
+                                        <p:tgtEl>
+                                          <p:spTgt spid="6">
+                                            <p:txEl>
+                                              <p:pRg st="1" end="1"/>
+                                            </p:txEl>
+                                          </p:spTgt>
+                                        </p:tgtEl>
+                                        <p:attrNameLst>
+                                          <p:attrName>ppt_y</p:attrName>
+                                        </p:attrNameLst>
+                                      </p:cBhvr>
+                                      <p:tavLst>
+                                        <p:tav tm="0">
+                                          <p:val>
+                                            <p:strVal val="1+#ppt_h/2"/>
+                                          </p:val>
+                                        </p:tav>
+                                        <p:tav tm="100000">
+                                          <p:val>
+                                            <p:strVal val="#ppt_y"/>
+                                          </p:val>
+                                        </p:tav>
+                                      </p:tavLst>
+                                    </p:anim>
+                                  </p:childTnLst>
+                                </p:cTn>
+                              </p:par>
+                            </p:childTnLst>
+                          </p:cTn>
+                        </p:par>
+                      </p:childTnLst>
+                    </p:cTn>
+                  </p:par>
+                  <p:par>
+                    <p:cTn id="15" fill="hold">
+                      <p:stCondLst>
+                        <p:cond delay="indefinite"/>
+                      </p:stCondLst>
+                      <p:childTnLst>
+                        <p:par>
+                          <p:cTn id="16" fill="hold">
+                            <p:stCondLst>
+                              <p:cond delay="0"/>
+                            </p:stCondLst>
+                            <p:childTnLst>
+                              <p:par>
+                                <p:cTn id="17" presetID="2" presetClass="entr" presetSubtype="4" fill="hold" grpId="0" nodeType="clickEffect">
+                                  <p:stCondLst>
+                                    <p:cond delay="0"/>
+                                  </p:stCondLst>
+                                  <p:childTnLst>
+                                    <p:set>
+                                      <p:cBhvr>
+                                        <p:cTn id="18" dur="1" fill="hold">
+                                          <p:stCondLst>
+                                            <p:cond delay="0"/>
+                                          </p:stCondLst>
+                                        </p:cTn>
+                                        <p:tgtEl>
+                                          <p:spTgt spid="6">
+                                            <p:txEl>
+                                              <p:pRg st="2" end="2"/>
+                                            </p:txEl>
+                                          </p:spTgt>
+                                        </p:tgtEl>
+                                        <p:attrNameLst>
+                                          <p:attrName>style.visibility</p:attrName>
+                                        </p:attrNameLst>
+                                      </p:cBhvr>
+                                      <p:to>
+                                        <p:strVal val="visible"/>
+                                      </p:to>
+                                    </p:set>
+                                    <p:anim calcmode="lin" valueType="num">
+                                      <p:cBhvr additive="base">
+                                        <p:cTn id="19" dur="500" fill="hold"/>
+                                        <p:tgtEl>
+                                          <p:spTgt spid="6">
+                                            <p:txEl>
+                                              <p:pRg st="2" end="2"/>
+                                            </p:txEl>
+                                          </p:spTgt>
+                                        </p:tgtEl>
+                                        <p:attrNameLst>
+                                          <p:attrName>ppt_x</p:attrName>
+                                        </p:attrNameLst>
+                                      </p:cBhvr>
+                                      <p:tavLst>
+                                        <p:tav tm="0">
+                                          <p:val>
+                                            <p:strVal val="#ppt_x"/>
+                                          </p:val>
+                                        </p:tav>
+                                        <p:tav tm="100000">
+                                          <p:val>
+                                            <p:strVal val="#ppt_x"/>
+                                          </p:val>
+                                        </p:tav>
+                                      </p:tavLst>
+                                    </p:anim>
+                                    <p:anim calcmode="lin" valueType="num">
+                                      <p:cBhvr additive="base">
+                                        <p:cTn id="20" dur="500" fill="hold"/>
+                                        <p:tgtEl>
+                                          <p:spTgt spid="6">
+                                            <p:txEl>
+                                              <p:pRg st="2" end="2"/>
+                                            </p:txEl>
+                                          </p:spTgt>
+                                        </p:tgtEl>
+                                        <p:attrNameLst>
+                                          <p:attrName>ppt_y</p:attrName>
+                                        </p:attrNameLst>
+                                      </p:cBhvr>
+                                      <p:tavLst>
+                                        <p:tav tm="0">
+                                          <p:val>
+                                            <p:strVal val="1+#ppt_h/2"/>
+                                          </p:val>
+                                        </p:tav>
+                                        <p:tav tm="100000">
+                                          <p:val>
+                                            <p:strVal val="#ppt_y"/>
+                                          </p:val>
+                                        </p:tav>
+                                      </p:tavLst>
+                                    </p:anim>
+                                  </p:childTnLst>
+                                </p:cTn>
+                              </p:par>
+                            </p:childTnLst>
+                          </p:cTn>
+                        </p:par>
+                      </p:childTnLst>
+                    </p:cTn>
+                  </p:par>
+                  <p:par>
+                    <p:cTn id="21" fill="hold">
+                      <p:stCondLst>
+                        <p:cond delay="indefinite"/>
+                      </p:stCondLst>
+                      <p:childTnLst>
+                        <p:par>
+                          <p:cTn id="22" fill="hold">
+                            <p:stCondLst>
+                              <p:cond delay="0"/>
+                            </p:stCondLst>
+                            <p:childTnLst>
+                              <p:par>
+                                <p:cTn id="23" presetID="2" presetClass="entr" presetSubtype="4" fill="hold" grpId="0" nodeType="clickEffect">
+                                  <p:stCondLst>
+                                    <p:cond delay="0"/>
+                                  </p:stCondLst>
+                                  <p:childTnLst>
+                                    <p:set>
+                                      <p:cBhvr>
+                                        <p:cTn id="24" dur="1" fill="hold">
+                                          <p:stCondLst>
+                                            <p:cond delay="0"/>
+                                          </p:stCondLst>
+                                        </p:cTn>
+                                        <p:tgtEl>
+                                          <p:spTgt spid="6">
+                                            <p:txEl>
+                                              <p:pRg st="3" end="3"/>
+                                            </p:txEl>
+                                          </p:spTgt>
+                                        </p:tgtEl>
+                                        <p:attrNameLst>
+                                          <p:attrName>style.visibility</p:attrName>
+                                        </p:attrNameLst>
+                                      </p:cBhvr>
+                                      <p:to>
+                                        <p:strVal val="visible"/>
+                                      </p:to>
+                                    </p:set>
+                                    <p:anim calcmode="lin" valueType="num">
+                                      <p:cBhvr additive="base">
+                                        <p:cTn id="25" dur="500" fill="hold"/>
+                                        <p:tgtEl>
+                                          <p:spTgt spid="6">
+                                            <p:txEl>
+                                              <p:pRg st="3" end="3"/>
+                                            </p:txEl>
+                                          </p:spTgt>
+                                        </p:tgtEl>
+                                        <p:attrNameLst>
+                                          <p:attrName>ppt_x</p:attrName>
+                                        </p:attrNameLst>
+                                      </p:cBhvr>
+                                      <p:tavLst>
+                                        <p:tav tm="0">
+                                          <p:val>
+                                            <p:strVal val="#ppt_x"/>
+                                          </p:val>
+                                        </p:tav>
+                                        <p:tav tm="100000">
+                                          <p:val>
+                                            <p:strVal val="#ppt_x"/>
+                                          </p:val>
+                                        </p:tav>
+                                      </p:tavLst>
+                                    </p:anim>
+                                    <p:anim calcmode="lin" valueType="num">
+                                      <p:cBhvr additive="base">
+                                        <p:cTn id="26" dur="500" fill="hold"/>
+                                        <p:tgtEl>
+                                          <p:spTgt spid="6">
+                                            <p:txEl>
+                                              <p:pRg st="3" end="3"/>
+                                            </p:txEl>
+                                          </p:spTgt>
+                                        </p:tgtEl>
+                                        <p:attrNameLst>
+                                          <p:attrName>ppt_y</p:attrName>
+                                        </p:attrNameLst>
+                                      </p:cBhvr>
+                                      <p:tavLst>
+                                        <p:tav tm="0">
+                                          <p:val>
+                                            <p:strVal val="1+#ppt_h/2"/>
+                                          </p:val>
+                                        </p:tav>
+                                        <p:tav tm="100000">
+                                          <p:val>
+                                            <p:strVal val="#ppt_y"/>
+                                          </p:val>
+                                        </p:tav>
+                                      </p:tavLst>
+                                    </p:anim>
+                                  </p:childTnLst>
+                                </p:cTn>
+                              </p:par>
+                            </p:childTnLst>
+                          </p:cTn>
+                        </p:par>
+                      </p:childTnLst>
+                    </p:cTn>
+                  </p:par>
+                  <p:par>
+                    <p:cTn id="27" fill="hold">
+                      <p:stCondLst>
+                        <p:cond delay="indefinite"/>
+                      </p:stCondLst>
+                      <p:childTnLst>
+                        <p:par>
+                          <p:cTn id="28" fill="hold">
+                            <p:stCondLst>
+                              <p:cond delay="0"/>
+                            </p:stCondLst>
+                            <p:childTnLst>
+                              <p:par>
+                                <p:cTn id="29" presetID="2" presetClass="entr" presetSubtype="4" fill="hold" grpId="0" nodeType="clickEffect">
+                                  <p:stCondLst>
+                                    <p:cond delay="0"/>
+                                  </p:stCondLst>
+                                  <p:childTnLst>
+                                    <p:set>
+                                      <p:cBhvr>
+                                        <p:cTn id="30" dur="1" fill="hold">
+                                          <p:stCondLst>
+                                            <p:cond delay="0"/>
+                                          </p:stCondLst>
+                                        </p:cTn>
+                                        <p:tgtEl>
+                                          <p:spTgt spid="6">
+                                            <p:txEl>
+                                              <p:pRg st="4" end="4"/>
+                                            </p:txEl>
+                                          </p:spTgt>
+                                        </p:tgtEl>
+                                        <p:attrNameLst>
+                                          <p:attrName>style.visibility</p:attrName>
+                                        </p:attrNameLst>
+                                      </p:cBhvr>
+                                      <p:to>
+                                        <p:strVal val="visible"/>
+                                      </p:to>
+                                    </p:set>
+                                    <p:anim calcmode="lin" valueType="num">
+                                      <p:cBhvr additive="base">
+                                        <p:cTn id="31" dur="500" fill="hold"/>
+                                        <p:tgtEl>
+                                          <p:spTgt spid="6">
+                                            <p:txEl>
+                                              <p:pRg st="4" end="4"/>
+                                            </p:txEl>
+                                          </p:spTgt>
+                                        </p:tgtEl>
+                                        <p:attrNameLst>
+                                          <p:attrName>ppt_x</p:attrName>
+                                        </p:attrNameLst>
+                                      </p:cBhvr>
+                                      <p:tavLst>
+                                        <p:tav tm="0">
+                                          <p:val>
+                                            <p:strVal val="#ppt_x"/>
+                                          </p:val>
+                                        </p:tav>
+                                        <p:tav tm="100000">
+                                          <p:val>
+                                            <p:strVal val="#ppt_x"/>
+                                          </p:val>
+                                        </p:tav>
+                                      </p:tavLst>
+                                    </p:anim>
+                                    <p:anim calcmode="lin" valueType="num">
+                                      <p:cBhvr additive="base">
+                                        <p:cTn id="32" dur="500" fill="hold"/>
+                                        <p:tgtEl>
+                                          <p:spTgt spid="6">
+                                            <p:txEl>
+                                              <p:pRg st="4" end="4"/>
+                                            </p:txEl>
+                                          </p:spTgt>
+                                        </p:tgtEl>
+                                        <p:attrNameLst>
+                                          <p:attrName>ppt_y</p:attrName>
+                                        </p:attrNameLst>
+                                      </p:cBhvr>
+                                      <p:tavLst>
+                                        <p:tav tm="0">
+                                          <p:val>
+                                            <p:strVal val="1+#ppt_h/2"/>
+                                          </p:val>
+                                        </p:tav>
+                                        <p:tav tm="100000">
+                                          <p:val>
+                                            <p:strVal val="#ppt_y"/>
+                                          </p:val>
+                                        </p:tav>
+                                      </p:tavLst>
+                                    </p:anim>
+                                  </p:childTnLst>
+                                </p:cTn>
+                              </p:par>
+                            </p:childTnLst>
+                          </p:cTn>
+                        </p:par>
+                      </p:childTnLst>
+                    </p:cTn>
+                  </p:par>
+                  <p:par>
+                    <p:cTn id="33" fill="hold">
+                      <p:stCondLst>
+                        <p:cond delay="indefinite"/>
+                      </p:stCondLst>
+                      <p:childTnLst>
+                        <p:par>
+                          <p:cTn id="34" fill="hold">
+                            <p:stCondLst>
+                              <p:cond delay="0"/>
+                            </p:stCondLst>
+                            <p:childTnLst>
+                              <p:par>
+                                <p:cTn id="35" presetID="2" presetClass="entr" presetSubtype="4" fill="hold" grpId="0" nodeType="clickEffect">
+                                  <p:stCondLst>
+                                    <p:cond delay="0"/>
+                                  </p:stCondLst>
+                                  <p:childTnLst>
+                                    <p:set>
+                                      <p:cBhvr>
+                                        <p:cTn id="36" dur="1" fill="hold">
+                                          <p:stCondLst>
+                                            <p:cond delay="0"/>
+                                          </p:stCondLst>
+                                        </p:cTn>
+                                        <p:tgtEl>
+                                          <p:spTgt spid="6">
+                                            <p:txEl>
+                                              <p:pRg st="5" end="5"/>
+                                            </p:txEl>
+                                          </p:spTgt>
+                                        </p:tgtEl>
+                                        <p:attrNameLst>
+                                          <p:attrName>style.visibility</p:attrName>
+                                        </p:attrNameLst>
+                                      </p:cBhvr>
+                                      <p:to>
+                                        <p:strVal val="visible"/>
+                                      </p:to>
+                                    </p:set>
+                                    <p:anim calcmode="lin" valueType="num">
+                                      <p:cBhvr additive="base">
+                                        <p:cTn id="37" dur="500" fill="hold"/>
+                                        <p:tgtEl>
+                                          <p:spTgt spid="6">
+                                            <p:txEl>
+                                              <p:pRg st="5" end="5"/>
+                                            </p:txEl>
+                                          </p:spTgt>
+                                        </p:tgtEl>
+                                        <p:attrNameLst>
+                                          <p:attrName>ppt_x</p:attrName>
+                                        </p:attrNameLst>
+                                      </p:cBhvr>
+                                      <p:tavLst>
+                                        <p:tav tm="0">
+                                          <p:val>
+                                            <p:strVal val="#ppt_x"/>
+                                          </p:val>
+                                        </p:tav>
+                                        <p:tav tm="100000">
+                                          <p:val>
+                                            <p:strVal val="#ppt_x"/>
+                                          </p:val>
+                                        </p:tav>
+                                      </p:tavLst>
+                                    </p:anim>
+                                    <p:anim calcmode="lin" valueType="num">
+                                      <p:cBhvr additive="base">
+                                        <p:cTn id="38" dur="500" fill="hold"/>
+                                        <p:tgtEl>
+                                          <p:spTgt spid="6">
+                                            <p:txEl>
+                                              <p:pRg st="5" end="5"/>
+                                            </p:txEl>
+                                          </p:spTgt>
+                                        </p:tgtEl>
+                                        <p:attrNameLst>
+                                          <p:attrName>ppt_y</p:attrName>
+                                        </p:attrNameLst>
+                                      </p:cBhvr>
+                                      <p:tavLst>
+                                        <p:tav tm="0">
+                                          <p:val>
+                                            <p:strVal val="1+#ppt_h/2"/>
+                                          </p:val>
+                                        </p:tav>
+                                        <p:tav tm="100000">
+                                          <p:val>
+                                            <p:strVal val="#ppt_y"/>
+                                          </p:val>
+                                        </p:tav>
+                                      </p:tavLst>
+                                    </p:anim>
+                                  </p:childTnLst>
+                                </p:cTn>
+                              </p:par>
+                            </p:childTnLst>
+                          </p:cTn>
+                        </p:par>
+                      </p:childTnLst>
+                    </p:cTn>
+                  </p:par>
+                  <p:par>
+                    <p:cTn id="39" fill="hold">
+                      <p:stCondLst>
+                        <p:cond delay="indefinite"/>
+                      </p:stCondLst>
+                      <p:childTnLst>
+                        <p:par>
+                          <p:cTn id="40" fill="hold">
+                            <p:stCondLst>
+                              <p:cond delay="0"/>
+                            </p:stCondLst>
+                            <p:childTnLst>
+                              <p:par>
+                                <p:cTn id="41" presetID="2" presetClass="entr" presetSubtype="4" fill="hold" grpId="0" nodeType="clickEffect">
+                                  <p:stCondLst>
+                                    <p:cond delay="0"/>
+                                  </p:stCondLst>
+                                  <p:childTnLst>
+                                    <p:set>
+                                      <p:cBhvr>
+                                        <p:cTn id="42" dur="1" fill="hold">
+                                          <p:stCondLst>
+                                            <p:cond delay="0"/>
+                                          </p:stCondLst>
+                                        </p:cTn>
+                                        <p:tgtEl>
+                                          <p:spTgt spid="6">
+                                            <p:txEl>
+                                              <p:pRg st="6" end="6"/>
+                                            </p:txEl>
+                                          </p:spTgt>
+                                        </p:tgtEl>
+                                        <p:attrNameLst>
+                                          <p:attrName>style.visibility</p:attrName>
+                                        </p:attrNameLst>
+                                      </p:cBhvr>
+                                      <p:to>
+                                        <p:strVal val="visible"/>
+                                      </p:to>
+                                    </p:set>
+                                    <p:anim calcmode="lin" valueType="num">
+                                      <p:cBhvr additive="base">
+                                        <p:cTn id="43" dur="500" fill="hold"/>
+                                        <p:tgtEl>
+                                          <p:spTgt spid="6">
+                                            <p:txEl>
+                                              <p:pRg st="6" end="6"/>
+                                            </p:txEl>
+                                          </p:spTgt>
+                                        </p:tgtEl>
+                                        <p:attrNameLst>
+                                          <p:attrName>ppt_x</p:attrName>
+                                        </p:attrNameLst>
+                                      </p:cBhvr>
+                                      <p:tavLst>
+                                        <p:tav tm="0">
+                                          <p:val>
+                                            <p:strVal val="#ppt_x"/>
+                                          </p:val>
+                                        </p:tav>
+                                        <p:tav tm="100000">
+                                          <p:val>
+                                            <p:strVal val="#ppt_x"/>
+                                          </p:val>
+                                        </p:tav>
+                                      </p:tavLst>
+                                    </p:anim>
+                                    <p:anim calcmode="lin" valueType="num">
+                                      <p:cBhvr additive="base">
+                                        <p:cTn id="44" dur="500" fill="hold"/>
+                                        <p:tgtEl>
+                                          <p:spTgt spid="6">
+                                            <p:txEl>
+                                              <p:pRg st="6" end="6"/>
+                                            </p:txEl>
+                                          </p:spTgt>
+                                        </p:tgtEl>
+                                        <p:attrNameLst>
+                                          <p:attrName>ppt_y</p:attrName>
+                                        </p:attrNameLst>
+                                      </p:cBhvr>
+                                      <p:tavLst>
+                                        <p:tav tm="0">
+                                          <p:val>
+                                            <p:strVal val="1+#ppt_h/2"/>
+                                          </p:val>
+                                        </p:tav>
+                                        <p:tav tm="100000">
+                                          <p:val>
+                                            <p:strVal val="#ppt_y"/>
+                                          </p:val>
+                                        </p:tav>
+                                      </p:tavLst>
+                                    </p:anim>
+                                  </p:childTnLst>
+                                </p:cTn>
+                              </p:par>
+                            </p:childTnLst>
+                          </p:cTn>
+                        </p:par>
+                      </p:childTnLst>
+                    </p:cTn>
+                  </p:par>
+                  <p:par>
+                    <p:cTn id="45" fill="hold">
+                      <p:stCondLst>
+                        <p:cond delay="indefinite"/>
+                      </p:stCondLst>
+                      <p:childTnLst>
+                        <p:par>
+                          <p:cTn id="46" fill="hold">
+                            <p:stCondLst>
+                              <p:cond delay="0"/>
+                            </p:stCondLst>
+                            <p:childTnLst>
+                              <p:par>
+                                <p:cTn id="47" presetID="2" presetClass="entr" presetSubtype="4" fill="hold" grpId="0" nodeType="clickEffect">
+                                  <p:stCondLst>
+                                    <p:cond delay="0"/>
+                                  </p:stCondLst>
+                                  <p:childTnLst>
+                                    <p:set>
+                                      <p:cBhvr>
+                                        <p:cTn id="48" dur="1" fill="hold">
+                                          <p:stCondLst>
+                                            <p:cond delay="0"/>
+                                          </p:stCondLst>
+                                        </p:cTn>
+                                        <p:tgtEl>
+                                          <p:spTgt spid="6">
+                                            <p:txEl>
+                                              <p:pRg st="7" end="7"/>
+                                            </p:txEl>
+                                          </p:spTgt>
+                                        </p:tgtEl>
+                                        <p:attrNameLst>
+                                          <p:attrName>style.visibility</p:attrName>
+                                        </p:attrNameLst>
+                                      </p:cBhvr>
+                                      <p:to>
+                                        <p:strVal val="visible"/>
+                                      </p:to>
+                                    </p:set>
+                                    <p:anim calcmode="lin" valueType="num">
+                                      <p:cBhvr additive="base">
+                                        <p:cTn id="49" dur="500" fill="hold"/>
+                                        <p:tgtEl>
+                                          <p:spTgt spid="6">
+                                            <p:txEl>
+                                              <p:pRg st="7" end="7"/>
+                                            </p:txEl>
+                                          </p:spTgt>
+                                        </p:tgtEl>
+                                        <p:attrNameLst>
+                                          <p:attrName>ppt_x</p:attrName>
+                                        </p:attrNameLst>
+                                      </p:cBhvr>
+                                      <p:tavLst>
+                                        <p:tav tm="0">
+                                          <p:val>
+                                            <p:strVal val="#ppt_x"/>
+                                          </p:val>
+                                        </p:tav>
+                                        <p:tav tm="100000">
+                                          <p:val>
+                                            <p:strVal val="#ppt_x"/>
+                                          </p:val>
+                                        </p:tav>
+                                      </p:tavLst>
+                                    </p:anim>
+                                    <p:anim calcmode="lin" valueType="num">
+                                      <p:cBhvr additive="base">
+                                        <p:cTn id="50" dur="500" fill="hold"/>
+                                        <p:tgtEl>
+                                          <p:spTgt spid="6">
+                                            <p:txEl>
+                                              <p:pRg st="7" end="7"/>
+                                            </p:txEl>
+                                          </p:spTgt>
+                                        </p:tgtEl>
+                                        <p:attrNameLst>
+                                          <p:attrName>ppt_y</p:attrName>
+                                        </p:attrNameLst>
+                                      </p:cBhvr>
+                                      <p:tavLst>
+                                        <p:tav tm="0">
+                                          <p:val>
+                                            <p:strVal val="1+#ppt_h/2"/>
+                                          </p:val>
+                                        </p:tav>
+                                        <p:tav tm="100000">
+                                          <p:val>
+                                            <p:strVal val="#ppt_y"/>
+                                          </p:val>
+                                        </p:tav>
+                                      </p:tavLst>
+                                    </p:anim>
+                                  </p:childTnLst>
+                                </p:cTn>
+                              </p:par>
+                            </p:childTnLst>
+                          </p:cTn>
+                        </p:par>
+                      </p:childTnLst>
+                    </p:cTn>
+                  </p:par>
+                </p:childTnLst>
+              </p:cTn>
+              <p:prevCondLst>
+                <p:cond evt="onPrev" delay="0">
+                  <p:tgtEl>
+                    <p:sldTgt/>
+                  </p:tgtEl>
+                </p:cond>
+              </p:prevCondLst>
+              <p:nextCondLst>
+                <p:cond evt="onNext" delay="0">
+                  <p:tgtEl>
+                    <p:sldTgt/>
+                  </p:tgtEl>
+                </p:cond>
+              </p:nextCondLst>
+            </p:seq>
+          </p:childTnLst>
+        </p:cTn>
+      </p:par>
+    </p:tnLst>
+    <p:bldLst>
+      <p:bldP spid="6" grpId="0" build="p"/>
+    </p:bldLst>
+  </p:timing>
 </p:sld>
 </file>
 
@@ -8970,6 +10216,1072 @@
   <p:clrMapOvr>
     <a:masterClrMapping/>
   </p:clrMapOvr>
+  <p:transition spd="slow">
+    <p:push dir="u"/>
+  </p:transition>
+  <p:timing>
+    <p:tnLst>
+      <p:par>
+        <p:cTn id="1" dur="indefinite" restart="never" nodeType="tmRoot">
+          <p:childTnLst>
+            <p:seq concurrent="1" nextAc="seek">
+              <p:cTn id="2" dur="indefinite" nodeType="mainSeq">
+                <p:childTnLst>
+                  <p:par>
+                    <p:cTn id="3" fill="hold">
+                      <p:stCondLst>
+                        <p:cond delay="indefinite"/>
+                      </p:stCondLst>
+                      <p:childTnLst>
+                        <p:par>
+                          <p:cTn id="4" fill="hold">
+                            <p:stCondLst>
+                              <p:cond delay="0"/>
+                            </p:stCondLst>
+                            <p:childTnLst>
+                              <p:par>
+                                <p:cTn id="5" presetID="2" presetClass="entr" presetSubtype="4" fill="hold" grpId="0" nodeType="clickEffect">
+                                  <p:stCondLst>
+                                    <p:cond delay="0"/>
+                                  </p:stCondLst>
+                                  <p:childTnLst>
+                                    <p:set>
+                                      <p:cBhvr>
+                                        <p:cTn id="6" dur="1" fill="hold">
+                                          <p:stCondLst>
+                                            <p:cond delay="0"/>
+                                          </p:stCondLst>
+                                        </p:cTn>
+                                        <p:tgtEl>
+                                          <p:spTgt spid="6">
+                                            <p:txEl>
+                                              <p:pRg st="0" end="0"/>
+                                            </p:txEl>
+                                          </p:spTgt>
+                                        </p:tgtEl>
+                                        <p:attrNameLst>
+                                          <p:attrName>style.visibility</p:attrName>
+                                        </p:attrNameLst>
+                                      </p:cBhvr>
+                                      <p:to>
+                                        <p:strVal val="visible"/>
+                                      </p:to>
+                                    </p:set>
+                                    <p:anim calcmode="lin" valueType="num">
+                                      <p:cBhvr additive="base">
+                                        <p:cTn id="7" dur="500" fill="hold"/>
+                                        <p:tgtEl>
+                                          <p:spTgt spid="6">
+                                            <p:txEl>
+                                              <p:pRg st="0" end="0"/>
+                                            </p:txEl>
+                                          </p:spTgt>
+                                        </p:tgtEl>
+                                        <p:attrNameLst>
+                                          <p:attrName>ppt_x</p:attrName>
+                                        </p:attrNameLst>
+                                      </p:cBhvr>
+                                      <p:tavLst>
+                                        <p:tav tm="0">
+                                          <p:val>
+                                            <p:strVal val="#ppt_x"/>
+                                          </p:val>
+                                        </p:tav>
+                                        <p:tav tm="100000">
+                                          <p:val>
+                                            <p:strVal val="#ppt_x"/>
+                                          </p:val>
+                                        </p:tav>
+                                      </p:tavLst>
+                                    </p:anim>
+                                    <p:anim calcmode="lin" valueType="num">
+                                      <p:cBhvr additive="base">
+                                        <p:cTn id="8" dur="500" fill="hold"/>
+                                        <p:tgtEl>
+                                          <p:spTgt spid="6">
+                                            <p:txEl>
+                                              <p:pRg st="0" end="0"/>
+                                            </p:txEl>
+                                          </p:spTgt>
+                                        </p:tgtEl>
+                                        <p:attrNameLst>
+                                          <p:attrName>ppt_y</p:attrName>
+                                        </p:attrNameLst>
+                                      </p:cBhvr>
+                                      <p:tavLst>
+                                        <p:tav tm="0">
+                                          <p:val>
+                                            <p:strVal val="1+#ppt_h/2"/>
+                                          </p:val>
+                                        </p:tav>
+                                        <p:tav tm="100000">
+                                          <p:val>
+                                            <p:strVal val="#ppt_y"/>
+                                          </p:val>
+                                        </p:tav>
+                                      </p:tavLst>
+                                    </p:anim>
+                                  </p:childTnLst>
+                                </p:cTn>
+                              </p:par>
+                            </p:childTnLst>
+                          </p:cTn>
+                        </p:par>
+                      </p:childTnLst>
+                    </p:cTn>
+                  </p:par>
+                  <p:par>
+                    <p:cTn id="9" fill="hold">
+                      <p:stCondLst>
+                        <p:cond delay="indefinite"/>
+                      </p:stCondLst>
+                      <p:childTnLst>
+                        <p:par>
+                          <p:cTn id="10" fill="hold">
+                            <p:stCondLst>
+                              <p:cond delay="0"/>
+                            </p:stCondLst>
+                            <p:childTnLst>
+                              <p:par>
+                                <p:cTn id="11" presetID="2" presetClass="entr" presetSubtype="4" fill="hold" grpId="0" nodeType="clickEffect">
+                                  <p:stCondLst>
+                                    <p:cond delay="0"/>
+                                  </p:stCondLst>
+                                  <p:childTnLst>
+                                    <p:set>
+                                      <p:cBhvr>
+                                        <p:cTn id="12" dur="1" fill="hold">
+                                          <p:stCondLst>
+                                            <p:cond delay="0"/>
+                                          </p:stCondLst>
+                                        </p:cTn>
+                                        <p:tgtEl>
+                                          <p:spTgt spid="6">
+                                            <p:txEl>
+                                              <p:pRg st="1" end="1"/>
+                                            </p:txEl>
+                                          </p:spTgt>
+                                        </p:tgtEl>
+                                        <p:attrNameLst>
+                                          <p:attrName>style.visibility</p:attrName>
+                                        </p:attrNameLst>
+                                      </p:cBhvr>
+                                      <p:to>
+                                        <p:strVal val="visible"/>
+                                      </p:to>
+                                    </p:set>
+                                    <p:anim calcmode="lin" valueType="num">
+                                      <p:cBhvr additive="base">
+                                        <p:cTn id="13" dur="500" fill="hold"/>
+                                        <p:tgtEl>
+                                          <p:spTgt spid="6">
+                                            <p:txEl>
+                                              <p:pRg st="1" end="1"/>
+                                            </p:txEl>
+                                          </p:spTgt>
+                                        </p:tgtEl>
+                                        <p:attrNameLst>
+                                          <p:attrName>ppt_x</p:attrName>
+                                        </p:attrNameLst>
+                                      </p:cBhvr>
+                                      <p:tavLst>
+                                        <p:tav tm="0">
+                                          <p:val>
+                                            <p:strVal val="#ppt_x"/>
+                                          </p:val>
+                                        </p:tav>
+                                        <p:tav tm="100000">
+                                          <p:val>
+                                            <p:strVal val="#ppt_x"/>
+                                          </p:val>
+                                        </p:tav>
+                                      </p:tavLst>
+                                    </p:anim>
+                                    <p:anim calcmode="lin" valueType="num">
+                                      <p:cBhvr additive="base">
+                                        <p:cTn id="14" dur="500" fill="hold"/>
+                                        <p:tgtEl>
+                                          <p:spTgt spid="6">
+                                            <p:txEl>
+                                              <p:pRg st="1" end="1"/>
+                                            </p:txEl>
+                                          </p:spTgt>
+                                        </p:tgtEl>
+                                        <p:attrNameLst>
+                                          <p:attrName>ppt_y</p:attrName>
+                                        </p:attrNameLst>
+                                      </p:cBhvr>
+                                      <p:tavLst>
+                                        <p:tav tm="0">
+                                          <p:val>
+                                            <p:strVal val="1+#ppt_h/2"/>
+                                          </p:val>
+                                        </p:tav>
+                                        <p:tav tm="100000">
+                                          <p:val>
+                                            <p:strVal val="#ppt_y"/>
+                                          </p:val>
+                                        </p:tav>
+                                      </p:tavLst>
+                                    </p:anim>
+                                  </p:childTnLst>
+                                </p:cTn>
+                              </p:par>
+                            </p:childTnLst>
+                          </p:cTn>
+                        </p:par>
+                      </p:childTnLst>
+                    </p:cTn>
+                  </p:par>
+                  <p:par>
+                    <p:cTn id="15" fill="hold">
+                      <p:stCondLst>
+                        <p:cond delay="indefinite"/>
+                      </p:stCondLst>
+                      <p:childTnLst>
+                        <p:par>
+                          <p:cTn id="16" fill="hold">
+                            <p:stCondLst>
+                              <p:cond delay="0"/>
+                            </p:stCondLst>
+                            <p:childTnLst>
+                              <p:par>
+                                <p:cTn id="17" presetID="2" presetClass="entr" presetSubtype="4" fill="hold" grpId="0" nodeType="clickEffect">
+                                  <p:stCondLst>
+                                    <p:cond delay="0"/>
+                                  </p:stCondLst>
+                                  <p:childTnLst>
+                                    <p:set>
+                                      <p:cBhvr>
+                                        <p:cTn id="18" dur="1" fill="hold">
+                                          <p:stCondLst>
+                                            <p:cond delay="0"/>
+                                          </p:stCondLst>
+                                        </p:cTn>
+                                        <p:tgtEl>
+                                          <p:spTgt spid="6">
+                                            <p:txEl>
+                                              <p:pRg st="2" end="2"/>
+                                            </p:txEl>
+                                          </p:spTgt>
+                                        </p:tgtEl>
+                                        <p:attrNameLst>
+                                          <p:attrName>style.visibility</p:attrName>
+                                        </p:attrNameLst>
+                                      </p:cBhvr>
+                                      <p:to>
+                                        <p:strVal val="visible"/>
+                                      </p:to>
+                                    </p:set>
+                                    <p:anim calcmode="lin" valueType="num">
+                                      <p:cBhvr additive="base">
+                                        <p:cTn id="19" dur="500" fill="hold"/>
+                                        <p:tgtEl>
+                                          <p:spTgt spid="6">
+                                            <p:txEl>
+                                              <p:pRg st="2" end="2"/>
+                                            </p:txEl>
+                                          </p:spTgt>
+                                        </p:tgtEl>
+                                        <p:attrNameLst>
+                                          <p:attrName>ppt_x</p:attrName>
+                                        </p:attrNameLst>
+                                      </p:cBhvr>
+                                      <p:tavLst>
+                                        <p:tav tm="0">
+                                          <p:val>
+                                            <p:strVal val="#ppt_x"/>
+                                          </p:val>
+                                        </p:tav>
+                                        <p:tav tm="100000">
+                                          <p:val>
+                                            <p:strVal val="#ppt_x"/>
+                                          </p:val>
+                                        </p:tav>
+                                      </p:tavLst>
+                                    </p:anim>
+                                    <p:anim calcmode="lin" valueType="num">
+                                      <p:cBhvr additive="base">
+                                        <p:cTn id="20" dur="500" fill="hold"/>
+                                        <p:tgtEl>
+                                          <p:spTgt spid="6">
+                                            <p:txEl>
+                                              <p:pRg st="2" end="2"/>
+                                            </p:txEl>
+                                          </p:spTgt>
+                                        </p:tgtEl>
+                                        <p:attrNameLst>
+                                          <p:attrName>ppt_y</p:attrName>
+                                        </p:attrNameLst>
+                                      </p:cBhvr>
+                                      <p:tavLst>
+                                        <p:tav tm="0">
+                                          <p:val>
+                                            <p:strVal val="1+#ppt_h/2"/>
+                                          </p:val>
+                                        </p:tav>
+                                        <p:tav tm="100000">
+                                          <p:val>
+                                            <p:strVal val="#ppt_y"/>
+                                          </p:val>
+                                        </p:tav>
+                                      </p:tavLst>
+                                    </p:anim>
+                                  </p:childTnLst>
+                                </p:cTn>
+                              </p:par>
+                            </p:childTnLst>
+                          </p:cTn>
+                        </p:par>
+                      </p:childTnLst>
+                    </p:cTn>
+                  </p:par>
+                  <p:par>
+                    <p:cTn id="21" fill="hold">
+                      <p:stCondLst>
+                        <p:cond delay="indefinite"/>
+                      </p:stCondLst>
+                      <p:childTnLst>
+                        <p:par>
+                          <p:cTn id="22" fill="hold">
+                            <p:stCondLst>
+                              <p:cond delay="0"/>
+                            </p:stCondLst>
+                            <p:childTnLst>
+                              <p:par>
+                                <p:cTn id="23" presetID="2" presetClass="entr" presetSubtype="4" fill="hold" grpId="0" nodeType="clickEffect">
+                                  <p:stCondLst>
+                                    <p:cond delay="0"/>
+                                  </p:stCondLst>
+                                  <p:childTnLst>
+                                    <p:set>
+                                      <p:cBhvr>
+                                        <p:cTn id="24" dur="1" fill="hold">
+                                          <p:stCondLst>
+                                            <p:cond delay="0"/>
+                                          </p:stCondLst>
+                                        </p:cTn>
+                                        <p:tgtEl>
+                                          <p:spTgt spid="6">
+                                            <p:txEl>
+                                              <p:pRg st="3" end="3"/>
+                                            </p:txEl>
+                                          </p:spTgt>
+                                        </p:tgtEl>
+                                        <p:attrNameLst>
+                                          <p:attrName>style.visibility</p:attrName>
+                                        </p:attrNameLst>
+                                      </p:cBhvr>
+                                      <p:to>
+                                        <p:strVal val="visible"/>
+                                      </p:to>
+                                    </p:set>
+                                    <p:anim calcmode="lin" valueType="num">
+                                      <p:cBhvr additive="base">
+                                        <p:cTn id="25" dur="500" fill="hold"/>
+                                        <p:tgtEl>
+                                          <p:spTgt spid="6">
+                                            <p:txEl>
+                                              <p:pRg st="3" end="3"/>
+                                            </p:txEl>
+                                          </p:spTgt>
+                                        </p:tgtEl>
+                                        <p:attrNameLst>
+                                          <p:attrName>ppt_x</p:attrName>
+                                        </p:attrNameLst>
+                                      </p:cBhvr>
+                                      <p:tavLst>
+                                        <p:tav tm="0">
+                                          <p:val>
+                                            <p:strVal val="#ppt_x"/>
+                                          </p:val>
+                                        </p:tav>
+                                        <p:tav tm="100000">
+                                          <p:val>
+                                            <p:strVal val="#ppt_x"/>
+                                          </p:val>
+                                        </p:tav>
+                                      </p:tavLst>
+                                    </p:anim>
+                                    <p:anim calcmode="lin" valueType="num">
+                                      <p:cBhvr additive="base">
+                                        <p:cTn id="26" dur="500" fill="hold"/>
+                                        <p:tgtEl>
+                                          <p:spTgt spid="6">
+                                            <p:txEl>
+                                              <p:pRg st="3" end="3"/>
+                                            </p:txEl>
+                                          </p:spTgt>
+                                        </p:tgtEl>
+                                        <p:attrNameLst>
+                                          <p:attrName>ppt_y</p:attrName>
+                                        </p:attrNameLst>
+                                      </p:cBhvr>
+                                      <p:tavLst>
+                                        <p:tav tm="0">
+                                          <p:val>
+                                            <p:strVal val="1+#ppt_h/2"/>
+                                          </p:val>
+                                        </p:tav>
+                                        <p:tav tm="100000">
+                                          <p:val>
+                                            <p:strVal val="#ppt_y"/>
+                                          </p:val>
+                                        </p:tav>
+                                      </p:tavLst>
+                                    </p:anim>
+                                  </p:childTnLst>
+                                </p:cTn>
+                              </p:par>
+                            </p:childTnLst>
+                          </p:cTn>
+                        </p:par>
+                      </p:childTnLst>
+                    </p:cTn>
+                  </p:par>
+                  <p:par>
+                    <p:cTn id="27" fill="hold">
+                      <p:stCondLst>
+                        <p:cond delay="indefinite"/>
+                      </p:stCondLst>
+                      <p:childTnLst>
+                        <p:par>
+                          <p:cTn id="28" fill="hold">
+                            <p:stCondLst>
+                              <p:cond delay="0"/>
+                            </p:stCondLst>
+                            <p:childTnLst>
+                              <p:par>
+                                <p:cTn id="29" presetID="2" presetClass="entr" presetSubtype="4" fill="hold" grpId="0" nodeType="clickEffect">
+                                  <p:stCondLst>
+                                    <p:cond delay="0"/>
+                                  </p:stCondLst>
+                                  <p:childTnLst>
+                                    <p:set>
+                                      <p:cBhvr>
+                                        <p:cTn id="30" dur="1" fill="hold">
+                                          <p:stCondLst>
+                                            <p:cond delay="0"/>
+                                          </p:stCondLst>
+                                        </p:cTn>
+                                        <p:tgtEl>
+                                          <p:spTgt spid="6">
+                                            <p:txEl>
+                                              <p:pRg st="4" end="4"/>
+                                            </p:txEl>
+                                          </p:spTgt>
+                                        </p:tgtEl>
+                                        <p:attrNameLst>
+                                          <p:attrName>style.visibility</p:attrName>
+                                        </p:attrNameLst>
+                                      </p:cBhvr>
+                                      <p:to>
+                                        <p:strVal val="visible"/>
+                                      </p:to>
+                                    </p:set>
+                                    <p:anim calcmode="lin" valueType="num">
+                                      <p:cBhvr additive="base">
+                                        <p:cTn id="31" dur="500" fill="hold"/>
+                                        <p:tgtEl>
+                                          <p:spTgt spid="6">
+                                            <p:txEl>
+                                              <p:pRg st="4" end="4"/>
+                                            </p:txEl>
+                                          </p:spTgt>
+                                        </p:tgtEl>
+                                        <p:attrNameLst>
+                                          <p:attrName>ppt_x</p:attrName>
+                                        </p:attrNameLst>
+                                      </p:cBhvr>
+                                      <p:tavLst>
+                                        <p:tav tm="0">
+                                          <p:val>
+                                            <p:strVal val="#ppt_x"/>
+                                          </p:val>
+                                        </p:tav>
+                                        <p:tav tm="100000">
+                                          <p:val>
+                                            <p:strVal val="#ppt_x"/>
+                                          </p:val>
+                                        </p:tav>
+                                      </p:tavLst>
+                                    </p:anim>
+                                    <p:anim calcmode="lin" valueType="num">
+                                      <p:cBhvr additive="base">
+                                        <p:cTn id="32" dur="500" fill="hold"/>
+                                        <p:tgtEl>
+                                          <p:spTgt spid="6">
+                                            <p:txEl>
+                                              <p:pRg st="4" end="4"/>
+                                            </p:txEl>
+                                          </p:spTgt>
+                                        </p:tgtEl>
+                                        <p:attrNameLst>
+                                          <p:attrName>ppt_y</p:attrName>
+                                        </p:attrNameLst>
+                                      </p:cBhvr>
+                                      <p:tavLst>
+                                        <p:tav tm="0">
+                                          <p:val>
+                                            <p:strVal val="1+#ppt_h/2"/>
+                                          </p:val>
+                                        </p:tav>
+                                        <p:tav tm="100000">
+                                          <p:val>
+                                            <p:strVal val="#ppt_y"/>
+                                          </p:val>
+                                        </p:tav>
+                                      </p:tavLst>
+                                    </p:anim>
+                                  </p:childTnLst>
+                                </p:cTn>
+                              </p:par>
+                            </p:childTnLst>
+                          </p:cTn>
+                        </p:par>
+                      </p:childTnLst>
+                    </p:cTn>
+                  </p:par>
+                  <p:par>
+                    <p:cTn id="33" fill="hold">
+                      <p:stCondLst>
+                        <p:cond delay="indefinite"/>
+                      </p:stCondLst>
+                      <p:childTnLst>
+                        <p:par>
+                          <p:cTn id="34" fill="hold">
+                            <p:stCondLst>
+                              <p:cond delay="0"/>
+                            </p:stCondLst>
+                            <p:childTnLst>
+                              <p:par>
+                                <p:cTn id="35" presetID="2" presetClass="entr" presetSubtype="4" fill="hold" grpId="0" nodeType="clickEffect">
+                                  <p:stCondLst>
+                                    <p:cond delay="0"/>
+                                  </p:stCondLst>
+                                  <p:childTnLst>
+                                    <p:set>
+                                      <p:cBhvr>
+                                        <p:cTn id="36" dur="1" fill="hold">
+                                          <p:stCondLst>
+                                            <p:cond delay="0"/>
+                                          </p:stCondLst>
+                                        </p:cTn>
+                                        <p:tgtEl>
+                                          <p:spTgt spid="6">
+                                            <p:txEl>
+                                              <p:pRg st="5" end="5"/>
+                                            </p:txEl>
+                                          </p:spTgt>
+                                        </p:tgtEl>
+                                        <p:attrNameLst>
+                                          <p:attrName>style.visibility</p:attrName>
+                                        </p:attrNameLst>
+                                      </p:cBhvr>
+                                      <p:to>
+                                        <p:strVal val="visible"/>
+                                      </p:to>
+                                    </p:set>
+                                    <p:anim calcmode="lin" valueType="num">
+                                      <p:cBhvr additive="base">
+                                        <p:cTn id="37" dur="500" fill="hold"/>
+                                        <p:tgtEl>
+                                          <p:spTgt spid="6">
+                                            <p:txEl>
+                                              <p:pRg st="5" end="5"/>
+                                            </p:txEl>
+                                          </p:spTgt>
+                                        </p:tgtEl>
+                                        <p:attrNameLst>
+                                          <p:attrName>ppt_x</p:attrName>
+                                        </p:attrNameLst>
+                                      </p:cBhvr>
+                                      <p:tavLst>
+                                        <p:tav tm="0">
+                                          <p:val>
+                                            <p:strVal val="#ppt_x"/>
+                                          </p:val>
+                                        </p:tav>
+                                        <p:tav tm="100000">
+                                          <p:val>
+                                            <p:strVal val="#ppt_x"/>
+                                          </p:val>
+                                        </p:tav>
+                                      </p:tavLst>
+                                    </p:anim>
+                                    <p:anim calcmode="lin" valueType="num">
+                                      <p:cBhvr additive="base">
+                                        <p:cTn id="38" dur="500" fill="hold"/>
+                                        <p:tgtEl>
+                                          <p:spTgt spid="6">
+                                            <p:txEl>
+                                              <p:pRg st="5" end="5"/>
+                                            </p:txEl>
+                                          </p:spTgt>
+                                        </p:tgtEl>
+                                        <p:attrNameLst>
+                                          <p:attrName>ppt_y</p:attrName>
+                                        </p:attrNameLst>
+                                      </p:cBhvr>
+                                      <p:tavLst>
+                                        <p:tav tm="0">
+                                          <p:val>
+                                            <p:strVal val="1+#ppt_h/2"/>
+                                          </p:val>
+                                        </p:tav>
+                                        <p:tav tm="100000">
+                                          <p:val>
+                                            <p:strVal val="#ppt_y"/>
+                                          </p:val>
+                                        </p:tav>
+                                      </p:tavLst>
+                                    </p:anim>
+                                  </p:childTnLst>
+                                </p:cTn>
+                              </p:par>
+                            </p:childTnLst>
+                          </p:cTn>
+                        </p:par>
+                      </p:childTnLst>
+                    </p:cTn>
+                  </p:par>
+                  <p:par>
+                    <p:cTn id="39" fill="hold">
+                      <p:stCondLst>
+                        <p:cond delay="indefinite"/>
+                      </p:stCondLst>
+                      <p:childTnLst>
+                        <p:par>
+                          <p:cTn id="40" fill="hold">
+                            <p:stCondLst>
+                              <p:cond delay="0"/>
+                            </p:stCondLst>
+                            <p:childTnLst>
+                              <p:par>
+                                <p:cTn id="41" presetID="2" presetClass="entr" presetSubtype="4" fill="hold" grpId="0" nodeType="clickEffect">
+                                  <p:stCondLst>
+                                    <p:cond delay="0"/>
+                                  </p:stCondLst>
+                                  <p:childTnLst>
+                                    <p:set>
+                                      <p:cBhvr>
+                                        <p:cTn id="42" dur="1" fill="hold">
+                                          <p:stCondLst>
+                                            <p:cond delay="0"/>
+                                          </p:stCondLst>
+                                        </p:cTn>
+                                        <p:tgtEl>
+                                          <p:spTgt spid="6">
+                                            <p:txEl>
+                                              <p:pRg st="6" end="6"/>
+                                            </p:txEl>
+                                          </p:spTgt>
+                                        </p:tgtEl>
+                                        <p:attrNameLst>
+                                          <p:attrName>style.visibility</p:attrName>
+                                        </p:attrNameLst>
+                                      </p:cBhvr>
+                                      <p:to>
+                                        <p:strVal val="visible"/>
+                                      </p:to>
+                                    </p:set>
+                                    <p:anim calcmode="lin" valueType="num">
+                                      <p:cBhvr additive="base">
+                                        <p:cTn id="43" dur="500" fill="hold"/>
+                                        <p:tgtEl>
+                                          <p:spTgt spid="6">
+                                            <p:txEl>
+                                              <p:pRg st="6" end="6"/>
+                                            </p:txEl>
+                                          </p:spTgt>
+                                        </p:tgtEl>
+                                        <p:attrNameLst>
+                                          <p:attrName>ppt_x</p:attrName>
+                                        </p:attrNameLst>
+                                      </p:cBhvr>
+                                      <p:tavLst>
+                                        <p:tav tm="0">
+                                          <p:val>
+                                            <p:strVal val="#ppt_x"/>
+                                          </p:val>
+                                        </p:tav>
+                                        <p:tav tm="100000">
+                                          <p:val>
+                                            <p:strVal val="#ppt_x"/>
+                                          </p:val>
+                                        </p:tav>
+                                      </p:tavLst>
+                                    </p:anim>
+                                    <p:anim calcmode="lin" valueType="num">
+                                      <p:cBhvr additive="base">
+                                        <p:cTn id="44" dur="500" fill="hold"/>
+                                        <p:tgtEl>
+                                          <p:spTgt spid="6">
+                                            <p:txEl>
+                                              <p:pRg st="6" end="6"/>
+                                            </p:txEl>
+                                          </p:spTgt>
+                                        </p:tgtEl>
+                                        <p:attrNameLst>
+                                          <p:attrName>ppt_y</p:attrName>
+                                        </p:attrNameLst>
+                                      </p:cBhvr>
+                                      <p:tavLst>
+                                        <p:tav tm="0">
+                                          <p:val>
+                                            <p:strVal val="1+#ppt_h/2"/>
+                                          </p:val>
+                                        </p:tav>
+                                        <p:tav tm="100000">
+                                          <p:val>
+                                            <p:strVal val="#ppt_y"/>
+                                          </p:val>
+                                        </p:tav>
+                                      </p:tavLst>
+                                    </p:anim>
+                                  </p:childTnLst>
+                                </p:cTn>
+                              </p:par>
+                            </p:childTnLst>
+                          </p:cTn>
+                        </p:par>
+                      </p:childTnLst>
+                    </p:cTn>
+                  </p:par>
+                  <p:par>
+                    <p:cTn id="45" fill="hold">
+                      <p:stCondLst>
+                        <p:cond delay="indefinite"/>
+                      </p:stCondLst>
+                      <p:childTnLst>
+                        <p:par>
+                          <p:cTn id="46" fill="hold">
+                            <p:stCondLst>
+                              <p:cond delay="0"/>
+                            </p:stCondLst>
+                            <p:childTnLst>
+                              <p:par>
+                                <p:cTn id="47" presetID="2" presetClass="entr" presetSubtype="4" fill="hold" grpId="0" nodeType="clickEffect">
+                                  <p:stCondLst>
+                                    <p:cond delay="0"/>
+                                  </p:stCondLst>
+                                  <p:childTnLst>
+                                    <p:set>
+                                      <p:cBhvr>
+                                        <p:cTn id="48" dur="1" fill="hold">
+                                          <p:stCondLst>
+                                            <p:cond delay="0"/>
+                                          </p:stCondLst>
+                                        </p:cTn>
+                                        <p:tgtEl>
+                                          <p:spTgt spid="6">
+                                            <p:txEl>
+                                              <p:pRg st="7" end="7"/>
+                                            </p:txEl>
+                                          </p:spTgt>
+                                        </p:tgtEl>
+                                        <p:attrNameLst>
+                                          <p:attrName>style.visibility</p:attrName>
+                                        </p:attrNameLst>
+                                      </p:cBhvr>
+                                      <p:to>
+                                        <p:strVal val="visible"/>
+                                      </p:to>
+                                    </p:set>
+                                    <p:anim calcmode="lin" valueType="num">
+                                      <p:cBhvr additive="base">
+                                        <p:cTn id="49" dur="500" fill="hold"/>
+                                        <p:tgtEl>
+                                          <p:spTgt spid="6">
+                                            <p:txEl>
+                                              <p:pRg st="7" end="7"/>
+                                            </p:txEl>
+                                          </p:spTgt>
+                                        </p:tgtEl>
+                                        <p:attrNameLst>
+                                          <p:attrName>ppt_x</p:attrName>
+                                        </p:attrNameLst>
+                                      </p:cBhvr>
+                                      <p:tavLst>
+                                        <p:tav tm="0">
+                                          <p:val>
+                                            <p:strVal val="#ppt_x"/>
+                                          </p:val>
+                                        </p:tav>
+                                        <p:tav tm="100000">
+                                          <p:val>
+                                            <p:strVal val="#ppt_x"/>
+                                          </p:val>
+                                        </p:tav>
+                                      </p:tavLst>
+                                    </p:anim>
+                                    <p:anim calcmode="lin" valueType="num">
+                                      <p:cBhvr additive="base">
+                                        <p:cTn id="50" dur="500" fill="hold"/>
+                                        <p:tgtEl>
+                                          <p:spTgt spid="6">
+                                            <p:txEl>
+                                              <p:pRg st="7" end="7"/>
+                                            </p:txEl>
+                                          </p:spTgt>
+                                        </p:tgtEl>
+                                        <p:attrNameLst>
+                                          <p:attrName>ppt_y</p:attrName>
+                                        </p:attrNameLst>
+                                      </p:cBhvr>
+                                      <p:tavLst>
+                                        <p:tav tm="0">
+                                          <p:val>
+                                            <p:strVal val="1+#ppt_h/2"/>
+                                          </p:val>
+                                        </p:tav>
+                                        <p:tav tm="100000">
+                                          <p:val>
+                                            <p:strVal val="#ppt_y"/>
+                                          </p:val>
+                                        </p:tav>
+                                      </p:tavLst>
+                                    </p:anim>
+                                  </p:childTnLst>
+                                </p:cTn>
+                              </p:par>
+                            </p:childTnLst>
+                          </p:cTn>
+                        </p:par>
+                      </p:childTnLst>
+                    </p:cTn>
+                  </p:par>
+                  <p:par>
+                    <p:cTn id="51" fill="hold">
+                      <p:stCondLst>
+                        <p:cond delay="indefinite"/>
+                      </p:stCondLst>
+                      <p:childTnLst>
+                        <p:par>
+                          <p:cTn id="52" fill="hold">
+                            <p:stCondLst>
+                              <p:cond delay="0"/>
+                            </p:stCondLst>
+                            <p:childTnLst>
+                              <p:par>
+                                <p:cTn id="53" presetID="2" presetClass="entr" presetSubtype="4" fill="hold" grpId="0" nodeType="clickEffect">
+                                  <p:stCondLst>
+                                    <p:cond delay="0"/>
+                                  </p:stCondLst>
+                                  <p:childTnLst>
+                                    <p:set>
+                                      <p:cBhvr>
+                                        <p:cTn id="54" dur="1" fill="hold">
+                                          <p:stCondLst>
+                                            <p:cond delay="0"/>
+                                          </p:stCondLst>
+                                        </p:cTn>
+                                        <p:tgtEl>
+                                          <p:spTgt spid="6">
+                                            <p:txEl>
+                                              <p:pRg st="8" end="8"/>
+                                            </p:txEl>
+                                          </p:spTgt>
+                                        </p:tgtEl>
+                                        <p:attrNameLst>
+                                          <p:attrName>style.visibility</p:attrName>
+                                        </p:attrNameLst>
+                                      </p:cBhvr>
+                                      <p:to>
+                                        <p:strVal val="visible"/>
+                                      </p:to>
+                                    </p:set>
+                                    <p:anim calcmode="lin" valueType="num">
+                                      <p:cBhvr additive="base">
+                                        <p:cTn id="55" dur="500" fill="hold"/>
+                                        <p:tgtEl>
+                                          <p:spTgt spid="6">
+                                            <p:txEl>
+                                              <p:pRg st="8" end="8"/>
+                                            </p:txEl>
+                                          </p:spTgt>
+                                        </p:tgtEl>
+                                        <p:attrNameLst>
+                                          <p:attrName>ppt_x</p:attrName>
+                                        </p:attrNameLst>
+                                      </p:cBhvr>
+                                      <p:tavLst>
+                                        <p:tav tm="0">
+                                          <p:val>
+                                            <p:strVal val="#ppt_x"/>
+                                          </p:val>
+                                        </p:tav>
+                                        <p:tav tm="100000">
+                                          <p:val>
+                                            <p:strVal val="#ppt_x"/>
+                                          </p:val>
+                                        </p:tav>
+                                      </p:tavLst>
+                                    </p:anim>
+                                    <p:anim calcmode="lin" valueType="num">
+                                      <p:cBhvr additive="base">
+                                        <p:cTn id="56" dur="500" fill="hold"/>
+                                        <p:tgtEl>
+                                          <p:spTgt spid="6">
+                                            <p:txEl>
+                                              <p:pRg st="8" end="8"/>
+                                            </p:txEl>
+                                          </p:spTgt>
+                                        </p:tgtEl>
+                                        <p:attrNameLst>
+                                          <p:attrName>ppt_y</p:attrName>
+                                        </p:attrNameLst>
+                                      </p:cBhvr>
+                                      <p:tavLst>
+                                        <p:tav tm="0">
+                                          <p:val>
+                                            <p:strVal val="1+#ppt_h/2"/>
+                                          </p:val>
+                                        </p:tav>
+                                        <p:tav tm="100000">
+                                          <p:val>
+                                            <p:strVal val="#ppt_y"/>
+                                          </p:val>
+                                        </p:tav>
+                                      </p:tavLst>
+                                    </p:anim>
+                                  </p:childTnLst>
+                                </p:cTn>
+                              </p:par>
+                            </p:childTnLst>
+                          </p:cTn>
+                        </p:par>
+                      </p:childTnLst>
+                    </p:cTn>
+                  </p:par>
+                  <p:par>
+                    <p:cTn id="57" fill="hold">
+                      <p:stCondLst>
+                        <p:cond delay="indefinite"/>
+                      </p:stCondLst>
+                      <p:childTnLst>
+                        <p:par>
+                          <p:cTn id="58" fill="hold">
+                            <p:stCondLst>
+                              <p:cond delay="0"/>
+                            </p:stCondLst>
+                            <p:childTnLst>
+                              <p:par>
+                                <p:cTn id="59" presetID="2" presetClass="entr" presetSubtype="4" fill="hold" grpId="0" nodeType="clickEffect">
+                                  <p:stCondLst>
+                                    <p:cond delay="0"/>
+                                  </p:stCondLst>
+                                  <p:childTnLst>
+                                    <p:set>
+                                      <p:cBhvr>
+                                        <p:cTn id="60" dur="1" fill="hold">
+                                          <p:stCondLst>
+                                            <p:cond delay="0"/>
+                                          </p:stCondLst>
+                                        </p:cTn>
+                                        <p:tgtEl>
+                                          <p:spTgt spid="6">
+                                            <p:txEl>
+                                              <p:pRg st="9" end="9"/>
+                                            </p:txEl>
+                                          </p:spTgt>
+                                        </p:tgtEl>
+                                        <p:attrNameLst>
+                                          <p:attrName>style.visibility</p:attrName>
+                                        </p:attrNameLst>
+                                      </p:cBhvr>
+                                      <p:to>
+                                        <p:strVal val="visible"/>
+                                      </p:to>
+                                    </p:set>
+                                    <p:anim calcmode="lin" valueType="num">
+                                      <p:cBhvr additive="base">
+                                        <p:cTn id="61" dur="500" fill="hold"/>
+                                        <p:tgtEl>
+                                          <p:spTgt spid="6">
+                                            <p:txEl>
+                                              <p:pRg st="9" end="9"/>
+                                            </p:txEl>
+                                          </p:spTgt>
+                                        </p:tgtEl>
+                                        <p:attrNameLst>
+                                          <p:attrName>ppt_x</p:attrName>
+                                        </p:attrNameLst>
+                                      </p:cBhvr>
+                                      <p:tavLst>
+                                        <p:tav tm="0">
+                                          <p:val>
+                                            <p:strVal val="#ppt_x"/>
+                                          </p:val>
+                                        </p:tav>
+                                        <p:tav tm="100000">
+                                          <p:val>
+                                            <p:strVal val="#ppt_x"/>
+                                          </p:val>
+                                        </p:tav>
+                                      </p:tavLst>
+                                    </p:anim>
+                                    <p:anim calcmode="lin" valueType="num">
+                                      <p:cBhvr additive="base">
+                                        <p:cTn id="62" dur="500" fill="hold"/>
+                                        <p:tgtEl>
+                                          <p:spTgt spid="6">
+                                            <p:txEl>
+                                              <p:pRg st="9" end="9"/>
+                                            </p:txEl>
+                                          </p:spTgt>
+                                        </p:tgtEl>
+                                        <p:attrNameLst>
+                                          <p:attrName>ppt_y</p:attrName>
+                                        </p:attrNameLst>
+                                      </p:cBhvr>
+                                      <p:tavLst>
+                                        <p:tav tm="0">
+                                          <p:val>
+                                            <p:strVal val="1+#ppt_h/2"/>
+                                          </p:val>
+                                        </p:tav>
+                                        <p:tav tm="100000">
+                                          <p:val>
+                                            <p:strVal val="#ppt_y"/>
+                                          </p:val>
+                                        </p:tav>
+                                      </p:tavLst>
+                                    </p:anim>
+                                  </p:childTnLst>
+                                </p:cTn>
+                              </p:par>
+                            </p:childTnLst>
+                          </p:cTn>
+                        </p:par>
+                      </p:childTnLst>
+                    </p:cTn>
+                  </p:par>
+                </p:childTnLst>
+              </p:cTn>
+              <p:prevCondLst>
+                <p:cond evt="onPrev" delay="0">
+                  <p:tgtEl>
+                    <p:sldTgt/>
+                  </p:tgtEl>
+                </p:cond>
+              </p:prevCondLst>
+              <p:nextCondLst>
+                <p:cond evt="onNext" delay="0">
+                  <p:tgtEl>
+                    <p:sldTgt/>
+                  </p:tgtEl>
+                </p:cond>
+              </p:nextCondLst>
+            </p:seq>
+          </p:childTnLst>
+        </p:cTn>
+      </p:par>
+    </p:tnLst>
+    <p:bldLst>
+      <p:bldP spid="6" grpId="0" build="p"/>
+    </p:bldLst>
+  </p:timing>
 </p:sld>
 </file>
 
@@ -9270,7 +11582,23 @@
                 </a:pPr>
                 <a:r>
                   <a:rPr lang="en-GB" dirty="0"/>
-                  <a:t>Write a program that can reverse the string “Hello World”.</a:t>
+                  <a:t>Write a program that can reverse any string e.g. “Hello World” becomes “</a:t>
+                </a:r>
+                <a:r>
+                  <a:rPr lang="en-GB" dirty="0" err="1"/>
+                  <a:t>dlroW</a:t>
+                </a:r>
+                <a:r>
+                  <a:rPr lang="en-GB" dirty="0"/>
+                  <a:t> </a:t>
+                </a:r>
+                <a:r>
+                  <a:rPr lang="en-GB" dirty="0" err="1"/>
+                  <a:t>olleH</a:t>
+                </a:r>
+                <a:r>
+                  <a:rPr lang="en-GB" dirty="0"/>
+                  <a:t>”.</a:t>
                 </a:r>
               </a:p>
               <a:p>
@@ -9332,7 +11660,7 @@
               <a:blipFill>
                 <a:blip r:embed="rId2"/>
                 <a:stretch>
-                  <a:fillRect l="-2019" t="-1528" r="-1373"/>
+                  <a:fillRect l="-2019" t="-1528" r="-1616" b="-1528"/>
                 </a:stretch>
               </a:blipFill>
             </p:spPr>
@@ -9372,7 +11700,7 @@
         </p:blipFill>
         <p:spPr>
           <a:xfrm>
-            <a:off x="2139885" y="2901268"/>
+            <a:off x="2673285" y="2703148"/>
             <a:ext cx="5147035" cy="2104364"/>
           </a:xfrm>
           <a:prstGeom prst="rect">
@@ -9390,6 +11718,645 @@
   <p:clrMapOvr>
     <a:masterClrMapping/>
   </p:clrMapOvr>
+  <p:transition spd="slow">
+    <p:push dir="u"/>
+  </p:transition>
+  <p:timing>
+    <p:tnLst>
+      <p:par>
+        <p:cTn id="1" dur="indefinite" restart="never" nodeType="tmRoot">
+          <p:childTnLst>
+            <p:seq concurrent="1" nextAc="seek">
+              <p:cTn id="2" dur="indefinite" nodeType="mainSeq">
+                <p:childTnLst>
+                  <p:par>
+                    <p:cTn id="3" fill="hold">
+                      <p:stCondLst>
+                        <p:cond delay="indefinite"/>
+                      </p:stCondLst>
+                      <p:childTnLst>
+                        <p:par>
+                          <p:cTn id="4" fill="hold">
+                            <p:stCondLst>
+                              <p:cond delay="0"/>
+                            </p:stCondLst>
+                            <p:childTnLst>
+                              <p:par>
+                                <p:cTn id="5" presetID="2" presetClass="entr" presetSubtype="4" fill="hold" nodeType="clickEffect">
+                                  <p:stCondLst>
+                                    <p:cond delay="0"/>
+                                  </p:stCondLst>
+                                  <p:childTnLst>
+                                    <p:set>
+                                      <p:cBhvr>
+                                        <p:cTn id="6" dur="1" fill="hold">
+                                          <p:stCondLst>
+                                            <p:cond delay="0"/>
+                                          </p:stCondLst>
+                                        </p:cTn>
+                                        <p:tgtEl>
+                                          <p:spTgt spid="6">
+                                            <p:txEl>
+                                              <p:pRg st="0" end="0"/>
+                                            </p:txEl>
+                                          </p:spTgt>
+                                        </p:tgtEl>
+                                        <p:attrNameLst>
+                                          <p:attrName>style.visibility</p:attrName>
+                                        </p:attrNameLst>
+                                      </p:cBhvr>
+                                      <p:to>
+                                        <p:strVal val="visible"/>
+                                      </p:to>
+                                    </p:set>
+                                    <p:anim calcmode="lin" valueType="num">
+                                      <p:cBhvr additive="base">
+                                        <p:cTn id="7" dur="500" fill="hold"/>
+                                        <p:tgtEl>
+                                          <p:spTgt spid="6">
+                                            <p:txEl>
+                                              <p:pRg st="0" end="0"/>
+                                            </p:txEl>
+                                          </p:spTgt>
+                                        </p:tgtEl>
+                                        <p:attrNameLst>
+                                          <p:attrName>ppt_x</p:attrName>
+                                        </p:attrNameLst>
+                                      </p:cBhvr>
+                                      <p:tavLst>
+                                        <p:tav tm="0">
+                                          <p:val>
+                                            <p:strVal val="#ppt_x"/>
+                                          </p:val>
+                                        </p:tav>
+                                        <p:tav tm="100000">
+                                          <p:val>
+                                            <p:strVal val="#ppt_x"/>
+                                          </p:val>
+                                        </p:tav>
+                                      </p:tavLst>
+                                    </p:anim>
+                                    <p:anim calcmode="lin" valueType="num">
+                                      <p:cBhvr additive="base">
+                                        <p:cTn id="8" dur="500" fill="hold"/>
+                                        <p:tgtEl>
+                                          <p:spTgt spid="6">
+                                            <p:txEl>
+                                              <p:pRg st="0" end="0"/>
+                                            </p:txEl>
+                                          </p:spTgt>
+                                        </p:tgtEl>
+                                        <p:attrNameLst>
+                                          <p:attrName>ppt_y</p:attrName>
+                                        </p:attrNameLst>
+                                      </p:cBhvr>
+                                      <p:tavLst>
+                                        <p:tav tm="0">
+                                          <p:val>
+                                            <p:strVal val="1+#ppt_h/2"/>
+                                          </p:val>
+                                        </p:tav>
+                                        <p:tav tm="100000">
+                                          <p:val>
+                                            <p:strVal val="#ppt_y"/>
+                                          </p:val>
+                                        </p:tav>
+                                      </p:tavLst>
+                                    </p:anim>
+                                  </p:childTnLst>
+                                </p:cTn>
+                              </p:par>
+                            </p:childTnLst>
+                          </p:cTn>
+                        </p:par>
+                      </p:childTnLst>
+                    </p:cTn>
+                  </p:par>
+                  <p:par>
+                    <p:cTn id="9" fill="hold">
+                      <p:stCondLst>
+                        <p:cond delay="indefinite"/>
+                      </p:stCondLst>
+                      <p:childTnLst>
+                        <p:par>
+                          <p:cTn id="10" fill="hold">
+                            <p:stCondLst>
+                              <p:cond delay="0"/>
+                            </p:stCondLst>
+                            <p:childTnLst>
+                              <p:par>
+                                <p:cTn id="11" presetID="2" presetClass="entr" presetSubtype="4" fill="hold" nodeType="clickEffect">
+                                  <p:stCondLst>
+                                    <p:cond delay="0"/>
+                                  </p:stCondLst>
+                                  <p:childTnLst>
+                                    <p:set>
+                                      <p:cBhvr>
+                                        <p:cTn id="12" dur="1" fill="hold">
+                                          <p:stCondLst>
+                                            <p:cond delay="0"/>
+                                          </p:stCondLst>
+                                        </p:cTn>
+                                        <p:tgtEl>
+                                          <p:spTgt spid="6">
+                                            <p:txEl>
+                                              <p:pRg st="1" end="1"/>
+                                            </p:txEl>
+                                          </p:spTgt>
+                                        </p:tgtEl>
+                                        <p:attrNameLst>
+                                          <p:attrName>style.visibility</p:attrName>
+                                        </p:attrNameLst>
+                                      </p:cBhvr>
+                                      <p:to>
+                                        <p:strVal val="visible"/>
+                                      </p:to>
+                                    </p:set>
+                                    <p:anim calcmode="lin" valueType="num">
+                                      <p:cBhvr additive="base">
+                                        <p:cTn id="13" dur="500" fill="hold"/>
+                                        <p:tgtEl>
+                                          <p:spTgt spid="6">
+                                            <p:txEl>
+                                              <p:pRg st="1" end="1"/>
+                                            </p:txEl>
+                                          </p:spTgt>
+                                        </p:tgtEl>
+                                        <p:attrNameLst>
+                                          <p:attrName>ppt_x</p:attrName>
+                                        </p:attrNameLst>
+                                      </p:cBhvr>
+                                      <p:tavLst>
+                                        <p:tav tm="0">
+                                          <p:val>
+                                            <p:strVal val="#ppt_x"/>
+                                          </p:val>
+                                        </p:tav>
+                                        <p:tav tm="100000">
+                                          <p:val>
+                                            <p:strVal val="#ppt_x"/>
+                                          </p:val>
+                                        </p:tav>
+                                      </p:tavLst>
+                                    </p:anim>
+                                    <p:anim calcmode="lin" valueType="num">
+                                      <p:cBhvr additive="base">
+                                        <p:cTn id="14" dur="500" fill="hold"/>
+                                        <p:tgtEl>
+                                          <p:spTgt spid="6">
+                                            <p:txEl>
+                                              <p:pRg st="1" end="1"/>
+                                            </p:txEl>
+                                          </p:spTgt>
+                                        </p:tgtEl>
+                                        <p:attrNameLst>
+                                          <p:attrName>ppt_y</p:attrName>
+                                        </p:attrNameLst>
+                                      </p:cBhvr>
+                                      <p:tavLst>
+                                        <p:tav tm="0">
+                                          <p:val>
+                                            <p:strVal val="1+#ppt_h/2"/>
+                                          </p:val>
+                                        </p:tav>
+                                        <p:tav tm="100000">
+                                          <p:val>
+                                            <p:strVal val="#ppt_y"/>
+                                          </p:val>
+                                        </p:tav>
+                                      </p:tavLst>
+                                    </p:anim>
+                                  </p:childTnLst>
+                                </p:cTn>
+                              </p:par>
+                            </p:childTnLst>
+                          </p:cTn>
+                        </p:par>
+                      </p:childTnLst>
+                    </p:cTn>
+                  </p:par>
+                  <p:par>
+                    <p:cTn id="15" fill="hold">
+                      <p:stCondLst>
+                        <p:cond delay="indefinite"/>
+                      </p:stCondLst>
+                      <p:childTnLst>
+                        <p:par>
+                          <p:cTn id="16" fill="hold">
+                            <p:stCondLst>
+                              <p:cond delay="0"/>
+                            </p:stCondLst>
+                            <p:childTnLst>
+                              <p:par>
+                                <p:cTn id="17" presetID="2" presetClass="entr" presetSubtype="4" fill="hold" nodeType="clickEffect">
+                                  <p:stCondLst>
+                                    <p:cond delay="0"/>
+                                  </p:stCondLst>
+                                  <p:childTnLst>
+                                    <p:set>
+                                      <p:cBhvr>
+                                        <p:cTn id="18" dur="1" fill="hold">
+                                          <p:stCondLst>
+                                            <p:cond delay="0"/>
+                                          </p:stCondLst>
+                                        </p:cTn>
+                                        <p:tgtEl>
+                                          <p:spTgt spid="6">
+                                            <p:txEl>
+                                              <p:pRg st="2" end="2"/>
+                                            </p:txEl>
+                                          </p:spTgt>
+                                        </p:tgtEl>
+                                        <p:attrNameLst>
+                                          <p:attrName>style.visibility</p:attrName>
+                                        </p:attrNameLst>
+                                      </p:cBhvr>
+                                      <p:to>
+                                        <p:strVal val="visible"/>
+                                      </p:to>
+                                    </p:set>
+                                    <p:anim calcmode="lin" valueType="num">
+                                      <p:cBhvr additive="base">
+                                        <p:cTn id="19" dur="500" fill="hold"/>
+                                        <p:tgtEl>
+                                          <p:spTgt spid="6">
+                                            <p:txEl>
+                                              <p:pRg st="2" end="2"/>
+                                            </p:txEl>
+                                          </p:spTgt>
+                                        </p:tgtEl>
+                                        <p:attrNameLst>
+                                          <p:attrName>ppt_x</p:attrName>
+                                        </p:attrNameLst>
+                                      </p:cBhvr>
+                                      <p:tavLst>
+                                        <p:tav tm="0">
+                                          <p:val>
+                                            <p:strVal val="#ppt_x"/>
+                                          </p:val>
+                                        </p:tav>
+                                        <p:tav tm="100000">
+                                          <p:val>
+                                            <p:strVal val="#ppt_x"/>
+                                          </p:val>
+                                        </p:tav>
+                                      </p:tavLst>
+                                    </p:anim>
+                                    <p:anim calcmode="lin" valueType="num">
+                                      <p:cBhvr additive="base">
+                                        <p:cTn id="20" dur="500" fill="hold"/>
+                                        <p:tgtEl>
+                                          <p:spTgt spid="6">
+                                            <p:txEl>
+                                              <p:pRg st="2" end="2"/>
+                                            </p:txEl>
+                                          </p:spTgt>
+                                        </p:tgtEl>
+                                        <p:attrNameLst>
+                                          <p:attrName>ppt_y</p:attrName>
+                                        </p:attrNameLst>
+                                      </p:cBhvr>
+                                      <p:tavLst>
+                                        <p:tav tm="0">
+                                          <p:val>
+                                            <p:strVal val="1+#ppt_h/2"/>
+                                          </p:val>
+                                        </p:tav>
+                                        <p:tav tm="100000">
+                                          <p:val>
+                                            <p:strVal val="#ppt_y"/>
+                                          </p:val>
+                                        </p:tav>
+                                      </p:tavLst>
+                                    </p:anim>
+                                  </p:childTnLst>
+                                </p:cTn>
+                              </p:par>
+                            </p:childTnLst>
+                          </p:cTn>
+                        </p:par>
+                      </p:childTnLst>
+                    </p:cTn>
+                  </p:par>
+                  <p:par>
+                    <p:cTn id="21" fill="hold">
+                      <p:stCondLst>
+                        <p:cond delay="indefinite"/>
+                      </p:stCondLst>
+                      <p:childTnLst>
+                        <p:par>
+                          <p:cTn id="22" fill="hold">
+                            <p:stCondLst>
+                              <p:cond delay="0"/>
+                            </p:stCondLst>
+                            <p:childTnLst>
+                              <p:par>
+                                <p:cTn id="23" presetID="2" presetClass="entr" presetSubtype="4" fill="hold" nodeType="clickEffect">
+                                  <p:stCondLst>
+                                    <p:cond delay="0"/>
+                                  </p:stCondLst>
+                                  <p:childTnLst>
+                                    <p:set>
+                                      <p:cBhvr>
+                                        <p:cTn id="24" dur="1" fill="hold">
+                                          <p:stCondLst>
+                                            <p:cond delay="0"/>
+                                          </p:stCondLst>
+                                        </p:cTn>
+                                        <p:tgtEl>
+                                          <p:spTgt spid="4"/>
+                                        </p:tgtEl>
+                                        <p:attrNameLst>
+                                          <p:attrName>style.visibility</p:attrName>
+                                        </p:attrNameLst>
+                                      </p:cBhvr>
+                                      <p:to>
+                                        <p:strVal val="visible"/>
+                                      </p:to>
+                                    </p:set>
+                                    <p:anim calcmode="lin" valueType="num">
+                                      <p:cBhvr additive="base">
+                                        <p:cTn id="25" dur="500" fill="hold"/>
+                                        <p:tgtEl>
+                                          <p:spTgt spid="4"/>
+                                        </p:tgtEl>
+                                        <p:attrNameLst>
+                                          <p:attrName>ppt_x</p:attrName>
+                                        </p:attrNameLst>
+                                      </p:cBhvr>
+                                      <p:tavLst>
+                                        <p:tav tm="0">
+                                          <p:val>
+                                            <p:strVal val="#ppt_x"/>
+                                          </p:val>
+                                        </p:tav>
+                                        <p:tav tm="100000">
+                                          <p:val>
+                                            <p:strVal val="#ppt_x"/>
+                                          </p:val>
+                                        </p:tav>
+                                      </p:tavLst>
+                                    </p:anim>
+                                    <p:anim calcmode="lin" valueType="num">
+                                      <p:cBhvr additive="base">
+                                        <p:cTn id="26" dur="500" fill="hold"/>
+                                        <p:tgtEl>
+                                          <p:spTgt spid="4"/>
+                                        </p:tgtEl>
+                                        <p:attrNameLst>
+                                          <p:attrName>ppt_y</p:attrName>
+                                        </p:attrNameLst>
+                                      </p:cBhvr>
+                                      <p:tavLst>
+                                        <p:tav tm="0">
+                                          <p:val>
+                                            <p:strVal val="1+#ppt_h/2"/>
+                                          </p:val>
+                                        </p:tav>
+                                        <p:tav tm="100000">
+                                          <p:val>
+                                            <p:strVal val="#ppt_y"/>
+                                          </p:val>
+                                        </p:tav>
+                                      </p:tavLst>
+                                    </p:anim>
+                                  </p:childTnLst>
+                                </p:cTn>
+                              </p:par>
+                            </p:childTnLst>
+                          </p:cTn>
+                        </p:par>
+                      </p:childTnLst>
+                    </p:cTn>
+                  </p:par>
+                  <p:par>
+                    <p:cTn id="27" fill="hold">
+                      <p:stCondLst>
+                        <p:cond delay="indefinite"/>
+                      </p:stCondLst>
+                      <p:childTnLst>
+                        <p:par>
+                          <p:cTn id="28" fill="hold">
+                            <p:stCondLst>
+                              <p:cond delay="0"/>
+                            </p:stCondLst>
+                            <p:childTnLst>
+                              <p:par>
+                                <p:cTn id="29" presetID="2" presetClass="entr" presetSubtype="4" fill="hold" nodeType="clickEffect">
+                                  <p:stCondLst>
+                                    <p:cond delay="0"/>
+                                  </p:stCondLst>
+                                  <p:childTnLst>
+                                    <p:set>
+                                      <p:cBhvr>
+                                        <p:cTn id="30" dur="1" fill="hold">
+                                          <p:stCondLst>
+                                            <p:cond delay="0"/>
+                                          </p:stCondLst>
+                                        </p:cTn>
+                                        <p:tgtEl>
+                                          <p:spTgt spid="6">
+                                            <p:txEl>
+                                              <p:pRg st="8" end="8"/>
+                                            </p:txEl>
+                                          </p:spTgt>
+                                        </p:tgtEl>
+                                        <p:attrNameLst>
+                                          <p:attrName>style.visibility</p:attrName>
+                                        </p:attrNameLst>
+                                      </p:cBhvr>
+                                      <p:to>
+                                        <p:strVal val="visible"/>
+                                      </p:to>
+                                    </p:set>
+                                    <p:anim calcmode="lin" valueType="num">
+                                      <p:cBhvr additive="base">
+                                        <p:cTn id="31" dur="500" fill="hold"/>
+                                        <p:tgtEl>
+                                          <p:spTgt spid="6">
+                                            <p:txEl>
+                                              <p:pRg st="8" end="8"/>
+                                            </p:txEl>
+                                          </p:spTgt>
+                                        </p:tgtEl>
+                                        <p:attrNameLst>
+                                          <p:attrName>ppt_x</p:attrName>
+                                        </p:attrNameLst>
+                                      </p:cBhvr>
+                                      <p:tavLst>
+                                        <p:tav tm="0">
+                                          <p:val>
+                                            <p:strVal val="#ppt_x"/>
+                                          </p:val>
+                                        </p:tav>
+                                        <p:tav tm="100000">
+                                          <p:val>
+                                            <p:strVal val="#ppt_x"/>
+                                          </p:val>
+                                        </p:tav>
+                                      </p:tavLst>
+                                    </p:anim>
+                                    <p:anim calcmode="lin" valueType="num">
+                                      <p:cBhvr additive="base">
+                                        <p:cTn id="32" dur="500" fill="hold"/>
+                                        <p:tgtEl>
+                                          <p:spTgt spid="6">
+                                            <p:txEl>
+                                              <p:pRg st="8" end="8"/>
+                                            </p:txEl>
+                                          </p:spTgt>
+                                        </p:tgtEl>
+                                        <p:attrNameLst>
+                                          <p:attrName>ppt_y</p:attrName>
+                                        </p:attrNameLst>
+                                      </p:cBhvr>
+                                      <p:tavLst>
+                                        <p:tav tm="0">
+                                          <p:val>
+                                            <p:strVal val="1+#ppt_h/2"/>
+                                          </p:val>
+                                        </p:tav>
+                                        <p:tav tm="100000">
+                                          <p:val>
+                                            <p:strVal val="#ppt_y"/>
+                                          </p:val>
+                                        </p:tav>
+                                      </p:tavLst>
+                                    </p:anim>
+                                  </p:childTnLst>
+                                </p:cTn>
+                              </p:par>
+                            </p:childTnLst>
+                          </p:cTn>
+                        </p:par>
+                      </p:childTnLst>
+                    </p:cTn>
+                  </p:par>
+                  <p:par>
+                    <p:cTn id="33" fill="hold">
+                      <p:stCondLst>
+                        <p:cond delay="indefinite"/>
+                      </p:stCondLst>
+                      <p:childTnLst>
+                        <p:par>
+                          <p:cTn id="34" fill="hold">
+                            <p:stCondLst>
+                              <p:cond delay="0"/>
+                            </p:stCondLst>
+                            <p:childTnLst>
+                              <p:par>
+                                <p:cTn id="35" presetID="2" presetClass="entr" presetSubtype="4" fill="hold" nodeType="clickEffect">
+                                  <p:stCondLst>
+                                    <p:cond delay="0"/>
+                                  </p:stCondLst>
+                                  <p:childTnLst>
+                                    <p:set>
+                                      <p:cBhvr>
+                                        <p:cTn id="36" dur="1" fill="hold">
+                                          <p:stCondLst>
+                                            <p:cond delay="0"/>
+                                          </p:stCondLst>
+                                        </p:cTn>
+                                        <p:tgtEl>
+                                          <p:spTgt spid="6">
+                                            <p:txEl>
+                                              <p:pRg st="9" end="9"/>
+                                            </p:txEl>
+                                          </p:spTgt>
+                                        </p:tgtEl>
+                                        <p:attrNameLst>
+                                          <p:attrName>style.visibility</p:attrName>
+                                        </p:attrNameLst>
+                                      </p:cBhvr>
+                                      <p:to>
+                                        <p:strVal val="visible"/>
+                                      </p:to>
+                                    </p:set>
+                                    <p:anim calcmode="lin" valueType="num">
+                                      <p:cBhvr additive="base">
+                                        <p:cTn id="37" dur="500" fill="hold"/>
+                                        <p:tgtEl>
+                                          <p:spTgt spid="6">
+                                            <p:txEl>
+                                              <p:pRg st="9" end="9"/>
+                                            </p:txEl>
+                                          </p:spTgt>
+                                        </p:tgtEl>
+                                        <p:attrNameLst>
+                                          <p:attrName>ppt_x</p:attrName>
+                                        </p:attrNameLst>
+                                      </p:cBhvr>
+                                      <p:tavLst>
+                                        <p:tav tm="0">
+                                          <p:val>
+                                            <p:strVal val="#ppt_x"/>
+                                          </p:val>
+                                        </p:tav>
+                                        <p:tav tm="100000">
+                                          <p:val>
+                                            <p:strVal val="#ppt_x"/>
+                                          </p:val>
+                                        </p:tav>
+                                      </p:tavLst>
+                                    </p:anim>
+                                    <p:anim calcmode="lin" valueType="num">
+                                      <p:cBhvr additive="base">
+                                        <p:cTn id="38" dur="500" fill="hold"/>
+                                        <p:tgtEl>
+                                          <p:spTgt spid="6">
+                                            <p:txEl>
+                                              <p:pRg st="9" end="9"/>
+                                            </p:txEl>
+                                          </p:spTgt>
+                                        </p:tgtEl>
+                                        <p:attrNameLst>
+                                          <p:attrName>ppt_y</p:attrName>
+                                        </p:attrNameLst>
+                                      </p:cBhvr>
+                                      <p:tavLst>
+                                        <p:tav tm="0">
+                                          <p:val>
+                                            <p:strVal val="1+#ppt_h/2"/>
+                                          </p:val>
+                                        </p:tav>
+                                        <p:tav tm="100000">
+                                          <p:val>
+                                            <p:strVal val="#ppt_y"/>
+                                          </p:val>
+                                        </p:tav>
+                                      </p:tavLst>
+                                    </p:anim>
+                                  </p:childTnLst>
+                                </p:cTn>
+                              </p:par>
+                            </p:childTnLst>
+                          </p:cTn>
+                        </p:par>
+                      </p:childTnLst>
+                    </p:cTn>
+                  </p:par>
+                </p:childTnLst>
+              </p:cTn>
+              <p:prevCondLst>
+                <p:cond evt="onPrev" delay="0">
+                  <p:tgtEl>
+                    <p:sldTgt/>
+                  </p:tgtEl>
+                </p:cond>
+              </p:prevCondLst>
+              <p:nextCondLst>
+                <p:cond evt="onNext" delay="0">
+                  <p:tgtEl>
+                    <p:sldTgt/>
+                  </p:tgtEl>
+                </p:cond>
+              </p:nextCondLst>
+            </p:seq>
+          </p:childTnLst>
+        </p:cTn>
+      </p:par>
+    </p:tnLst>
+  </p:timing>
 </p:sld>
 </file>
 
@@ -9474,11 +12441,11 @@
               <a:buChar char="v"/>
             </a:pPr>
             <a:r>
-              <a:rPr lang="en-GB" sz="2400" dirty="0"/>
+              <a:rPr lang="en-GB" sz="2800" dirty="0"/>
               <a:t> </a:t>
             </a:r>
             <a:r>
-              <a:rPr lang="en-US" sz="2400" dirty="0"/>
+              <a:rPr lang="en-US" sz="2800" dirty="0"/>
               <a:t>Object Oriented programming</a:t>
             </a:r>
           </a:p>
@@ -9504,7 +12471,7 @@
               <a:buChar char="v"/>
             </a:pPr>
             <a:r>
-              <a:rPr lang="en-US" sz="2400" dirty="0"/>
+              <a:rPr lang="en-US" sz="2800" dirty="0"/>
               <a:t> OOP keywords</a:t>
             </a:r>
           </a:p>
@@ -9517,7 +12484,7 @@
               <a:buChar char="v"/>
             </a:pPr>
             <a:r>
-              <a:rPr lang="en-US" sz="2400" dirty="0"/>
+              <a:rPr lang="en-US" sz="2800" dirty="0"/>
               <a:t> Class diagrams</a:t>
             </a:r>
           </a:p>
@@ -9530,7 +12497,7 @@
               <a:buChar char="v"/>
             </a:pPr>
             <a:r>
-              <a:rPr lang="en-US" sz="2400" dirty="0"/>
+              <a:rPr lang="en-US" sz="2800" dirty="0"/>
               <a:t> Class example</a:t>
             </a:r>
           </a:p>
@@ -9543,7 +12510,7 @@
               <a:buChar char="v"/>
             </a:pPr>
             <a:r>
-              <a:rPr lang="en-US" sz="2400" dirty="0"/>
+              <a:rPr lang="en-US" sz="2800" dirty="0"/>
               <a:t> Class members</a:t>
             </a:r>
           </a:p>
@@ -9556,7 +12523,7 @@
               <a:buChar char="v"/>
             </a:pPr>
             <a:r>
-              <a:rPr lang="en-US" sz="2400" dirty="0"/>
+              <a:rPr lang="en-US" sz="2800" dirty="0"/>
               <a:t> Object Instantiation</a:t>
             </a:r>
           </a:p>
@@ -9569,7 +12536,7 @@
               <a:buChar char="v"/>
             </a:pPr>
             <a:r>
-              <a:rPr lang="en-US" sz="2400" dirty="0"/>
+              <a:rPr lang="en-US" sz="2800" dirty="0"/>
               <a:t> Constructors</a:t>
             </a:r>
           </a:p>
@@ -9582,7 +12549,7 @@
               <a:buChar char="v"/>
             </a:pPr>
             <a:r>
-              <a:rPr lang="en-US" sz="2400" dirty="0"/>
+              <a:rPr lang="en-US" sz="2800" dirty="0"/>
               <a:t> this pointer</a:t>
             </a:r>
           </a:p>
@@ -9595,10 +12562,10 @@
               <a:buChar char="v"/>
             </a:pPr>
             <a:r>
-              <a:rPr lang="en-US" sz="2400" dirty="0"/>
+              <a:rPr lang="en-US" sz="2800" dirty="0"/>
               <a:t> String class</a:t>
             </a:r>
-            <a:endParaRPr lang="en-GB" sz="2400" dirty="0"/>
+            <a:endParaRPr lang="en-GB" sz="2800" dirty="0"/>
           </a:p>
           <a:p>
             <a:pPr>
@@ -9606,7 +12573,7 @@
                 <a:spcPts val="0"/>
               </a:spcBef>
             </a:pPr>
-            <a:endParaRPr lang="en-GB" sz="2400" dirty="0"/>
+            <a:endParaRPr lang="en-GB" sz="2800" dirty="0"/>
           </a:p>
         </p:txBody>
       </p:sp>
@@ -9620,6 +12587,1072 @@
   <p:clrMapOvr>
     <a:masterClrMapping/>
   </p:clrMapOvr>
+  <p:transition spd="slow">
+    <p:push dir="u"/>
+  </p:transition>
+  <p:timing>
+    <p:tnLst>
+      <p:par>
+        <p:cTn id="1" dur="indefinite" restart="never" nodeType="tmRoot">
+          <p:childTnLst>
+            <p:seq concurrent="1" nextAc="seek">
+              <p:cTn id="2" dur="indefinite" nodeType="mainSeq">
+                <p:childTnLst>
+                  <p:par>
+                    <p:cTn id="3" fill="hold">
+                      <p:stCondLst>
+                        <p:cond delay="indefinite"/>
+                      </p:stCondLst>
+                      <p:childTnLst>
+                        <p:par>
+                          <p:cTn id="4" fill="hold">
+                            <p:stCondLst>
+                              <p:cond delay="0"/>
+                            </p:stCondLst>
+                            <p:childTnLst>
+                              <p:par>
+                                <p:cTn id="5" presetID="2" presetClass="entr" presetSubtype="4" fill="hold" grpId="0" nodeType="clickEffect">
+                                  <p:stCondLst>
+                                    <p:cond delay="0"/>
+                                  </p:stCondLst>
+                                  <p:childTnLst>
+                                    <p:set>
+                                      <p:cBhvr>
+                                        <p:cTn id="6" dur="1" fill="hold">
+                                          <p:stCondLst>
+                                            <p:cond delay="0"/>
+                                          </p:stCondLst>
+                                        </p:cTn>
+                                        <p:tgtEl>
+                                          <p:spTgt spid="3">
+                                            <p:txEl>
+                                              <p:pRg st="0" end="0"/>
+                                            </p:txEl>
+                                          </p:spTgt>
+                                        </p:tgtEl>
+                                        <p:attrNameLst>
+                                          <p:attrName>style.visibility</p:attrName>
+                                        </p:attrNameLst>
+                                      </p:cBhvr>
+                                      <p:to>
+                                        <p:strVal val="visible"/>
+                                      </p:to>
+                                    </p:set>
+                                    <p:anim calcmode="lin" valueType="num">
+                                      <p:cBhvr additive="base">
+                                        <p:cTn id="7" dur="500" fill="hold"/>
+                                        <p:tgtEl>
+                                          <p:spTgt spid="3">
+                                            <p:txEl>
+                                              <p:pRg st="0" end="0"/>
+                                            </p:txEl>
+                                          </p:spTgt>
+                                        </p:tgtEl>
+                                        <p:attrNameLst>
+                                          <p:attrName>ppt_x</p:attrName>
+                                        </p:attrNameLst>
+                                      </p:cBhvr>
+                                      <p:tavLst>
+                                        <p:tav tm="0">
+                                          <p:val>
+                                            <p:strVal val="#ppt_x"/>
+                                          </p:val>
+                                        </p:tav>
+                                        <p:tav tm="100000">
+                                          <p:val>
+                                            <p:strVal val="#ppt_x"/>
+                                          </p:val>
+                                        </p:tav>
+                                      </p:tavLst>
+                                    </p:anim>
+                                    <p:anim calcmode="lin" valueType="num">
+                                      <p:cBhvr additive="base">
+                                        <p:cTn id="8" dur="500" fill="hold"/>
+                                        <p:tgtEl>
+                                          <p:spTgt spid="3">
+                                            <p:txEl>
+                                              <p:pRg st="0" end="0"/>
+                                            </p:txEl>
+                                          </p:spTgt>
+                                        </p:tgtEl>
+                                        <p:attrNameLst>
+                                          <p:attrName>ppt_y</p:attrName>
+                                        </p:attrNameLst>
+                                      </p:cBhvr>
+                                      <p:tavLst>
+                                        <p:tav tm="0">
+                                          <p:val>
+                                            <p:strVal val="1+#ppt_h/2"/>
+                                          </p:val>
+                                        </p:tav>
+                                        <p:tav tm="100000">
+                                          <p:val>
+                                            <p:strVal val="#ppt_y"/>
+                                          </p:val>
+                                        </p:tav>
+                                      </p:tavLst>
+                                    </p:anim>
+                                  </p:childTnLst>
+                                </p:cTn>
+                              </p:par>
+                            </p:childTnLst>
+                          </p:cTn>
+                        </p:par>
+                      </p:childTnLst>
+                    </p:cTn>
+                  </p:par>
+                  <p:par>
+                    <p:cTn id="9" fill="hold">
+                      <p:stCondLst>
+                        <p:cond delay="indefinite"/>
+                      </p:stCondLst>
+                      <p:childTnLst>
+                        <p:par>
+                          <p:cTn id="10" fill="hold">
+                            <p:stCondLst>
+                              <p:cond delay="0"/>
+                            </p:stCondLst>
+                            <p:childTnLst>
+                              <p:par>
+                                <p:cTn id="11" presetID="2" presetClass="entr" presetSubtype="4" fill="hold" grpId="0" nodeType="clickEffect">
+                                  <p:stCondLst>
+                                    <p:cond delay="0"/>
+                                  </p:stCondLst>
+                                  <p:childTnLst>
+                                    <p:set>
+                                      <p:cBhvr>
+                                        <p:cTn id="12" dur="1" fill="hold">
+                                          <p:stCondLst>
+                                            <p:cond delay="0"/>
+                                          </p:stCondLst>
+                                        </p:cTn>
+                                        <p:tgtEl>
+                                          <p:spTgt spid="3">
+                                            <p:txEl>
+                                              <p:pRg st="1" end="1"/>
+                                            </p:txEl>
+                                          </p:spTgt>
+                                        </p:tgtEl>
+                                        <p:attrNameLst>
+                                          <p:attrName>style.visibility</p:attrName>
+                                        </p:attrNameLst>
+                                      </p:cBhvr>
+                                      <p:to>
+                                        <p:strVal val="visible"/>
+                                      </p:to>
+                                    </p:set>
+                                    <p:anim calcmode="lin" valueType="num">
+                                      <p:cBhvr additive="base">
+                                        <p:cTn id="13" dur="500" fill="hold"/>
+                                        <p:tgtEl>
+                                          <p:spTgt spid="3">
+                                            <p:txEl>
+                                              <p:pRg st="1" end="1"/>
+                                            </p:txEl>
+                                          </p:spTgt>
+                                        </p:tgtEl>
+                                        <p:attrNameLst>
+                                          <p:attrName>ppt_x</p:attrName>
+                                        </p:attrNameLst>
+                                      </p:cBhvr>
+                                      <p:tavLst>
+                                        <p:tav tm="0">
+                                          <p:val>
+                                            <p:strVal val="#ppt_x"/>
+                                          </p:val>
+                                        </p:tav>
+                                        <p:tav tm="100000">
+                                          <p:val>
+                                            <p:strVal val="#ppt_x"/>
+                                          </p:val>
+                                        </p:tav>
+                                      </p:tavLst>
+                                    </p:anim>
+                                    <p:anim calcmode="lin" valueType="num">
+                                      <p:cBhvr additive="base">
+                                        <p:cTn id="14" dur="500" fill="hold"/>
+                                        <p:tgtEl>
+                                          <p:spTgt spid="3">
+                                            <p:txEl>
+                                              <p:pRg st="1" end="1"/>
+                                            </p:txEl>
+                                          </p:spTgt>
+                                        </p:tgtEl>
+                                        <p:attrNameLst>
+                                          <p:attrName>ppt_y</p:attrName>
+                                        </p:attrNameLst>
+                                      </p:cBhvr>
+                                      <p:tavLst>
+                                        <p:tav tm="0">
+                                          <p:val>
+                                            <p:strVal val="1+#ppt_h/2"/>
+                                          </p:val>
+                                        </p:tav>
+                                        <p:tav tm="100000">
+                                          <p:val>
+                                            <p:strVal val="#ppt_y"/>
+                                          </p:val>
+                                        </p:tav>
+                                      </p:tavLst>
+                                    </p:anim>
+                                  </p:childTnLst>
+                                </p:cTn>
+                              </p:par>
+                            </p:childTnLst>
+                          </p:cTn>
+                        </p:par>
+                      </p:childTnLst>
+                    </p:cTn>
+                  </p:par>
+                  <p:par>
+                    <p:cTn id="15" fill="hold">
+                      <p:stCondLst>
+                        <p:cond delay="indefinite"/>
+                      </p:stCondLst>
+                      <p:childTnLst>
+                        <p:par>
+                          <p:cTn id="16" fill="hold">
+                            <p:stCondLst>
+                              <p:cond delay="0"/>
+                            </p:stCondLst>
+                            <p:childTnLst>
+                              <p:par>
+                                <p:cTn id="17" presetID="2" presetClass="entr" presetSubtype="4" fill="hold" grpId="0" nodeType="clickEffect">
+                                  <p:stCondLst>
+                                    <p:cond delay="0"/>
+                                  </p:stCondLst>
+                                  <p:childTnLst>
+                                    <p:set>
+                                      <p:cBhvr>
+                                        <p:cTn id="18" dur="1" fill="hold">
+                                          <p:stCondLst>
+                                            <p:cond delay="0"/>
+                                          </p:stCondLst>
+                                        </p:cTn>
+                                        <p:tgtEl>
+                                          <p:spTgt spid="3">
+                                            <p:txEl>
+                                              <p:pRg st="2" end="2"/>
+                                            </p:txEl>
+                                          </p:spTgt>
+                                        </p:tgtEl>
+                                        <p:attrNameLst>
+                                          <p:attrName>style.visibility</p:attrName>
+                                        </p:attrNameLst>
+                                      </p:cBhvr>
+                                      <p:to>
+                                        <p:strVal val="visible"/>
+                                      </p:to>
+                                    </p:set>
+                                    <p:anim calcmode="lin" valueType="num">
+                                      <p:cBhvr additive="base">
+                                        <p:cTn id="19" dur="500" fill="hold"/>
+                                        <p:tgtEl>
+                                          <p:spTgt spid="3">
+                                            <p:txEl>
+                                              <p:pRg st="2" end="2"/>
+                                            </p:txEl>
+                                          </p:spTgt>
+                                        </p:tgtEl>
+                                        <p:attrNameLst>
+                                          <p:attrName>ppt_x</p:attrName>
+                                        </p:attrNameLst>
+                                      </p:cBhvr>
+                                      <p:tavLst>
+                                        <p:tav tm="0">
+                                          <p:val>
+                                            <p:strVal val="#ppt_x"/>
+                                          </p:val>
+                                        </p:tav>
+                                        <p:tav tm="100000">
+                                          <p:val>
+                                            <p:strVal val="#ppt_x"/>
+                                          </p:val>
+                                        </p:tav>
+                                      </p:tavLst>
+                                    </p:anim>
+                                    <p:anim calcmode="lin" valueType="num">
+                                      <p:cBhvr additive="base">
+                                        <p:cTn id="20" dur="500" fill="hold"/>
+                                        <p:tgtEl>
+                                          <p:spTgt spid="3">
+                                            <p:txEl>
+                                              <p:pRg st="2" end="2"/>
+                                            </p:txEl>
+                                          </p:spTgt>
+                                        </p:tgtEl>
+                                        <p:attrNameLst>
+                                          <p:attrName>ppt_y</p:attrName>
+                                        </p:attrNameLst>
+                                      </p:cBhvr>
+                                      <p:tavLst>
+                                        <p:tav tm="0">
+                                          <p:val>
+                                            <p:strVal val="1+#ppt_h/2"/>
+                                          </p:val>
+                                        </p:tav>
+                                        <p:tav tm="100000">
+                                          <p:val>
+                                            <p:strVal val="#ppt_y"/>
+                                          </p:val>
+                                        </p:tav>
+                                      </p:tavLst>
+                                    </p:anim>
+                                  </p:childTnLst>
+                                </p:cTn>
+                              </p:par>
+                            </p:childTnLst>
+                          </p:cTn>
+                        </p:par>
+                      </p:childTnLst>
+                    </p:cTn>
+                  </p:par>
+                  <p:par>
+                    <p:cTn id="21" fill="hold">
+                      <p:stCondLst>
+                        <p:cond delay="indefinite"/>
+                      </p:stCondLst>
+                      <p:childTnLst>
+                        <p:par>
+                          <p:cTn id="22" fill="hold">
+                            <p:stCondLst>
+                              <p:cond delay="0"/>
+                            </p:stCondLst>
+                            <p:childTnLst>
+                              <p:par>
+                                <p:cTn id="23" presetID="2" presetClass="entr" presetSubtype="4" fill="hold" grpId="0" nodeType="clickEffect">
+                                  <p:stCondLst>
+                                    <p:cond delay="0"/>
+                                  </p:stCondLst>
+                                  <p:childTnLst>
+                                    <p:set>
+                                      <p:cBhvr>
+                                        <p:cTn id="24" dur="1" fill="hold">
+                                          <p:stCondLst>
+                                            <p:cond delay="0"/>
+                                          </p:stCondLst>
+                                        </p:cTn>
+                                        <p:tgtEl>
+                                          <p:spTgt spid="3">
+                                            <p:txEl>
+                                              <p:pRg st="3" end="3"/>
+                                            </p:txEl>
+                                          </p:spTgt>
+                                        </p:tgtEl>
+                                        <p:attrNameLst>
+                                          <p:attrName>style.visibility</p:attrName>
+                                        </p:attrNameLst>
+                                      </p:cBhvr>
+                                      <p:to>
+                                        <p:strVal val="visible"/>
+                                      </p:to>
+                                    </p:set>
+                                    <p:anim calcmode="lin" valueType="num">
+                                      <p:cBhvr additive="base">
+                                        <p:cTn id="25" dur="500" fill="hold"/>
+                                        <p:tgtEl>
+                                          <p:spTgt spid="3">
+                                            <p:txEl>
+                                              <p:pRg st="3" end="3"/>
+                                            </p:txEl>
+                                          </p:spTgt>
+                                        </p:tgtEl>
+                                        <p:attrNameLst>
+                                          <p:attrName>ppt_x</p:attrName>
+                                        </p:attrNameLst>
+                                      </p:cBhvr>
+                                      <p:tavLst>
+                                        <p:tav tm="0">
+                                          <p:val>
+                                            <p:strVal val="#ppt_x"/>
+                                          </p:val>
+                                        </p:tav>
+                                        <p:tav tm="100000">
+                                          <p:val>
+                                            <p:strVal val="#ppt_x"/>
+                                          </p:val>
+                                        </p:tav>
+                                      </p:tavLst>
+                                    </p:anim>
+                                    <p:anim calcmode="lin" valueType="num">
+                                      <p:cBhvr additive="base">
+                                        <p:cTn id="26" dur="500" fill="hold"/>
+                                        <p:tgtEl>
+                                          <p:spTgt spid="3">
+                                            <p:txEl>
+                                              <p:pRg st="3" end="3"/>
+                                            </p:txEl>
+                                          </p:spTgt>
+                                        </p:tgtEl>
+                                        <p:attrNameLst>
+                                          <p:attrName>ppt_y</p:attrName>
+                                        </p:attrNameLst>
+                                      </p:cBhvr>
+                                      <p:tavLst>
+                                        <p:tav tm="0">
+                                          <p:val>
+                                            <p:strVal val="1+#ppt_h/2"/>
+                                          </p:val>
+                                        </p:tav>
+                                        <p:tav tm="100000">
+                                          <p:val>
+                                            <p:strVal val="#ppt_y"/>
+                                          </p:val>
+                                        </p:tav>
+                                      </p:tavLst>
+                                    </p:anim>
+                                  </p:childTnLst>
+                                </p:cTn>
+                              </p:par>
+                            </p:childTnLst>
+                          </p:cTn>
+                        </p:par>
+                      </p:childTnLst>
+                    </p:cTn>
+                  </p:par>
+                  <p:par>
+                    <p:cTn id="27" fill="hold">
+                      <p:stCondLst>
+                        <p:cond delay="indefinite"/>
+                      </p:stCondLst>
+                      <p:childTnLst>
+                        <p:par>
+                          <p:cTn id="28" fill="hold">
+                            <p:stCondLst>
+                              <p:cond delay="0"/>
+                            </p:stCondLst>
+                            <p:childTnLst>
+                              <p:par>
+                                <p:cTn id="29" presetID="2" presetClass="entr" presetSubtype="4" fill="hold" grpId="0" nodeType="clickEffect">
+                                  <p:stCondLst>
+                                    <p:cond delay="0"/>
+                                  </p:stCondLst>
+                                  <p:childTnLst>
+                                    <p:set>
+                                      <p:cBhvr>
+                                        <p:cTn id="30" dur="1" fill="hold">
+                                          <p:stCondLst>
+                                            <p:cond delay="0"/>
+                                          </p:stCondLst>
+                                        </p:cTn>
+                                        <p:tgtEl>
+                                          <p:spTgt spid="3">
+                                            <p:txEl>
+                                              <p:pRg st="4" end="4"/>
+                                            </p:txEl>
+                                          </p:spTgt>
+                                        </p:tgtEl>
+                                        <p:attrNameLst>
+                                          <p:attrName>style.visibility</p:attrName>
+                                        </p:attrNameLst>
+                                      </p:cBhvr>
+                                      <p:to>
+                                        <p:strVal val="visible"/>
+                                      </p:to>
+                                    </p:set>
+                                    <p:anim calcmode="lin" valueType="num">
+                                      <p:cBhvr additive="base">
+                                        <p:cTn id="31" dur="500" fill="hold"/>
+                                        <p:tgtEl>
+                                          <p:spTgt spid="3">
+                                            <p:txEl>
+                                              <p:pRg st="4" end="4"/>
+                                            </p:txEl>
+                                          </p:spTgt>
+                                        </p:tgtEl>
+                                        <p:attrNameLst>
+                                          <p:attrName>ppt_x</p:attrName>
+                                        </p:attrNameLst>
+                                      </p:cBhvr>
+                                      <p:tavLst>
+                                        <p:tav tm="0">
+                                          <p:val>
+                                            <p:strVal val="#ppt_x"/>
+                                          </p:val>
+                                        </p:tav>
+                                        <p:tav tm="100000">
+                                          <p:val>
+                                            <p:strVal val="#ppt_x"/>
+                                          </p:val>
+                                        </p:tav>
+                                      </p:tavLst>
+                                    </p:anim>
+                                    <p:anim calcmode="lin" valueType="num">
+                                      <p:cBhvr additive="base">
+                                        <p:cTn id="32" dur="500" fill="hold"/>
+                                        <p:tgtEl>
+                                          <p:spTgt spid="3">
+                                            <p:txEl>
+                                              <p:pRg st="4" end="4"/>
+                                            </p:txEl>
+                                          </p:spTgt>
+                                        </p:tgtEl>
+                                        <p:attrNameLst>
+                                          <p:attrName>ppt_y</p:attrName>
+                                        </p:attrNameLst>
+                                      </p:cBhvr>
+                                      <p:tavLst>
+                                        <p:tav tm="0">
+                                          <p:val>
+                                            <p:strVal val="1+#ppt_h/2"/>
+                                          </p:val>
+                                        </p:tav>
+                                        <p:tav tm="100000">
+                                          <p:val>
+                                            <p:strVal val="#ppt_y"/>
+                                          </p:val>
+                                        </p:tav>
+                                      </p:tavLst>
+                                    </p:anim>
+                                  </p:childTnLst>
+                                </p:cTn>
+                              </p:par>
+                            </p:childTnLst>
+                          </p:cTn>
+                        </p:par>
+                      </p:childTnLst>
+                    </p:cTn>
+                  </p:par>
+                  <p:par>
+                    <p:cTn id="33" fill="hold">
+                      <p:stCondLst>
+                        <p:cond delay="indefinite"/>
+                      </p:stCondLst>
+                      <p:childTnLst>
+                        <p:par>
+                          <p:cTn id="34" fill="hold">
+                            <p:stCondLst>
+                              <p:cond delay="0"/>
+                            </p:stCondLst>
+                            <p:childTnLst>
+                              <p:par>
+                                <p:cTn id="35" presetID="2" presetClass="entr" presetSubtype="4" fill="hold" grpId="0" nodeType="clickEffect">
+                                  <p:stCondLst>
+                                    <p:cond delay="0"/>
+                                  </p:stCondLst>
+                                  <p:childTnLst>
+                                    <p:set>
+                                      <p:cBhvr>
+                                        <p:cTn id="36" dur="1" fill="hold">
+                                          <p:stCondLst>
+                                            <p:cond delay="0"/>
+                                          </p:stCondLst>
+                                        </p:cTn>
+                                        <p:tgtEl>
+                                          <p:spTgt spid="3">
+                                            <p:txEl>
+                                              <p:pRg st="5" end="5"/>
+                                            </p:txEl>
+                                          </p:spTgt>
+                                        </p:tgtEl>
+                                        <p:attrNameLst>
+                                          <p:attrName>style.visibility</p:attrName>
+                                        </p:attrNameLst>
+                                      </p:cBhvr>
+                                      <p:to>
+                                        <p:strVal val="visible"/>
+                                      </p:to>
+                                    </p:set>
+                                    <p:anim calcmode="lin" valueType="num">
+                                      <p:cBhvr additive="base">
+                                        <p:cTn id="37" dur="500" fill="hold"/>
+                                        <p:tgtEl>
+                                          <p:spTgt spid="3">
+                                            <p:txEl>
+                                              <p:pRg st="5" end="5"/>
+                                            </p:txEl>
+                                          </p:spTgt>
+                                        </p:tgtEl>
+                                        <p:attrNameLst>
+                                          <p:attrName>ppt_x</p:attrName>
+                                        </p:attrNameLst>
+                                      </p:cBhvr>
+                                      <p:tavLst>
+                                        <p:tav tm="0">
+                                          <p:val>
+                                            <p:strVal val="#ppt_x"/>
+                                          </p:val>
+                                        </p:tav>
+                                        <p:tav tm="100000">
+                                          <p:val>
+                                            <p:strVal val="#ppt_x"/>
+                                          </p:val>
+                                        </p:tav>
+                                      </p:tavLst>
+                                    </p:anim>
+                                    <p:anim calcmode="lin" valueType="num">
+                                      <p:cBhvr additive="base">
+                                        <p:cTn id="38" dur="500" fill="hold"/>
+                                        <p:tgtEl>
+                                          <p:spTgt spid="3">
+                                            <p:txEl>
+                                              <p:pRg st="5" end="5"/>
+                                            </p:txEl>
+                                          </p:spTgt>
+                                        </p:tgtEl>
+                                        <p:attrNameLst>
+                                          <p:attrName>ppt_y</p:attrName>
+                                        </p:attrNameLst>
+                                      </p:cBhvr>
+                                      <p:tavLst>
+                                        <p:tav tm="0">
+                                          <p:val>
+                                            <p:strVal val="1+#ppt_h/2"/>
+                                          </p:val>
+                                        </p:tav>
+                                        <p:tav tm="100000">
+                                          <p:val>
+                                            <p:strVal val="#ppt_y"/>
+                                          </p:val>
+                                        </p:tav>
+                                      </p:tavLst>
+                                    </p:anim>
+                                  </p:childTnLst>
+                                </p:cTn>
+                              </p:par>
+                            </p:childTnLst>
+                          </p:cTn>
+                        </p:par>
+                      </p:childTnLst>
+                    </p:cTn>
+                  </p:par>
+                  <p:par>
+                    <p:cTn id="39" fill="hold">
+                      <p:stCondLst>
+                        <p:cond delay="indefinite"/>
+                      </p:stCondLst>
+                      <p:childTnLst>
+                        <p:par>
+                          <p:cTn id="40" fill="hold">
+                            <p:stCondLst>
+                              <p:cond delay="0"/>
+                            </p:stCondLst>
+                            <p:childTnLst>
+                              <p:par>
+                                <p:cTn id="41" presetID="2" presetClass="entr" presetSubtype="4" fill="hold" grpId="0" nodeType="clickEffect">
+                                  <p:stCondLst>
+                                    <p:cond delay="0"/>
+                                  </p:stCondLst>
+                                  <p:childTnLst>
+                                    <p:set>
+                                      <p:cBhvr>
+                                        <p:cTn id="42" dur="1" fill="hold">
+                                          <p:stCondLst>
+                                            <p:cond delay="0"/>
+                                          </p:stCondLst>
+                                        </p:cTn>
+                                        <p:tgtEl>
+                                          <p:spTgt spid="3">
+                                            <p:txEl>
+                                              <p:pRg st="6" end="6"/>
+                                            </p:txEl>
+                                          </p:spTgt>
+                                        </p:tgtEl>
+                                        <p:attrNameLst>
+                                          <p:attrName>style.visibility</p:attrName>
+                                        </p:attrNameLst>
+                                      </p:cBhvr>
+                                      <p:to>
+                                        <p:strVal val="visible"/>
+                                      </p:to>
+                                    </p:set>
+                                    <p:anim calcmode="lin" valueType="num">
+                                      <p:cBhvr additive="base">
+                                        <p:cTn id="43" dur="500" fill="hold"/>
+                                        <p:tgtEl>
+                                          <p:spTgt spid="3">
+                                            <p:txEl>
+                                              <p:pRg st="6" end="6"/>
+                                            </p:txEl>
+                                          </p:spTgt>
+                                        </p:tgtEl>
+                                        <p:attrNameLst>
+                                          <p:attrName>ppt_x</p:attrName>
+                                        </p:attrNameLst>
+                                      </p:cBhvr>
+                                      <p:tavLst>
+                                        <p:tav tm="0">
+                                          <p:val>
+                                            <p:strVal val="#ppt_x"/>
+                                          </p:val>
+                                        </p:tav>
+                                        <p:tav tm="100000">
+                                          <p:val>
+                                            <p:strVal val="#ppt_x"/>
+                                          </p:val>
+                                        </p:tav>
+                                      </p:tavLst>
+                                    </p:anim>
+                                    <p:anim calcmode="lin" valueType="num">
+                                      <p:cBhvr additive="base">
+                                        <p:cTn id="44" dur="500" fill="hold"/>
+                                        <p:tgtEl>
+                                          <p:spTgt spid="3">
+                                            <p:txEl>
+                                              <p:pRg st="6" end="6"/>
+                                            </p:txEl>
+                                          </p:spTgt>
+                                        </p:tgtEl>
+                                        <p:attrNameLst>
+                                          <p:attrName>ppt_y</p:attrName>
+                                        </p:attrNameLst>
+                                      </p:cBhvr>
+                                      <p:tavLst>
+                                        <p:tav tm="0">
+                                          <p:val>
+                                            <p:strVal val="1+#ppt_h/2"/>
+                                          </p:val>
+                                        </p:tav>
+                                        <p:tav tm="100000">
+                                          <p:val>
+                                            <p:strVal val="#ppt_y"/>
+                                          </p:val>
+                                        </p:tav>
+                                      </p:tavLst>
+                                    </p:anim>
+                                  </p:childTnLst>
+                                </p:cTn>
+                              </p:par>
+                            </p:childTnLst>
+                          </p:cTn>
+                        </p:par>
+                      </p:childTnLst>
+                    </p:cTn>
+                  </p:par>
+                  <p:par>
+                    <p:cTn id="45" fill="hold">
+                      <p:stCondLst>
+                        <p:cond delay="indefinite"/>
+                      </p:stCondLst>
+                      <p:childTnLst>
+                        <p:par>
+                          <p:cTn id="46" fill="hold">
+                            <p:stCondLst>
+                              <p:cond delay="0"/>
+                            </p:stCondLst>
+                            <p:childTnLst>
+                              <p:par>
+                                <p:cTn id="47" presetID="2" presetClass="entr" presetSubtype="4" fill="hold" grpId="0" nodeType="clickEffect">
+                                  <p:stCondLst>
+                                    <p:cond delay="0"/>
+                                  </p:stCondLst>
+                                  <p:childTnLst>
+                                    <p:set>
+                                      <p:cBhvr>
+                                        <p:cTn id="48" dur="1" fill="hold">
+                                          <p:stCondLst>
+                                            <p:cond delay="0"/>
+                                          </p:stCondLst>
+                                        </p:cTn>
+                                        <p:tgtEl>
+                                          <p:spTgt spid="3">
+                                            <p:txEl>
+                                              <p:pRg st="7" end="7"/>
+                                            </p:txEl>
+                                          </p:spTgt>
+                                        </p:tgtEl>
+                                        <p:attrNameLst>
+                                          <p:attrName>style.visibility</p:attrName>
+                                        </p:attrNameLst>
+                                      </p:cBhvr>
+                                      <p:to>
+                                        <p:strVal val="visible"/>
+                                      </p:to>
+                                    </p:set>
+                                    <p:anim calcmode="lin" valueType="num">
+                                      <p:cBhvr additive="base">
+                                        <p:cTn id="49" dur="500" fill="hold"/>
+                                        <p:tgtEl>
+                                          <p:spTgt spid="3">
+                                            <p:txEl>
+                                              <p:pRg st="7" end="7"/>
+                                            </p:txEl>
+                                          </p:spTgt>
+                                        </p:tgtEl>
+                                        <p:attrNameLst>
+                                          <p:attrName>ppt_x</p:attrName>
+                                        </p:attrNameLst>
+                                      </p:cBhvr>
+                                      <p:tavLst>
+                                        <p:tav tm="0">
+                                          <p:val>
+                                            <p:strVal val="#ppt_x"/>
+                                          </p:val>
+                                        </p:tav>
+                                        <p:tav tm="100000">
+                                          <p:val>
+                                            <p:strVal val="#ppt_x"/>
+                                          </p:val>
+                                        </p:tav>
+                                      </p:tavLst>
+                                    </p:anim>
+                                    <p:anim calcmode="lin" valueType="num">
+                                      <p:cBhvr additive="base">
+                                        <p:cTn id="50" dur="500" fill="hold"/>
+                                        <p:tgtEl>
+                                          <p:spTgt spid="3">
+                                            <p:txEl>
+                                              <p:pRg st="7" end="7"/>
+                                            </p:txEl>
+                                          </p:spTgt>
+                                        </p:tgtEl>
+                                        <p:attrNameLst>
+                                          <p:attrName>ppt_y</p:attrName>
+                                        </p:attrNameLst>
+                                      </p:cBhvr>
+                                      <p:tavLst>
+                                        <p:tav tm="0">
+                                          <p:val>
+                                            <p:strVal val="1+#ppt_h/2"/>
+                                          </p:val>
+                                        </p:tav>
+                                        <p:tav tm="100000">
+                                          <p:val>
+                                            <p:strVal val="#ppt_y"/>
+                                          </p:val>
+                                        </p:tav>
+                                      </p:tavLst>
+                                    </p:anim>
+                                  </p:childTnLst>
+                                </p:cTn>
+                              </p:par>
+                            </p:childTnLst>
+                          </p:cTn>
+                        </p:par>
+                      </p:childTnLst>
+                    </p:cTn>
+                  </p:par>
+                  <p:par>
+                    <p:cTn id="51" fill="hold">
+                      <p:stCondLst>
+                        <p:cond delay="indefinite"/>
+                      </p:stCondLst>
+                      <p:childTnLst>
+                        <p:par>
+                          <p:cTn id="52" fill="hold">
+                            <p:stCondLst>
+                              <p:cond delay="0"/>
+                            </p:stCondLst>
+                            <p:childTnLst>
+                              <p:par>
+                                <p:cTn id="53" presetID="2" presetClass="entr" presetSubtype="4" fill="hold" grpId="0" nodeType="clickEffect">
+                                  <p:stCondLst>
+                                    <p:cond delay="0"/>
+                                  </p:stCondLst>
+                                  <p:childTnLst>
+                                    <p:set>
+                                      <p:cBhvr>
+                                        <p:cTn id="54" dur="1" fill="hold">
+                                          <p:stCondLst>
+                                            <p:cond delay="0"/>
+                                          </p:stCondLst>
+                                        </p:cTn>
+                                        <p:tgtEl>
+                                          <p:spTgt spid="3">
+                                            <p:txEl>
+                                              <p:pRg st="8" end="8"/>
+                                            </p:txEl>
+                                          </p:spTgt>
+                                        </p:tgtEl>
+                                        <p:attrNameLst>
+                                          <p:attrName>style.visibility</p:attrName>
+                                        </p:attrNameLst>
+                                      </p:cBhvr>
+                                      <p:to>
+                                        <p:strVal val="visible"/>
+                                      </p:to>
+                                    </p:set>
+                                    <p:anim calcmode="lin" valueType="num">
+                                      <p:cBhvr additive="base">
+                                        <p:cTn id="55" dur="500" fill="hold"/>
+                                        <p:tgtEl>
+                                          <p:spTgt spid="3">
+                                            <p:txEl>
+                                              <p:pRg st="8" end="8"/>
+                                            </p:txEl>
+                                          </p:spTgt>
+                                        </p:tgtEl>
+                                        <p:attrNameLst>
+                                          <p:attrName>ppt_x</p:attrName>
+                                        </p:attrNameLst>
+                                      </p:cBhvr>
+                                      <p:tavLst>
+                                        <p:tav tm="0">
+                                          <p:val>
+                                            <p:strVal val="#ppt_x"/>
+                                          </p:val>
+                                        </p:tav>
+                                        <p:tav tm="100000">
+                                          <p:val>
+                                            <p:strVal val="#ppt_x"/>
+                                          </p:val>
+                                        </p:tav>
+                                      </p:tavLst>
+                                    </p:anim>
+                                    <p:anim calcmode="lin" valueType="num">
+                                      <p:cBhvr additive="base">
+                                        <p:cTn id="56" dur="500" fill="hold"/>
+                                        <p:tgtEl>
+                                          <p:spTgt spid="3">
+                                            <p:txEl>
+                                              <p:pRg st="8" end="8"/>
+                                            </p:txEl>
+                                          </p:spTgt>
+                                        </p:tgtEl>
+                                        <p:attrNameLst>
+                                          <p:attrName>ppt_y</p:attrName>
+                                        </p:attrNameLst>
+                                      </p:cBhvr>
+                                      <p:tavLst>
+                                        <p:tav tm="0">
+                                          <p:val>
+                                            <p:strVal val="1+#ppt_h/2"/>
+                                          </p:val>
+                                        </p:tav>
+                                        <p:tav tm="100000">
+                                          <p:val>
+                                            <p:strVal val="#ppt_y"/>
+                                          </p:val>
+                                        </p:tav>
+                                      </p:tavLst>
+                                    </p:anim>
+                                  </p:childTnLst>
+                                </p:cTn>
+                              </p:par>
+                            </p:childTnLst>
+                          </p:cTn>
+                        </p:par>
+                      </p:childTnLst>
+                    </p:cTn>
+                  </p:par>
+                  <p:par>
+                    <p:cTn id="57" fill="hold">
+                      <p:stCondLst>
+                        <p:cond delay="indefinite"/>
+                      </p:stCondLst>
+                      <p:childTnLst>
+                        <p:par>
+                          <p:cTn id="58" fill="hold">
+                            <p:stCondLst>
+                              <p:cond delay="0"/>
+                            </p:stCondLst>
+                            <p:childTnLst>
+                              <p:par>
+                                <p:cTn id="59" presetID="2" presetClass="entr" presetSubtype="4" fill="hold" grpId="0" nodeType="clickEffect">
+                                  <p:stCondLst>
+                                    <p:cond delay="0"/>
+                                  </p:stCondLst>
+                                  <p:childTnLst>
+                                    <p:set>
+                                      <p:cBhvr>
+                                        <p:cTn id="60" dur="1" fill="hold">
+                                          <p:stCondLst>
+                                            <p:cond delay="0"/>
+                                          </p:stCondLst>
+                                        </p:cTn>
+                                        <p:tgtEl>
+                                          <p:spTgt spid="3">
+                                            <p:txEl>
+                                              <p:pRg st="9" end="9"/>
+                                            </p:txEl>
+                                          </p:spTgt>
+                                        </p:tgtEl>
+                                        <p:attrNameLst>
+                                          <p:attrName>style.visibility</p:attrName>
+                                        </p:attrNameLst>
+                                      </p:cBhvr>
+                                      <p:to>
+                                        <p:strVal val="visible"/>
+                                      </p:to>
+                                    </p:set>
+                                    <p:anim calcmode="lin" valueType="num">
+                                      <p:cBhvr additive="base">
+                                        <p:cTn id="61" dur="500" fill="hold"/>
+                                        <p:tgtEl>
+                                          <p:spTgt spid="3">
+                                            <p:txEl>
+                                              <p:pRg st="9" end="9"/>
+                                            </p:txEl>
+                                          </p:spTgt>
+                                        </p:tgtEl>
+                                        <p:attrNameLst>
+                                          <p:attrName>ppt_x</p:attrName>
+                                        </p:attrNameLst>
+                                      </p:cBhvr>
+                                      <p:tavLst>
+                                        <p:tav tm="0">
+                                          <p:val>
+                                            <p:strVal val="#ppt_x"/>
+                                          </p:val>
+                                        </p:tav>
+                                        <p:tav tm="100000">
+                                          <p:val>
+                                            <p:strVal val="#ppt_x"/>
+                                          </p:val>
+                                        </p:tav>
+                                      </p:tavLst>
+                                    </p:anim>
+                                    <p:anim calcmode="lin" valueType="num">
+                                      <p:cBhvr additive="base">
+                                        <p:cTn id="62" dur="500" fill="hold"/>
+                                        <p:tgtEl>
+                                          <p:spTgt spid="3">
+                                            <p:txEl>
+                                              <p:pRg st="9" end="9"/>
+                                            </p:txEl>
+                                          </p:spTgt>
+                                        </p:tgtEl>
+                                        <p:attrNameLst>
+                                          <p:attrName>ppt_y</p:attrName>
+                                        </p:attrNameLst>
+                                      </p:cBhvr>
+                                      <p:tavLst>
+                                        <p:tav tm="0">
+                                          <p:val>
+                                            <p:strVal val="1+#ppt_h/2"/>
+                                          </p:val>
+                                        </p:tav>
+                                        <p:tav tm="100000">
+                                          <p:val>
+                                            <p:strVal val="#ppt_y"/>
+                                          </p:val>
+                                        </p:tav>
+                                      </p:tavLst>
+                                    </p:anim>
+                                  </p:childTnLst>
+                                </p:cTn>
+                              </p:par>
+                            </p:childTnLst>
+                          </p:cTn>
+                        </p:par>
+                      </p:childTnLst>
+                    </p:cTn>
+                  </p:par>
+                </p:childTnLst>
+              </p:cTn>
+              <p:prevCondLst>
+                <p:cond evt="onPrev" delay="0">
+                  <p:tgtEl>
+                    <p:sldTgt/>
+                  </p:tgtEl>
+                </p:cond>
+              </p:prevCondLst>
+              <p:nextCondLst>
+                <p:cond evt="onNext" delay="0">
+                  <p:tgtEl>
+                    <p:sldTgt/>
+                  </p:tgtEl>
+                </p:cond>
+              </p:nextCondLst>
+            </p:seq>
+          </p:childTnLst>
+        </p:cTn>
+      </p:par>
+    </p:tnLst>
+    <p:bldLst>
+      <p:bldP spid="3" grpId="0" build="p"/>
+    </p:bldLst>
+  </p:timing>
 </p:sld>
 </file>
 
@@ -9774,6 +13807,351 @@
   <p:clrMapOvr>
     <a:masterClrMapping/>
   </p:clrMapOvr>
+  <p:transition spd="slow">
+    <p:push dir="u"/>
+  </p:transition>
+  <p:timing>
+    <p:tnLst>
+      <p:par>
+        <p:cTn id="1" dur="indefinite" restart="never" nodeType="tmRoot">
+          <p:childTnLst>
+            <p:seq concurrent="1" nextAc="seek">
+              <p:cTn id="2" dur="indefinite" nodeType="mainSeq">
+                <p:childTnLst>
+                  <p:par>
+                    <p:cTn id="3" fill="hold">
+                      <p:stCondLst>
+                        <p:cond delay="indefinite"/>
+                      </p:stCondLst>
+                      <p:childTnLst>
+                        <p:par>
+                          <p:cTn id="4" fill="hold">
+                            <p:stCondLst>
+                              <p:cond delay="0"/>
+                            </p:stCondLst>
+                            <p:childTnLst>
+                              <p:par>
+                                <p:cTn id="5" presetID="2" presetClass="entr" presetSubtype="4" fill="hold" grpId="0" nodeType="clickEffect">
+                                  <p:stCondLst>
+                                    <p:cond delay="0"/>
+                                  </p:stCondLst>
+                                  <p:childTnLst>
+                                    <p:set>
+                                      <p:cBhvr>
+                                        <p:cTn id="6" dur="1" fill="hold">
+                                          <p:stCondLst>
+                                            <p:cond delay="0"/>
+                                          </p:stCondLst>
+                                        </p:cTn>
+                                        <p:tgtEl>
+                                          <p:spTgt spid="3">
+                                            <p:txEl>
+                                              <p:pRg st="0" end="0"/>
+                                            </p:txEl>
+                                          </p:spTgt>
+                                        </p:tgtEl>
+                                        <p:attrNameLst>
+                                          <p:attrName>style.visibility</p:attrName>
+                                        </p:attrNameLst>
+                                      </p:cBhvr>
+                                      <p:to>
+                                        <p:strVal val="visible"/>
+                                      </p:to>
+                                    </p:set>
+                                    <p:anim calcmode="lin" valueType="num">
+                                      <p:cBhvr additive="base">
+                                        <p:cTn id="7" dur="500" fill="hold"/>
+                                        <p:tgtEl>
+                                          <p:spTgt spid="3">
+                                            <p:txEl>
+                                              <p:pRg st="0" end="0"/>
+                                            </p:txEl>
+                                          </p:spTgt>
+                                        </p:tgtEl>
+                                        <p:attrNameLst>
+                                          <p:attrName>ppt_x</p:attrName>
+                                        </p:attrNameLst>
+                                      </p:cBhvr>
+                                      <p:tavLst>
+                                        <p:tav tm="0">
+                                          <p:val>
+                                            <p:strVal val="#ppt_x"/>
+                                          </p:val>
+                                        </p:tav>
+                                        <p:tav tm="100000">
+                                          <p:val>
+                                            <p:strVal val="#ppt_x"/>
+                                          </p:val>
+                                        </p:tav>
+                                      </p:tavLst>
+                                    </p:anim>
+                                    <p:anim calcmode="lin" valueType="num">
+                                      <p:cBhvr additive="base">
+                                        <p:cTn id="8" dur="500" fill="hold"/>
+                                        <p:tgtEl>
+                                          <p:spTgt spid="3">
+                                            <p:txEl>
+                                              <p:pRg st="0" end="0"/>
+                                            </p:txEl>
+                                          </p:spTgt>
+                                        </p:tgtEl>
+                                        <p:attrNameLst>
+                                          <p:attrName>ppt_y</p:attrName>
+                                        </p:attrNameLst>
+                                      </p:cBhvr>
+                                      <p:tavLst>
+                                        <p:tav tm="0">
+                                          <p:val>
+                                            <p:strVal val="1+#ppt_h/2"/>
+                                          </p:val>
+                                        </p:tav>
+                                        <p:tav tm="100000">
+                                          <p:val>
+                                            <p:strVal val="#ppt_y"/>
+                                          </p:val>
+                                        </p:tav>
+                                      </p:tavLst>
+                                    </p:anim>
+                                  </p:childTnLst>
+                                </p:cTn>
+                              </p:par>
+                            </p:childTnLst>
+                          </p:cTn>
+                        </p:par>
+                      </p:childTnLst>
+                    </p:cTn>
+                  </p:par>
+                  <p:par>
+                    <p:cTn id="9" fill="hold">
+                      <p:stCondLst>
+                        <p:cond delay="indefinite"/>
+                      </p:stCondLst>
+                      <p:childTnLst>
+                        <p:par>
+                          <p:cTn id="10" fill="hold">
+                            <p:stCondLst>
+                              <p:cond delay="0"/>
+                            </p:stCondLst>
+                            <p:childTnLst>
+                              <p:par>
+                                <p:cTn id="11" presetID="2" presetClass="entr" presetSubtype="4" fill="hold" grpId="0" nodeType="clickEffect">
+                                  <p:stCondLst>
+                                    <p:cond delay="0"/>
+                                  </p:stCondLst>
+                                  <p:childTnLst>
+                                    <p:set>
+                                      <p:cBhvr>
+                                        <p:cTn id="12" dur="1" fill="hold">
+                                          <p:stCondLst>
+                                            <p:cond delay="0"/>
+                                          </p:stCondLst>
+                                        </p:cTn>
+                                        <p:tgtEl>
+                                          <p:spTgt spid="3">
+                                            <p:txEl>
+                                              <p:pRg st="1" end="1"/>
+                                            </p:txEl>
+                                          </p:spTgt>
+                                        </p:tgtEl>
+                                        <p:attrNameLst>
+                                          <p:attrName>style.visibility</p:attrName>
+                                        </p:attrNameLst>
+                                      </p:cBhvr>
+                                      <p:to>
+                                        <p:strVal val="visible"/>
+                                      </p:to>
+                                    </p:set>
+                                    <p:anim calcmode="lin" valueType="num">
+                                      <p:cBhvr additive="base">
+                                        <p:cTn id="13" dur="500" fill="hold"/>
+                                        <p:tgtEl>
+                                          <p:spTgt spid="3">
+                                            <p:txEl>
+                                              <p:pRg st="1" end="1"/>
+                                            </p:txEl>
+                                          </p:spTgt>
+                                        </p:tgtEl>
+                                        <p:attrNameLst>
+                                          <p:attrName>ppt_x</p:attrName>
+                                        </p:attrNameLst>
+                                      </p:cBhvr>
+                                      <p:tavLst>
+                                        <p:tav tm="0">
+                                          <p:val>
+                                            <p:strVal val="#ppt_x"/>
+                                          </p:val>
+                                        </p:tav>
+                                        <p:tav tm="100000">
+                                          <p:val>
+                                            <p:strVal val="#ppt_x"/>
+                                          </p:val>
+                                        </p:tav>
+                                      </p:tavLst>
+                                    </p:anim>
+                                    <p:anim calcmode="lin" valueType="num">
+                                      <p:cBhvr additive="base">
+                                        <p:cTn id="14" dur="500" fill="hold"/>
+                                        <p:tgtEl>
+                                          <p:spTgt spid="3">
+                                            <p:txEl>
+                                              <p:pRg st="1" end="1"/>
+                                            </p:txEl>
+                                          </p:spTgt>
+                                        </p:tgtEl>
+                                        <p:attrNameLst>
+                                          <p:attrName>ppt_y</p:attrName>
+                                        </p:attrNameLst>
+                                      </p:cBhvr>
+                                      <p:tavLst>
+                                        <p:tav tm="0">
+                                          <p:val>
+                                            <p:strVal val="1+#ppt_h/2"/>
+                                          </p:val>
+                                        </p:tav>
+                                        <p:tav tm="100000">
+                                          <p:val>
+                                            <p:strVal val="#ppt_y"/>
+                                          </p:val>
+                                        </p:tav>
+                                      </p:tavLst>
+                                    </p:anim>
+                                  </p:childTnLst>
+                                </p:cTn>
+                              </p:par>
+                            </p:childTnLst>
+                          </p:cTn>
+                        </p:par>
+                      </p:childTnLst>
+                    </p:cTn>
+                  </p:par>
+                  <p:par>
+                    <p:cTn id="15" fill="hold">
+                      <p:stCondLst>
+                        <p:cond delay="indefinite"/>
+                      </p:stCondLst>
+                      <p:childTnLst>
+                        <p:par>
+                          <p:cTn id="16" fill="hold">
+                            <p:stCondLst>
+                              <p:cond delay="0"/>
+                            </p:stCondLst>
+                            <p:childTnLst>
+                              <p:par>
+                                <p:cTn id="17" presetID="2" presetClass="entr" presetSubtype="4" fill="hold" grpId="0" nodeType="clickEffect">
+                                  <p:stCondLst>
+                                    <p:cond delay="0"/>
+                                  </p:stCondLst>
+                                  <p:childTnLst>
+                                    <p:set>
+                                      <p:cBhvr>
+                                        <p:cTn id="18" dur="1" fill="hold">
+                                          <p:stCondLst>
+                                            <p:cond delay="0"/>
+                                          </p:stCondLst>
+                                        </p:cTn>
+                                        <p:tgtEl>
+                                          <p:spTgt spid="3">
+                                            <p:txEl>
+                                              <p:pRg st="2" end="2"/>
+                                            </p:txEl>
+                                          </p:spTgt>
+                                        </p:tgtEl>
+                                        <p:attrNameLst>
+                                          <p:attrName>style.visibility</p:attrName>
+                                        </p:attrNameLst>
+                                      </p:cBhvr>
+                                      <p:to>
+                                        <p:strVal val="visible"/>
+                                      </p:to>
+                                    </p:set>
+                                    <p:anim calcmode="lin" valueType="num">
+                                      <p:cBhvr additive="base">
+                                        <p:cTn id="19" dur="500" fill="hold"/>
+                                        <p:tgtEl>
+                                          <p:spTgt spid="3">
+                                            <p:txEl>
+                                              <p:pRg st="2" end="2"/>
+                                            </p:txEl>
+                                          </p:spTgt>
+                                        </p:tgtEl>
+                                        <p:attrNameLst>
+                                          <p:attrName>ppt_x</p:attrName>
+                                        </p:attrNameLst>
+                                      </p:cBhvr>
+                                      <p:tavLst>
+                                        <p:tav tm="0">
+                                          <p:val>
+                                            <p:strVal val="#ppt_x"/>
+                                          </p:val>
+                                        </p:tav>
+                                        <p:tav tm="100000">
+                                          <p:val>
+                                            <p:strVal val="#ppt_x"/>
+                                          </p:val>
+                                        </p:tav>
+                                      </p:tavLst>
+                                    </p:anim>
+                                    <p:anim calcmode="lin" valueType="num">
+                                      <p:cBhvr additive="base">
+                                        <p:cTn id="20" dur="500" fill="hold"/>
+                                        <p:tgtEl>
+                                          <p:spTgt spid="3">
+                                            <p:txEl>
+                                              <p:pRg st="2" end="2"/>
+                                            </p:txEl>
+                                          </p:spTgt>
+                                        </p:tgtEl>
+                                        <p:attrNameLst>
+                                          <p:attrName>ppt_y</p:attrName>
+                                        </p:attrNameLst>
+                                      </p:cBhvr>
+                                      <p:tavLst>
+                                        <p:tav tm="0">
+                                          <p:val>
+                                            <p:strVal val="1+#ppt_h/2"/>
+                                          </p:val>
+                                        </p:tav>
+                                        <p:tav tm="100000">
+                                          <p:val>
+                                            <p:strVal val="#ppt_y"/>
+                                          </p:val>
+                                        </p:tav>
+                                      </p:tavLst>
+                                    </p:anim>
+                                  </p:childTnLst>
+                                </p:cTn>
+                              </p:par>
+                            </p:childTnLst>
+                          </p:cTn>
+                        </p:par>
+                      </p:childTnLst>
+                    </p:cTn>
+                  </p:par>
+                </p:childTnLst>
+              </p:cTn>
+              <p:prevCondLst>
+                <p:cond evt="onPrev" delay="0">
+                  <p:tgtEl>
+                    <p:sldTgt/>
+                  </p:tgtEl>
+                </p:cond>
+              </p:prevCondLst>
+              <p:nextCondLst>
+                <p:cond evt="onNext" delay="0">
+                  <p:tgtEl>
+                    <p:sldTgt/>
+                  </p:tgtEl>
+                </p:cond>
+              </p:nextCondLst>
+            </p:seq>
+          </p:childTnLst>
+        </p:cTn>
+      </p:par>
+    </p:tnLst>
+    <p:bldLst>
+      <p:bldP spid="3" grpId="0" build="p"/>
+    </p:bldLst>
+  </p:timing>
 </p:sld>
 </file>
 
@@ -9930,6 +14308,454 @@
   <p:clrMapOvr>
     <a:masterClrMapping/>
   </p:clrMapOvr>
+  <p:transition spd="slow">
+    <p:push dir="u"/>
+  </p:transition>
+  <p:timing>
+    <p:tnLst>
+      <p:par>
+        <p:cTn id="1" dur="indefinite" restart="never" nodeType="tmRoot">
+          <p:childTnLst>
+            <p:seq concurrent="1" nextAc="seek">
+              <p:cTn id="2" dur="indefinite" nodeType="mainSeq">
+                <p:childTnLst>
+                  <p:par>
+                    <p:cTn id="3" fill="hold">
+                      <p:stCondLst>
+                        <p:cond delay="indefinite"/>
+                      </p:stCondLst>
+                      <p:childTnLst>
+                        <p:par>
+                          <p:cTn id="4" fill="hold">
+                            <p:stCondLst>
+                              <p:cond delay="0"/>
+                            </p:stCondLst>
+                            <p:childTnLst>
+                              <p:par>
+                                <p:cTn id="5" presetID="2" presetClass="entr" presetSubtype="4" fill="hold" grpId="0" nodeType="clickEffect">
+                                  <p:stCondLst>
+                                    <p:cond delay="0"/>
+                                  </p:stCondLst>
+                                  <p:childTnLst>
+                                    <p:set>
+                                      <p:cBhvr>
+                                        <p:cTn id="6" dur="1" fill="hold">
+                                          <p:stCondLst>
+                                            <p:cond delay="0"/>
+                                          </p:stCondLst>
+                                        </p:cTn>
+                                        <p:tgtEl>
+                                          <p:spTgt spid="3">
+                                            <p:txEl>
+                                              <p:pRg st="1" end="1"/>
+                                            </p:txEl>
+                                          </p:spTgt>
+                                        </p:tgtEl>
+                                        <p:attrNameLst>
+                                          <p:attrName>style.visibility</p:attrName>
+                                        </p:attrNameLst>
+                                      </p:cBhvr>
+                                      <p:to>
+                                        <p:strVal val="visible"/>
+                                      </p:to>
+                                    </p:set>
+                                    <p:anim calcmode="lin" valueType="num">
+                                      <p:cBhvr additive="base">
+                                        <p:cTn id="7" dur="500" fill="hold"/>
+                                        <p:tgtEl>
+                                          <p:spTgt spid="3">
+                                            <p:txEl>
+                                              <p:pRg st="1" end="1"/>
+                                            </p:txEl>
+                                          </p:spTgt>
+                                        </p:tgtEl>
+                                        <p:attrNameLst>
+                                          <p:attrName>ppt_x</p:attrName>
+                                        </p:attrNameLst>
+                                      </p:cBhvr>
+                                      <p:tavLst>
+                                        <p:tav tm="0">
+                                          <p:val>
+                                            <p:strVal val="#ppt_x"/>
+                                          </p:val>
+                                        </p:tav>
+                                        <p:tav tm="100000">
+                                          <p:val>
+                                            <p:strVal val="#ppt_x"/>
+                                          </p:val>
+                                        </p:tav>
+                                      </p:tavLst>
+                                    </p:anim>
+                                    <p:anim calcmode="lin" valueType="num">
+                                      <p:cBhvr additive="base">
+                                        <p:cTn id="8" dur="500" fill="hold"/>
+                                        <p:tgtEl>
+                                          <p:spTgt spid="3">
+                                            <p:txEl>
+                                              <p:pRg st="1" end="1"/>
+                                            </p:txEl>
+                                          </p:spTgt>
+                                        </p:tgtEl>
+                                        <p:attrNameLst>
+                                          <p:attrName>ppt_y</p:attrName>
+                                        </p:attrNameLst>
+                                      </p:cBhvr>
+                                      <p:tavLst>
+                                        <p:tav tm="0">
+                                          <p:val>
+                                            <p:strVal val="1+#ppt_h/2"/>
+                                          </p:val>
+                                        </p:tav>
+                                        <p:tav tm="100000">
+                                          <p:val>
+                                            <p:strVal val="#ppt_y"/>
+                                          </p:val>
+                                        </p:tav>
+                                      </p:tavLst>
+                                    </p:anim>
+                                  </p:childTnLst>
+                                </p:cTn>
+                              </p:par>
+                            </p:childTnLst>
+                          </p:cTn>
+                        </p:par>
+                      </p:childTnLst>
+                    </p:cTn>
+                  </p:par>
+                  <p:par>
+                    <p:cTn id="9" fill="hold">
+                      <p:stCondLst>
+                        <p:cond delay="indefinite"/>
+                      </p:stCondLst>
+                      <p:childTnLst>
+                        <p:par>
+                          <p:cTn id="10" fill="hold">
+                            <p:stCondLst>
+                              <p:cond delay="0"/>
+                            </p:stCondLst>
+                            <p:childTnLst>
+                              <p:par>
+                                <p:cTn id="11" presetID="2" presetClass="entr" presetSubtype="4" fill="hold" grpId="0" nodeType="clickEffect">
+                                  <p:stCondLst>
+                                    <p:cond delay="0"/>
+                                  </p:stCondLst>
+                                  <p:childTnLst>
+                                    <p:set>
+                                      <p:cBhvr>
+                                        <p:cTn id="12" dur="1" fill="hold">
+                                          <p:stCondLst>
+                                            <p:cond delay="0"/>
+                                          </p:stCondLst>
+                                        </p:cTn>
+                                        <p:tgtEl>
+                                          <p:spTgt spid="3">
+                                            <p:txEl>
+                                              <p:pRg st="2" end="2"/>
+                                            </p:txEl>
+                                          </p:spTgt>
+                                        </p:tgtEl>
+                                        <p:attrNameLst>
+                                          <p:attrName>style.visibility</p:attrName>
+                                        </p:attrNameLst>
+                                      </p:cBhvr>
+                                      <p:to>
+                                        <p:strVal val="visible"/>
+                                      </p:to>
+                                    </p:set>
+                                    <p:anim calcmode="lin" valueType="num">
+                                      <p:cBhvr additive="base">
+                                        <p:cTn id="13" dur="500" fill="hold"/>
+                                        <p:tgtEl>
+                                          <p:spTgt spid="3">
+                                            <p:txEl>
+                                              <p:pRg st="2" end="2"/>
+                                            </p:txEl>
+                                          </p:spTgt>
+                                        </p:tgtEl>
+                                        <p:attrNameLst>
+                                          <p:attrName>ppt_x</p:attrName>
+                                        </p:attrNameLst>
+                                      </p:cBhvr>
+                                      <p:tavLst>
+                                        <p:tav tm="0">
+                                          <p:val>
+                                            <p:strVal val="#ppt_x"/>
+                                          </p:val>
+                                        </p:tav>
+                                        <p:tav tm="100000">
+                                          <p:val>
+                                            <p:strVal val="#ppt_x"/>
+                                          </p:val>
+                                        </p:tav>
+                                      </p:tavLst>
+                                    </p:anim>
+                                    <p:anim calcmode="lin" valueType="num">
+                                      <p:cBhvr additive="base">
+                                        <p:cTn id="14" dur="500" fill="hold"/>
+                                        <p:tgtEl>
+                                          <p:spTgt spid="3">
+                                            <p:txEl>
+                                              <p:pRg st="2" end="2"/>
+                                            </p:txEl>
+                                          </p:spTgt>
+                                        </p:tgtEl>
+                                        <p:attrNameLst>
+                                          <p:attrName>ppt_y</p:attrName>
+                                        </p:attrNameLst>
+                                      </p:cBhvr>
+                                      <p:tavLst>
+                                        <p:tav tm="0">
+                                          <p:val>
+                                            <p:strVal val="1+#ppt_h/2"/>
+                                          </p:val>
+                                        </p:tav>
+                                        <p:tav tm="100000">
+                                          <p:val>
+                                            <p:strVal val="#ppt_y"/>
+                                          </p:val>
+                                        </p:tav>
+                                      </p:tavLst>
+                                    </p:anim>
+                                  </p:childTnLst>
+                                </p:cTn>
+                              </p:par>
+                            </p:childTnLst>
+                          </p:cTn>
+                        </p:par>
+                      </p:childTnLst>
+                    </p:cTn>
+                  </p:par>
+                  <p:par>
+                    <p:cTn id="15" fill="hold">
+                      <p:stCondLst>
+                        <p:cond delay="indefinite"/>
+                      </p:stCondLst>
+                      <p:childTnLst>
+                        <p:par>
+                          <p:cTn id="16" fill="hold">
+                            <p:stCondLst>
+                              <p:cond delay="0"/>
+                            </p:stCondLst>
+                            <p:childTnLst>
+                              <p:par>
+                                <p:cTn id="17" presetID="2" presetClass="entr" presetSubtype="4" fill="hold" grpId="0" nodeType="clickEffect">
+                                  <p:stCondLst>
+                                    <p:cond delay="0"/>
+                                  </p:stCondLst>
+                                  <p:childTnLst>
+                                    <p:set>
+                                      <p:cBhvr>
+                                        <p:cTn id="18" dur="1" fill="hold">
+                                          <p:stCondLst>
+                                            <p:cond delay="0"/>
+                                          </p:stCondLst>
+                                        </p:cTn>
+                                        <p:tgtEl>
+                                          <p:spTgt spid="3">
+                                            <p:txEl>
+                                              <p:pRg st="3" end="3"/>
+                                            </p:txEl>
+                                          </p:spTgt>
+                                        </p:tgtEl>
+                                        <p:attrNameLst>
+                                          <p:attrName>style.visibility</p:attrName>
+                                        </p:attrNameLst>
+                                      </p:cBhvr>
+                                      <p:to>
+                                        <p:strVal val="visible"/>
+                                      </p:to>
+                                    </p:set>
+                                    <p:anim calcmode="lin" valueType="num">
+                                      <p:cBhvr additive="base">
+                                        <p:cTn id="19" dur="500" fill="hold"/>
+                                        <p:tgtEl>
+                                          <p:spTgt spid="3">
+                                            <p:txEl>
+                                              <p:pRg st="3" end="3"/>
+                                            </p:txEl>
+                                          </p:spTgt>
+                                        </p:tgtEl>
+                                        <p:attrNameLst>
+                                          <p:attrName>ppt_x</p:attrName>
+                                        </p:attrNameLst>
+                                      </p:cBhvr>
+                                      <p:tavLst>
+                                        <p:tav tm="0">
+                                          <p:val>
+                                            <p:strVal val="#ppt_x"/>
+                                          </p:val>
+                                        </p:tav>
+                                        <p:tav tm="100000">
+                                          <p:val>
+                                            <p:strVal val="#ppt_x"/>
+                                          </p:val>
+                                        </p:tav>
+                                      </p:tavLst>
+                                    </p:anim>
+                                    <p:anim calcmode="lin" valueType="num">
+                                      <p:cBhvr additive="base">
+                                        <p:cTn id="20" dur="500" fill="hold"/>
+                                        <p:tgtEl>
+                                          <p:spTgt spid="3">
+                                            <p:txEl>
+                                              <p:pRg st="3" end="3"/>
+                                            </p:txEl>
+                                          </p:spTgt>
+                                        </p:tgtEl>
+                                        <p:attrNameLst>
+                                          <p:attrName>ppt_y</p:attrName>
+                                        </p:attrNameLst>
+                                      </p:cBhvr>
+                                      <p:tavLst>
+                                        <p:tav tm="0">
+                                          <p:val>
+                                            <p:strVal val="1+#ppt_h/2"/>
+                                          </p:val>
+                                        </p:tav>
+                                        <p:tav tm="100000">
+                                          <p:val>
+                                            <p:strVal val="#ppt_y"/>
+                                          </p:val>
+                                        </p:tav>
+                                      </p:tavLst>
+                                    </p:anim>
+                                  </p:childTnLst>
+                                </p:cTn>
+                              </p:par>
+                            </p:childTnLst>
+                          </p:cTn>
+                        </p:par>
+                      </p:childTnLst>
+                    </p:cTn>
+                  </p:par>
+                  <p:par>
+                    <p:cTn id="21" fill="hold">
+                      <p:stCondLst>
+                        <p:cond delay="indefinite"/>
+                      </p:stCondLst>
+                      <p:childTnLst>
+                        <p:par>
+                          <p:cTn id="22" fill="hold">
+                            <p:stCondLst>
+                              <p:cond delay="0"/>
+                            </p:stCondLst>
+                            <p:childTnLst>
+                              <p:par>
+                                <p:cTn id="23" presetID="2" presetClass="entr" presetSubtype="4" fill="hold" grpId="0" nodeType="clickEffect">
+                                  <p:stCondLst>
+                                    <p:cond delay="0"/>
+                                  </p:stCondLst>
+                                  <p:childTnLst>
+                                    <p:set>
+                                      <p:cBhvr>
+                                        <p:cTn id="24" dur="1" fill="hold">
+                                          <p:stCondLst>
+                                            <p:cond delay="0"/>
+                                          </p:stCondLst>
+                                        </p:cTn>
+                                        <p:tgtEl>
+                                          <p:spTgt spid="3">
+                                            <p:txEl>
+                                              <p:pRg st="4" end="4"/>
+                                            </p:txEl>
+                                          </p:spTgt>
+                                        </p:tgtEl>
+                                        <p:attrNameLst>
+                                          <p:attrName>style.visibility</p:attrName>
+                                        </p:attrNameLst>
+                                      </p:cBhvr>
+                                      <p:to>
+                                        <p:strVal val="visible"/>
+                                      </p:to>
+                                    </p:set>
+                                    <p:anim calcmode="lin" valueType="num">
+                                      <p:cBhvr additive="base">
+                                        <p:cTn id="25" dur="500" fill="hold"/>
+                                        <p:tgtEl>
+                                          <p:spTgt spid="3">
+                                            <p:txEl>
+                                              <p:pRg st="4" end="4"/>
+                                            </p:txEl>
+                                          </p:spTgt>
+                                        </p:tgtEl>
+                                        <p:attrNameLst>
+                                          <p:attrName>ppt_x</p:attrName>
+                                        </p:attrNameLst>
+                                      </p:cBhvr>
+                                      <p:tavLst>
+                                        <p:tav tm="0">
+                                          <p:val>
+                                            <p:strVal val="#ppt_x"/>
+                                          </p:val>
+                                        </p:tav>
+                                        <p:tav tm="100000">
+                                          <p:val>
+                                            <p:strVal val="#ppt_x"/>
+                                          </p:val>
+                                        </p:tav>
+                                      </p:tavLst>
+                                    </p:anim>
+                                    <p:anim calcmode="lin" valueType="num">
+                                      <p:cBhvr additive="base">
+                                        <p:cTn id="26" dur="500" fill="hold"/>
+                                        <p:tgtEl>
+                                          <p:spTgt spid="3">
+                                            <p:txEl>
+                                              <p:pRg st="4" end="4"/>
+                                            </p:txEl>
+                                          </p:spTgt>
+                                        </p:tgtEl>
+                                        <p:attrNameLst>
+                                          <p:attrName>ppt_y</p:attrName>
+                                        </p:attrNameLst>
+                                      </p:cBhvr>
+                                      <p:tavLst>
+                                        <p:tav tm="0">
+                                          <p:val>
+                                            <p:strVal val="1+#ppt_h/2"/>
+                                          </p:val>
+                                        </p:tav>
+                                        <p:tav tm="100000">
+                                          <p:val>
+                                            <p:strVal val="#ppt_y"/>
+                                          </p:val>
+                                        </p:tav>
+                                      </p:tavLst>
+                                    </p:anim>
+                                  </p:childTnLst>
+                                </p:cTn>
+                              </p:par>
+                            </p:childTnLst>
+                          </p:cTn>
+                        </p:par>
+                      </p:childTnLst>
+                    </p:cTn>
+                  </p:par>
+                </p:childTnLst>
+              </p:cTn>
+              <p:prevCondLst>
+                <p:cond evt="onPrev" delay="0">
+                  <p:tgtEl>
+                    <p:sldTgt/>
+                  </p:tgtEl>
+                </p:cond>
+              </p:prevCondLst>
+              <p:nextCondLst>
+                <p:cond evt="onNext" delay="0">
+                  <p:tgtEl>
+                    <p:sldTgt/>
+                  </p:tgtEl>
+                </p:cond>
+              </p:nextCondLst>
+            </p:seq>
+          </p:childTnLst>
+        </p:cTn>
+      </p:par>
+    </p:tnLst>
+    <p:bldLst>
+      <p:bldP spid="3" grpId="0" build="p"/>
+    </p:bldLst>
+  </p:timing>
 </p:sld>
 </file>
 
@@ -10003,6 +14829,9 @@
   <p:clrMapOvr>
     <a:masterClrMapping/>
   </p:clrMapOvr>
+  <p:transition spd="slow">
+    <p:push dir="u"/>
+  </p:transition>
 </p:sld>
 </file>
 
@@ -10323,6 +15152,648 @@
   <p:clrMapOvr>
     <a:masterClrMapping/>
   </p:clrMapOvr>
+  <p:transition spd="slow">
+    <p:push dir="u"/>
+  </p:transition>
+  <p:timing>
+    <p:tnLst>
+      <p:par>
+        <p:cTn id="1" dur="indefinite" restart="never" nodeType="tmRoot">
+          <p:childTnLst>
+            <p:seq concurrent="1" nextAc="seek">
+              <p:cTn id="2" dur="indefinite" nodeType="mainSeq">
+                <p:childTnLst>
+                  <p:par>
+                    <p:cTn id="3" fill="hold">
+                      <p:stCondLst>
+                        <p:cond delay="indefinite"/>
+                      </p:stCondLst>
+                      <p:childTnLst>
+                        <p:par>
+                          <p:cTn id="4" fill="hold">
+                            <p:stCondLst>
+                              <p:cond delay="0"/>
+                            </p:stCondLst>
+                            <p:childTnLst>
+                              <p:par>
+                                <p:cTn id="5" presetID="2" presetClass="entr" presetSubtype="4" fill="hold" grpId="0" nodeType="clickEffect">
+                                  <p:stCondLst>
+                                    <p:cond delay="0"/>
+                                  </p:stCondLst>
+                                  <p:childTnLst>
+                                    <p:set>
+                                      <p:cBhvr>
+                                        <p:cTn id="6" dur="1" fill="hold">
+                                          <p:stCondLst>
+                                            <p:cond delay="0"/>
+                                          </p:stCondLst>
+                                        </p:cTn>
+                                        <p:tgtEl>
+                                          <p:spTgt spid="3">
+                                            <p:txEl>
+                                              <p:pRg st="0" end="0"/>
+                                            </p:txEl>
+                                          </p:spTgt>
+                                        </p:tgtEl>
+                                        <p:attrNameLst>
+                                          <p:attrName>style.visibility</p:attrName>
+                                        </p:attrNameLst>
+                                      </p:cBhvr>
+                                      <p:to>
+                                        <p:strVal val="visible"/>
+                                      </p:to>
+                                    </p:set>
+                                    <p:anim calcmode="lin" valueType="num">
+                                      <p:cBhvr additive="base">
+                                        <p:cTn id="7" dur="500" fill="hold"/>
+                                        <p:tgtEl>
+                                          <p:spTgt spid="3">
+                                            <p:txEl>
+                                              <p:pRg st="0" end="0"/>
+                                            </p:txEl>
+                                          </p:spTgt>
+                                        </p:tgtEl>
+                                        <p:attrNameLst>
+                                          <p:attrName>ppt_x</p:attrName>
+                                        </p:attrNameLst>
+                                      </p:cBhvr>
+                                      <p:tavLst>
+                                        <p:tav tm="0">
+                                          <p:val>
+                                            <p:strVal val="#ppt_x"/>
+                                          </p:val>
+                                        </p:tav>
+                                        <p:tav tm="100000">
+                                          <p:val>
+                                            <p:strVal val="#ppt_x"/>
+                                          </p:val>
+                                        </p:tav>
+                                      </p:tavLst>
+                                    </p:anim>
+                                    <p:anim calcmode="lin" valueType="num">
+                                      <p:cBhvr additive="base">
+                                        <p:cTn id="8" dur="500" fill="hold"/>
+                                        <p:tgtEl>
+                                          <p:spTgt spid="3">
+                                            <p:txEl>
+                                              <p:pRg st="0" end="0"/>
+                                            </p:txEl>
+                                          </p:spTgt>
+                                        </p:tgtEl>
+                                        <p:attrNameLst>
+                                          <p:attrName>ppt_y</p:attrName>
+                                        </p:attrNameLst>
+                                      </p:cBhvr>
+                                      <p:tavLst>
+                                        <p:tav tm="0">
+                                          <p:val>
+                                            <p:strVal val="1+#ppt_h/2"/>
+                                          </p:val>
+                                        </p:tav>
+                                        <p:tav tm="100000">
+                                          <p:val>
+                                            <p:strVal val="#ppt_y"/>
+                                          </p:val>
+                                        </p:tav>
+                                      </p:tavLst>
+                                    </p:anim>
+                                  </p:childTnLst>
+                                </p:cTn>
+                              </p:par>
+                            </p:childTnLst>
+                          </p:cTn>
+                        </p:par>
+                      </p:childTnLst>
+                    </p:cTn>
+                  </p:par>
+                  <p:par>
+                    <p:cTn id="9" fill="hold">
+                      <p:stCondLst>
+                        <p:cond delay="indefinite"/>
+                      </p:stCondLst>
+                      <p:childTnLst>
+                        <p:par>
+                          <p:cTn id="10" fill="hold">
+                            <p:stCondLst>
+                              <p:cond delay="0"/>
+                            </p:stCondLst>
+                            <p:childTnLst>
+                              <p:par>
+                                <p:cTn id="11" presetID="2" presetClass="entr" presetSubtype="4" fill="hold" grpId="0" nodeType="clickEffect">
+                                  <p:stCondLst>
+                                    <p:cond delay="0"/>
+                                  </p:stCondLst>
+                                  <p:childTnLst>
+                                    <p:set>
+                                      <p:cBhvr>
+                                        <p:cTn id="12" dur="1" fill="hold">
+                                          <p:stCondLst>
+                                            <p:cond delay="0"/>
+                                          </p:stCondLst>
+                                        </p:cTn>
+                                        <p:tgtEl>
+                                          <p:spTgt spid="3">
+                                            <p:txEl>
+                                              <p:pRg st="1" end="1"/>
+                                            </p:txEl>
+                                          </p:spTgt>
+                                        </p:tgtEl>
+                                        <p:attrNameLst>
+                                          <p:attrName>style.visibility</p:attrName>
+                                        </p:attrNameLst>
+                                      </p:cBhvr>
+                                      <p:to>
+                                        <p:strVal val="visible"/>
+                                      </p:to>
+                                    </p:set>
+                                    <p:anim calcmode="lin" valueType="num">
+                                      <p:cBhvr additive="base">
+                                        <p:cTn id="13" dur="500" fill="hold"/>
+                                        <p:tgtEl>
+                                          <p:spTgt spid="3">
+                                            <p:txEl>
+                                              <p:pRg st="1" end="1"/>
+                                            </p:txEl>
+                                          </p:spTgt>
+                                        </p:tgtEl>
+                                        <p:attrNameLst>
+                                          <p:attrName>ppt_x</p:attrName>
+                                        </p:attrNameLst>
+                                      </p:cBhvr>
+                                      <p:tavLst>
+                                        <p:tav tm="0">
+                                          <p:val>
+                                            <p:strVal val="#ppt_x"/>
+                                          </p:val>
+                                        </p:tav>
+                                        <p:tav tm="100000">
+                                          <p:val>
+                                            <p:strVal val="#ppt_x"/>
+                                          </p:val>
+                                        </p:tav>
+                                      </p:tavLst>
+                                    </p:anim>
+                                    <p:anim calcmode="lin" valueType="num">
+                                      <p:cBhvr additive="base">
+                                        <p:cTn id="14" dur="500" fill="hold"/>
+                                        <p:tgtEl>
+                                          <p:spTgt spid="3">
+                                            <p:txEl>
+                                              <p:pRg st="1" end="1"/>
+                                            </p:txEl>
+                                          </p:spTgt>
+                                        </p:tgtEl>
+                                        <p:attrNameLst>
+                                          <p:attrName>ppt_y</p:attrName>
+                                        </p:attrNameLst>
+                                      </p:cBhvr>
+                                      <p:tavLst>
+                                        <p:tav tm="0">
+                                          <p:val>
+                                            <p:strVal val="1+#ppt_h/2"/>
+                                          </p:val>
+                                        </p:tav>
+                                        <p:tav tm="100000">
+                                          <p:val>
+                                            <p:strVal val="#ppt_y"/>
+                                          </p:val>
+                                        </p:tav>
+                                      </p:tavLst>
+                                    </p:anim>
+                                  </p:childTnLst>
+                                </p:cTn>
+                              </p:par>
+                            </p:childTnLst>
+                          </p:cTn>
+                        </p:par>
+                      </p:childTnLst>
+                    </p:cTn>
+                  </p:par>
+                  <p:par>
+                    <p:cTn id="15" fill="hold">
+                      <p:stCondLst>
+                        <p:cond delay="indefinite"/>
+                      </p:stCondLst>
+                      <p:childTnLst>
+                        <p:par>
+                          <p:cTn id="16" fill="hold">
+                            <p:stCondLst>
+                              <p:cond delay="0"/>
+                            </p:stCondLst>
+                            <p:childTnLst>
+                              <p:par>
+                                <p:cTn id="17" presetID="2" presetClass="entr" presetSubtype="4" fill="hold" grpId="0" nodeType="clickEffect">
+                                  <p:stCondLst>
+                                    <p:cond delay="0"/>
+                                  </p:stCondLst>
+                                  <p:childTnLst>
+                                    <p:set>
+                                      <p:cBhvr>
+                                        <p:cTn id="18" dur="1" fill="hold">
+                                          <p:stCondLst>
+                                            <p:cond delay="0"/>
+                                          </p:stCondLst>
+                                        </p:cTn>
+                                        <p:tgtEl>
+                                          <p:spTgt spid="3">
+                                            <p:txEl>
+                                              <p:pRg st="2" end="2"/>
+                                            </p:txEl>
+                                          </p:spTgt>
+                                        </p:tgtEl>
+                                        <p:attrNameLst>
+                                          <p:attrName>style.visibility</p:attrName>
+                                        </p:attrNameLst>
+                                      </p:cBhvr>
+                                      <p:to>
+                                        <p:strVal val="visible"/>
+                                      </p:to>
+                                    </p:set>
+                                    <p:anim calcmode="lin" valueType="num">
+                                      <p:cBhvr additive="base">
+                                        <p:cTn id="19" dur="500" fill="hold"/>
+                                        <p:tgtEl>
+                                          <p:spTgt spid="3">
+                                            <p:txEl>
+                                              <p:pRg st="2" end="2"/>
+                                            </p:txEl>
+                                          </p:spTgt>
+                                        </p:tgtEl>
+                                        <p:attrNameLst>
+                                          <p:attrName>ppt_x</p:attrName>
+                                        </p:attrNameLst>
+                                      </p:cBhvr>
+                                      <p:tavLst>
+                                        <p:tav tm="0">
+                                          <p:val>
+                                            <p:strVal val="#ppt_x"/>
+                                          </p:val>
+                                        </p:tav>
+                                        <p:tav tm="100000">
+                                          <p:val>
+                                            <p:strVal val="#ppt_x"/>
+                                          </p:val>
+                                        </p:tav>
+                                      </p:tavLst>
+                                    </p:anim>
+                                    <p:anim calcmode="lin" valueType="num">
+                                      <p:cBhvr additive="base">
+                                        <p:cTn id="20" dur="500" fill="hold"/>
+                                        <p:tgtEl>
+                                          <p:spTgt spid="3">
+                                            <p:txEl>
+                                              <p:pRg st="2" end="2"/>
+                                            </p:txEl>
+                                          </p:spTgt>
+                                        </p:tgtEl>
+                                        <p:attrNameLst>
+                                          <p:attrName>ppt_y</p:attrName>
+                                        </p:attrNameLst>
+                                      </p:cBhvr>
+                                      <p:tavLst>
+                                        <p:tav tm="0">
+                                          <p:val>
+                                            <p:strVal val="1+#ppt_h/2"/>
+                                          </p:val>
+                                        </p:tav>
+                                        <p:tav tm="100000">
+                                          <p:val>
+                                            <p:strVal val="#ppt_y"/>
+                                          </p:val>
+                                        </p:tav>
+                                      </p:tavLst>
+                                    </p:anim>
+                                  </p:childTnLst>
+                                </p:cTn>
+                              </p:par>
+                            </p:childTnLst>
+                          </p:cTn>
+                        </p:par>
+                      </p:childTnLst>
+                    </p:cTn>
+                  </p:par>
+                  <p:par>
+                    <p:cTn id="21" fill="hold">
+                      <p:stCondLst>
+                        <p:cond delay="indefinite"/>
+                      </p:stCondLst>
+                      <p:childTnLst>
+                        <p:par>
+                          <p:cTn id="22" fill="hold">
+                            <p:stCondLst>
+                              <p:cond delay="0"/>
+                            </p:stCondLst>
+                            <p:childTnLst>
+                              <p:par>
+                                <p:cTn id="23" presetID="2" presetClass="entr" presetSubtype="4" fill="hold" grpId="0" nodeType="clickEffect">
+                                  <p:stCondLst>
+                                    <p:cond delay="0"/>
+                                  </p:stCondLst>
+                                  <p:childTnLst>
+                                    <p:set>
+                                      <p:cBhvr>
+                                        <p:cTn id="24" dur="1" fill="hold">
+                                          <p:stCondLst>
+                                            <p:cond delay="0"/>
+                                          </p:stCondLst>
+                                        </p:cTn>
+                                        <p:tgtEl>
+                                          <p:spTgt spid="3">
+                                            <p:txEl>
+                                              <p:pRg st="3" end="3"/>
+                                            </p:txEl>
+                                          </p:spTgt>
+                                        </p:tgtEl>
+                                        <p:attrNameLst>
+                                          <p:attrName>style.visibility</p:attrName>
+                                        </p:attrNameLst>
+                                      </p:cBhvr>
+                                      <p:to>
+                                        <p:strVal val="visible"/>
+                                      </p:to>
+                                    </p:set>
+                                    <p:anim calcmode="lin" valueType="num">
+                                      <p:cBhvr additive="base">
+                                        <p:cTn id="25" dur="500" fill="hold"/>
+                                        <p:tgtEl>
+                                          <p:spTgt spid="3">
+                                            <p:txEl>
+                                              <p:pRg st="3" end="3"/>
+                                            </p:txEl>
+                                          </p:spTgt>
+                                        </p:tgtEl>
+                                        <p:attrNameLst>
+                                          <p:attrName>ppt_x</p:attrName>
+                                        </p:attrNameLst>
+                                      </p:cBhvr>
+                                      <p:tavLst>
+                                        <p:tav tm="0">
+                                          <p:val>
+                                            <p:strVal val="#ppt_x"/>
+                                          </p:val>
+                                        </p:tav>
+                                        <p:tav tm="100000">
+                                          <p:val>
+                                            <p:strVal val="#ppt_x"/>
+                                          </p:val>
+                                        </p:tav>
+                                      </p:tavLst>
+                                    </p:anim>
+                                    <p:anim calcmode="lin" valueType="num">
+                                      <p:cBhvr additive="base">
+                                        <p:cTn id="26" dur="500" fill="hold"/>
+                                        <p:tgtEl>
+                                          <p:spTgt spid="3">
+                                            <p:txEl>
+                                              <p:pRg st="3" end="3"/>
+                                            </p:txEl>
+                                          </p:spTgt>
+                                        </p:tgtEl>
+                                        <p:attrNameLst>
+                                          <p:attrName>ppt_y</p:attrName>
+                                        </p:attrNameLst>
+                                      </p:cBhvr>
+                                      <p:tavLst>
+                                        <p:tav tm="0">
+                                          <p:val>
+                                            <p:strVal val="1+#ppt_h/2"/>
+                                          </p:val>
+                                        </p:tav>
+                                        <p:tav tm="100000">
+                                          <p:val>
+                                            <p:strVal val="#ppt_y"/>
+                                          </p:val>
+                                        </p:tav>
+                                      </p:tavLst>
+                                    </p:anim>
+                                  </p:childTnLst>
+                                </p:cTn>
+                              </p:par>
+                            </p:childTnLst>
+                          </p:cTn>
+                        </p:par>
+                      </p:childTnLst>
+                    </p:cTn>
+                  </p:par>
+                  <p:par>
+                    <p:cTn id="27" fill="hold">
+                      <p:stCondLst>
+                        <p:cond delay="indefinite"/>
+                      </p:stCondLst>
+                      <p:childTnLst>
+                        <p:par>
+                          <p:cTn id="28" fill="hold">
+                            <p:stCondLst>
+                              <p:cond delay="0"/>
+                            </p:stCondLst>
+                            <p:childTnLst>
+                              <p:par>
+                                <p:cTn id="29" presetID="2" presetClass="entr" presetSubtype="4" fill="hold" grpId="0" nodeType="clickEffect">
+                                  <p:stCondLst>
+                                    <p:cond delay="0"/>
+                                  </p:stCondLst>
+                                  <p:childTnLst>
+                                    <p:set>
+                                      <p:cBhvr>
+                                        <p:cTn id="30" dur="1" fill="hold">
+                                          <p:stCondLst>
+                                            <p:cond delay="0"/>
+                                          </p:stCondLst>
+                                        </p:cTn>
+                                        <p:tgtEl>
+                                          <p:spTgt spid="3">
+                                            <p:txEl>
+                                              <p:pRg st="4" end="4"/>
+                                            </p:txEl>
+                                          </p:spTgt>
+                                        </p:tgtEl>
+                                        <p:attrNameLst>
+                                          <p:attrName>style.visibility</p:attrName>
+                                        </p:attrNameLst>
+                                      </p:cBhvr>
+                                      <p:to>
+                                        <p:strVal val="visible"/>
+                                      </p:to>
+                                    </p:set>
+                                    <p:anim calcmode="lin" valueType="num">
+                                      <p:cBhvr additive="base">
+                                        <p:cTn id="31" dur="500" fill="hold"/>
+                                        <p:tgtEl>
+                                          <p:spTgt spid="3">
+                                            <p:txEl>
+                                              <p:pRg st="4" end="4"/>
+                                            </p:txEl>
+                                          </p:spTgt>
+                                        </p:tgtEl>
+                                        <p:attrNameLst>
+                                          <p:attrName>ppt_x</p:attrName>
+                                        </p:attrNameLst>
+                                      </p:cBhvr>
+                                      <p:tavLst>
+                                        <p:tav tm="0">
+                                          <p:val>
+                                            <p:strVal val="#ppt_x"/>
+                                          </p:val>
+                                        </p:tav>
+                                        <p:tav tm="100000">
+                                          <p:val>
+                                            <p:strVal val="#ppt_x"/>
+                                          </p:val>
+                                        </p:tav>
+                                      </p:tavLst>
+                                    </p:anim>
+                                    <p:anim calcmode="lin" valueType="num">
+                                      <p:cBhvr additive="base">
+                                        <p:cTn id="32" dur="500" fill="hold"/>
+                                        <p:tgtEl>
+                                          <p:spTgt spid="3">
+                                            <p:txEl>
+                                              <p:pRg st="4" end="4"/>
+                                            </p:txEl>
+                                          </p:spTgt>
+                                        </p:tgtEl>
+                                        <p:attrNameLst>
+                                          <p:attrName>ppt_y</p:attrName>
+                                        </p:attrNameLst>
+                                      </p:cBhvr>
+                                      <p:tavLst>
+                                        <p:tav tm="0">
+                                          <p:val>
+                                            <p:strVal val="1+#ppt_h/2"/>
+                                          </p:val>
+                                        </p:tav>
+                                        <p:tav tm="100000">
+                                          <p:val>
+                                            <p:strVal val="#ppt_y"/>
+                                          </p:val>
+                                        </p:tav>
+                                      </p:tavLst>
+                                    </p:anim>
+                                  </p:childTnLst>
+                                </p:cTn>
+                              </p:par>
+                            </p:childTnLst>
+                          </p:cTn>
+                        </p:par>
+                      </p:childTnLst>
+                    </p:cTn>
+                  </p:par>
+                  <p:par>
+                    <p:cTn id="33" fill="hold">
+                      <p:stCondLst>
+                        <p:cond delay="indefinite"/>
+                      </p:stCondLst>
+                      <p:childTnLst>
+                        <p:par>
+                          <p:cTn id="34" fill="hold">
+                            <p:stCondLst>
+                              <p:cond delay="0"/>
+                            </p:stCondLst>
+                            <p:childTnLst>
+                              <p:par>
+                                <p:cTn id="35" presetID="2" presetClass="entr" presetSubtype="4" fill="hold" nodeType="clickEffect">
+                                  <p:stCondLst>
+                                    <p:cond delay="0"/>
+                                  </p:stCondLst>
+                                  <p:childTnLst>
+                                    <p:set>
+                                      <p:cBhvr>
+                                        <p:cTn id="36" dur="1" fill="hold">
+                                          <p:stCondLst>
+                                            <p:cond delay="0"/>
+                                          </p:stCondLst>
+                                        </p:cTn>
+                                        <p:tgtEl>
+                                          <p:spTgt spid="5"/>
+                                        </p:tgtEl>
+                                        <p:attrNameLst>
+                                          <p:attrName>style.visibility</p:attrName>
+                                        </p:attrNameLst>
+                                      </p:cBhvr>
+                                      <p:to>
+                                        <p:strVal val="visible"/>
+                                      </p:to>
+                                    </p:set>
+                                    <p:anim calcmode="lin" valueType="num">
+                                      <p:cBhvr additive="base">
+                                        <p:cTn id="37" dur="500" fill="hold"/>
+                                        <p:tgtEl>
+                                          <p:spTgt spid="5"/>
+                                        </p:tgtEl>
+                                        <p:attrNameLst>
+                                          <p:attrName>ppt_x</p:attrName>
+                                        </p:attrNameLst>
+                                      </p:cBhvr>
+                                      <p:tavLst>
+                                        <p:tav tm="0">
+                                          <p:val>
+                                            <p:strVal val="#ppt_x"/>
+                                          </p:val>
+                                        </p:tav>
+                                        <p:tav tm="100000">
+                                          <p:val>
+                                            <p:strVal val="#ppt_x"/>
+                                          </p:val>
+                                        </p:tav>
+                                      </p:tavLst>
+                                    </p:anim>
+                                    <p:anim calcmode="lin" valueType="num">
+                                      <p:cBhvr additive="base">
+                                        <p:cTn id="38" dur="500" fill="hold"/>
+                                        <p:tgtEl>
+                                          <p:spTgt spid="5"/>
+                                        </p:tgtEl>
+                                        <p:attrNameLst>
+                                          <p:attrName>ppt_y</p:attrName>
+                                        </p:attrNameLst>
+                                      </p:cBhvr>
+                                      <p:tavLst>
+                                        <p:tav tm="0">
+                                          <p:val>
+                                            <p:strVal val="1+#ppt_h/2"/>
+                                          </p:val>
+                                        </p:tav>
+                                        <p:tav tm="100000">
+                                          <p:val>
+                                            <p:strVal val="#ppt_y"/>
+                                          </p:val>
+                                        </p:tav>
+                                      </p:tavLst>
+                                    </p:anim>
+                                  </p:childTnLst>
+                                </p:cTn>
+                              </p:par>
+                            </p:childTnLst>
+                          </p:cTn>
+                        </p:par>
+                      </p:childTnLst>
+                    </p:cTn>
+                  </p:par>
+                </p:childTnLst>
+              </p:cTn>
+              <p:prevCondLst>
+                <p:cond evt="onPrev" delay="0">
+                  <p:tgtEl>
+                    <p:sldTgt/>
+                  </p:tgtEl>
+                </p:cond>
+              </p:prevCondLst>
+              <p:nextCondLst>
+                <p:cond evt="onNext" delay="0">
+                  <p:tgtEl>
+                    <p:sldTgt/>
+                  </p:tgtEl>
+                </p:cond>
+              </p:nextCondLst>
+            </p:seq>
+          </p:childTnLst>
+        </p:cTn>
+      </p:par>
+    </p:tnLst>
+    <p:bldLst>
+      <p:bldP spid="3" grpId="0" build="p"/>
+    </p:bldLst>
+  </p:timing>
 </p:sld>
 </file>
 
@@ -10468,6 +15939,9 @@
   <p:clrMapOvr>
     <a:masterClrMapping/>
   </p:clrMapOvr>
+  <p:transition spd="slow">
+    <p:push dir="u"/>
+  </p:transition>
 </p:sld>
 </file>
 
@@ -11005,6 +16479,9 @@
   <p:clrMapOvr>
     <a:masterClrMapping/>
   </p:clrMapOvr>
+  <p:transition spd="slow">
+    <p:push dir="u"/>
+  </p:transition>
 </p:sld>
 </file>
 
@@ -11078,6 +16555,9 @@
   <p:clrMapOvr>
     <a:masterClrMapping/>
   </p:clrMapOvr>
+  <p:transition spd="slow">
+    <p:push dir="u"/>
+  </p:transition>
 </p:sld>
 </file>
 
@@ -11660,12 +17140,6 @@
 </file>
 
 <file path=customXml/item1.xml><?xml version="1.0" encoding="utf-8"?>
-<p:properties xmlns:p="http://schemas.microsoft.com/office/2006/metadata/properties" xmlns:xsi="http://www.w3.org/2001/XMLSchema-instance" xmlns:pc="http://schemas.microsoft.com/office/infopath/2007/PartnerControls">
-  <documentManagement/>
-</p:properties>
-</file>
-
-<file path=customXml/item2.xml><?xml version="1.0" encoding="utf-8"?>
 <ct:contentTypeSchema xmlns:ct="http://schemas.microsoft.com/office/2006/metadata/contentType" xmlns:ma="http://schemas.microsoft.com/office/2006/metadata/properties/metaAttributes" ct:_="" ma:_="" ma:contentTypeName="Document" ma:contentTypeID="0x010100062A1965C0ED8D4B93D90EC9097FB304" ma:contentTypeVersion="13" ma:contentTypeDescription="Create a new document." ma:contentTypeScope="" ma:versionID="ad8c00255a362f38b965062bb6973433">
   <xsd:schema xmlns:xsd="http://www.w3.org/2001/XMLSchema" xmlns:xs="http://www.w3.org/2001/XMLSchema" xmlns:p="http://schemas.microsoft.com/office/2006/metadata/properties" xmlns:ns3="cab83b3b-4db3-4a13-8dd4-e60be6d87cf5" xmlns:ns4="c2e86655-d7ed-4420-bc92-1b9547829f54" targetNamespace="http://schemas.microsoft.com/office/2006/metadata/properties" ma:root="true" ma:fieldsID="d47f86c9060cacabc5fb99b2dd628c7d" ns3:_="" ns4:_="">
     <xsd:import namespace="cab83b3b-4db3-4a13-8dd4-e60be6d87cf5"/>
@@ -11888,6 +17362,12 @@
 </ct:contentTypeSchema>
 </file>
 
+<file path=customXml/item2.xml><?xml version="1.0" encoding="utf-8"?>
+<p:properties xmlns:p="http://schemas.microsoft.com/office/2006/metadata/properties" xmlns:xsi="http://www.w3.org/2001/XMLSchema-instance" xmlns:pc="http://schemas.microsoft.com/office/infopath/2007/PartnerControls">
+  <documentManagement/>
+</p:properties>
+</file>
+
 <file path=customXml/item3.xml><?xml version="1.0" encoding="utf-8"?>
 <?mso-contentType ?>
 <FormTemplates xmlns="http://schemas.microsoft.com/sharepoint/v3/contenttype/forms">
@@ -11898,23 +17378,6 @@
 </file>
 
 <file path=customXml/itemProps1.xml><?xml version="1.0" encoding="utf-8"?>
-<ds:datastoreItem xmlns:ds="http://schemas.openxmlformats.org/officeDocument/2006/customXml" ds:itemID="{1B174DBE-1AD7-495B-B168-212A7EE723A6}">
-  <ds:schemaRefs>
-    <ds:schemaRef ds:uri="http://purl.org/dc/terms/"/>
-    <ds:schemaRef ds:uri="http://schemas.openxmlformats.org/package/2006/metadata/core-properties"/>
-    <ds:schemaRef ds:uri="c2e86655-d7ed-4420-bc92-1b9547829f54"/>
-    <ds:schemaRef ds:uri="http://schemas.microsoft.com/office/2006/documentManagement/types"/>
-    <ds:schemaRef ds:uri="cab83b3b-4db3-4a13-8dd4-e60be6d87cf5"/>
-    <ds:schemaRef ds:uri="http://purl.org/dc/elements/1.1/"/>
-    <ds:schemaRef ds:uri="http://schemas.microsoft.com/office/2006/metadata/properties"/>
-    <ds:schemaRef ds:uri="http://schemas.microsoft.com/office/infopath/2007/PartnerControls"/>
-    <ds:schemaRef ds:uri="http://www.w3.org/XML/1998/namespace"/>
-    <ds:schemaRef ds:uri="http://purl.org/dc/dcmitype/"/>
-  </ds:schemaRefs>
-</ds:datastoreItem>
-</file>
-
-<file path=customXml/itemProps2.xml><?xml version="1.0" encoding="utf-8"?>
 <ds:datastoreItem xmlns:ds="http://schemas.openxmlformats.org/officeDocument/2006/customXml" ds:itemID="{03233C07-2685-44F7-9601-FF64EA49BA1B}">
   <ds:schemaRefs>
     <ds:schemaRef ds:uri="http://schemas.microsoft.com/office/2006/metadata/contentType"/>
@@ -11933,6 +17396,23 @@
 </ds:datastoreItem>
 </file>
 
+<file path=customXml/itemProps2.xml><?xml version="1.0" encoding="utf-8"?>
+<ds:datastoreItem xmlns:ds="http://schemas.openxmlformats.org/officeDocument/2006/customXml" ds:itemID="{1B174DBE-1AD7-495B-B168-212A7EE723A6}">
+  <ds:schemaRefs>
+    <ds:schemaRef ds:uri="http://purl.org/dc/terms/"/>
+    <ds:schemaRef ds:uri="http://schemas.openxmlformats.org/package/2006/metadata/core-properties"/>
+    <ds:schemaRef ds:uri="c2e86655-d7ed-4420-bc92-1b9547829f54"/>
+    <ds:schemaRef ds:uri="http://schemas.microsoft.com/office/2006/documentManagement/types"/>
+    <ds:schemaRef ds:uri="cab83b3b-4db3-4a13-8dd4-e60be6d87cf5"/>
+    <ds:schemaRef ds:uri="http://purl.org/dc/elements/1.1/"/>
+    <ds:schemaRef ds:uri="http://schemas.microsoft.com/office/2006/metadata/properties"/>
+    <ds:schemaRef ds:uri="http://schemas.microsoft.com/office/infopath/2007/PartnerControls"/>
+    <ds:schemaRef ds:uri="http://www.w3.org/XML/1998/namespace"/>
+    <ds:schemaRef ds:uri="http://purl.org/dc/dcmitype/"/>
+  </ds:schemaRefs>
+</ds:datastoreItem>
+</file>
+
 <file path=customXml/itemProps3.xml><?xml version="1.0" encoding="utf-8"?>
 <ds:datastoreItem xmlns:ds="http://schemas.openxmlformats.org/officeDocument/2006/customXml" ds:itemID="{07A05CC1-FF68-453F-AE9C-352B80151440}">
   <ds:schemaRefs>

--- a/thesis/ukapp2/wqu_isc/sofware_design/Lesson 3 - Java.pptx
+++ b/thesis/ukapp2/wqu_isc/sofware_design/Lesson 3 - Java.pptx
@@ -1,6 +1,6 @@
 
 <file path=ppt/presentation.xml><?xml version="1.0" encoding="utf-8"?>
-<p:presentation xmlns:a="http://schemas.openxmlformats.org/drawingml/2006/main" xmlns:r="http://schemas.openxmlformats.org/officeDocument/2006/relationships" xmlns:p="http://schemas.openxmlformats.org/presentationml/2006/main" saveSubsetFonts="1">
+<p:presentation xmlns:a="http://schemas.openxmlformats.org/drawingml/2006/main" xmlns:r="http://schemas.openxmlformats.org/officeDocument/2006/relationships" xmlns:p="http://schemas.openxmlformats.org/presentationml/2006/main" embedTrueTypeFonts="1" saveSubsetFonts="1">
   <p:sldMasterIdLst>
     <p:sldMasterId id="2147483672" r:id="rId4"/>
   </p:sldMasterIdLst>
@@ -26,6 +26,24 @@
   </p:sldIdLst>
   <p:sldSz cx="9144000" cy="6858000" type="screen4x3"/>
   <p:notesSz cx="6858000" cy="9144000"/>
+  <p:embeddedFontLst>
+    <p:embeddedFont>
+      <p:font typeface="Calibri" panose="020F0502020204030204" pitchFamily="34" charset="0"/>
+      <p:regular r:id="rId21"/>
+      <p:bold r:id="rId22"/>
+      <p:italic r:id="rId23"/>
+      <p:boldItalic r:id="rId24"/>
+    </p:embeddedFont>
+    <p:embeddedFont>
+      <p:font typeface="Calibri Light" panose="020F0302020204030204" pitchFamily="34" charset="0"/>
+      <p:regular r:id="rId25"/>
+      <p:italic r:id="rId26"/>
+    </p:embeddedFont>
+    <p:embeddedFont>
+      <p:font typeface="Cambria Math" panose="02040503050406030204" pitchFamily="18" charset="0"/>
+      <p:regular r:id="rId27"/>
+    </p:embeddedFont>
+  </p:embeddedFontLst>
   <p:defaultTextStyle>
     <a:defPPr>
       <a:defRPr lang="en-US"/>
@@ -211,7 +229,7 @@
           <a:p>
             <a:fld id="{2D17C26A-2D19-4E2A-9B61-80C5B9CBF214}" type="datetimeFigureOut">
               <a:rPr lang="en-GB" smtClean="0"/>
-              <a:t>19/10/2020</a:t>
+              <a:t>20/10/2020</a:t>
             </a:fld>
             <a:endParaRPr lang="en-GB"/>
           </a:p>
@@ -2437,7 +2455,7 @@
           <a:p>
             <a:fld id="{CD13FC2D-BEDB-45BE-AF82-649A39BEFF71}" type="datetimeFigureOut">
               <a:rPr lang="en-GB" smtClean="0"/>
-              <a:t>19/10/2020</a:t>
+              <a:t>20/10/2020</a:t>
             </a:fld>
             <a:endParaRPr lang="en-GB"/>
           </a:p>
@@ -2648,7 +2666,7 @@
           <a:p>
             <a:fld id="{CD13FC2D-BEDB-45BE-AF82-649A39BEFF71}" type="datetimeFigureOut">
               <a:rPr lang="en-GB" smtClean="0"/>
-              <a:t>19/10/2020</a:t>
+              <a:t>20/10/2020</a:t>
             </a:fld>
             <a:endParaRPr lang="en-GB"/>
           </a:p>
@@ -2907,7 +2925,7 @@
           <a:p>
             <a:fld id="{CD13FC2D-BEDB-45BE-AF82-649A39BEFF71}" type="datetimeFigureOut">
               <a:rPr lang="en-GB" smtClean="0"/>
-              <a:t>19/10/2020</a:t>
+              <a:t>20/10/2020</a:t>
             </a:fld>
             <a:endParaRPr lang="en-GB"/>
           </a:p>
@@ -3080,7 +3098,7 @@
           <a:p>
             <a:fld id="{CD13FC2D-BEDB-45BE-AF82-649A39BEFF71}" type="datetimeFigureOut">
               <a:rPr lang="en-GB" smtClean="0"/>
-              <a:t>19/10/2020</a:t>
+              <a:t>20/10/2020</a:t>
             </a:fld>
             <a:endParaRPr lang="en-GB"/>
           </a:p>
@@ -3426,7 +3444,7 @@
           <a:p>
             <a:fld id="{CD13FC2D-BEDB-45BE-AF82-649A39BEFF71}" type="datetimeFigureOut">
               <a:rPr lang="en-GB" smtClean="0"/>
-              <a:t>19/10/2020</a:t>
+              <a:t>20/10/2020</a:t>
             </a:fld>
             <a:endParaRPr lang="en-GB"/>
           </a:p>
@@ -3704,7 +3722,7 @@
           <a:p>
             <a:fld id="{CD13FC2D-BEDB-45BE-AF82-649A39BEFF71}" type="datetimeFigureOut">
               <a:rPr lang="en-GB" smtClean="0"/>
-              <a:t>19/10/2020</a:t>
+              <a:t>20/10/2020</a:t>
             </a:fld>
             <a:endParaRPr lang="en-GB"/>
           </a:p>
@@ -4086,7 +4104,7 @@
           <a:p>
             <a:fld id="{CD13FC2D-BEDB-45BE-AF82-649A39BEFF71}" type="datetimeFigureOut">
               <a:rPr lang="en-GB" smtClean="0"/>
-              <a:t>19/10/2020</a:t>
+              <a:t>20/10/2020</a:t>
             </a:fld>
             <a:endParaRPr lang="en-GB"/>
           </a:p>
@@ -4207,7 +4225,7 @@
           <a:p>
             <a:fld id="{CD13FC2D-BEDB-45BE-AF82-649A39BEFF71}" type="datetimeFigureOut">
               <a:rPr lang="en-GB" smtClean="0"/>
-              <a:t>19/10/2020</a:t>
+              <a:t>20/10/2020</a:t>
             </a:fld>
             <a:endParaRPr lang="en-GB"/>
           </a:p>
@@ -4381,7 +4399,7 @@
           <a:p>
             <a:fld id="{CD13FC2D-BEDB-45BE-AF82-649A39BEFF71}" type="datetimeFigureOut">
               <a:rPr lang="en-GB" smtClean="0"/>
-              <a:t>19/10/2020</a:t>
+              <a:t>20/10/2020</a:t>
             </a:fld>
             <a:endParaRPr lang="en-GB"/>
           </a:p>
@@ -4738,7 +4756,7 @@
           <a:p>
             <a:fld id="{CD13FC2D-BEDB-45BE-AF82-649A39BEFF71}" type="datetimeFigureOut">
               <a:rPr lang="en-GB" smtClean="0"/>
-              <a:t>19/10/2020</a:t>
+              <a:t>20/10/2020</a:t>
             </a:fld>
             <a:endParaRPr lang="en-GB"/>
           </a:p>
@@ -5123,7 +5141,7 @@
           <a:p>
             <a:fld id="{CD13FC2D-BEDB-45BE-AF82-649A39BEFF71}" type="datetimeFigureOut">
               <a:rPr lang="en-GB" smtClean="0"/>
-              <a:t>19/10/2020</a:t>
+              <a:t>20/10/2020</a:t>
             </a:fld>
             <a:endParaRPr lang="en-GB"/>
           </a:p>
@@ -5413,7 +5431,7 @@
           <a:p>
             <a:fld id="{CD13FC2D-BEDB-45BE-AF82-649A39BEFF71}" type="datetimeFigureOut">
               <a:rPr lang="en-GB" smtClean="0"/>
-              <a:t>19/10/2020</a:t>
+              <a:t>20/10/2020</a:t>
             </a:fld>
             <a:endParaRPr lang="en-GB"/>
           </a:p>
@@ -6042,13 +6060,8 @@
             </a:pPr>
             <a:r>
               <a:rPr lang="en-GB" sz="2400" dirty="0"/>
-              <a:t>Name : John </a:t>
-            </a:r>
-            <a:r>
-              <a:rPr lang="en-GB" sz="2400" dirty="0" err="1"/>
-              <a:t>Alamina</a:t>
-            </a:r>
-            <a:endParaRPr lang="en-GB" sz="2400" dirty="0"/>
+              <a:t>Name : John Alamina</a:t>
+            </a:r>
           </a:p>
           <a:p>
             <a:pPr>
@@ -6126,8 +6139,8 @@
           </a:p>
         </p:txBody>
       </p:sp>
-      <mc:AlternateContent xmlns:mc="http://schemas.openxmlformats.org/markup-compatibility/2006" xmlns:a14="http://schemas.microsoft.com/office/drawing/2010/main">
-        <mc:Choice Requires="a14">
+      <mc:AlternateContent xmlns:mc="http://schemas.openxmlformats.org/markup-compatibility/2006">
+        <mc:Choice xmlns:a14="http://schemas.microsoft.com/office/drawing/2010/main" Requires="a14">
           <p:sp>
             <p:nvSpPr>
               <p:cNvPr id="5" name="Content Placeholder 4">
@@ -6339,10 +6352,45 @@
                 </a14:m>
                 <a:endParaRPr lang="en-GB" dirty="0"/>
               </a:p>
+              <a:p>
+                <a:pPr>
+                  <a:buFont typeface="Wingdings" panose="05000000000000000000" pitchFamily="2" charset="2"/>
+                  <a:buChar char="v"/>
+                </a:pPr>
+                <a:r>
+                  <a:rPr lang="en-GB" dirty="0"/>
+                  <a:t> where</a:t>
+                </a:r>
+              </a:p>
+              <a:p>
+                <a:pPr lvl="1">
+                  <a:buFont typeface="Wingdings" panose="05000000000000000000" pitchFamily="2" charset="2"/>
+                  <a:buChar char="v"/>
+                </a:pPr>
+                <a:r>
+                  <a:rPr lang="en-GB" dirty="0"/>
+                  <a:t>n= number of payments to be made</a:t>
+                </a:r>
+              </a:p>
+              <a:p>
+                <a:pPr lvl="1">
+                  <a:buFont typeface="Wingdings" panose="05000000000000000000" pitchFamily="2" charset="2"/>
+                  <a:buChar char="v"/>
+                </a:pPr>
+                <a:r>
+                  <a:rPr lang="en-GB" dirty="0"/>
+                  <a:t>r = interest rate </a:t>
+                </a:r>
+                <a:r>
+                  <a:rPr lang="en-GB"/>
+                  <a:t>per payment period</a:t>
+                </a:r>
+                <a:endParaRPr lang="en-GB" dirty="0"/>
+              </a:p>
             </p:txBody>
           </p:sp>
         </mc:Choice>
-        <mc:Fallback xmlns="">
+        <mc:Fallback>
           <p:sp>
             <p:nvSpPr>
               <p:cNvPr id="5" name="Content Placeholder 4">
@@ -6708,6 +6756,153 @@
                       </p:childTnLst>
                     </p:cTn>
                   </p:par>
+                  <p:par>
+                    <p:cTn id="28" fill="hold">
+                      <p:stCondLst>
+                        <p:cond delay="indefinite"/>
+                      </p:stCondLst>
+                      <p:childTnLst>
+                        <p:par>
+                          <p:cTn id="29" fill="hold">
+                            <p:stCondLst>
+                              <p:cond delay="0"/>
+                            </p:stCondLst>
+                            <p:childTnLst>
+                              <p:par>
+                                <p:cTn id="30" presetID="10" presetClass="entr" presetSubtype="0" fill="hold" grpId="0" nodeType="clickEffect">
+                                  <p:stCondLst>
+                                    <p:cond delay="0"/>
+                                  </p:stCondLst>
+                                  <p:childTnLst>
+                                    <p:set>
+                                      <p:cBhvr>
+                                        <p:cTn id="31" dur="1" fill="hold">
+                                          <p:stCondLst>
+                                            <p:cond delay="0"/>
+                                          </p:stCondLst>
+                                        </p:cTn>
+                                        <p:tgtEl>
+                                          <p:spTgt spid="5">
+                                            <p:txEl>
+                                              <p:pRg st="5" end="5"/>
+                                            </p:txEl>
+                                          </p:spTgt>
+                                        </p:tgtEl>
+                                        <p:attrNameLst>
+                                          <p:attrName>style.visibility</p:attrName>
+                                        </p:attrNameLst>
+                                      </p:cBhvr>
+                                      <p:to>
+                                        <p:strVal val="visible"/>
+                                      </p:to>
+                                    </p:set>
+                                    <p:animEffect transition="in" filter="fade">
+                                      <p:cBhvr>
+                                        <p:cTn id="32" dur="500"/>
+                                        <p:tgtEl>
+                                          <p:spTgt spid="5">
+                                            <p:txEl>
+                                              <p:pRg st="5" end="5"/>
+                                            </p:txEl>
+                                          </p:spTgt>
+                                        </p:tgtEl>
+                                      </p:cBhvr>
+                                    </p:animEffect>
+                                  </p:childTnLst>
+                                </p:cTn>
+                              </p:par>
+                              <p:par>
+                                <p:cTn id="33" presetID="10" presetClass="entr" presetSubtype="0" fill="hold" grpId="0" nodeType="withEffect">
+                                  <p:stCondLst>
+                                    <p:cond delay="0"/>
+                                  </p:stCondLst>
+                                  <p:childTnLst>
+                                    <p:set>
+                                      <p:cBhvr>
+                                        <p:cTn id="34" dur="1" fill="hold">
+                                          <p:stCondLst>
+                                            <p:cond delay="0"/>
+                                          </p:stCondLst>
+                                        </p:cTn>
+                                        <p:tgtEl>
+                                          <p:spTgt spid="5">
+                                            <p:txEl>
+                                              <p:pRg st="6" end="6"/>
+                                            </p:txEl>
+                                          </p:spTgt>
+                                        </p:tgtEl>
+                                        <p:attrNameLst>
+                                          <p:attrName>style.visibility</p:attrName>
+                                        </p:attrNameLst>
+                                      </p:cBhvr>
+                                      <p:to>
+                                        <p:strVal val="visible"/>
+                                      </p:to>
+                                    </p:set>
+                                    <p:animEffect transition="in" filter="fade">
+                                      <p:cBhvr>
+                                        <p:cTn id="35" dur="500"/>
+                                        <p:tgtEl>
+                                          <p:spTgt spid="5">
+                                            <p:txEl>
+                                              <p:pRg st="6" end="6"/>
+                                            </p:txEl>
+                                          </p:spTgt>
+                                        </p:tgtEl>
+                                      </p:cBhvr>
+                                    </p:animEffect>
+                                  </p:childTnLst>
+                                </p:cTn>
+                              </p:par>
+                              <p:par>
+                                <p:cTn id="36" presetID="10" presetClass="entr" presetSubtype="0" fill="hold" grpId="0" nodeType="withEffect">
+                                  <p:stCondLst>
+                                    <p:cond delay="0"/>
+                                  </p:stCondLst>
+                                  <p:childTnLst>
+                                    <p:set>
+                                      <p:cBhvr>
+                                        <p:cTn id="37" dur="1" fill="hold">
+                                          <p:stCondLst>
+                                            <p:cond delay="0"/>
+                                          </p:stCondLst>
+                                        </p:cTn>
+                                        <p:tgtEl>
+                                          <p:spTgt spid="5">
+                                            <p:txEl>
+                                              <p:pRg st="7" end="7"/>
+                                            </p:txEl>
+                                          </p:spTgt>
+                                        </p:tgtEl>
+                                        <p:attrNameLst>
+                                          <p:attrName>style.visibility</p:attrName>
+                                        </p:attrNameLst>
+                                      </p:cBhvr>
+                                      <p:to>
+                                        <p:strVal val="visible"/>
+                                      </p:to>
+                                    </p:set>
+                                    <p:animEffect transition="in" filter="fade">
+                                      <p:cBhvr>
+                                        <p:cTn id="38" dur="500"/>
+                                        <p:tgtEl>
+                                          <p:spTgt spid="5">
+                                            <p:txEl>
+                                              <p:pRg st="7" end="7"/>
+                                            </p:txEl>
+                                          </p:spTgt>
+                                        </p:tgtEl>
+                                      </p:cBhvr>
+                                    </p:animEffect>
+                                  </p:childTnLst>
+                                </p:cTn>
+                              </p:par>
+                            </p:childTnLst>
+                          </p:cTn>
+                        </p:par>
+                      </p:childTnLst>
+                    </p:cTn>
+                  </p:par>
                 </p:childTnLst>
               </p:cTn>
               <p:prevCondLst>
@@ -8920,7 +9115,7 @@
             </a:pPr>
             <a:r>
               <a:rPr lang="en-GB" dirty="0"/>
-              <a:t>s = “hello world!”</a:t>
+              <a:t>s = “hello world!”;</a:t>
             </a:r>
           </a:p>
           <a:p>
@@ -11337,8 +11532,8 @@
           </a:p>
         </p:txBody>
       </p:sp>
-      <mc:AlternateContent xmlns:mc="http://schemas.openxmlformats.org/markup-compatibility/2006">
-        <mc:Choice xmlns:a14="http://schemas.microsoft.com/office/drawing/2010/main" Requires="a14">
+      <mc:AlternateContent xmlns:mc="http://schemas.openxmlformats.org/markup-compatibility/2006" xmlns:a14="http://schemas.microsoft.com/office/drawing/2010/main">
+        <mc:Choice Requires="a14">
           <p:sp>
             <p:nvSpPr>
               <p:cNvPr id="6" name="Content Placeholder 5">
@@ -11635,7 +11830,7 @@
             </p:txBody>
           </p:sp>
         </mc:Choice>
-        <mc:Fallback>
+        <mc:Fallback xmlns="">
           <p:sp>
             <p:nvSpPr>
               <p:cNvPr id="6" name="Content Placeholder 5">
@@ -17363,18 +17558,18 @@
 </file>
 
 <file path=customXml/item2.xml><?xml version="1.0" encoding="utf-8"?>
-<p:properties xmlns:p="http://schemas.microsoft.com/office/2006/metadata/properties" xmlns:xsi="http://www.w3.org/2001/XMLSchema-instance" xmlns:pc="http://schemas.microsoft.com/office/infopath/2007/PartnerControls">
-  <documentManagement/>
-</p:properties>
-</file>
-
-<file path=customXml/item3.xml><?xml version="1.0" encoding="utf-8"?>
 <?mso-contentType ?>
 <FormTemplates xmlns="http://schemas.microsoft.com/sharepoint/v3/contenttype/forms">
   <Display>DocumentLibraryForm</Display>
   <Edit>DocumentLibraryForm</Edit>
   <New>DocumentLibraryForm</New>
 </FormTemplates>
+</file>
+
+<file path=customXml/item3.xml><?xml version="1.0" encoding="utf-8"?>
+<p:properties xmlns:p="http://schemas.microsoft.com/office/2006/metadata/properties" xmlns:xsi="http://www.w3.org/2001/XMLSchema-instance" xmlns:pc="http://schemas.microsoft.com/office/infopath/2007/PartnerControls">
+  <documentManagement/>
+</p:properties>
 </file>
 
 <file path=customXml/itemProps1.xml><?xml version="1.0" encoding="utf-8"?>
@@ -17397,6 +17592,14 @@
 </file>
 
 <file path=customXml/itemProps2.xml><?xml version="1.0" encoding="utf-8"?>
+<ds:datastoreItem xmlns:ds="http://schemas.openxmlformats.org/officeDocument/2006/customXml" ds:itemID="{07A05CC1-FF68-453F-AE9C-352B80151440}">
+  <ds:schemaRefs>
+    <ds:schemaRef ds:uri="http://schemas.microsoft.com/sharepoint/v3/contenttype/forms"/>
+  </ds:schemaRefs>
+</ds:datastoreItem>
+</file>
+
+<file path=customXml/itemProps3.xml><?xml version="1.0" encoding="utf-8"?>
 <ds:datastoreItem xmlns:ds="http://schemas.openxmlformats.org/officeDocument/2006/customXml" ds:itemID="{1B174DBE-1AD7-495B-B168-212A7EE723A6}">
   <ds:schemaRefs>
     <ds:schemaRef ds:uri="http://purl.org/dc/terms/"/>
@@ -17411,12 +17614,4 @@
     <ds:schemaRef ds:uri="http://purl.org/dc/dcmitype/"/>
   </ds:schemaRefs>
 </ds:datastoreItem>
-</file>
-
-<file path=customXml/itemProps3.xml><?xml version="1.0" encoding="utf-8"?>
-<ds:datastoreItem xmlns:ds="http://schemas.openxmlformats.org/officeDocument/2006/customXml" ds:itemID="{07A05CC1-FF68-453F-AE9C-352B80151440}">
-  <ds:schemaRefs>
-    <ds:schemaRef ds:uri="http://schemas.microsoft.com/sharepoint/v3/contenttype/forms"/>
-  </ds:schemaRefs>
-</ds:datastoreItem>
 </file>